--- a/Projet 5 - Catégorisez automatiquement des questions.pptx
+++ b/Projet 5 - Catégorisez automatiquement des questions.pptx
@@ -5,21 +5,26 @@
     <p:sldMasterId id="2147483648" r:id="rId1"/>
   </p:sldMasterIdLst>
   <p:notesMasterIdLst>
-    <p:notesMasterId r:id="rId14"/>
+    <p:notesMasterId r:id="rId19"/>
   </p:notesMasterIdLst>
   <p:sldIdLst>
     <p:sldId id="256" r:id="rId2"/>
     <p:sldId id="262" r:id="rId3"/>
     <p:sldId id="263" r:id="rId4"/>
-    <p:sldId id="258" r:id="rId5"/>
-    <p:sldId id="264" r:id="rId6"/>
-    <p:sldId id="260" r:id="rId7"/>
-    <p:sldId id="273" r:id="rId8"/>
-    <p:sldId id="275" r:id="rId9"/>
-    <p:sldId id="287" r:id="rId10"/>
-    <p:sldId id="288" r:id="rId11"/>
-    <p:sldId id="289" r:id="rId12"/>
-    <p:sldId id="286" r:id="rId13"/>
+    <p:sldId id="290" r:id="rId5"/>
+    <p:sldId id="258" r:id="rId6"/>
+    <p:sldId id="291" r:id="rId7"/>
+    <p:sldId id="264" r:id="rId8"/>
+    <p:sldId id="260" r:id="rId9"/>
+    <p:sldId id="292" r:id="rId10"/>
+    <p:sldId id="293" r:id="rId11"/>
+    <p:sldId id="273" r:id="rId12"/>
+    <p:sldId id="294" r:id="rId13"/>
+    <p:sldId id="275" r:id="rId14"/>
+    <p:sldId id="287" r:id="rId15"/>
+    <p:sldId id="288" r:id="rId16"/>
+    <p:sldId id="289" r:id="rId17"/>
+    <p:sldId id="286" r:id="rId18"/>
   </p:sldIdLst>
   <p:sldSz cx="9144000" cy="6858000" type="screen4x3"/>
   <p:notesSz cx="6858000" cy="9144000"/>
@@ -938,7 +943,7 @@
 <dgm:dataModel xmlns:dgm="http://schemas.openxmlformats.org/drawingml/2006/diagram" xmlns:a="http://schemas.openxmlformats.org/drawingml/2006/main">
   <dgm:ptLst>
     <dgm:pt modelId="{BF4C1E75-922B-472E-9D19-EB8BDD56C5EE}" type="doc">
-      <dgm:prSet loTypeId="urn:microsoft.com/office/officeart/2005/8/layout/hierarchy6" loCatId="hierarchy" qsTypeId="urn:microsoft.com/office/officeart/2005/8/quickstyle/simple3" qsCatId="simple" csTypeId="urn:microsoft.com/office/officeart/2005/8/colors/accent0_1" csCatId="mainScheme" phldr="1"/>
+      <dgm:prSet loTypeId="urn:microsoft.com/office/officeart/2005/8/layout/hierarchy2" loCatId="hierarchy" qsTypeId="urn:microsoft.com/office/officeart/2005/8/quickstyle/simple3" qsCatId="simple" csTypeId="urn:microsoft.com/office/officeart/2005/8/colors/accent0_1" csCatId="mainScheme" phldr="1"/>
       <dgm:spPr/>
       <dgm:t>
         <a:bodyPr/>
@@ -957,7 +962,11 @@
         <a:p>
           <a:r>
             <a:rPr lang="fr-FR" b="1" dirty="0" smtClean="0"/>
-            <a:t>1. Analyse exploratoire de tables « à plat »</a:t>
+            <a:t>1. </a:t>
+          </a:r>
+          <a:r>
+            <a:rPr lang="fr-FR" b="1" dirty="0" smtClean="0"/>
+            <a:t>Suppression de code</a:t>
           </a:r>
           <a:endParaRPr lang="fr-FR" b="1" dirty="0"/>
         </a:p>
@@ -994,7 +1003,11 @@
         <a:p>
           <a:r>
             <a:rPr lang="fr-FR" b="1" dirty="0" smtClean="0"/>
-            <a:t>2. Fusion de tables</a:t>
+            <a:t>2. </a:t>
+          </a:r>
+          <a:r>
+            <a:rPr lang="fr-FR" b="1" dirty="0" smtClean="0"/>
+            <a:t>Suppression de balises html</a:t>
           </a:r>
           <a:endParaRPr lang="fr-FR" b="1" dirty="0"/>
         </a:p>
@@ -1031,8 +1044,17 @@
         <a:p>
           <a:r>
             <a:rPr lang="fr-FR" b="1" dirty="0" smtClean="0"/>
-            <a:t>4. Analyse exploratoire table finale</a:t>
+            <a:t>4. </a:t>
           </a:r>
+          <a:r>
+            <a:rPr lang="fr-FR" b="1" dirty="0" smtClean="0"/>
+            <a:t>Mise en minuscule + </a:t>
+          </a:r>
+          <a:r>
+            <a:rPr lang="fr-FR" b="1" dirty="0" err="1" smtClean="0"/>
+            <a:t>tokenization</a:t>
+          </a:r>
+          <a:endParaRPr lang="fr-FR" b="1" dirty="0" smtClean="0"/>
         </a:p>
       </dgm:t>
     </dgm:pt>
@@ -1067,15 +1089,13 @@
         <a:p>
           <a:r>
             <a:rPr lang="fr-FR" b="1" dirty="0" smtClean="0"/>
-            <a:t>3. Construction de features :</a:t>
+            <a:t>3</a:t>
           </a:r>
-        </a:p>
-        <a:p>
           <a:r>
-            <a:rPr lang="fr-FR" b="0" dirty="0" smtClean="0"/>
-            <a:t>Variables agrégées</a:t>
+            <a:rPr lang="fr-FR" b="1" dirty="0" smtClean="0"/>
+            <a:t>. Suppression de caractères spéciaux </a:t>
           </a:r>
-          <a:endParaRPr lang="fr-FR" b="0" dirty="0"/>
+          <a:endParaRPr lang="fr-FR" b="1" dirty="0" smtClean="0"/>
         </a:p>
       </dgm:t>
     </dgm:pt>
@@ -1101,8 +1121,86 @@
         </a:p>
       </dgm:t>
     </dgm:pt>
-    <dgm:pt modelId="{DEB99EF2-3BF0-41A3-A443-4A4B46E780AD}" type="pres">
-      <dgm:prSet presAssocID="{BF4C1E75-922B-472E-9D19-EB8BDD56C5EE}" presName="mainComposite" presStyleCnt="0">
+    <dgm:pt modelId="{CE620C64-F01A-4265-9196-69DD154B720C}">
+      <dgm:prSet phldrT="[Text]"/>
+      <dgm:spPr/>
+      <dgm:t>
+        <a:bodyPr/>
+        <a:lstStyle/>
+        <a:p>
+          <a:r>
+            <a:rPr lang="fr-FR" b="1" dirty="0" smtClean="0"/>
+            <a:t>5. Suppression de stop </a:t>
+          </a:r>
+          <a:r>
+            <a:rPr lang="fr-FR" b="1" dirty="0" err="1" smtClean="0"/>
+            <a:t>words</a:t>
+          </a:r>
+          <a:endParaRPr lang="fr-FR" b="1" dirty="0" smtClean="0"/>
+        </a:p>
+      </dgm:t>
+    </dgm:pt>
+    <dgm:pt modelId="{884DC013-892A-4623-9361-D8D7E00F50F5}" type="parTrans" cxnId="{342392F3-91A9-499B-9B03-C18899A8AA11}">
+      <dgm:prSet/>
+      <dgm:spPr/>
+      <dgm:t>
+        <a:bodyPr/>
+        <a:lstStyle/>
+        <a:p>
+          <a:endParaRPr lang="fr-FR"/>
+        </a:p>
+      </dgm:t>
+    </dgm:pt>
+    <dgm:pt modelId="{767918C8-B5F2-4D40-8833-641A91ADB8F2}" type="sibTrans" cxnId="{342392F3-91A9-499B-9B03-C18899A8AA11}">
+      <dgm:prSet/>
+      <dgm:spPr/>
+      <dgm:t>
+        <a:bodyPr/>
+        <a:lstStyle/>
+        <a:p>
+          <a:endParaRPr lang="fr-FR"/>
+        </a:p>
+      </dgm:t>
+    </dgm:pt>
+    <dgm:pt modelId="{959EA25E-E52E-4D10-9DB7-EB71AB79BF4F}">
+      <dgm:prSet phldrT="[Text]"/>
+      <dgm:spPr/>
+      <dgm:t>
+        <a:bodyPr/>
+        <a:lstStyle/>
+        <a:p>
+          <a:r>
+            <a:rPr lang="fr-FR" b="1" dirty="0" smtClean="0"/>
+            <a:t>6. Lemmatisation</a:t>
+          </a:r>
+          <a:endParaRPr lang="fr-FR" b="1" dirty="0" smtClean="0"/>
+        </a:p>
+      </dgm:t>
+    </dgm:pt>
+    <dgm:pt modelId="{897BBC90-E700-4F02-A445-EA183F31B4AD}" type="parTrans" cxnId="{80C7AEE2-D16E-492F-8D55-FBDF06F178B5}">
+      <dgm:prSet/>
+      <dgm:spPr/>
+      <dgm:t>
+        <a:bodyPr/>
+        <a:lstStyle/>
+        <a:p>
+          <a:endParaRPr lang="fr-FR"/>
+        </a:p>
+      </dgm:t>
+    </dgm:pt>
+    <dgm:pt modelId="{A40A9EA2-359C-42E0-B240-61FD90F172C7}" type="sibTrans" cxnId="{80C7AEE2-D16E-492F-8D55-FBDF06F178B5}">
+      <dgm:prSet/>
+      <dgm:spPr/>
+      <dgm:t>
+        <a:bodyPr/>
+        <a:lstStyle/>
+        <a:p>
+          <a:endParaRPr lang="fr-FR"/>
+        </a:p>
+      </dgm:t>
+    </dgm:pt>
+    <dgm:pt modelId="{75982D65-4381-4BBD-BDC5-9148CF36A9AA}" type="pres">
+      <dgm:prSet presAssocID="{BF4C1E75-922B-472E-9D19-EB8BDD56C5EE}" presName="diagram" presStyleCnt="0">
         <dgm:presLayoutVars>
           <dgm:chPref val="1"/>
           <dgm:dir/>
@@ -1120,26 +1218,12 @@
         </a:p>
       </dgm:t>
     </dgm:pt>
-    <dgm:pt modelId="{D73D2164-7609-4B63-8607-69CFB6639A1B}" type="pres">
-      <dgm:prSet presAssocID="{BF4C1E75-922B-472E-9D19-EB8BDD56C5EE}" presName="hierFlow" presStyleCnt="0"/>
+    <dgm:pt modelId="{0747BA65-A701-4C9B-B1B7-C037C44B8D2F}" type="pres">
+      <dgm:prSet presAssocID="{094C2DAA-A3BE-4DEA-9582-307CBEC9AC48}" presName="root1" presStyleCnt="0"/>
       <dgm:spPr/>
     </dgm:pt>
-    <dgm:pt modelId="{A2EAEBAF-0F11-484C-A060-0770F24422AE}" type="pres">
-      <dgm:prSet presAssocID="{BF4C1E75-922B-472E-9D19-EB8BDD56C5EE}" presName="hierChild1" presStyleCnt="0">
-        <dgm:presLayoutVars>
-          <dgm:chPref val="1"/>
-          <dgm:animOne val="branch"/>
-          <dgm:animLvl val="lvl"/>
-        </dgm:presLayoutVars>
-      </dgm:prSet>
-      <dgm:spPr/>
-    </dgm:pt>
-    <dgm:pt modelId="{610C3BD8-20D3-4CB3-83DE-CAEE7FF0CC32}" type="pres">
-      <dgm:prSet presAssocID="{094C2DAA-A3BE-4DEA-9582-307CBEC9AC48}" presName="Name14" presStyleCnt="0"/>
-      <dgm:spPr/>
-    </dgm:pt>
-    <dgm:pt modelId="{3A9909DA-6389-4CE3-8E50-5F8D3B5566E5}" type="pres">
-      <dgm:prSet presAssocID="{094C2DAA-A3BE-4DEA-9582-307CBEC9AC48}" presName="level1Shape" presStyleLbl="node0" presStyleIdx="0" presStyleCnt="1">
+    <dgm:pt modelId="{3FF29E59-D02F-4434-97E0-EC83CEDAF21E}" type="pres">
+      <dgm:prSet presAssocID="{094C2DAA-A3BE-4DEA-9582-307CBEC9AC48}" presName="LevelOneTextNode" presStyleLbl="node0" presStyleIdx="0" presStyleCnt="1">
         <dgm:presLayoutVars>
           <dgm:chPref val="3"/>
         </dgm:presLayoutVars>
@@ -1153,12 +1237,12 @@
         </a:p>
       </dgm:t>
     </dgm:pt>
-    <dgm:pt modelId="{66FB6857-B71E-474D-9791-EE5188F1F1FC}" type="pres">
-      <dgm:prSet presAssocID="{094C2DAA-A3BE-4DEA-9582-307CBEC9AC48}" presName="hierChild2" presStyleCnt="0"/>
+    <dgm:pt modelId="{34E79AA2-E44B-4EB1-9957-5D02CB675EFE}" type="pres">
+      <dgm:prSet presAssocID="{094C2DAA-A3BE-4DEA-9582-307CBEC9AC48}" presName="level2hierChild" presStyleCnt="0"/>
       <dgm:spPr/>
     </dgm:pt>
-    <dgm:pt modelId="{3BF6BEA7-9A1B-4963-9870-627970138BC0}" type="pres">
-      <dgm:prSet presAssocID="{3C89234F-0BFE-4894-B8BC-1D25C674D6A7}" presName="Name19" presStyleLbl="parChTrans1D2" presStyleIdx="0" presStyleCnt="1"/>
+    <dgm:pt modelId="{4CDA707C-57E1-48D0-A8F5-FD1227FD177D}" type="pres">
+      <dgm:prSet presAssocID="{3C89234F-0BFE-4894-B8BC-1D25C674D6A7}" presName="conn2-1" presStyleLbl="parChTrans1D2" presStyleIdx="0" presStyleCnt="1"/>
       <dgm:spPr/>
       <dgm:t>
         <a:bodyPr/>
@@ -1168,12 +1252,8 @@
         </a:p>
       </dgm:t>
     </dgm:pt>
-    <dgm:pt modelId="{3EACCB60-5AA6-4B9B-9C7F-26AB5EE1AB5B}" type="pres">
-      <dgm:prSet presAssocID="{570A8ABB-AD74-417F-BCC3-68065A7D6F1B}" presName="Name21" presStyleCnt="0"/>
-      <dgm:spPr/>
-    </dgm:pt>
-    <dgm:pt modelId="{DB9D6838-E270-450A-A7E9-3BB29E307D4C}" type="pres">
-      <dgm:prSet presAssocID="{570A8ABB-AD74-417F-BCC3-68065A7D6F1B}" presName="level2Shape" presStyleLbl="node2" presStyleIdx="0" presStyleCnt="1"/>
+    <dgm:pt modelId="{28641B49-2619-4FF6-85EF-5BB3A4F988B4}" type="pres">
+      <dgm:prSet presAssocID="{3C89234F-0BFE-4894-B8BC-1D25C674D6A7}" presName="connTx" presStyleLbl="parChTrans1D2" presStyleIdx="0" presStyleCnt="1"/>
       <dgm:spPr/>
       <dgm:t>
         <a:bodyPr/>
@@ -1183,12 +1263,16 @@
         </a:p>
       </dgm:t>
     </dgm:pt>
-    <dgm:pt modelId="{8600C587-F209-4604-ABDC-F66C61505987}" type="pres">
-      <dgm:prSet presAssocID="{570A8ABB-AD74-417F-BCC3-68065A7D6F1B}" presName="hierChild3" presStyleCnt="0"/>
+    <dgm:pt modelId="{9315427D-C503-4536-ADBD-6C5417B54151}" type="pres">
+      <dgm:prSet presAssocID="{570A8ABB-AD74-417F-BCC3-68065A7D6F1B}" presName="root2" presStyleCnt="0"/>
       <dgm:spPr/>
     </dgm:pt>
-    <dgm:pt modelId="{EF31320E-EDA3-4EC0-A97B-13C412B7CA2A}" type="pres">
-      <dgm:prSet presAssocID="{292850A8-9CA6-4550-82DB-07E792FF8D22}" presName="Name19" presStyleLbl="parChTrans1D3" presStyleIdx="0" presStyleCnt="1"/>
+    <dgm:pt modelId="{BEDEAA3E-1EE8-4D20-8ED2-81FEC8CEFDE5}" type="pres">
+      <dgm:prSet presAssocID="{570A8ABB-AD74-417F-BCC3-68065A7D6F1B}" presName="LevelTwoTextNode" presStyleLbl="node2" presStyleIdx="0" presStyleCnt="1">
+        <dgm:presLayoutVars>
+          <dgm:chPref val="3"/>
+        </dgm:presLayoutVars>
+      </dgm:prSet>
       <dgm:spPr/>
       <dgm:t>
         <a:bodyPr/>
@@ -1198,12 +1282,12 @@
         </a:p>
       </dgm:t>
     </dgm:pt>
-    <dgm:pt modelId="{02E8D5B8-1CD3-4EFD-BF5F-CA7B12A4CA57}" type="pres">
-      <dgm:prSet presAssocID="{E698E461-40F6-4E38-8975-FDEB5F33B7FC}" presName="Name21" presStyleCnt="0"/>
+    <dgm:pt modelId="{BE116D70-14D3-4E99-8AC8-479EAF0B6ACC}" type="pres">
+      <dgm:prSet presAssocID="{570A8ABB-AD74-417F-BCC3-68065A7D6F1B}" presName="level3hierChild" presStyleCnt="0"/>
       <dgm:spPr/>
     </dgm:pt>
-    <dgm:pt modelId="{25C2E301-A1DC-4531-B513-1922CFAEB837}" type="pres">
-      <dgm:prSet presAssocID="{E698E461-40F6-4E38-8975-FDEB5F33B7FC}" presName="level2Shape" presStyleLbl="node3" presStyleIdx="0" presStyleCnt="1"/>
+    <dgm:pt modelId="{293E93FD-36F5-4EE7-A470-94D44A4DBC13}" type="pres">
+      <dgm:prSet presAssocID="{292850A8-9CA6-4550-82DB-07E792FF8D22}" presName="conn2-1" presStyleLbl="parChTrans1D3" presStyleIdx="0" presStyleCnt="1"/>
       <dgm:spPr/>
       <dgm:t>
         <a:bodyPr/>
@@ -1213,12 +1297,8 @@
         </a:p>
       </dgm:t>
     </dgm:pt>
-    <dgm:pt modelId="{41229521-F182-4299-AFDC-F94AA504DFA8}" type="pres">
-      <dgm:prSet presAssocID="{E698E461-40F6-4E38-8975-FDEB5F33B7FC}" presName="hierChild3" presStyleCnt="0"/>
-      <dgm:spPr/>
-    </dgm:pt>
-    <dgm:pt modelId="{1D99F05E-C6A4-4779-9B65-0343063C34FA}" type="pres">
-      <dgm:prSet presAssocID="{1BF8C2A3-914C-47FD-9E18-AC083AB4B1BD}" presName="Name19" presStyleLbl="parChTrans1D4" presStyleIdx="0" presStyleCnt="1"/>
+    <dgm:pt modelId="{7908D9BA-C0F0-407A-AF7F-E8A45BFDFAC2}" type="pres">
+      <dgm:prSet presAssocID="{292850A8-9CA6-4550-82DB-07E792FF8D22}" presName="connTx" presStyleLbl="parChTrans1D3" presStyleIdx="0" presStyleCnt="1"/>
       <dgm:spPr/>
       <dgm:t>
         <a:bodyPr/>
@@ -1228,12 +1308,16 @@
         </a:p>
       </dgm:t>
     </dgm:pt>
-    <dgm:pt modelId="{DD9EB74F-E8EF-4BD2-9632-2BAD4AD8D7AE}" type="pres">
-      <dgm:prSet presAssocID="{6A3A5B58-ADEA-4D35-81BF-80E1EAD8CC57}" presName="Name21" presStyleCnt="0"/>
+    <dgm:pt modelId="{938918C7-E607-4A24-86EE-9194984FA9FD}" type="pres">
+      <dgm:prSet presAssocID="{E698E461-40F6-4E38-8975-FDEB5F33B7FC}" presName="root2" presStyleCnt="0"/>
       <dgm:spPr/>
     </dgm:pt>
-    <dgm:pt modelId="{6F9324CC-4DB0-4A3B-B7BF-4864299565F0}" type="pres">
-      <dgm:prSet presAssocID="{6A3A5B58-ADEA-4D35-81BF-80E1EAD8CC57}" presName="level2Shape" presStyleLbl="node4" presStyleIdx="0" presStyleCnt="1"/>
+    <dgm:pt modelId="{1D163BF2-64DC-470F-B73F-3204BA7F5D02}" type="pres">
+      <dgm:prSet presAssocID="{E698E461-40F6-4E38-8975-FDEB5F33B7FC}" presName="LevelTwoTextNode" presStyleLbl="node3" presStyleIdx="0" presStyleCnt="1">
+        <dgm:presLayoutVars>
+          <dgm:chPref val="3"/>
+        </dgm:presLayoutVars>
+      </dgm:prSet>
       <dgm:spPr/>
       <dgm:t>
         <a:bodyPr/>
@@ -1243,46 +1327,170 @@
         </a:p>
       </dgm:t>
     </dgm:pt>
-    <dgm:pt modelId="{8F62762F-FD72-4D46-A945-B9FB2B91BCB0}" type="pres">
-      <dgm:prSet presAssocID="{6A3A5B58-ADEA-4D35-81BF-80E1EAD8CC57}" presName="hierChild3" presStyleCnt="0"/>
+    <dgm:pt modelId="{2D8B69E3-0880-4E8E-A041-CE756D52C7A8}" type="pres">
+      <dgm:prSet presAssocID="{E698E461-40F6-4E38-8975-FDEB5F33B7FC}" presName="level3hierChild" presStyleCnt="0"/>
       <dgm:spPr/>
     </dgm:pt>
-    <dgm:pt modelId="{6B6B12E0-2496-4B1C-8B66-7200CB3E4761}" type="pres">
-      <dgm:prSet presAssocID="{BF4C1E75-922B-472E-9D19-EB8BDD56C5EE}" presName="bgShapesFlow" presStyleCnt="0"/>
+    <dgm:pt modelId="{73AA28C5-10A3-4D77-B2BB-C75991106EAC}" type="pres">
+      <dgm:prSet presAssocID="{1BF8C2A3-914C-47FD-9E18-AC083AB4B1BD}" presName="conn2-1" presStyleLbl="parChTrans1D4" presStyleIdx="0" presStyleCnt="3"/>
+      <dgm:spPr/>
+      <dgm:t>
+        <a:bodyPr/>
+        <a:lstStyle/>
+        <a:p>
+          <a:endParaRPr lang="fr-FR"/>
+        </a:p>
+      </dgm:t>
+    </dgm:pt>
+    <dgm:pt modelId="{0CDDE050-2A98-4CBC-9A76-39F477ED1391}" type="pres">
+      <dgm:prSet presAssocID="{1BF8C2A3-914C-47FD-9E18-AC083AB4B1BD}" presName="connTx" presStyleLbl="parChTrans1D4" presStyleIdx="0" presStyleCnt="3"/>
+      <dgm:spPr/>
+      <dgm:t>
+        <a:bodyPr/>
+        <a:lstStyle/>
+        <a:p>
+          <a:endParaRPr lang="fr-FR"/>
+        </a:p>
+      </dgm:t>
+    </dgm:pt>
+    <dgm:pt modelId="{B5F995F8-4B90-4C25-8834-03FE204A7BA8}" type="pres">
+      <dgm:prSet presAssocID="{6A3A5B58-ADEA-4D35-81BF-80E1EAD8CC57}" presName="root2" presStyleCnt="0"/>
+      <dgm:spPr/>
+    </dgm:pt>
+    <dgm:pt modelId="{3B604E38-8690-4207-9283-B899D4A9962D}" type="pres">
+      <dgm:prSet presAssocID="{6A3A5B58-ADEA-4D35-81BF-80E1EAD8CC57}" presName="LevelTwoTextNode" presStyleLbl="node4" presStyleIdx="0" presStyleCnt="3">
+        <dgm:presLayoutVars>
+          <dgm:chPref val="3"/>
+        </dgm:presLayoutVars>
+      </dgm:prSet>
+      <dgm:spPr/>
+      <dgm:t>
+        <a:bodyPr/>
+        <a:lstStyle/>
+        <a:p>
+          <a:endParaRPr lang="fr-FR"/>
+        </a:p>
+      </dgm:t>
+    </dgm:pt>
+    <dgm:pt modelId="{4BFBD5A3-0519-4A89-B795-4EFD68CCF5C8}" type="pres">
+      <dgm:prSet presAssocID="{6A3A5B58-ADEA-4D35-81BF-80E1EAD8CC57}" presName="level3hierChild" presStyleCnt="0"/>
+      <dgm:spPr/>
+    </dgm:pt>
+    <dgm:pt modelId="{B892A32E-6CE4-4B8F-989A-D798E7CF5E26}" type="pres">
+      <dgm:prSet presAssocID="{884DC013-892A-4623-9361-D8D7E00F50F5}" presName="conn2-1" presStyleLbl="parChTrans1D4" presStyleIdx="1" presStyleCnt="3"/>
+      <dgm:spPr/>
+    </dgm:pt>
+    <dgm:pt modelId="{2E23B567-26FA-42F1-9A57-E6711F6E0E0B}" type="pres">
+      <dgm:prSet presAssocID="{884DC013-892A-4623-9361-D8D7E00F50F5}" presName="connTx" presStyleLbl="parChTrans1D4" presStyleIdx="1" presStyleCnt="3"/>
+      <dgm:spPr/>
+    </dgm:pt>
+    <dgm:pt modelId="{B794B40F-490C-468B-A31F-6041E6EA57DE}" type="pres">
+      <dgm:prSet presAssocID="{CE620C64-F01A-4265-9196-69DD154B720C}" presName="root2" presStyleCnt="0"/>
+      <dgm:spPr/>
+    </dgm:pt>
+    <dgm:pt modelId="{5E814BFA-0250-4E69-8359-6973AFB76EEC}" type="pres">
+      <dgm:prSet presAssocID="{CE620C64-F01A-4265-9196-69DD154B720C}" presName="LevelTwoTextNode" presStyleLbl="node4" presStyleIdx="1" presStyleCnt="3">
+        <dgm:presLayoutVars>
+          <dgm:chPref val="3"/>
+        </dgm:presLayoutVars>
+      </dgm:prSet>
+      <dgm:spPr/>
+      <dgm:t>
+        <a:bodyPr/>
+        <a:lstStyle/>
+        <a:p>
+          <a:endParaRPr lang="fr-FR"/>
+        </a:p>
+      </dgm:t>
+    </dgm:pt>
+    <dgm:pt modelId="{CD119257-9EE6-4AB4-9836-FE9583FB9C24}" type="pres">
+      <dgm:prSet presAssocID="{CE620C64-F01A-4265-9196-69DD154B720C}" presName="level3hierChild" presStyleCnt="0"/>
+      <dgm:spPr/>
+    </dgm:pt>
+    <dgm:pt modelId="{94E0602C-20B5-44A0-A9E7-1CA0E9BD48FC}" type="pres">
+      <dgm:prSet presAssocID="{897BBC90-E700-4F02-A445-EA183F31B4AD}" presName="conn2-1" presStyleLbl="parChTrans1D4" presStyleIdx="2" presStyleCnt="3"/>
+      <dgm:spPr/>
+    </dgm:pt>
+    <dgm:pt modelId="{65DB16C8-A3F9-4F35-A525-C767AD802BCE}" type="pres">
+      <dgm:prSet presAssocID="{897BBC90-E700-4F02-A445-EA183F31B4AD}" presName="connTx" presStyleLbl="parChTrans1D4" presStyleIdx="2" presStyleCnt="3"/>
+      <dgm:spPr/>
+    </dgm:pt>
+    <dgm:pt modelId="{F46E3A7B-01BF-4EB5-8F43-AAFC568E1951}" type="pres">
+      <dgm:prSet presAssocID="{959EA25E-E52E-4D10-9DB7-EB71AB79BF4F}" presName="root2" presStyleCnt="0"/>
+      <dgm:spPr/>
+    </dgm:pt>
+    <dgm:pt modelId="{C3991494-DEF1-48C1-A0B6-E3E15C65FFF0}" type="pres">
+      <dgm:prSet presAssocID="{959EA25E-E52E-4D10-9DB7-EB71AB79BF4F}" presName="LevelTwoTextNode" presStyleLbl="node4" presStyleIdx="2" presStyleCnt="3">
+        <dgm:presLayoutVars>
+          <dgm:chPref val="3"/>
+        </dgm:presLayoutVars>
+      </dgm:prSet>
+      <dgm:spPr/>
+      <dgm:t>
+        <a:bodyPr/>
+        <a:lstStyle/>
+        <a:p>
+          <a:endParaRPr lang="fr-FR"/>
+        </a:p>
+      </dgm:t>
+    </dgm:pt>
+    <dgm:pt modelId="{D5AAA35F-847B-4FAA-ABE7-941B0A77687F}" type="pres">
+      <dgm:prSet presAssocID="{959EA25E-E52E-4D10-9DB7-EB71AB79BF4F}" presName="level3hierChild" presStyleCnt="0"/>
       <dgm:spPr/>
     </dgm:pt>
   </dgm:ptLst>
   <dgm:cxnLst>
-    <dgm:cxn modelId="{7579C3F6-D500-46DB-8A61-4DD16E467019}" type="presOf" srcId="{570A8ABB-AD74-417F-BCC3-68065A7D6F1B}" destId="{DB9D6838-E270-450A-A7E9-3BB29E307D4C}" srcOrd="0" destOrd="0" presId="urn:microsoft.com/office/officeart/2005/8/layout/hierarchy6"/>
+    <dgm:cxn modelId="{342392F3-91A9-499B-9B03-C18899A8AA11}" srcId="{6A3A5B58-ADEA-4D35-81BF-80E1EAD8CC57}" destId="{CE620C64-F01A-4265-9196-69DD154B720C}" srcOrd="0" destOrd="0" parTransId="{884DC013-892A-4623-9361-D8D7E00F50F5}" sibTransId="{767918C8-B5F2-4D40-8833-641A91ADB8F2}"/>
+    <dgm:cxn modelId="{425BB22A-9D04-4BA1-BB6F-CA2606E98421}" type="presOf" srcId="{BF4C1E75-922B-472E-9D19-EB8BDD56C5EE}" destId="{75982D65-4381-4BBD-BDC5-9148CF36A9AA}" srcOrd="0" destOrd="0" presId="urn:microsoft.com/office/officeart/2005/8/layout/hierarchy2"/>
+    <dgm:cxn modelId="{260FDD00-B441-465A-A8E3-9539375A06E0}" type="presOf" srcId="{CE620C64-F01A-4265-9196-69DD154B720C}" destId="{5E814BFA-0250-4E69-8359-6973AFB76EEC}" srcOrd="0" destOrd="0" presId="urn:microsoft.com/office/officeart/2005/8/layout/hierarchy2"/>
+    <dgm:cxn modelId="{FA5ADBF4-3EE1-46DC-9535-1B525DE289CE}" type="presOf" srcId="{897BBC90-E700-4F02-A445-EA183F31B4AD}" destId="{65DB16C8-A3F9-4F35-A525-C767AD802BCE}" srcOrd="1" destOrd="0" presId="urn:microsoft.com/office/officeart/2005/8/layout/hierarchy2"/>
+    <dgm:cxn modelId="{80C7AEE2-D16E-492F-8D55-FBDF06F178B5}" srcId="{CE620C64-F01A-4265-9196-69DD154B720C}" destId="{959EA25E-E52E-4D10-9DB7-EB71AB79BF4F}" srcOrd="0" destOrd="0" parTransId="{897BBC90-E700-4F02-A445-EA183F31B4AD}" sibTransId="{A40A9EA2-359C-42E0-B240-61FD90F172C7}"/>
+    <dgm:cxn modelId="{4756AF33-F8B9-4EA9-A4B9-9A4BFE6B4AFF}" type="presOf" srcId="{094C2DAA-A3BE-4DEA-9582-307CBEC9AC48}" destId="{3FF29E59-D02F-4434-97E0-EC83CEDAF21E}" srcOrd="0" destOrd="0" presId="urn:microsoft.com/office/officeart/2005/8/layout/hierarchy2"/>
+    <dgm:cxn modelId="{55DD29AD-6ECC-4AA6-8AC1-B642580CDDEF}" type="presOf" srcId="{E698E461-40F6-4E38-8975-FDEB5F33B7FC}" destId="{1D163BF2-64DC-470F-B73F-3204BA7F5D02}" srcOrd="0" destOrd="0" presId="urn:microsoft.com/office/officeart/2005/8/layout/hierarchy2"/>
+    <dgm:cxn modelId="{915E7BC2-6156-4D56-BFD6-6F2C940E44D1}" type="presOf" srcId="{570A8ABB-AD74-417F-BCC3-68065A7D6F1B}" destId="{BEDEAA3E-1EE8-4D20-8ED2-81FEC8CEFDE5}" srcOrd="0" destOrd="0" presId="urn:microsoft.com/office/officeart/2005/8/layout/hierarchy2"/>
     <dgm:cxn modelId="{1D002BE3-6F23-44BF-9CD8-E0FAE6FA094C}" srcId="{094C2DAA-A3BE-4DEA-9582-307CBEC9AC48}" destId="{570A8ABB-AD74-417F-BCC3-68065A7D6F1B}" srcOrd="0" destOrd="0" parTransId="{3C89234F-0BFE-4894-B8BC-1D25C674D6A7}" sibTransId="{6A394F55-A271-4B8C-B334-2F94CA03A3C2}"/>
-    <dgm:cxn modelId="{C89E0C04-53BF-4086-9C2D-70616CB2374F}" type="presOf" srcId="{1BF8C2A3-914C-47FD-9E18-AC083AB4B1BD}" destId="{1D99F05E-C6A4-4779-9B65-0343063C34FA}" srcOrd="0" destOrd="0" presId="urn:microsoft.com/office/officeart/2005/8/layout/hierarchy6"/>
+    <dgm:cxn modelId="{2C5D467B-F585-4AFE-8FA6-FD7F11DFB8ED}" type="presOf" srcId="{884DC013-892A-4623-9361-D8D7E00F50F5}" destId="{B892A32E-6CE4-4B8F-989A-D798E7CF5E26}" srcOrd="0" destOrd="0" presId="urn:microsoft.com/office/officeart/2005/8/layout/hierarchy2"/>
+    <dgm:cxn modelId="{21DDEB3F-BF14-43B7-9332-C18C11E7BD1C}" type="presOf" srcId="{884DC013-892A-4623-9361-D8D7E00F50F5}" destId="{2E23B567-26FA-42F1-9A57-E6711F6E0E0B}" srcOrd="1" destOrd="0" presId="urn:microsoft.com/office/officeart/2005/8/layout/hierarchy2"/>
+    <dgm:cxn modelId="{1CEFBFFB-105F-4BED-9160-49FF05573B65}" type="presOf" srcId="{897BBC90-E700-4F02-A445-EA183F31B4AD}" destId="{94E0602C-20B5-44A0-A9E7-1CA0E9BD48FC}" srcOrd="0" destOrd="0" presId="urn:microsoft.com/office/officeart/2005/8/layout/hierarchy2"/>
+    <dgm:cxn modelId="{BCD958EB-E4DD-4156-9ED9-30398CCC71DF}" type="presOf" srcId="{3C89234F-0BFE-4894-B8BC-1D25C674D6A7}" destId="{4CDA707C-57E1-48D0-A8F5-FD1227FD177D}" srcOrd="0" destOrd="0" presId="urn:microsoft.com/office/officeart/2005/8/layout/hierarchy2"/>
+    <dgm:cxn modelId="{D8416A8D-4AC7-419D-AFC7-4BBBE788352E}" type="presOf" srcId="{1BF8C2A3-914C-47FD-9E18-AC083AB4B1BD}" destId="{0CDDE050-2A98-4CBC-9A76-39F477ED1391}" srcOrd="1" destOrd="0" presId="urn:microsoft.com/office/officeart/2005/8/layout/hierarchy2"/>
+    <dgm:cxn modelId="{6DEA055D-6F9A-4222-B6C8-3CFD54568680}" srcId="{BF4C1E75-922B-472E-9D19-EB8BDD56C5EE}" destId="{094C2DAA-A3BE-4DEA-9582-307CBEC9AC48}" srcOrd="0" destOrd="0" parTransId="{FEF6DFBD-D87C-4D34-A1E5-54331A71F44A}" sibTransId="{FF6BA739-77A8-4621-87DC-6D0FFB3158A5}"/>
+    <dgm:cxn modelId="{B2DB6702-A3EB-440A-A425-7A8AA80D6FCF}" type="presOf" srcId="{959EA25E-E52E-4D10-9DB7-EB71AB79BF4F}" destId="{C3991494-DEF1-48C1-A0B6-E3E15C65FFF0}" srcOrd="0" destOrd="0" presId="urn:microsoft.com/office/officeart/2005/8/layout/hierarchy2"/>
     <dgm:cxn modelId="{5C4EB55A-243A-461F-AA41-5A1179113A6B}" srcId="{E698E461-40F6-4E38-8975-FDEB5F33B7FC}" destId="{6A3A5B58-ADEA-4D35-81BF-80E1EAD8CC57}" srcOrd="0" destOrd="0" parTransId="{1BF8C2A3-914C-47FD-9E18-AC083AB4B1BD}" sibTransId="{BD2E4ED0-8EE1-4703-9AF6-8920D4FDF79D}"/>
-    <dgm:cxn modelId="{94F39D48-A4B1-4F91-BE2C-9791B659FE3E}" type="presOf" srcId="{E698E461-40F6-4E38-8975-FDEB5F33B7FC}" destId="{25C2E301-A1DC-4531-B513-1922CFAEB837}" srcOrd="0" destOrd="0" presId="urn:microsoft.com/office/officeart/2005/8/layout/hierarchy6"/>
-    <dgm:cxn modelId="{3FDD7F28-AF60-416F-923F-1228728C1C37}" type="presOf" srcId="{292850A8-9CA6-4550-82DB-07E792FF8D22}" destId="{EF31320E-EDA3-4EC0-A97B-13C412B7CA2A}" srcOrd="0" destOrd="0" presId="urn:microsoft.com/office/officeart/2005/8/layout/hierarchy6"/>
-    <dgm:cxn modelId="{6F750999-6420-4A17-BED1-AF05F97CBDC2}" type="presOf" srcId="{094C2DAA-A3BE-4DEA-9582-307CBEC9AC48}" destId="{3A9909DA-6389-4CE3-8E50-5F8D3B5566E5}" srcOrd="0" destOrd="0" presId="urn:microsoft.com/office/officeart/2005/8/layout/hierarchy6"/>
-    <dgm:cxn modelId="{6DEA055D-6F9A-4222-B6C8-3CFD54568680}" srcId="{BF4C1E75-922B-472E-9D19-EB8BDD56C5EE}" destId="{094C2DAA-A3BE-4DEA-9582-307CBEC9AC48}" srcOrd="0" destOrd="0" parTransId="{FEF6DFBD-D87C-4D34-A1E5-54331A71F44A}" sibTransId="{FF6BA739-77A8-4621-87DC-6D0FFB3158A5}"/>
-    <dgm:cxn modelId="{D56B2DC2-C6F0-454D-AD7B-C516911105FF}" type="presOf" srcId="{6A3A5B58-ADEA-4D35-81BF-80E1EAD8CC57}" destId="{6F9324CC-4DB0-4A3B-B7BF-4864299565F0}" srcOrd="0" destOrd="0" presId="urn:microsoft.com/office/officeart/2005/8/layout/hierarchy6"/>
-    <dgm:cxn modelId="{C3D6834C-1B42-4004-9AD1-D7F7B0EFC673}" type="presOf" srcId="{BF4C1E75-922B-472E-9D19-EB8BDD56C5EE}" destId="{DEB99EF2-3BF0-41A3-A443-4A4B46E780AD}" srcOrd="0" destOrd="0" presId="urn:microsoft.com/office/officeart/2005/8/layout/hierarchy6"/>
-    <dgm:cxn modelId="{566171D6-B1B1-40E3-94F7-32BC4B0FACDC}" type="presOf" srcId="{3C89234F-0BFE-4894-B8BC-1D25C674D6A7}" destId="{3BF6BEA7-9A1B-4963-9870-627970138BC0}" srcOrd="0" destOrd="0" presId="urn:microsoft.com/office/officeart/2005/8/layout/hierarchy6"/>
+    <dgm:cxn modelId="{4A8478CA-CBBC-4D8D-9470-49D750EEFA47}" type="presOf" srcId="{292850A8-9CA6-4550-82DB-07E792FF8D22}" destId="{293E93FD-36F5-4EE7-A470-94D44A4DBC13}" srcOrd="0" destOrd="0" presId="urn:microsoft.com/office/officeart/2005/8/layout/hierarchy2"/>
     <dgm:cxn modelId="{724D3666-E016-41AF-8793-0FDA6DA0F857}" srcId="{570A8ABB-AD74-417F-BCC3-68065A7D6F1B}" destId="{E698E461-40F6-4E38-8975-FDEB5F33B7FC}" srcOrd="0" destOrd="0" parTransId="{292850A8-9CA6-4550-82DB-07E792FF8D22}" sibTransId="{76A32643-4973-4F9F-B9D9-C9AAC14CC271}"/>
-    <dgm:cxn modelId="{5A7C3A6C-A027-4342-8A91-C304C76CB294}" type="presParOf" srcId="{DEB99EF2-3BF0-41A3-A443-4A4B46E780AD}" destId="{D73D2164-7609-4B63-8607-69CFB6639A1B}" srcOrd="0" destOrd="0" presId="urn:microsoft.com/office/officeart/2005/8/layout/hierarchy6"/>
-    <dgm:cxn modelId="{3D63B2DF-E0B8-44D1-9936-658989988AC4}" type="presParOf" srcId="{D73D2164-7609-4B63-8607-69CFB6639A1B}" destId="{A2EAEBAF-0F11-484C-A060-0770F24422AE}" srcOrd="0" destOrd="0" presId="urn:microsoft.com/office/officeart/2005/8/layout/hierarchy6"/>
-    <dgm:cxn modelId="{BB166125-2AA3-4A2B-A5C2-E2D1D19C0038}" type="presParOf" srcId="{A2EAEBAF-0F11-484C-A060-0770F24422AE}" destId="{610C3BD8-20D3-4CB3-83DE-CAEE7FF0CC32}" srcOrd="0" destOrd="0" presId="urn:microsoft.com/office/officeart/2005/8/layout/hierarchy6"/>
-    <dgm:cxn modelId="{F01B5181-907E-4F7B-A952-9BA587207557}" type="presParOf" srcId="{610C3BD8-20D3-4CB3-83DE-CAEE7FF0CC32}" destId="{3A9909DA-6389-4CE3-8E50-5F8D3B5566E5}" srcOrd="0" destOrd="0" presId="urn:microsoft.com/office/officeart/2005/8/layout/hierarchy6"/>
-    <dgm:cxn modelId="{0B0DD98D-6097-4ABC-BDD8-F1B4863B0DFE}" type="presParOf" srcId="{610C3BD8-20D3-4CB3-83DE-CAEE7FF0CC32}" destId="{66FB6857-B71E-474D-9791-EE5188F1F1FC}" srcOrd="1" destOrd="0" presId="urn:microsoft.com/office/officeart/2005/8/layout/hierarchy6"/>
-    <dgm:cxn modelId="{BDCB9194-4717-42B4-8B01-368A1A37C4B1}" type="presParOf" srcId="{66FB6857-B71E-474D-9791-EE5188F1F1FC}" destId="{3BF6BEA7-9A1B-4963-9870-627970138BC0}" srcOrd="0" destOrd="0" presId="urn:microsoft.com/office/officeart/2005/8/layout/hierarchy6"/>
-    <dgm:cxn modelId="{3BF5D9FA-8FC8-4EC3-ABDB-E0F5AD7E8AF3}" type="presParOf" srcId="{66FB6857-B71E-474D-9791-EE5188F1F1FC}" destId="{3EACCB60-5AA6-4B9B-9C7F-26AB5EE1AB5B}" srcOrd="1" destOrd="0" presId="urn:microsoft.com/office/officeart/2005/8/layout/hierarchy6"/>
-    <dgm:cxn modelId="{1D2B9FC8-56C6-4E9D-86B9-DE34A3DAE494}" type="presParOf" srcId="{3EACCB60-5AA6-4B9B-9C7F-26AB5EE1AB5B}" destId="{DB9D6838-E270-450A-A7E9-3BB29E307D4C}" srcOrd="0" destOrd="0" presId="urn:microsoft.com/office/officeart/2005/8/layout/hierarchy6"/>
-    <dgm:cxn modelId="{BCCF6B04-6D62-4E17-A5E5-2094B663B6E7}" type="presParOf" srcId="{3EACCB60-5AA6-4B9B-9C7F-26AB5EE1AB5B}" destId="{8600C587-F209-4604-ABDC-F66C61505987}" srcOrd="1" destOrd="0" presId="urn:microsoft.com/office/officeart/2005/8/layout/hierarchy6"/>
-    <dgm:cxn modelId="{C939CF85-E593-4438-A51B-82D2DBC3BFD1}" type="presParOf" srcId="{8600C587-F209-4604-ABDC-F66C61505987}" destId="{EF31320E-EDA3-4EC0-A97B-13C412B7CA2A}" srcOrd="0" destOrd="0" presId="urn:microsoft.com/office/officeart/2005/8/layout/hierarchy6"/>
-    <dgm:cxn modelId="{83FB28DF-C897-406A-94FF-D3AEBF4404CC}" type="presParOf" srcId="{8600C587-F209-4604-ABDC-F66C61505987}" destId="{02E8D5B8-1CD3-4EFD-BF5F-CA7B12A4CA57}" srcOrd="1" destOrd="0" presId="urn:microsoft.com/office/officeart/2005/8/layout/hierarchy6"/>
-    <dgm:cxn modelId="{8602CB32-FEBE-49E9-81E1-252115C2DB94}" type="presParOf" srcId="{02E8D5B8-1CD3-4EFD-BF5F-CA7B12A4CA57}" destId="{25C2E301-A1DC-4531-B513-1922CFAEB837}" srcOrd="0" destOrd="0" presId="urn:microsoft.com/office/officeart/2005/8/layout/hierarchy6"/>
-    <dgm:cxn modelId="{0B2FC28F-3979-4151-9F0E-C7F0EB31718B}" type="presParOf" srcId="{02E8D5B8-1CD3-4EFD-BF5F-CA7B12A4CA57}" destId="{41229521-F182-4299-AFDC-F94AA504DFA8}" srcOrd="1" destOrd="0" presId="urn:microsoft.com/office/officeart/2005/8/layout/hierarchy6"/>
-    <dgm:cxn modelId="{58AA29F9-0C17-4DAD-AC1E-C6829FA38035}" type="presParOf" srcId="{41229521-F182-4299-AFDC-F94AA504DFA8}" destId="{1D99F05E-C6A4-4779-9B65-0343063C34FA}" srcOrd="0" destOrd="0" presId="urn:microsoft.com/office/officeart/2005/8/layout/hierarchy6"/>
-    <dgm:cxn modelId="{09A226BD-B713-45FE-942B-56FABF142D7B}" type="presParOf" srcId="{41229521-F182-4299-AFDC-F94AA504DFA8}" destId="{DD9EB74F-E8EF-4BD2-9632-2BAD4AD8D7AE}" srcOrd="1" destOrd="0" presId="urn:microsoft.com/office/officeart/2005/8/layout/hierarchy6"/>
-    <dgm:cxn modelId="{6803A7F5-EACF-44E4-B5DA-7A2E4B262925}" type="presParOf" srcId="{DD9EB74F-E8EF-4BD2-9632-2BAD4AD8D7AE}" destId="{6F9324CC-4DB0-4A3B-B7BF-4864299565F0}" srcOrd="0" destOrd="0" presId="urn:microsoft.com/office/officeart/2005/8/layout/hierarchy6"/>
-    <dgm:cxn modelId="{BD79FA03-FFAA-475E-8012-C125A3076A16}" type="presParOf" srcId="{DD9EB74F-E8EF-4BD2-9632-2BAD4AD8D7AE}" destId="{8F62762F-FD72-4D46-A945-B9FB2B91BCB0}" srcOrd="1" destOrd="0" presId="urn:microsoft.com/office/officeart/2005/8/layout/hierarchy6"/>
-    <dgm:cxn modelId="{BEC4AD90-1399-4DF6-9F91-122733E40FDA}" type="presParOf" srcId="{DEB99EF2-3BF0-41A3-A443-4A4B46E780AD}" destId="{6B6B12E0-2496-4B1C-8B66-7200CB3E4761}" srcOrd="1" destOrd="0" presId="urn:microsoft.com/office/officeart/2005/8/layout/hierarchy6"/>
+    <dgm:cxn modelId="{F6B9B65F-A17D-45EE-A909-1BE83BA61BC6}" type="presOf" srcId="{1BF8C2A3-914C-47FD-9E18-AC083AB4B1BD}" destId="{73AA28C5-10A3-4D77-B2BB-C75991106EAC}" srcOrd="0" destOrd="0" presId="urn:microsoft.com/office/officeart/2005/8/layout/hierarchy2"/>
+    <dgm:cxn modelId="{9D398E7F-6C63-4BC2-A36B-60ABE841CB08}" type="presOf" srcId="{292850A8-9CA6-4550-82DB-07E792FF8D22}" destId="{7908D9BA-C0F0-407A-AF7F-E8A45BFDFAC2}" srcOrd="1" destOrd="0" presId="urn:microsoft.com/office/officeart/2005/8/layout/hierarchy2"/>
+    <dgm:cxn modelId="{AE5C72C4-3407-446A-BDE2-46418E4036AD}" type="presOf" srcId="{6A3A5B58-ADEA-4D35-81BF-80E1EAD8CC57}" destId="{3B604E38-8690-4207-9283-B899D4A9962D}" srcOrd="0" destOrd="0" presId="urn:microsoft.com/office/officeart/2005/8/layout/hierarchy2"/>
+    <dgm:cxn modelId="{85D4B592-15DB-4992-838F-2595DCFD897B}" type="presOf" srcId="{3C89234F-0BFE-4894-B8BC-1D25C674D6A7}" destId="{28641B49-2619-4FF6-85EF-5BB3A4F988B4}" srcOrd="1" destOrd="0" presId="urn:microsoft.com/office/officeart/2005/8/layout/hierarchy2"/>
+    <dgm:cxn modelId="{064025E2-E401-4E29-A267-1D4206DDE350}" type="presParOf" srcId="{75982D65-4381-4BBD-BDC5-9148CF36A9AA}" destId="{0747BA65-A701-4C9B-B1B7-C037C44B8D2F}" srcOrd="0" destOrd="0" presId="urn:microsoft.com/office/officeart/2005/8/layout/hierarchy2"/>
+    <dgm:cxn modelId="{131B924C-FD1C-487C-A631-7DABFE2C98C8}" type="presParOf" srcId="{0747BA65-A701-4C9B-B1B7-C037C44B8D2F}" destId="{3FF29E59-D02F-4434-97E0-EC83CEDAF21E}" srcOrd="0" destOrd="0" presId="urn:microsoft.com/office/officeart/2005/8/layout/hierarchy2"/>
+    <dgm:cxn modelId="{D23C1B03-DFB3-49B1-A1C0-F9C65112E191}" type="presParOf" srcId="{0747BA65-A701-4C9B-B1B7-C037C44B8D2F}" destId="{34E79AA2-E44B-4EB1-9957-5D02CB675EFE}" srcOrd="1" destOrd="0" presId="urn:microsoft.com/office/officeart/2005/8/layout/hierarchy2"/>
+    <dgm:cxn modelId="{E762B745-97C3-4334-8B97-50242D5B9574}" type="presParOf" srcId="{34E79AA2-E44B-4EB1-9957-5D02CB675EFE}" destId="{4CDA707C-57E1-48D0-A8F5-FD1227FD177D}" srcOrd="0" destOrd="0" presId="urn:microsoft.com/office/officeart/2005/8/layout/hierarchy2"/>
+    <dgm:cxn modelId="{5414D9A1-B756-4A8A-94CE-3F2134234055}" type="presParOf" srcId="{4CDA707C-57E1-48D0-A8F5-FD1227FD177D}" destId="{28641B49-2619-4FF6-85EF-5BB3A4F988B4}" srcOrd="0" destOrd="0" presId="urn:microsoft.com/office/officeart/2005/8/layout/hierarchy2"/>
+    <dgm:cxn modelId="{CC5691CF-72E0-4053-896F-22C9805EA91E}" type="presParOf" srcId="{34E79AA2-E44B-4EB1-9957-5D02CB675EFE}" destId="{9315427D-C503-4536-ADBD-6C5417B54151}" srcOrd="1" destOrd="0" presId="urn:microsoft.com/office/officeart/2005/8/layout/hierarchy2"/>
+    <dgm:cxn modelId="{16AC052E-E53C-46A9-BC97-F71BB268687A}" type="presParOf" srcId="{9315427D-C503-4536-ADBD-6C5417B54151}" destId="{BEDEAA3E-1EE8-4D20-8ED2-81FEC8CEFDE5}" srcOrd="0" destOrd="0" presId="urn:microsoft.com/office/officeart/2005/8/layout/hierarchy2"/>
+    <dgm:cxn modelId="{FE81F2F8-8F11-4284-AA5D-E292BC717C27}" type="presParOf" srcId="{9315427D-C503-4536-ADBD-6C5417B54151}" destId="{BE116D70-14D3-4E99-8AC8-479EAF0B6ACC}" srcOrd="1" destOrd="0" presId="urn:microsoft.com/office/officeart/2005/8/layout/hierarchy2"/>
+    <dgm:cxn modelId="{CFABDBA5-4364-4325-B6B3-546AB4CBFB93}" type="presParOf" srcId="{BE116D70-14D3-4E99-8AC8-479EAF0B6ACC}" destId="{293E93FD-36F5-4EE7-A470-94D44A4DBC13}" srcOrd="0" destOrd="0" presId="urn:microsoft.com/office/officeart/2005/8/layout/hierarchy2"/>
+    <dgm:cxn modelId="{A3A9587C-4F74-493F-9DB5-E0118EB2EC9C}" type="presParOf" srcId="{293E93FD-36F5-4EE7-A470-94D44A4DBC13}" destId="{7908D9BA-C0F0-407A-AF7F-E8A45BFDFAC2}" srcOrd="0" destOrd="0" presId="urn:microsoft.com/office/officeart/2005/8/layout/hierarchy2"/>
+    <dgm:cxn modelId="{1FD56791-C55A-481D-9FEC-A90B452A999A}" type="presParOf" srcId="{BE116D70-14D3-4E99-8AC8-479EAF0B6ACC}" destId="{938918C7-E607-4A24-86EE-9194984FA9FD}" srcOrd="1" destOrd="0" presId="urn:microsoft.com/office/officeart/2005/8/layout/hierarchy2"/>
+    <dgm:cxn modelId="{14225731-C33B-497D-A5EE-8B540B2F243E}" type="presParOf" srcId="{938918C7-E607-4A24-86EE-9194984FA9FD}" destId="{1D163BF2-64DC-470F-B73F-3204BA7F5D02}" srcOrd="0" destOrd="0" presId="urn:microsoft.com/office/officeart/2005/8/layout/hierarchy2"/>
+    <dgm:cxn modelId="{15B064B2-9B1A-4A7C-A4A8-CCFB3361A16B}" type="presParOf" srcId="{938918C7-E607-4A24-86EE-9194984FA9FD}" destId="{2D8B69E3-0880-4E8E-A041-CE756D52C7A8}" srcOrd="1" destOrd="0" presId="urn:microsoft.com/office/officeart/2005/8/layout/hierarchy2"/>
+    <dgm:cxn modelId="{80E4504D-EF34-4FBD-9AE7-2AB8E93743C5}" type="presParOf" srcId="{2D8B69E3-0880-4E8E-A041-CE756D52C7A8}" destId="{73AA28C5-10A3-4D77-B2BB-C75991106EAC}" srcOrd="0" destOrd="0" presId="urn:microsoft.com/office/officeart/2005/8/layout/hierarchy2"/>
+    <dgm:cxn modelId="{4660B63C-4E72-4F5E-86F7-8AD9FB83D59A}" type="presParOf" srcId="{73AA28C5-10A3-4D77-B2BB-C75991106EAC}" destId="{0CDDE050-2A98-4CBC-9A76-39F477ED1391}" srcOrd="0" destOrd="0" presId="urn:microsoft.com/office/officeart/2005/8/layout/hierarchy2"/>
+    <dgm:cxn modelId="{29091B8F-EC53-4320-B848-C5407AE47786}" type="presParOf" srcId="{2D8B69E3-0880-4E8E-A041-CE756D52C7A8}" destId="{B5F995F8-4B90-4C25-8834-03FE204A7BA8}" srcOrd="1" destOrd="0" presId="urn:microsoft.com/office/officeart/2005/8/layout/hierarchy2"/>
+    <dgm:cxn modelId="{A83992A1-7DF2-4849-939F-B57BB04B2493}" type="presParOf" srcId="{B5F995F8-4B90-4C25-8834-03FE204A7BA8}" destId="{3B604E38-8690-4207-9283-B899D4A9962D}" srcOrd="0" destOrd="0" presId="urn:microsoft.com/office/officeart/2005/8/layout/hierarchy2"/>
+    <dgm:cxn modelId="{2848915B-B892-410C-BFAD-96C6993E685C}" type="presParOf" srcId="{B5F995F8-4B90-4C25-8834-03FE204A7BA8}" destId="{4BFBD5A3-0519-4A89-B795-4EFD68CCF5C8}" srcOrd="1" destOrd="0" presId="urn:microsoft.com/office/officeart/2005/8/layout/hierarchy2"/>
+    <dgm:cxn modelId="{ABE70208-A33E-4EB4-B6E9-12DC8B7347E6}" type="presParOf" srcId="{4BFBD5A3-0519-4A89-B795-4EFD68CCF5C8}" destId="{B892A32E-6CE4-4B8F-989A-D798E7CF5E26}" srcOrd="0" destOrd="0" presId="urn:microsoft.com/office/officeart/2005/8/layout/hierarchy2"/>
+    <dgm:cxn modelId="{26D9D402-71F4-4C28-9475-4803BB8BEB3B}" type="presParOf" srcId="{B892A32E-6CE4-4B8F-989A-D798E7CF5E26}" destId="{2E23B567-26FA-42F1-9A57-E6711F6E0E0B}" srcOrd="0" destOrd="0" presId="urn:microsoft.com/office/officeart/2005/8/layout/hierarchy2"/>
+    <dgm:cxn modelId="{FA913B4F-6B9D-4AC9-962A-EE002FA42D17}" type="presParOf" srcId="{4BFBD5A3-0519-4A89-B795-4EFD68CCF5C8}" destId="{B794B40F-490C-468B-A31F-6041E6EA57DE}" srcOrd="1" destOrd="0" presId="urn:microsoft.com/office/officeart/2005/8/layout/hierarchy2"/>
+    <dgm:cxn modelId="{AED0CCFA-C653-44EA-8D07-FAFBDF304F75}" type="presParOf" srcId="{B794B40F-490C-468B-A31F-6041E6EA57DE}" destId="{5E814BFA-0250-4E69-8359-6973AFB76EEC}" srcOrd="0" destOrd="0" presId="urn:microsoft.com/office/officeart/2005/8/layout/hierarchy2"/>
+    <dgm:cxn modelId="{E84930BE-F062-4DAA-9F35-B270BB9CC924}" type="presParOf" srcId="{B794B40F-490C-468B-A31F-6041E6EA57DE}" destId="{CD119257-9EE6-4AB4-9836-FE9583FB9C24}" srcOrd="1" destOrd="0" presId="urn:microsoft.com/office/officeart/2005/8/layout/hierarchy2"/>
+    <dgm:cxn modelId="{2C00FF66-1B5C-4849-A3A7-E1AC78B70F2B}" type="presParOf" srcId="{CD119257-9EE6-4AB4-9836-FE9583FB9C24}" destId="{94E0602C-20B5-44A0-A9E7-1CA0E9BD48FC}" srcOrd="0" destOrd="0" presId="urn:microsoft.com/office/officeart/2005/8/layout/hierarchy2"/>
+    <dgm:cxn modelId="{6A55FB57-5B82-4AC0-A3C6-194F48F69F87}" type="presParOf" srcId="{94E0602C-20B5-44A0-A9E7-1CA0E9BD48FC}" destId="{65DB16C8-A3F9-4F35-A525-C767AD802BCE}" srcOrd="0" destOrd="0" presId="urn:microsoft.com/office/officeart/2005/8/layout/hierarchy2"/>
+    <dgm:cxn modelId="{8847783B-C801-401E-AAF7-8873C6929873}" type="presParOf" srcId="{CD119257-9EE6-4AB4-9836-FE9583FB9C24}" destId="{F46E3A7B-01BF-4EB5-8F43-AAFC568E1951}" srcOrd="1" destOrd="0" presId="urn:microsoft.com/office/officeart/2005/8/layout/hierarchy2"/>
+    <dgm:cxn modelId="{1A2027FF-D338-46C8-AA39-0BC709E26450}" type="presParOf" srcId="{F46E3A7B-01BF-4EB5-8F43-AAFC568E1951}" destId="{C3991494-DEF1-48C1-A0B6-E3E15C65FFF0}" srcOrd="0" destOrd="0" presId="urn:microsoft.com/office/officeart/2005/8/layout/hierarchy2"/>
+    <dgm:cxn modelId="{30892737-8A8F-4F35-94C3-ED08246B34FE}" type="presParOf" srcId="{F46E3A7B-01BF-4EB5-8F43-AAFC568E1951}" destId="{D5AAA35F-847B-4FAA-ABE7-941B0A77687F}" srcOrd="1" destOrd="0" presId="urn:microsoft.com/office/officeart/2005/8/layout/hierarchy2"/>
   </dgm:cxnLst>
   <dgm:bg/>
   <dgm:whole/>
@@ -1302,15 +1510,15 @@
       <dsp:cNvGrpSpPr/>
     </dsp:nvGrpSpPr>
     <dsp:grpSpPr/>
-    <dsp:sp modelId="{3A9909DA-6389-4CE3-8E50-5F8D3B5566E5}">
+    <dsp:sp modelId="{3FF29E59-D02F-4434-97E0-EC83CEDAF21E}">
       <dsp:nvSpPr>
         <dsp:cNvPr id="0" name=""/>
         <dsp:cNvSpPr/>
       </dsp:nvSpPr>
       <dsp:spPr>
         <a:xfrm>
-          <a:off x="3373185" y="3284"/>
-          <a:ext cx="1472884" cy="981922"/>
+          <a:off x="3121" y="1058953"/>
+          <a:ext cx="1092777" cy="546388"/>
         </a:xfrm>
         <a:prstGeom prst="roundRect">
           <a:avLst>
@@ -1385,12 +1593,12 @@
         </a:fontRef>
       </dsp:style>
       <dsp:txBody>
-        <a:bodyPr spcFirstLastPara="0" vert="horz" wrap="square" lIns="49530" tIns="49530" rIns="49530" bIns="49530" numCol="1" spcCol="1270" anchor="ctr" anchorCtr="0">
+        <a:bodyPr spcFirstLastPara="0" vert="horz" wrap="square" lIns="6985" tIns="6985" rIns="6985" bIns="6985" numCol="1" spcCol="1270" anchor="ctr" anchorCtr="0">
           <a:noAutofit/>
         </a:bodyPr>
         <a:lstStyle/>
         <a:p>
-          <a:pPr lvl="0" algn="ctr" defTabSz="577850">
+          <a:pPr lvl="0" algn="ctr" defTabSz="488950">
             <a:lnSpc>
               <a:spcPct val="90000"/>
             </a:lnSpc>
@@ -1402,26 +1610,30 @@
             </a:spcAft>
           </a:pPr>
           <a:r>
-            <a:rPr lang="fr-FR" sz="1300" b="1" kern="1200" dirty="0" smtClean="0"/>
-            <a:t>1. Analyse exploratoire de tables « à plat »</a:t>
+            <a:rPr lang="fr-FR" sz="1100" b="1" kern="1200" dirty="0" smtClean="0"/>
+            <a:t>1. </a:t>
           </a:r>
-          <a:endParaRPr lang="fr-FR" sz="1300" b="1" kern="1200" dirty="0"/>
+          <a:r>
+            <a:rPr lang="fr-FR" sz="1100" b="1" kern="1200" dirty="0" smtClean="0"/>
+            <a:t>Suppression de code</a:t>
+          </a:r>
+          <a:endParaRPr lang="fr-FR" sz="1100" b="1" kern="1200" dirty="0"/>
         </a:p>
       </dsp:txBody>
       <dsp:txXfrm>
-        <a:off x="3373185" y="3284"/>
-        <a:ext cx="1472884" cy="981922"/>
+        <a:off x="3121" y="1058953"/>
+        <a:ext cx="1092777" cy="546388"/>
       </dsp:txXfrm>
     </dsp:sp>
-    <dsp:sp modelId="{3BF6BEA7-9A1B-4963-9870-627970138BC0}">
+    <dsp:sp modelId="{4CDA707C-57E1-48D0-A8F5-FD1227FD177D}">
       <dsp:nvSpPr>
         <dsp:cNvPr id="0" name=""/>
         <dsp:cNvSpPr/>
       </dsp:nvSpPr>
       <dsp:spPr>
         <a:xfrm>
-          <a:off x="4063908" y="985207"/>
-          <a:ext cx="91440" cy="392769"/>
+          <a:off x="1095899" y="1313690"/>
+          <a:ext cx="437111" cy="36914"/>
         </a:xfrm>
         <a:custGeom>
           <a:avLst/>
@@ -1432,10 +1644,10 @@
           <a:pathLst>
             <a:path>
               <a:moveTo>
-                <a:pt x="45720" y="0"/>
+                <a:pt x="0" y="18457"/>
               </a:moveTo>
               <a:lnTo>
-                <a:pt x="45720" y="392769"/>
+                <a:pt x="437111" y="18457"/>
               </a:lnTo>
             </a:path>
           </a:pathLst>
@@ -1467,16 +1679,40 @@
         </a:effectRef>
         <a:fontRef idx="minor"/>
       </dsp:style>
+      <dsp:txBody>
+        <a:bodyPr spcFirstLastPara="0" vert="horz" wrap="square" lIns="12700" tIns="0" rIns="12700" bIns="0" numCol="1" spcCol="1270" anchor="ctr" anchorCtr="0">
+          <a:noAutofit/>
+        </a:bodyPr>
+        <a:lstStyle/>
+        <a:p>
+          <a:pPr lvl="0" algn="ctr" defTabSz="222250">
+            <a:lnSpc>
+              <a:spcPct val="90000"/>
+            </a:lnSpc>
+            <a:spcBef>
+              <a:spcPct val="0"/>
+            </a:spcBef>
+            <a:spcAft>
+              <a:spcPct val="35000"/>
+            </a:spcAft>
+          </a:pPr>
+          <a:endParaRPr lang="fr-FR" sz="500" kern="1200"/>
+        </a:p>
+      </dsp:txBody>
+      <dsp:txXfrm>
+        <a:off x="1303526" y="1321220"/>
+        <a:ext cx="21855" cy="21855"/>
+      </dsp:txXfrm>
     </dsp:sp>
-    <dsp:sp modelId="{DB9D6838-E270-450A-A7E9-3BB29E307D4C}">
+    <dsp:sp modelId="{BEDEAA3E-1EE8-4D20-8ED2-81FEC8CEFDE5}">
       <dsp:nvSpPr>
         <dsp:cNvPr id="0" name=""/>
         <dsp:cNvSpPr/>
       </dsp:nvSpPr>
       <dsp:spPr>
         <a:xfrm>
-          <a:off x="3373185" y="1377976"/>
-          <a:ext cx="1472884" cy="981922"/>
+          <a:off x="1533010" y="1058953"/>
+          <a:ext cx="1092777" cy="546388"/>
         </a:xfrm>
         <a:prstGeom prst="roundRect">
           <a:avLst>
@@ -1551,12 +1787,12 @@
         </a:fontRef>
       </dsp:style>
       <dsp:txBody>
-        <a:bodyPr spcFirstLastPara="0" vert="horz" wrap="square" lIns="49530" tIns="49530" rIns="49530" bIns="49530" numCol="1" spcCol="1270" anchor="ctr" anchorCtr="0">
+        <a:bodyPr spcFirstLastPara="0" vert="horz" wrap="square" lIns="6985" tIns="6985" rIns="6985" bIns="6985" numCol="1" spcCol="1270" anchor="ctr" anchorCtr="0">
           <a:noAutofit/>
         </a:bodyPr>
         <a:lstStyle/>
         <a:p>
-          <a:pPr lvl="0" algn="ctr" defTabSz="577850">
+          <a:pPr lvl="0" algn="ctr" defTabSz="488950">
             <a:lnSpc>
               <a:spcPct val="90000"/>
             </a:lnSpc>
@@ -1568,26 +1804,30 @@
             </a:spcAft>
           </a:pPr>
           <a:r>
-            <a:rPr lang="fr-FR" sz="1300" b="1" kern="1200" dirty="0" smtClean="0"/>
-            <a:t>2. Fusion de tables</a:t>
+            <a:rPr lang="fr-FR" sz="1100" b="1" kern="1200" dirty="0" smtClean="0"/>
+            <a:t>2. </a:t>
           </a:r>
-          <a:endParaRPr lang="fr-FR" sz="1300" b="1" kern="1200" dirty="0"/>
+          <a:r>
+            <a:rPr lang="fr-FR" sz="1100" b="1" kern="1200" dirty="0" smtClean="0"/>
+            <a:t>Suppression de balises html</a:t>
+          </a:r>
+          <a:endParaRPr lang="fr-FR" sz="1100" b="1" kern="1200" dirty="0"/>
         </a:p>
       </dsp:txBody>
       <dsp:txXfrm>
-        <a:off x="3373185" y="1377976"/>
-        <a:ext cx="1472884" cy="981922"/>
+        <a:off x="1533010" y="1058953"/>
+        <a:ext cx="1092777" cy="546388"/>
       </dsp:txXfrm>
     </dsp:sp>
-    <dsp:sp modelId="{EF31320E-EDA3-4EC0-A97B-13C412B7CA2A}">
+    <dsp:sp modelId="{293E93FD-36F5-4EE7-A470-94D44A4DBC13}">
       <dsp:nvSpPr>
         <dsp:cNvPr id="0" name=""/>
         <dsp:cNvSpPr/>
       </dsp:nvSpPr>
       <dsp:spPr>
         <a:xfrm>
-          <a:off x="4063908" y="2359899"/>
-          <a:ext cx="91440" cy="392769"/>
+          <a:off x="2625787" y="1313690"/>
+          <a:ext cx="437111" cy="36914"/>
         </a:xfrm>
         <a:custGeom>
           <a:avLst/>
@@ -1598,10 +1838,10 @@
           <a:pathLst>
             <a:path>
               <a:moveTo>
-                <a:pt x="45720" y="0"/>
+                <a:pt x="0" y="18457"/>
               </a:moveTo>
               <a:lnTo>
-                <a:pt x="45720" y="392769"/>
+                <a:pt x="437111" y="18457"/>
               </a:lnTo>
             </a:path>
           </a:pathLst>
@@ -1633,16 +1873,40 @@
         </a:effectRef>
         <a:fontRef idx="minor"/>
       </dsp:style>
+      <dsp:txBody>
+        <a:bodyPr spcFirstLastPara="0" vert="horz" wrap="square" lIns="12700" tIns="0" rIns="12700" bIns="0" numCol="1" spcCol="1270" anchor="ctr" anchorCtr="0">
+          <a:noAutofit/>
+        </a:bodyPr>
+        <a:lstStyle/>
+        <a:p>
+          <a:pPr lvl="0" algn="ctr" defTabSz="222250">
+            <a:lnSpc>
+              <a:spcPct val="90000"/>
+            </a:lnSpc>
+            <a:spcBef>
+              <a:spcPct val="0"/>
+            </a:spcBef>
+            <a:spcAft>
+              <a:spcPct val="35000"/>
+            </a:spcAft>
+          </a:pPr>
+          <a:endParaRPr lang="fr-FR" sz="500" kern="1200"/>
+        </a:p>
+      </dsp:txBody>
+      <dsp:txXfrm>
+        <a:off x="2833415" y="1321220"/>
+        <a:ext cx="21855" cy="21855"/>
+      </dsp:txXfrm>
     </dsp:sp>
-    <dsp:sp modelId="{25C2E301-A1DC-4531-B513-1922CFAEB837}">
+    <dsp:sp modelId="{1D163BF2-64DC-470F-B73F-3204BA7F5D02}">
       <dsp:nvSpPr>
         <dsp:cNvPr id="0" name=""/>
         <dsp:cNvSpPr/>
       </dsp:nvSpPr>
       <dsp:spPr>
         <a:xfrm>
-          <a:off x="3373185" y="2752668"/>
-          <a:ext cx="1472884" cy="981922"/>
+          <a:off x="3062898" y="1058953"/>
+          <a:ext cx="1092777" cy="546388"/>
         </a:xfrm>
         <a:prstGeom prst="roundRect">
           <a:avLst>
@@ -1717,12 +1981,12 @@
         </a:fontRef>
       </dsp:style>
       <dsp:txBody>
-        <a:bodyPr spcFirstLastPara="0" vert="horz" wrap="square" lIns="49530" tIns="49530" rIns="49530" bIns="49530" numCol="1" spcCol="1270" anchor="ctr" anchorCtr="0">
+        <a:bodyPr spcFirstLastPara="0" vert="horz" wrap="square" lIns="6985" tIns="6985" rIns="6985" bIns="6985" numCol="1" spcCol="1270" anchor="ctr" anchorCtr="0">
           <a:noAutofit/>
         </a:bodyPr>
         <a:lstStyle/>
         <a:p>
-          <a:pPr lvl="0" algn="ctr" defTabSz="577850">
+          <a:pPr lvl="0" algn="ctr" defTabSz="488950">
             <a:lnSpc>
               <a:spcPct val="90000"/>
             </a:lnSpc>
@@ -1734,43 +1998,30 @@
             </a:spcAft>
           </a:pPr>
           <a:r>
-            <a:rPr lang="fr-FR" sz="1300" b="1" kern="1200" dirty="0" smtClean="0"/>
-            <a:t>3. Construction de features :</a:t>
+            <a:rPr lang="fr-FR" sz="1100" b="1" kern="1200" dirty="0" smtClean="0"/>
+            <a:t>3</a:t>
           </a:r>
-        </a:p>
-        <a:p>
-          <a:pPr lvl="0" algn="ctr" defTabSz="577850">
-            <a:lnSpc>
-              <a:spcPct val="90000"/>
-            </a:lnSpc>
-            <a:spcBef>
-              <a:spcPct val="0"/>
-            </a:spcBef>
-            <a:spcAft>
-              <a:spcPct val="35000"/>
-            </a:spcAft>
-          </a:pPr>
           <a:r>
-            <a:rPr lang="fr-FR" sz="1300" b="0" kern="1200" dirty="0" smtClean="0"/>
-            <a:t>Variables agrégées</a:t>
+            <a:rPr lang="fr-FR" sz="1100" b="1" kern="1200" dirty="0" smtClean="0"/>
+            <a:t>. Suppression de caractères spéciaux </a:t>
           </a:r>
-          <a:endParaRPr lang="fr-FR" sz="1300" b="0" kern="1200" dirty="0"/>
+          <a:endParaRPr lang="fr-FR" sz="1100" b="1" kern="1200" dirty="0" smtClean="0"/>
         </a:p>
       </dsp:txBody>
       <dsp:txXfrm>
-        <a:off x="3373185" y="2752668"/>
-        <a:ext cx="1472884" cy="981922"/>
+        <a:off x="3062898" y="1058953"/>
+        <a:ext cx="1092777" cy="546388"/>
       </dsp:txXfrm>
     </dsp:sp>
-    <dsp:sp modelId="{1D99F05E-C6A4-4779-9B65-0343063C34FA}">
+    <dsp:sp modelId="{73AA28C5-10A3-4D77-B2BB-C75991106EAC}">
       <dsp:nvSpPr>
         <dsp:cNvPr id="0" name=""/>
         <dsp:cNvSpPr/>
       </dsp:nvSpPr>
       <dsp:spPr>
         <a:xfrm>
-          <a:off x="4063908" y="3734591"/>
-          <a:ext cx="91440" cy="392769"/>
+          <a:off x="4155676" y="1313690"/>
+          <a:ext cx="437111" cy="36914"/>
         </a:xfrm>
         <a:custGeom>
           <a:avLst/>
@@ -1781,10 +2032,10 @@
           <a:pathLst>
             <a:path>
               <a:moveTo>
-                <a:pt x="45720" y="0"/>
+                <a:pt x="0" y="18457"/>
               </a:moveTo>
               <a:lnTo>
-                <a:pt x="45720" y="392769"/>
+                <a:pt x="437111" y="18457"/>
               </a:lnTo>
             </a:path>
           </a:pathLst>
@@ -1816,16 +2067,40 @@
         </a:effectRef>
         <a:fontRef idx="minor"/>
       </dsp:style>
+      <dsp:txBody>
+        <a:bodyPr spcFirstLastPara="0" vert="horz" wrap="square" lIns="12700" tIns="0" rIns="12700" bIns="0" numCol="1" spcCol="1270" anchor="ctr" anchorCtr="0">
+          <a:noAutofit/>
+        </a:bodyPr>
+        <a:lstStyle/>
+        <a:p>
+          <a:pPr lvl="0" algn="ctr" defTabSz="222250">
+            <a:lnSpc>
+              <a:spcPct val="90000"/>
+            </a:lnSpc>
+            <a:spcBef>
+              <a:spcPct val="0"/>
+            </a:spcBef>
+            <a:spcAft>
+              <a:spcPct val="35000"/>
+            </a:spcAft>
+          </a:pPr>
+          <a:endParaRPr lang="fr-FR" sz="500" kern="1200"/>
+        </a:p>
+      </dsp:txBody>
+      <dsp:txXfrm>
+        <a:off x="4363304" y="1321220"/>
+        <a:ext cx="21855" cy="21855"/>
+      </dsp:txXfrm>
     </dsp:sp>
-    <dsp:sp modelId="{6F9324CC-4DB0-4A3B-B7BF-4864299565F0}">
+    <dsp:sp modelId="{3B604E38-8690-4207-9283-B899D4A9962D}">
       <dsp:nvSpPr>
         <dsp:cNvPr id="0" name=""/>
         <dsp:cNvSpPr/>
       </dsp:nvSpPr>
       <dsp:spPr>
         <a:xfrm>
-          <a:off x="3373185" y="4127360"/>
-          <a:ext cx="1472884" cy="981922"/>
+          <a:off x="4592787" y="1058953"/>
+          <a:ext cx="1092777" cy="546388"/>
         </a:xfrm>
         <a:prstGeom prst="roundRect">
           <a:avLst>
@@ -1900,12 +2175,12 @@
         </a:fontRef>
       </dsp:style>
       <dsp:txBody>
-        <a:bodyPr spcFirstLastPara="0" vert="horz" wrap="square" lIns="49530" tIns="49530" rIns="49530" bIns="49530" numCol="1" spcCol="1270" anchor="ctr" anchorCtr="0">
+        <a:bodyPr spcFirstLastPara="0" vert="horz" wrap="square" lIns="6985" tIns="6985" rIns="6985" bIns="6985" numCol="1" spcCol="1270" anchor="ctr" anchorCtr="0">
           <a:noAutofit/>
         </a:bodyPr>
         <a:lstStyle/>
         <a:p>
-          <a:pPr lvl="0" algn="ctr" defTabSz="577850">
+          <a:pPr lvl="0" algn="ctr" defTabSz="488950">
             <a:lnSpc>
               <a:spcPct val="90000"/>
             </a:lnSpc>
@@ -1917,14 +2192,407 @@
             </a:spcAft>
           </a:pPr>
           <a:r>
-            <a:rPr lang="fr-FR" sz="1300" b="1" kern="1200" dirty="0" smtClean="0"/>
-            <a:t>4. Analyse exploratoire table finale</a:t>
+            <a:rPr lang="fr-FR" sz="1100" b="1" kern="1200" dirty="0" smtClean="0"/>
+            <a:t>4. </a:t>
           </a:r>
+          <a:r>
+            <a:rPr lang="fr-FR" sz="1100" b="1" kern="1200" dirty="0" smtClean="0"/>
+            <a:t>Mise en minuscule + </a:t>
+          </a:r>
+          <a:r>
+            <a:rPr lang="fr-FR" sz="1100" b="1" kern="1200" dirty="0" err="1" smtClean="0"/>
+            <a:t>tokenization</a:t>
+          </a:r>
+          <a:endParaRPr lang="fr-FR" sz="1100" b="1" kern="1200" dirty="0" smtClean="0"/>
         </a:p>
       </dsp:txBody>
       <dsp:txXfrm>
-        <a:off x="3373185" y="4127360"/>
-        <a:ext cx="1472884" cy="981922"/>
+        <a:off x="4592787" y="1058953"/>
+        <a:ext cx="1092777" cy="546388"/>
+      </dsp:txXfrm>
+    </dsp:sp>
+    <dsp:sp modelId="{B892A32E-6CE4-4B8F-989A-D798E7CF5E26}">
+      <dsp:nvSpPr>
+        <dsp:cNvPr id="0" name=""/>
+        <dsp:cNvSpPr/>
+      </dsp:nvSpPr>
+      <dsp:spPr>
+        <a:xfrm>
+          <a:off x="5685565" y="1313690"/>
+          <a:ext cx="437111" cy="36914"/>
+        </a:xfrm>
+        <a:custGeom>
+          <a:avLst/>
+          <a:gdLst/>
+          <a:ahLst/>
+          <a:cxnLst/>
+          <a:rect l="0" t="0" r="0" b="0"/>
+          <a:pathLst>
+            <a:path>
+              <a:moveTo>
+                <a:pt x="0" y="18457"/>
+              </a:moveTo>
+              <a:lnTo>
+                <a:pt x="437111" y="18457"/>
+              </a:lnTo>
+            </a:path>
+          </a:pathLst>
+        </a:custGeom>
+        <a:noFill/>
+        <a:ln w="25400" cap="flat" cmpd="sng" algn="ctr">
+          <a:solidFill>
+            <a:schemeClr val="dk1">
+              <a:shade val="80000"/>
+              <a:hueOff val="0"/>
+              <a:satOff val="0"/>
+              <a:lumOff val="0"/>
+              <a:alphaOff val="0"/>
+            </a:schemeClr>
+          </a:solidFill>
+          <a:prstDash val="solid"/>
+        </a:ln>
+        <a:effectLst/>
+      </dsp:spPr>
+      <dsp:style>
+        <a:lnRef idx="2">
+          <a:scrgbClr r="0" g="0" b="0"/>
+        </a:lnRef>
+        <a:fillRef idx="0">
+          <a:scrgbClr r="0" g="0" b="0"/>
+        </a:fillRef>
+        <a:effectRef idx="0">
+          <a:scrgbClr r="0" g="0" b="0"/>
+        </a:effectRef>
+        <a:fontRef idx="minor"/>
+      </dsp:style>
+      <dsp:txBody>
+        <a:bodyPr spcFirstLastPara="0" vert="horz" wrap="square" lIns="12700" tIns="0" rIns="12700" bIns="0" numCol="1" spcCol="1270" anchor="ctr" anchorCtr="0">
+          <a:noAutofit/>
+        </a:bodyPr>
+        <a:lstStyle/>
+        <a:p>
+          <a:pPr lvl="0" algn="ctr" defTabSz="222250">
+            <a:lnSpc>
+              <a:spcPct val="90000"/>
+            </a:lnSpc>
+            <a:spcBef>
+              <a:spcPct val="0"/>
+            </a:spcBef>
+            <a:spcAft>
+              <a:spcPct val="35000"/>
+            </a:spcAft>
+          </a:pPr>
+          <a:endParaRPr lang="fr-FR" sz="500" kern="1200"/>
+        </a:p>
+      </dsp:txBody>
+      <dsp:txXfrm>
+        <a:off x="5893192" y="1321220"/>
+        <a:ext cx="21855" cy="21855"/>
+      </dsp:txXfrm>
+    </dsp:sp>
+    <dsp:sp modelId="{5E814BFA-0250-4E69-8359-6973AFB76EEC}">
+      <dsp:nvSpPr>
+        <dsp:cNvPr id="0" name=""/>
+        <dsp:cNvSpPr/>
+      </dsp:nvSpPr>
+      <dsp:spPr>
+        <a:xfrm>
+          <a:off x="6122676" y="1058953"/>
+          <a:ext cx="1092777" cy="546388"/>
+        </a:xfrm>
+        <a:prstGeom prst="roundRect">
+          <a:avLst>
+            <a:gd name="adj" fmla="val 10000"/>
+          </a:avLst>
+        </a:prstGeom>
+        <a:gradFill rotWithShape="0">
+          <a:gsLst>
+            <a:gs pos="0">
+              <a:schemeClr val="lt1">
+                <a:hueOff val="0"/>
+                <a:satOff val="0"/>
+                <a:lumOff val="0"/>
+                <a:alphaOff val="0"/>
+                <a:tint val="50000"/>
+                <a:satMod val="300000"/>
+              </a:schemeClr>
+            </a:gs>
+            <a:gs pos="35000">
+              <a:schemeClr val="lt1">
+                <a:hueOff val="0"/>
+                <a:satOff val="0"/>
+                <a:lumOff val="0"/>
+                <a:alphaOff val="0"/>
+                <a:tint val="37000"/>
+                <a:satMod val="300000"/>
+              </a:schemeClr>
+            </a:gs>
+            <a:gs pos="100000">
+              <a:schemeClr val="lt1">
+                <a:hueOff val="0"/>
+                <a:satOff val="0"/>
+                <a:lumOff val="0"/>
+                <a:alphaOff val="0"/>
+                <a:tint val="15000"/>
+                <a:satMod val="350000"/>
+              </a:schemeClr>
+            </a:gs>
+          </a:gsLst>
+          <a:lin ang="16200000" scaled="1"/>
+        </a:gradFill>
+        <a:ln>
+          <a:noFill/>
+        </a:ln>
+        <a:effectLst>
+          <a:outerShdw blurRad="40000" dist="20000" dir="5400000" rotWithShape="0">
+            <a:srgbClr val="000000">
+              <a:alpha val="38000"/>
+            </a:srgbClr>
+          </a:outerShdw>
+        </a:effectLst>
+        <a:scene3d>
+          <a:camera prst="orthographicFront"/>
+          <a:lightRig rig="flat" dir="t"/>
+        </a:scene3d>
+        <a:sp3d prstMaterial="dkEdge">
+          <a:bevelT w="8200" h="38100"/>
+        </a:sp3d>
+      </dsp:spPr>
+      <dsp:style>
+        <a:lnRef idx="0">
+          <a:scrgbClr r="0" g="0" b="0"/>
+        </a:lnRef>
+        <a:fillRef idx="2">
+          <a:scrgbClr r="0" g="0" b="0"/>
+        </a:fillRef>
+        <a:effectRef idx="1">
+          <a:scrgbClr r="0" g="0" b="0"/>
+        </a:effectRef>
+        <a:fontRef idx="minor">
+          <a:schemeClr val="dk1"/>
+        </a:fontRef>
+      </dsp:style>
+      <dsp:txBody>
+        <a:bodyPr spcFirstLastPara="0" vert="horz" wrap="square" lIns="6985" tIns="6985" rIns="6985" bIns="6985" numCol="1" spcCol="1270" anchor="ctr" anchorCtr="0">
+          <a:noAutofit/>
+        </a:bodyPr>
+        <a:lstStyle/>
+        <a:p>
+          <a:pPr lvl="0" algn="ctr" defTabSz="488950">
+            <a:lnSpc>
+              <a:spcPct val="90000"/>
+            </a:lnSpc>
+            <a:spcBef>
+              <a:spcPct val="0"/>
+            </a:spcBef>
+            <a:spcAft>
+              <a:spcPct val="35000"/>
+            </a:spcAft>
+          </a:pPr>
+          <a:r>
+            <a:rPr lang="fr-FR" sz="1100" b="1" kern="1200" dirty="0" smtClean="0"/>
+            <a:t>5. Suppression de stop </a:t>
+          </a:r>
+          <a:r>
+            <a:rPr lang="fr-FR" sz="1100" b="1" kern="1200" dirty="0" err="1" smtClean="0"/>
+            <a:t>words</a:t>
+          </a:r>
+          <a:endParaRPr lang="fr-FR" sz="1100" b="1" kern="1200" dirty="0" smtClean="0"/>
+        </a:p>
+      </dsp:txBody>
+      <dsp:txXfrm>
+        <a:off x="6122676" y="1058953"/>
+        <a:ext cx="1092777" cy="546388"/>
+      </dsp:txXfrm>
+    </dsp:sp>
+    <dsp:sp modelId="{94E0602C-20B5-44A0-A9E7-1CA0E9BD48FC}">
+      <dsp:nvSpPr>
+        <dsp:cNvPr id="0" name=""/>
+        <dsp:cNvSpPr/>
+      </dsp:nvSpPr>
+      <dsp:spPr>
+        <a:xfrm>
+          <a:off x="7215453" y="1313690"/>
+          <a:ext cx="437111" cy="36914"/>
+        </a:xfrm>
+        <a:custGeom>
+          <a:avLst/>
+          <a:gdLst/>
+          <a:ahLst/>
+          <a:cxnLst/>
+          <a:rect l="0" t="0" r="0" b="0"/>
+          <a:pathLst>
+            <a:path>
+              <a:moveTo>
+                <a:pt x="0" y="18457"/>
+              </a:moveTo>
+              <a:lnTo>
+                <a:pt x="437111" y="18457"/>
+              </a:lnTo>
+            </a:path>
+          </a:pathLst>
+        </a:custGeom>
+        <a:noFill/>
+        <a:ln w="25400" cap="flat" cmpd="sng" algn="ctr">
+          <a:solidFill>
+            <a:schemeClr val="dk1">
+              <a:shade val="80000"/>
+              <a:hueOff val="0"/>
+              <a:satOff val="0"/>
+              <a:lumOff val="0"/>
+              <a:alphaOff val="0"/>
+            </a:schemeClr>
+          </a:solidFill>
+          <a:prstDash val="solid"/>
+        </a:ln>
+        <a:effectLst/>
+      </dsp:spPr>
+      <dsp:style>
+        <a:lnRef idx="2">
+          <a:scrgbClr r="0" g="0" b="0"/>
+        </a:lnRef>
+        <a:fillRef idx="0">
+          <a:scrgbClr r="0" g="0" b="0"/>
+        </a:fillRef>
+        <a:effectRef idx="0">
+          <a:scrgbClr r="0" g="0" b="0"/>
+        </a:effectRef>
+        <a:fontRef idx="minor"/>
+      </dsp:style>
+      <dsp:txBody>
+        <a:bodyPr spcFirstLastPara="0" vert="horz" wrap="square" lIns="12700" tIns="0" rIns="12700" bIns="0" numCol="1" spcCol="1270" anchor="ctr" anchorCtr="0">
+          <a:noAutofit/>
+        </a:bodyPr>
+        <a:lstStyle/>
+        <a:p>
+          <a:pPr lvl="0" algn="ctr" defTabSz="222250">
+            <a:lnSpc>
+              <a:spcPct val="90000"/>
+            </a:lnSpc>
+            <a:spcBef>
+              <a:spcPct val="0"/>
+            </a:spcBef>
+            <a:spcAft>
+              <a:spcPct val="35000"/>
+            </a:spcAft>
+          </a:pPr>
+          <a:endParaRPr lang="fr-FR" sz="500" kern="1200"/>
+        </a:p>
+      </dsp:txBody>
+      <dsp:txXfrm>
+        <a:off x="7423081" y="1321220"/>
+        <a:ext cx="21855" cy="21855"/>
+      </dsp:txXfrm>
+    </dsp:sp>
+    <dsp:sp modelId="{C3991494-DEF1-48C1-A0B6-E3E15C65FFF0}">
+      <dsp:nvSpPr>
+        <dsp:cNvPr id="0" name=""/>
+        <dsp:cNvSpPr/>
+      </dsp:nvSpPr>
+      <dsp:spPr>
+        <a:xfrm>
+          <a:off x="7652564" y="1058953"/>
+          <a:ext cx="1092777" cy="546388"/>
+        </a:xfrm>
+        <a:prstGeom prst="roundRect">
+          <a:avLst>
+            <a:gd name="adj" fmla="val 10000"/>
+          </a:avLst>
+        </a:prstGeom>
+        <a:gradFill rotWithShape="0">
+          <a:gsLst>
+            <a:gs pos="0">
+              <a:schemeClr val="lt1">
+                <a:hueOff val="0"/>
+                <a:satOff val="0"/>
+                <a:lumOff val="0"/>
+                <a:alphaOff val="0"/>
+                <a:tint val="50000"/>
+                <a:satMod val="300000"/>
+              </a:schemeClr>
+            </a:gs>
+            <a:gs pos="35000">
+              <a:schemeClr val="lt1">
+                <a:hueOff val="0"/>
+                <a:satOff val="0"/>
+                <a:lumOff val="0"/>
+                <a:alphaOff val="0"/>
+                <a:tint val="37000"/>
+                <a:satMod val="300000"/>
+              </a:schemeClr>
+            </a:gs>
+            <a:gs pos="100000">
+              <a:schemeClr val="lt1">
+                <a:hueOff val="0"/>
+                <a:satOff val="0"/>
+                <a:lumOff val="0"/>
+                <a:alphaOff val="0"/>
+                <a:tint val="15000"/>
+                <a:satMod val="350000"/>
+              </a:schemeClr>
+            </a:gs>
+          </a:gsLst>
+          <a:lin ang="16200000" scaled="1"/>
+        </a:gradFill>
+        <a:ln>
+          <a:noFill/>
+        </a:ln>
+        <a:effectLst>
+          <a:outerShdw blurRad="40000" dist="20000" dir="5400000" rotWithShape="0">
+            <a:srgbClr val="000000">
+              <a:alpha val="38000"/>
+            </a:srgbClr>
+          </a:outerShdw>
+        </a:effectLst>
+        <a:scene3d>
+          <a:camera prst="orthographicFront"/>
+          <a:lightRig rig="flat" dir="t"/>
+        </a:scene3d>
+        <a:sp3d prstMaterial="dkEdge">
+          <a:bevelT w="8200" h="38100"/>
+        </a:sp3d>
+      </dsp:spPr>
+      <dsp:style>
+        <a:lnRef idx="0">
+          <a:scrgbClr r="0" g="0" b="0"/>
+        </a:lnRef>
+        <a:fillRef idx="2">
+          <a:scrgbClr r="0" g="0" b="0"/>
+        </a:fillRef>
+        <a:effectRef idx="1">
+          <a:scrgbClr r="0" g="0" b="0"/>
+        </a:effectRef>
+        <a:fontRef idx="minor">
+          <a:schemeClr val="dk1"/>
+        </a:fontRef>
+      </dsp:style>
+      <dsp:txBody>
+        <a:bodyPr spcFirstLastPara="0" vert="horz" wrap="square" lIns="6985" tIns="6985" rIns="6985" bIns="6985" numCol="1" spcCol="1270" anchor="ctr" anchorCtr="0">
+          <a:noAutofit/>
+        </a:bodyPr>
+        <a:lstStyle/>
+        <a:p>
+          <a:pPr lvl="0" algn="ctr" defTabSz="488950">
+            <a:lnSpc>
+              <a:spcPct val="90000"/>
+            </a:lnSpc>
+            <a:spcBef>
+              <a:spcPct val="0"/>
+            </a:spcBef>
+            <a:spcAft>
+              <a:spcPct val="35000"/>
+            </a:spcAft>
+          </a:pPr>
+          <a:r>
+            <a:rPr lang="fr-FR" sz="1100" b="1" kern="1200" dirty="0" smtClean="0"/>
+            <a:t>6. Lemmatisation</a:t>
+          </a:r>
+          <a:endParaRPr lang="fr-FR" sz="1100" b="1" kern="1200" dirty="0" smtClean="0"/>
+        </a:p>
+      </dsp:txBody>
+      <dsp:txXfrm>
+        <a:off x="7652564" y="1058953"/>
+        <a:ext cx="1092777" cy="546388"/>
       </dsp:txXfrm>
     </dsp:sp>
   </dsp:spTree>
@@ -1932,11 +2600,11 @@
 </file>
 
 <file path=ppt/diagrams/layout1.xml><?xml version="1.0" encoding="utf-8"?>
-<dgm:layoutDef xmlns:dgm="http://schemas.openxmlformats.org/drawingml/2006/diagram" xmlns:a="http://schemas.openxmlformats.org/drawingml/2006/main" uniqueId="urn:microsoft.com/office/officeart/2005/8/layout/hierarchy6">
+<dgm:layoutDef xmlns:dgm="http://schemas.openxmlformats.org/drawingml/2006/diagram" xmlns:a="http://schemas.openxmlformats.org/drawingml/2006/main" uniqueId="urn:microsoft.com/office/officeart/2005/8/layout/hierarchy2">
   <dgm:title val=""/>
   <dgm:desc val=""/>
   <dgm:catLst>
-    <dgm:cat type="hierarchy" pri="3000"/>
+    <dgm:cat type="hierarchy" pri="5000"/>
   </dgm:catLst>
   <dgm:sampData>
     <dgm:dataModel>
@@ -1960,26 +2628,14 @@
         <dgm:pt modelId="31">
           <dgm:prSet phldr="1"/>
         </dgm:pt>
-        <dgm:pt modelId="4">
-          <dgm:prSet phldr="1"/>
-        </dgm:pt>
-        <dgm:pt modelId="5">
-          <dgm:prSet phldr="1"/>
-        </dgm:pt>
-        <dgm:pt modelId="6">
-          <dgm:prSet phldr="1"/>
-        </dgm:pt>
       </dgm:ptLst>
       <dgm:cxnLst>
-        <dgm:cxn modelId="7" srcId="0" destId="1" srcOrd="0" destOrd="0"/>
-        <dgm:cxn modelId="8" srcId="1" destId="2" srcOrd="0" destOrd="0"/>
-        <dgm:cxn modelId="9" srcId="1" destId="3" srcOrd="1" destOrd="0"/>
+        <dgm:cxn modelId="4" srcId="0" destId="1" srcOrd="0" destOrd="0"/>
+        <dgm:cxn modelId="5" srcId="1" destId="2" srcOrd="0" destOrd="0"/>
+        <dgm:cxn modelId="6" srcId="1" destId="3" srcOrd="1" destOrd="0"/>
         <dgm:cxn modelId="23" srcId="2" destId="21" srcOrd="0" destOrd="0"/>
         <dgm:cxn modelId="24" srcId="2" destId="22" srcOrd="1" destOrd="0"/>
         <dgm:cxn modelId="33" srcId="3" destId="31" srcOrd="0" destOrd="0"/>
-        <dgm:cxn modelId="10" srcId="0" destId="4" srcOrd="1" destOrd="0"/>
-        <dgm:cxn modelId="11" srcId="0" destId="5" srcOrd="2" destOrd="0"/>
-        <dgm:cxn modelId="12" srcId="0" destId="6" srcOrd="3" destOrd="0"/>
       </dgm:cxnLst>
       <dgm:bg/>
       <dgm:whole/>
@@ -1992,15 +2648,11 @@
         <dgm:pt modelId="1"/>
         <dgm:pt modelId="11"/>
         <dgm:pt modelId="12"/>
-        <dgm:pt modelId="2"/>
-        <dgm:pt modelId="3"/>
       </dgm:ptLst>
       <dgm:cxnLst>
-        <dgm:cxn modelId="4" srcId="0" destId="1" srcOrd="0" destOrd="0"/>
+        <dgm:cxn modelId="2" srcId="0" destId="1" srcOrd="0" destOrd="0"/>
         <dgm:cxn modelId="13" srcId="1" destId="11" srcOrd="0" destOrd="0"/>
         <dgm:cxn modelId="14" srcId="1" destId="12" srcOrd="1" destOrd="0"/>
-        <dgm:cxn modelId="5" srcId="0" destId="2" srcOrd="1" destOrd="0"/>
-        <dgm:cxn modelId="6" srcId="0" destId="3" srcOrd="2" destOrd="0"/>
       </dgm:cxnLst>
       <dgm:bg/>
       <dgm:whole/>
@@ -2017,29 +2669,21 @@
         <dgm:pt modelId="3"/>
         <dgm:pt modelId="31"/>
         <dgm:pt modelId="311"/>
-        <dgm:pt modelId="4"/>
-        <dgm:pt modelId="5"/>
-        <dgm:pt modelId="6"/>
-        <dgm:pt modelId="7"/>
       </dgm:ptLst>
       <dgm:cxnLst>
-        <dgm:cxn modelId="8" srcId="0" destId="1" srcOrd="0" destOrd="0"/>
-        <dgm:cxn modelId="9" srcId="1" destId="2" srcOrd="0" destOrd="0"/>
-        <dgm:cxn modelId="10" srcId="1" destId="3" srcOrd="1" destOrd="0"/>
+        <dgm:cxn modelId="4" srcId="0" destId="1" srcOrd="0" destOrd="0"/>
+        <dgm:cxn modelId="5" srcId="1" destId="2" srcOrd="0" destOrd="0"/>
+        <dgm:cxn modelId="6" srcId="1" destId="3" srcOrd="1" destOrd="0"/>
         <dgm:cxn modelId="23" srcId="2" destId="21" srcOrd="0" destOrd="0"/>
         <dgm:cxn modelId="24" srcId="21" destId="211" srcOrd="0" destOrd="0"/>
         <dgm:cxn modelId="33" srcId="3" destId="31" srcOrd="0" destOrd="0"/>
         <dgm:cxn modelId="34" srcId="31" destId="311" srcOrd="0" destOrd="0"/>
-        <dgm:cxn modelId="11" srcId="0" destId="4" srcOrd="1" destOrd="0"/>
-        <dgm:cxn modelId="12" srcId="0" destId="5" srcOrd="2" destOrd="0"/>
-        <dgm:cxn modelId="13" srcId="0" destId="6" srcOrd="3" destOrd="0"/>
-        <dgm:cxn modelId="14" srcId="0" destId="7" srcOrd="4" destOrd="0"/>
       </dgm:cxnLst>
       <dgm:bg/>
       <dgm:whole/>
     </dgm:dataModel>
   </dgm:clrData>
-  <dgm:layoutNode name="mainComposite">
+  <dgm:layoutNode name="diagram">
     <dgm:varLst>
       <dgm:chPref val="1"/>
       <dgm:dir/>
@@ -2047,397 +2691,230 @@
       <dgm:animLvl val="lvl"/>
       <dgm:resizeHandles val="exact"/>
     </dgm:varLst>
-    <dgm:alg type="composite">
-      <dgm:param type="vertAlign" val="mid"/>
-      <dgm:param type="horzAlign" val="ctr"/>
-    </dgm:alg>
+    <dgm:choose name="Name0">
+      <dgm:if name="Name1" func="var" arg="dir" op="equ" val="norm">
+        <dgm:alg type="hierChild">
+          <dgm:param type="linDir" val="fromT"/>
+          <dgm:param type="chAlign" val="l"/>
+        </dgm:alg>
+      </dgm:if>
+      <dgm:else name="Name2">
+        <dgm:alg type="hierChild">
+          <dgm:param type="linDir" val="fromT"/>
+          <dgm:param type="chAlign" val="r"/>
+        </dgm:alg>
+      </dgm:else>
+    </dgm:choose>
     <dgm:shape xmlns:r="http://schemas.openxmlformats.org/officeDocument/2006/relationships" r:blip="">
       <dgm:adjLst/>
     </dgm:shape>
     <dgm:presOf/>
-    <dgm:choose name="Name0">
-      <dgm:if name="Name1" axis="ch" ptType="node" func="cnt" op="gte" val="2">
-        <dgm:choose name="Name2">
-          <dgm:if name="Name3" func="var" arg="dir" op="equ" val="norm">
+    <dgm:constrLst>
+      <dgm:constr type="h" for="des" ptType="node" refType="h"/>
+      <dgm:constr type="w" for="des" ptType="node" refType="h" refFor="des" refPtType="node" fact="2"/>
+      <dgm:constr type="sibSp" refType="h" refFor="des" refPtType="node" op="equ" fact="0.15"/>
+      <dgm:constr type="sibSp" for="des" forName="level2hierChild" refType="h" refFor="des" refPtType="node" op="equ" fact="0.15"/>
+      <dgm:constr type="sibSp" for="des" forName="level3hierChild" refType="h" refFor="des" refPtType="node" op="equ" fact="0.15"/>
+      <dgm:constr type="sp" for="des" forName="root1" refType="w" refFor="des" refPtType="node" fact="0.4"/>
+      <dgm:constr type="sp" for="des" forName="root2" refType="sp" refFor="des" refForName="root1" op="equ"/>
+      <dgm:constr type="primFontSz" for="des" ptType="node" op="equ" val="65"/>
+      <dgm:constr type="primFontSz" for="des" forName="connTx" op="equ" val="55"/>
+      <dgm:constr type="primFontSz" for="des" forName="connTx" refType="primFontSz" refFor="des" refPtType="node" op="lte" fact="0.8"/>
+    </dgm:constrLst>
+    <dgm:ruleLst/>
+    <dgm:forEach name="Name3" axis="ch">
+      <dgm:forEach name="Name4" axis="self" ptType="node">
+        <dgm:layoutNode name="root1">
+          <dgm:choose name="Name5">
+            <dgm:if name="Name6" func="var" arg="dir" op="equ" val="norm">
+              <dgm:alg type="hierRoot">
+                <dgm:param type="hierAlign" val="lCtrCh"/>
+              </dgm:alg>
+            </dgm:if>
+            <dgm:else name="Name7">
+              <dgm:alg type="hierRoot">
+                <dgm:param type="hierAlign" val="rCtrCh"/>
+              </dgm:alg>
+            </dgm:else>
+          </dgm:choose>
+          <dgm:shape xmlns:r="http://schemas.openxmlformats.org/officeDocument/2006/relationships" r:blip="">
+            <dgm:adjLst/>
+          </dgm:shape>
+          <dgm:presOf/>
+          <dgm:constrLst/>
+          <dgm:ruleLst/>
+          <dgm:layoutNode name="LevelOneTextNode" styleLbl="node0">
+            <dgm:varLst>
+              <dgm:chPref val="3"/>
+            </dgm:varLst>
+            <dgm:alg type="tx"/>
+            <dgm:shape xmlns:r="http://schemas.openxmlformats.org/officeDocument/2006/relationships" type="roundRect" r:blip="">
+              <dgm:adjLst>
+                <dgm:adj idx="1" val="0.1"/>
+              </dgm:adjLst>
+            </dgm:shape>
+            <dgm:presOf axis="self"/>
             <dgm:constrLst>
-              <dgm:constr type="l" for="ch" forName="hierFlow" refType="w" fact="0.3"/>
-              <dgm:constr type="t" for="ch" forName="hierFlow"/>
-              <dgm:constr type="r" for="ch" forName="hierFlow" refType="w" fact="0.98"/>
-              <dgm:constr type="b" for="ch" forName="hierFlow" refType="h" fact="0.98"/>
-              <dgm:constr type="l" for="ch" forName="bgShapesFlow"/>
-              <dgm:constr type="t" for="ch" forName="bgShapesFlow"/>
-              <dgm:constr type="r" for="ch" forName="bgShapesFlow" refType="w"/>
-              <dgm:constr type="b" for="ch" forName="bgShapesFlow" refType="h"/>
-              <dgm:constr type="w" for="des" forName="level1Shape" refType="w"/>
-              <dgm:constr type="h" for="des" forName="level1Shape" refType="w" refFor="des" refForName="level1Shape" fact="0.66667"/>
-              <dgm:constr type="w" for="des" forName="level2Shape" refType="w" refFor="des" refForName="level1Shape" op="equ"/>
-              <dgm:constr type="h" for="des" forName="level2Shape" refType="h" refFor="des" refForName="level1Shape" op="equ"/>
-              <dgm:constr type="sp" for="des" refType="h" refFor="des" refForName="level1Shape" op="equ" fact="0.4"/>
-              <dgm:constr type="sibSp" for="des" forName="hierChild1" refType="w" refFor="des" refForName="level1Shape" op="equ" fact="0.3"/>
-              <dgm:constr type="sibSp" for="des" forName="hierChild2" refType="sibSp" refFor="des" refForName="hierChild1" op="equ"/>
-              <dgm:constr type="sibSp" for="des" forName="hierChild3" refType="sibSp" refFor="des" refForName="hierChild1" op="equ"/>
-              <dgm:constr type="userA" for="des" refType="h" refFor="des" refForName="level1Shape" op="equ"/>
-              <dgm:constr type="userB" for="des" refType="sp" refFor="des" op="equ"/>
-              <dgm:constr type="h" for="des" forName="firstBuf" refType="h" refFor="des" refForName="level1Shape" fact="0.1"/>
+              <dgm:constr type="tMarg" refType="primFontSz" fact="0.05"/>
+              <dgm:constr type="bMarg" refType="primFontSz" fact="0.05"/>
+              <dgm:constr type="lMarg" refType="primFontSz" fact="0.05"/>
+              <dgm:constr type="rMarg" refType="primFontSz" fact="0.05"/>
             </dgm:constrLst>
-          </dgm:if>
-          <dgm:else name="Name4">
-            <dgm:constrLst>
-              <dgm:constr type="l" for="ch" forName="hierFlow" refType="w" fact="0.02"/>
-              <dgm:constr type="t" for="ch" forName="hierFlow"/>
-              <dgm:constr type="r" for="ch" forName="hierFlow" refType="w" fact="0.7"/>
-              <dgm:constr type="b" for="ch" forName="hierFlow" refType="h" fact="0.98"/>
-              <dgm:constr type="l" for="ch" forName="bgShapesFlow"/>
-              <dgm:constr type="t" for="ch" forName="bgShapesFlow"/>
-              <dgm:constr type="r" for="ch" forName="bgShapesFlow" refType="w"/>
-              <dgm:constr type="b" for="ch" forName="bgShapesFlow" refType="h"/>
-              <dgm:constr type="w" for="des" forName="level1Shape" refType="w"/>
-              <dgm:constr type="h" for="des" forName="level1Shape" refType="w" refFor="des" refForName="level1Shape" fact="0.66667"/>
-              <dgm:constr type="w" for="des" forName="level2Shape" refType="w" refFor="des" refForName="level1Shape" op="equ"/>
-              <dgm:constr type="h" for="des" forName="level2Shape" refType="h" refFor="des" refForName="level1Shape" op="equ"/>
-              <dgm:constr type="sp" for="des" refType="h" refFor="des" refForName="level1Shape" op="equ" fact="0.4"/>
-              <dgm:constr type="sibSp" for="des" forName="hierChild1" refType="w" refFor="des" refForName="level1Shape" op="equ" fact="0.3"/>
-              <dgm:constr type="sibSp" for="des" forName="hierChild2" refType="sibSp" refFor="des" refForName="hierChild1" op="equ"/>
-              <dgm:constr type="sibSp" for="des" forName="hierChild3" refType="sibSp" refFor="des" refForName="hierChild1" op="equ"/>
-              <dgm:constr type="userA" for="des" refType="h" refFor="des" refForName="level1Shape" op="equ"/>
-              <dgm:constr type="userB" for="des" refType="sp" refFor="des" op="equ"/>
-              <dgm:constr type="h" for="des" forName="firstBuf" refType="h" refFor="des" refForName="level1Shape" fact="0.1"/>
-            </dgm:constrLst>
-          </dgm:else>
-        </dgm:choose>
-      </dgm:if>
-      <dgm:else name="Name5">
-        <dgm:constrLst>
-          <dgm:constr type="l" for="ch" forName="hierFlow"/>
-          <dgm:constr type="t" for="ch" forName="hierFlow"/>
-          <dgm:constr type="r" for="ch" forName="hierFlow" refType="w"/>
-          <dgm:constr type="b" for="ch" forName="hierFlow" refType="h"/>
-          <dgm:constr type="l" for="ch" forName="bgShapesFlow"/>
-          <dgm:constr type="t" for="ch" forName="bgShapesFlow"/>
-          <dgm:constr type="r" for="ch" forName="bgShapesFlow" refType="w"/>
-          <dgm:constr type="b" for="ch" forName="bgShapesFlow" refType="h"/>
-          <dgm:constr type="w" for="des" forName="level1Shape" refType="w"/>
-          <dgm:constr type="h" for="des" forName="level1Shape" refType="w" refFor="des" refForName="level1Shape" fact="0.66667"/>
-          <dgm:constr type="w" for="des" forName="level2Shape" refType="w" refFor="des" refForName="level1Shape" op="equ"/>
-          <dgm:constr type="h" for="des" forName="level2Shape" refType="h" refFor="des" refForName="level1Shape" op="equ"/>
-          <dgm:constr type="sp" for="des" refType="h" refFor="des" refForName="level1Shape" op="equ" fact="0.4"/>
-          <dgm:constr type="sibSp" for="des" forName="hierChild1" refType="w" refFor="des" refForName="level1Shape" op="equ" fact="0.3"/>
-          <dgm:constr type="sibSp" for="des" forName="hierChild2" refType="sibSp" refFor="des" refForName="hierChild1" op="equ"/>
-          <dgm:constr type="sibSp" for="des" forName="hierChild3" refType="sibSp" refFor="des" refForName="hierChild1" op="equ"/>
-          <dgm:constr type="userA" for="des" refType="h" refFor="des" refForName="level1Shape" op="equ"/>
-          <dgm:constr type="userB" for="des" refType="sp" refFor="des" op="equ"/>
-          <dgm:constr type="h" for="des" forName="firstBuf" refType="h" refFor="des" refForName="level1Shape" fact="0.1"/>
-        </dgm:constrLst>
-      </dgm:else>
-    </dgm:choose>
-    <dgm:ruleLst/>
-    <dgm:layoutNode name="hierFlow">
-      <dgm:alg type="lin">
-        <dgm:param type="linDir" val="fromT"/>
-        <dgm:param type="nodeVertAlign" val="t"/>
-        <dgm:param type="vertAlign" val="t"/>
-        <dgm:param type="nodeHorzAlign" val="ctr"/>
-        <dgm:param type="fallback" val="2D"/>
-      </dgm:alg>
-      <dgm:shape xmlns:r="http://schemas.openxmlformats.org/officeDocument/2006/relationships" r:blip="">
-        <dgm:adjLst/>
-      </dgm:shape>
-      <dgm:presOf/>
-      <dgm:constrLst/>
-      <dgm:ruleLst/>
-      <dgm:choose name="Name6">
-        <dgm:if name="Name7" axis="ch" ptType="node" func="cnt" op="gte" val="2">
-          <dgm:layoutNode name="firstBuf">
-            <dgm:alg type="sp"/>
+            <dgm:ruleLst>
+              <dgm:rule type="primFontSz" val="5" fact="NaN" max="NaN"/>
+            </dgm:ruleLst>
+          </dgm:layoutNode>
+          <dgm:layoutNode name="level2hierChild">
+            <dgm:choose name="Name8">
+              <dgm:if name="Name9" func="var" arg="dir" op="equ" val="norm">
+                <dgm:alg type="hierChild">
+                  <dgm:param type="linDir" val="fromT"/>
+                  <dgm:param type="chAlign" val="l"/>
+                </dgm:alg>
+              </dgm:if>
+              <dgm:else name="Name10">
+                <dgm:alg type="hierChild">
+                  <dgm:param type="linDir" val="fromT"/>
+                  <dgm:param type="chAlign" val="r"/>
+                </dgm:alg>
+              </dgm:else>
+            </dgm:choose>
             <dgm:shape xmlns:r="http://schemas.openxmlformats.org/officeDocument/2006/relationships" r:blip="">
               <dgm:adjLst/>
             </dgm:shape>
             <dgm:presOf/>
             <dgm:constrLst/>
             <dgm:ruleLst/>
-          </dgm:layoutNode>
-        </dgm:if>
-        <dgm:else name="Name8"/>
-      </dgm:choose>
-      <dgm:layoutNode name="hierChild1">
-        <dgm:varLst>
-          <dgm:chPref val="1"/>
-          <dgm:animOne val="branch"/>
-          <dgm:animLvl val="lvl"/>
-        </dgm:varLst>
-        <dgm:choose name="Name9">
-          <dgm:if name="Name10" func="var" arg="dir" op="equ" val="norm">
-            <dgm:alg type="hierChild">
-              <dgm:param type="linDir" val="fromL"/>
-              <dgm:param type="vertAlign" val="t"/>
-            </dgm:alg>
-          </dgm:if>
-          <dgm:else name="Name11">
-            <dgm:alg type="hierChild">
-              <dgm:param type="linDir" val="fromR"/>
-              <dgm:param type="vertAlign" val="t"/>
-            </dgm:alg>
-          </dgm:else>
-        </dgm:choose>
-        <dgm:shape xmlns:r="http://schemas.openxmlformats.org/officeDocument/2006/relationships" r:blip="">
-          <dgm:adjLst/>
-        </dgm:shape>
-        <dgm:presOf/>
-        <dgm:constrLst>
-          <dgm:constr type="primFontSz" for="des" ptType="node" op="equ"/>
-        </dgm:constrLst>
-        <dgm:ruleLst/>
-        <dgm:forEach name="Name12" axis="ch" cnt="3">
-          <dgm:forEach name="Name13" axis="self" ptType="node">
-            <dgm:layoutNode name="Name14">
-              <dgm:alg type="hierRoot"/>
-              <dgm:shape xmlns:r="http://schemas.openxmlformats.org/officeDocument/2006/relationships" r:blip="">
-                <dgm:adjLst/>
-              </dgm:shape>
-              <dgm:presOf/>
-              <dgm:constrLst/>
-              <dgm:ruleLst/>
-              <dgm:layoutNode name="level1Shape" styleLbl="node0">
-                <dgm:varLst>
-                  <dgm:chPref val="3"/>
-                </dgm:varLst>
-                <dgm:alg type="tx"/>
-                <dgm:shape xmlns:r="http://schemas.openxmlformats.org/officeDocument/2006/relationships" type="roundRect" r:blip="">
-                  <dgm:adjLst>
-                    <dgm:adj idx="1" val="0.1"/>
-                  </dgm:adjLst>
-                </dgm:shape>
-                <dgm:presOf axis="self"/>
-                <dgm:constrLst>
-                  <dgm:constr type="primFontSz" val="65"/>
-                  <dgm:constr type="tMarg" refType="primFontSz" fact="0.3"/>
-                  <dgm:constr type="bMarg" refType="primFontSz" fact="0.3"/>
-                  <dgm:constr type="lMarg" refType="primFontSz" fact="0.3"/>
-                  <dgm:constr type="rMarg" refType="primFontSz" fact="0.3"/>
-                </dgm:constrLst>
-                <dgm:ruleLst>
-                  <dgm:rule type="primFontSz" val="5" fact="NaN" max="NaN"/>
-                </dgm:ruleLst>
-              </dgm:layoutNode>
-              <dgm:layoutNode name="hierChild2">
-                <dgm:choose name="Name15">
-                  <dgm:if name="Name16" func="var" arg="dir" op="equ" val="norm">
-                    <dgm:alg type="hierChild">
-                      <dgm:param type="linDir" val="fromL"/>
-                    </dgm:alg>
-                  </dgm:if>
-                  <dgm:else name="Name17">
-                    <dgm:alg type="hierChild">
-                      <dgm:param type="linDir" val="fromR"/>
-                    </dgm:alg>
-                  </dgm:else>
-                </dgm:choose>
-                <dgm:shape xmlns:r="http://schemas.openxmlformats.org/officeDocument/2006/relationships" r:blip="">
-                  <dgm:adjLst/>
-                </dgm:shape>
-                <dgm:presOf/>
-                <dgm:constrLst/>
-                <dgm:ruleLst/>
-                <dgm:forEach name="repeat" axis="ch">
-                  <dgm:forEach name="Name18" axis="self" ptType="parTrans" cnt="1">
-                    <dgm:layoutNode name="Name19">
+            <dgm:forEach name="repeat" axis="ch">
+              <dgm:forEach name="Name11" axis="self" ptType="parTrans" cnt="1">
+                <dgm:layoutNode name="conn2-1">
+                  <dgm:choose name="Name12">
+                    <dgm:if name="Name13" func="var" arg="dir" op="equ" val="norm">
                       <dgm:alg type="conn">
                         <dgm:param type="dim" val="1D"/>
+                        <dgm:param type="begPts" val="midR"/>
+                        <dgm:param type="endPts" val="midL"/>
                         <dgm:param type="endSty" val="noArr"/>
-                        <dgm:param type="connRout" val="bend"/>
-                        <dgm:param type="begPts" val="bCtr"/>
-                        <dgm:param type="endPts" val="tCtr"/>
                       </dgm:alg>
-                      <dgm:shape xmlns:r="http://schemas.openxmlformats.org/officeDocument/2006/relationships" type="conn" r:blip="">
-                        <dgm:adjLst/>
-                      </dgm:shape>
-                      <dgm:presOf axis="self"/>
-                      <dgm:constrLst>
-                        <dgm:constr type="w" val="1"/>
-                        <dgm:constr type="h" val="1"/>
-                        <dgm:constr type="begPad"/>
-                        <dgm:constr type="endPad"/>
-                      </dgm:constrLst>
-                      <dgm:ruleLst/>
-                    </dgm:layoutNode>
-                  </dgm:forEach>
-                  <dgm:forEach name="Name20" axis="self" ptType="node">
-                    <dgm:layoutNode name="Name21">
-                      <dgm:alg type="hierRoot"/>
-                      <dgm:shape xmlns:r="http://schemas.openxmlformats.org/officeDocument/2006/relationships" r:blip="">
-                        <dgm:adjLst/>
-                      </dgm:shape>
-                      <dgm:presOf/>
-                      <dgm:constrLst/>
-                      <dgm:ruleLst/>
-                      <dgm:layoutNode name="level2Shape">
-                        <dgm:alg type="tx"/>
-                        <dgm:shape xmlns:r="http://schemas.openxmlformats.org/officeDocument/2006/relationships" type="roundRect" r:blip="">
-                          <dgm:adjLst>
-                            <dgm:adj idx="1" val="0.1"/>
-                          </dgm:adjLst>
-                        </dgm:shape>
-                        <dgm:presOf axis="self"/>
-                        <dgm:constrLst>
-                          <dgm:constr type="primFontSz" val="65"/>
-                          <dgm:constr type="tMarg" refType="primFontSz" fact="0.3"/>
-                          <dgm:constr type="bMarg" refType="primFontSz" fact="0.3"/>
-                          <dgm:constr type="lMarg" refType="primFontSz" fact="0.3"/>
-                          <dgm:constr type="rMarg" refType="primFontSz" fact="0.3"/>
-                        </dgm:constrLst>
-                        <dgm:ruleLst>
-                          <dgm:rule type="primFontSz" val="5" fact="NaN" max="NaN"/>
-                        </dgm:ruleLst>
-                      </dgm:layoutNode>
-                      <dgm:layoutNode name="hierChild3">
-                        <dgm:choose name="Name22">
-                          <dgm:if name="Name23" func="var" arg="dir" op="equ" val="norm">
-                            <dgm:alg type="hierChild">
-                              <dgm:param type="linDir" val="fromL"/>
-                            </dgm:alg>
-                          </dgm:if>
-                          <dgm:else name="Name24">
-                            <dgm:alg type="hierChild">
-                              <dgm:param type="linDir" val="fromR"/>
-                            </dgm:alg>
-                          </dgm:else>
-                        </dgm:choose>
-                        <dgm:shape xmlns:r="http://schemas.openxmlformats.org/officeDocument/2006/relationships" r:blip="">
-                          <dgm:adjLst/>
-                        </dgm:shape>
-                        <dgm:presOf/>
-                        <dgm:constrLst/>
-                        <dgm:ruleLst/>
-                        <dgm:forEach name="Name25" ref="repeat"/>
-                      </dgm:layoutNode>
-                    </dgm:layoutNode>
-                  </dgm:forEach>
-                </dgm:forEach>
-              </dgm:layoutNode>
-            </dgm:layoutNode>
-          </dgm:forEach>
-        </dgm:forEach>
-      </dgm:layoutNode>
-    </dgm:layoutNode>
-    <dgm:layoutNode name="bgShapesFlow">
-      <dgm:alg type="lin">
-        <dgm:param type="linDir" val="fromT"/>
-        <dgm:param type="nodeVertAlign" val="t"/>
-        <dgm:param type="vertAlign" val="t"/>
-        <dgm:param type="nodeHorzAlign" val="ctr"/>
-      </dgm:alg>
-      <dgm:shape xmlns:r="http://schemas.openxmlformats.org/officeDocument/2006/relationships" r:blip="">
-        <dgm:adjLst/>
-      </dgm:shape>
-      <dgm:presOf/>
-      <dgm:constrLst>
-        <dgm:constr type="userB"/>
-        <dgm:constr type="w" for="ch" forName="rectComp" refType="w"/>
-        <dgm:constr type="h" for="ch" forName="rectComp" refType="h"/>
-        <dgm:constr type="w" for="des" forName="bgRect" refType="w"/>
-        <dgm:constr type="primFontSz" for="des" forName="bgRectTx" op="equ"/>
-      </dgm:constrLst>
-      <dgm:ruleLst/>
-      <dgm:forEach name="Name26" axis="ch" ptType="node" st="2">
-        <dgm:layoutNode name="rectComp">
-          <dgm:alg type="composite">
-            <dgm:param type="vertAlign" val="t"/>
-            <dgm:param type="horzAlign" val="ctr"/>
-          </dgm:alg>
-          <dgm:shape xmlns:r="http://schemas.openxmlformats.org/officeDocument/2006/relationships" r:blip="">
-            <dgm:adjLst/>
-          </dgm:shape>
-          <dgm:presOf/>
-          <dgm:choose name="Name27">
-            <dgm:if name="Name28" func="var" arg="dir" op="equ" val="norm">
-              <dgm:constrLst>
-                <dgm:constr type="userA"/>
-                <dgm:constr type="l" for="ch" forName="bgRect"/>
-                <dgm:constr type="t" for="ch" forName="bgRect"/>
-                <dgm:constr type="h" for="ch" forName="bgRect" refType="userA" fact="1.2"/>
-                <dgm:constr type="l" for="ch" forName="bgRectTx"/>
-                <dgm:constr type="t" for="ch" forName="bgRectTx"/>
-                <dgm:constr type="w" for="ch" forName="bgRectTx" refType="w" refFor="ch" refForName="bgRect" fact="0.3"/>
-                <dgm:constr type="h" for="ch" forName="bgRectTx" refType="h" refFor="ch" refForName="bgRect" op="equ"/>
-              </dgm:constrLst>
-            </dgm:if>
-            <dgm:else name="Name29">
-              <dgm:constrLst>
-                <dgm:constr type="userA"/>
-                <dgm:constr type="l" for="ch" forName="bgRect"/>
-                <dgm:constr type="t" for="ch" forName="bgRect"/>
-                <dgm:constr type="h" for="ch" forName="bgRect" refType="userA" fact="1.2"/>
-                <dgm:constr type="r" for="ch" forName="bgRectTx" refType="w"/>
-                <dgm:constr type="t" for="ch" forName="bgRectTx"/>
-                <dgm:constr type="w" for="ch" forName="bgRectTx" refType="w" refFor="ch" refForName="bgRect" fact="0.3"/>
-                <dgm:constr type="h" for="ch" forName="bgRectTx" refType="h" refFor="ch" refForName="bgRect" op="equ"/>
-              </dgm:constrLst>
-            </dgm:else>
-          </dgm:choose>
-          <dgm:ruleLst/>
-          <dgm:layoutNode name="bgRect" styleLbl="bgShp">
-            <dgm:alg type="sp"/>
-            <dgm:shape xmlns:r="http://schemas.openxmlformats.org/officeDocument/2006/relationships" type="roundRect" r:blip="" zOrderOff="-999">
-              <dgm:adjLst>
-                <dgm:adj idx="1" val="0.1"/>
-              </dgm:adjLst>
-            </dgm:shape>
-            <dgm:presOf axis="desOrSelf" ptType="node"/>
-            <dgm:constrLst/>
-            <dgm:ruleLst/>
-          </dgm:layoutNode>
-          <dgm:layoutNode name="bgRectTx" styleLbl="bgShp">
-            <dgm:varLst>
-              <dgm:bulletEnabled val="1"/>
-            </dgm:varLst>
-            <dgm:alg type="tx"/>
-            <dgm:presOf axis="desOrSelf" ptType="node"/>
-            <dgm:shape xmlns:r="http://schemas.openxmlformats.org/officeDocument/2006/relationships" type="rect" r:blip="" zOrderOff="-999" hideGeom="1">
-              <dgm:adjLst/>
-            </dgm:shape>
-            <dgm:constrLst>
-              <dgm:constr type="primFontSz" val="65"/>
-            </dgm:constrLst>
-            <dgm:ruleLst>
-              <dgm:rule type="primFontSz" val="5" fact="NaN" max="NaN"/>
-            </dgm:ruleLst>
+                    </dgm:if>
+                    <dgm:else name="Name14">
+                      <dgm:alg type="conn">
+                        <dgm:param type="dim" val="1D"/>
+                        <dgm:param type="begPts" val="midL"/>
+                        <dgm:param type="endPts" val="midR"/>
+                        <dgm:param type="endSty" val="noArr"/>
+                      </dgm:alg>
+                    </dgm:else>
+                  </dgm:choose>
+                  <dgm:shape xmlns:r="http://schemas.openxmlformats.org/officeDocument/2006/relationships" type="conn" r:blip="">
+                    <dgm:adjLst/>
+                  </dgm:shape>
+                  <dgm:presOf axis="self"/>
+                  <dgm:constrLst>
+                    <dgm:constr type="w" val="1"/>
+                    <dgm:constr type="h" val="5"/>
+                    <dgm:constr type="connDist"/>
+                    <dgm:constr type="begPad"/>
+                    <dgm:constr type="endPad"/>
+                    <dgm:constr type="userA" for="ch" refType="connDist"/>
+                  </dgm:constrLst>
+                  <dgm:ruleLst/>
+                  <dgm:layoutNode name="connTx">
+                    <dgm:alg type="tx">
+                      <dgm:param type="autoTxRot" val="grav"/>
+                    </dgm:alg>
+                    <dgm:shape xmlns:r="http://schemas.openxmlformats.org/officeDocument/2006/relationships" type="rect" r:blip="" hideGeom="1">
+                      <dgm:adjLst/>
+                    </dgm:shape>
+                    <dgm:presOf axis="self"/>
+                    <dgm:constrLst>
+                      <dgm:constr type="userA"/>
+                      <dgm:constr type="w" refType="userA" fact="0.05"/>
+                      <dgm:constr type="h" refType="userA" fact="0.05"/>
+                      <dgm:constr type="lMarg" val="1"/>
+                      <dgm:constr type="rMarg" val="1"/>
+                      <dgm:constr type="tMarg"/>
+                      <dgm:constr type="bMarg"/>
+                    </dgm:constrLst>
+                    <dgm:ruleLst>
+                      <dgm:rule type="h" val="NaN" fact="0.25" max="NaN"/>
+                      <dgm:rule type="w" val="NaN" fact="0.8" max="NaN"/>
+                      <dgm:rule type="primFontSz" val="5" fact="NaN" max="NaN"/>
+                    </dgm:ruleLst>
+                  </dgm:layoutNode>
+                </dgm:layoutNode>
+              </dgm:forEach>
+              <dgm:forEach name="Name15" axis="self" ptType="node">
+                <dgm:layoutNode name="root2">
+                  <dgm:choose name="Name16">
+                    <dgm:if name="Name17" func="var" arg="dir" op="equ" val="norm">
+                      <dgm:alg type="hierRoot">
+                        <dgm:param type="hierAlign" val="lCtrCh"/>
+                      </dgm:alg>
+                    </dgm:if>
+                    <dgm:else name="Name18">
+                      <dgm:alg type="hierRoot">
+                        <dgm:param type="hierAlign" val="rCtrCh"/>
+                      </dgm:alg>
+                    </dgm:else>
+                  </dgm:choose>
+                  <dgm:shape xmlns:r="http://schemas.openxmlformats.org/officeDocument/2006/relationships" r:blip="">
+                    <dgm:adjLst/>
+                  </dgm:shape>
+                  <dgm:presOf/>
+                  <dgm:constrLst/>
+                  <dgm:ruleLst/>
+                  <dgm:layoutNode name="LevelTwoTextNode">
+                    <dgm:varLst>
+                      <dgm:chPref val="3"/>
+                    </dgm:varLst>
+                    <dgm:alg type="tx"/>
+                    <dgm:shape xmlns:r="http://schemas.openxmlformats.org/officeDocument/2006/relationships" type="roundRect" r:blip="">
+                      <dgm:adjLst>
+                        <dgm:adj idx="1" val="0.1"/>
+                      </dgm:adjLst>
+                    </dgm:shape>
+                    <dgm:presOf axis="self"/>
+                    <dgm:constrLst>
+                      <dgm:constr type="tMarg" refType="primFontSz" fact="0.05"/>
+                      <dgm:constr type="bMarg" refType="primFontSz" fact="0.05"/>
+                      <dgm:constr type="lMarg" refType="primFontSz" fact="0.05"/>
+                      <dgm:constr type="rMarg" refType="primFontSz" fact="0.05"/>
+                    </dgm:constrLst>
+                    <dgm:ruleLst>
+                      <dgm:rule type="primFontSz" val="5" fact="NaN" max="NaN"/>
+                    </dgm:ruleLst>
+                  </dgm:layoutNode>
+                  <dgm:layoutNode name="level3hierChild">
+                    <dgm:choose name="Name19">
+                      <dgm:if name="Name20" func="var" arg="dir" op="equ" val="norm">
+                        <dgm:alg type="hierChild">
+                          <dgm:param type="linDir" val="fromT"/>
+                          <dgm:param type="chAlign" val="l"/>
+                        </dgm:alg>
+                      </dgm:if>
+                      <dgm:else name="Name21">
+                        <dgm:alg type="hierChild">
+                          <dgm:param type="linDir" val="fromT"/>
+                          <dgm:param type="chAlign" val="r"/>
+                        </dgm:alg>
+                      </dgm:else>
+                    </dgm:choose>
+                    <dgm:shape xmlns:r="http://schemas.openxmlformats.org/officeDocument/2006/relationships" r:blip="">
+                      <dgm:adjLst/>
+                    </dgm:shape>
+                    <dgm:presOf/>
+                    <dgm:constrLst/>
+                    <dgm:ruleLst/>
+                    <dgm:forEach name="Name22" ref="repeat"/>
+                  </dgm:layoutNode>
+                </dgm:layoutNode>
+              </dgm:forEach>
+            </dgm:forEach>
           </dgm:layoutNode>
         </dgm:layoutNode>
-        <dgm:choose name="Name30">
-          <dgm:if name="Name31" axis="self" ptType="node" func="revPos" op="gte" val="2">
-            <dgm:layoutNode name="spComp">
-              <dgm:alg type="composite">
-                <dgm:param type="vertAlign" val="t"/>
-                <dgm:param type="horzAlign" val="ctr"/>
-              </dgm:alg>
-              <dgm:shape xmlns:r="http://schemas.openxmlformats.org/officeDocument/2006/relationships" r:blip="">
-                <dgm:adjLst/>
-              </dgm:shape>
-              <dgm:presOf/>
-              <dgm:constrLst>
-                <dgm:constr type="userA"/>
-                <dgm:constr type="userB"/>
-                <dgm:constr type="l" for="ch" forName="vSp"/>
-                <dgm:constr type="t" for="ch" forName="vSp"/>
-                <dgm:constr type="h" for="ch" forName="vSp" refType="userB"/>
-                <dgm:constr type="hOff" for="ch" forName="vSp" refType="userA" fact="-0.2"/>
-              </dgm:constrLst>
-              <dgm:ruleLst/>
-              <dgm:layoutNode name="vSp">
-                <dgm:alg type="sp"/>
-                <dgm:shape xmlns:r="http://schemas.openxmlformats.org/officeDocument/2006/relationships" r:blip="">
-                  <dgm:adjLst/>
-                </dgm:shape>
-                <dgm:presOf/>
-                <dgm:constrLst/>
-                <dgm:ruleLst/>
-              </dgm:layoutNode>
-            </dgm:layoutNode>
-          </dgm:if>
-          <dgm:else name="Name32"/>
-        </dgm:choose>
       </dgm:forEach>
-    </dgm:layoutNode>
+    </dgm:forEach>
   </dgm:layoutNode>
 </dgm:layoutDef>
 </file>
@@ -3585,7 +4062,7 @@
             <a:fld id="{7002D053-CBEE-469E-81C1-88EB6CD1E92E}" type="datetimeFigureOut">
               <a:rPr lang="fr-FR" smtClean="0"/>
               <a:pPr/>
-              <a:t>22/11/2019</a:t>
+              <a:t>24/11/2019</a:t>
             </a:fld>
             <a:endParaRPr lang="fr-FR"/>
           </a:p>
@@ -4033,7 +4510,7 @@
             <a:fld id="{7E768BEE-E6B8-4060-8BB8-88634D80D712}" type="datetime1">
               <a:rPr lang="fr-FR" smtClean="0"/>
               <a:pPr/>
-              <a:t>22/11/2019</a:t>
+              <a:t>24/11/2019</a:t>
             </a:fld>
             <a:endParaRPr lang="fr-FR"/>
           </a:p>
@@ -4204,7 +4681,7 @@
             <a:fld id="{B94BEE99-8E4C-405B-9100-85A90D3BB541}" type="datetime1">
               <a:rPr lang="fr-FR" smtClean="0"/>
               <a:pPr/>
-              <a:t>22/11/2019</a:t>
+              <a:t>24/11/2019</a:t>
             </a:fld>
             <a:endParaRPr lang="fr-FR"/>
           </a:p>
@@ -4385,7 +4862,7 @@
             <a:fld id="{B05B91D3-F97E-479E-B548-2FC5B89DC963}" type="datetime1">
               <a:rPr lang="fr-FR" smtClean="0"/>
               <a:pPr/>
-              <a:t>22/11/2019</a:t>
+              <a:t>24/11/2019</a:t>
             </a:fld>
             <a:endParaRPr lang="fr-FR"/>
           </a:p>
@@ -4556,7 +5033,7 @@
             <a:fld id="{34BB9493-DDA4-47A5-90A8-AADC3D3EA1FB}" type="datetime1">
               <a:rPr lang="fr-FR" smtClean="0"/>
               <a:pPr/>
-              <a:t>22/11/2019</a:t>
+              <a:t>24/11/2019</a:t>
             </a:fld>
             <a:endParaRPr lang="fr-FR"/>
           </a:p>
@@ -4803,7 +5280,7 @@
             <a:fld id="{8400BBAC-709B-4C27-A8E5-C3DAFC380F34}" type="datetime1">
               <a:rPr lang="fr-FR" smtClean="0"/>
               <a:pPr/>
-              <a:t>22/11/2019</a:t>
+              <a:t>24/11/2019</a:t>
             </a:fld>
             <a:endParaRPr lang="fr-FR"/>
           </a:p>
@@ -5092,7 +5569,7 @@
             <a:fld id="{C233BADA-DDE4-48E1-B8B1-047575517136}" type="datetime1">
               <a:rPr lang="fr-FR" smtClean="0"/>
               <a:pPr/>
-              <a:t>22/11/2019</a:t>
+              <a:t>24/11/2019</a:t>
             </a:fld>
             <a:endParaRPr lang="fr-FR"/>
           </a:p>
@@ -5515,7 +5992,7 @@
             <a:fld id="{7B43ABC1-E269-4D95-90B6-9C077C451CF0}" type="datetime1">
               <a:rPr lang="fr-FR" smtClean="0"/>
               <a:pPr/>
-              <a:t>22/11/2019</a:t>
+              <a:t>24/11/2019</a:t>
             </a:fld>
             <a:endParaRPr lang="fr-FR"/>
           </a:p>
@@ -5634,7 +6111,7 @@
             <a:fld id="{30B3F957-FF99-4767-8E50-82FC80CC929A}" type="datetime1">
               <a:rPr lang="fr-FR" smtClean="0"/>
               <a:pPr/>
-              <a:t>22/11/2019</a:t>
+              <a:t>24/11/2019</a:t>
             </a:fld>
             <a:endParaRPr lang="fr-FR"/>
           </a:p>
@@ -5730,7 +6207,7 @@
             <a:fld id="{811BABC7-87F3-44F9-BF44-B3746A2B4101}" type="datetime1">
               <a:rPr lang="fr-FR" smtClean="0"/>
               <a:pPr/>
-              <a:t>22/11/2019</a:t>
+              <a:t>24/11/2019</a:t>
             </a:fld>
             <a:endParaRPr lang="fr-FR"/>
           </a:p>
@@ -6008,7 +6485,7 @@
             <a:fld id="{105D3534-F660-4127-916F-DB672DB2CBAC}" type="datetime1">
               <a:rPr lang="fr-FR" smtClean="0"/>
               <a:pPr/>
-              <a:t>22/11/2019</a:t>
+              <a:t>24/11/2019</a:t>
             </a:fld>
             <a:endParaRPr lang="fr-FR"/>
           </a:p>
@@ -6262,7 +6739,7 @@
             <a:fld id="{4ED55DE1-24EE-4680-A1D2-0837ABAB7106}" type="datetime1">
               <a:rPr lang="fr-FR" smtClean="0"/>
               <a:pPr/>
-              <a:t>22/11/2019</a:t>
+              <a:t>24/11/2019</a:t>
             </a:fld>
             <a:endParaRPr lang="fr-FR"/>
           </a:p>
@@ -6476,7 +6953,7 @@
             <a:fld id="{20543D23-520C-42E7-9DCB-B1A1DF4C6848}" type="datetime1">
               <a:rPr lang="fr-FR" smtClean="0"/>
               <a:pPr/>
-              <a:t>22/11/2019</a:t>
+              <a:t>24/11/2019</a:t>
             </a:fld>
             <a:endParaRPr lang="fr-FR"/>
           </a:p>
@@ -6869,11 +7346,7 @@
           <a:p>
             <a:r>
               <a:rPr lang="fr-FR" dirty="0" smtClean="0"/>
-              <a:t>Projet </a:t>
-            </a:r>
-            <a:r>
-              <a:rPr lang="fr-FR" dirty="0" smtClean="0"/>
-              <a:t>5</a:t>
+              <a:t>Projet 5</a:t>
             </a:r>
             <a:endParaRPr lang="fr-FR" dirty="0"/>
           </a:p>
@@ -6920,7 +7393,7 @@
             <a:fld id="{27EE0C2C-78A9-4555-B82A-515D52647E13}" type="datetime1">
               <a:rPr lang="fr-FR" smtClean="0"/>
               <a:pPr/>
-              <a:t>22/11/2019</a:t>
+              <a:t>24/11/2019</a:t>
             </a:fld>
             <a:endParaRPr lang="fr-FR"/>
           </a:p>
@@ -7017,8 +7490,8 @@
         </p:nvSpPr>
         <p:spPr>
           <a:xfrm>
-            <a:off x="395536" y="0"/>
-            <a:ext cx="8229600" cy="1143000"/>
+            <a:off x="539552" y="0"/>
+            <a:ext cx="7344816" cy="836712"/>
           </a:xfrm>
         </p:spPr>
         <p:txBody>
@@ -7028,31 +7501,27 @@
           <a:lstStyle/>
           <a:p>
             <a:r>
-              <a:rPr lang="fr-FR" sz="3200" dirty="0" smtClean="0"/>
-              <a:t>5. </a:t>
-            </a:r>
-            <a:r>
-              <a:rPr lang="fr-FR" sz="3200" dirty="0" smtClean="0"/>
-              <a:t>Modélisation non-supervisée</a:t>
-            </a:r>
-            <a:r>
-              <a:rPr lang="fr-FR" sz="3200" dirty="0" smtClean="0"/>
-              <a:t/>
+              <a:rPr lang="fr-FR" sz="2400" dirty="0" smtClean="0"/>
+              <a:t>4. Exploration</a:t>
             </a:r>
             <a:br>
-              <a:rPr lang="fr-FR" sz="3200" dirty="0" smtClean="0"/>
+              <a:rPr lang="fr-FR" sz="2400" dirty="0" smtClean="0"/>
             </a:br>
             <a:r>
-              <a:rPr lang="fr-FR" sz="3200" dirty="0" err="1" smtClean="0"/>
-              <a:t>Clustering</a:t>
-            </a:r>
-            <a:endParaRPr lang="fr-FR" sz="3200" dirty="0"/>
-          </a:p>
-        </p:txBody>
-      </p:sp>
-      <p:sp>
-        <p:nvSpPr>
-          <p:cNvPr id="4" name="Date Placeholder 3"/>
+              <a:rPr lang="fr-FR" sz="2400" dirty="0" smtClean="0"/>
+              <a:t>Analyse </a:t>
+            </a:r>
+            <a:r>
+              <a:rPr lang="fr-FR" sz="2400" dirty="0" smtClean="0"/>
+              <a:t>exploratoire - cible</a:t>
+            </a:r>
+            <a:endParaRPr lang="fr-FR" sz="2400" dirty="0"/>
+          </a:p>
+        </p:txBody>
+      </p:sp>
+      <p:sp>
+        <p:nvSpPr>
+          <p:cNvPr id="6" name="Date Placeholder 5"/>
           <p:cNvSpPr>
             <a:spLocks noGrp="1"/>
           </p:cNvSpPr>
@@ -7065,10 +7534,10 @@
           <a:bodyPr/>
           <a:lstStyle/>
           <a:p>
-            <a:fld id="{34BB9493-DDA4-47A5-90A8-AADC3D3EA1FB}" type="datetime1">
+            <a:fld id="{92BC38EB-913B-4C57-8A7D-C090B83E2669}" type="datetime1">
               <a:rPr lang="fr-FR" smtClean="0"/>
               <a:pPr/>
-              <a:t>22/11/2019</a:t>
+              <a:t>24/11/2019</a:t>
             </a:fld>
             <a:endParaRPr lang="fr-FR"/>
           </a:p>
@@ -7076,30 +7545,7 @@
       </p:sp>
       <p:sp>
         <p:nvSpPr>
-          <p:cNvPr id="5" name="Footer Placeholder 4"/>
-          <p:cNvSpPr>
-            <a:spLocks noGrp="1"/>
-          </p:cNvSpPr>
-          <p:nvPr>
-            <p:ph type="ftr" sz="quarter" idx="11"/>
-          </p:nvPr>
-        </p:nvSpPr>
-        <p:spPr/>
-        <p:txBody>
-          <a:bodyPr/>
-          <a:lstStyle/>
-          <a:p>
-            <a:r>
-              <a:rPr lang="fr-FR" smtClean="0"/>
-              <a:t>Lenka Styfalova</a:t>
-            </a:r>
-            <a:endParaRPr lang="fr-FR"/>
-          </a:p>
-        </p:txBody>
-      </p:sp>
-      <p:sp>
-        <p:nvSpPr>
-          <p:cNvPr id="6" name="Slide Number Placeholder 5"/>
+          <p:cNvPr id="7" name="Slide Number Placeholder 6"/>
           <p:cNvSpPr>
             <a:spLocks noGrp="1"/>
           </p:cNvSpPr>
@@ -7121,6 +7567,217 @@
           </a:p>
         </p:txBody>
       </p:sp>
+      <p:sp>
+        <p:nvSpPr>
+          <p:cNvPr id="8" name="Footer Placeholder 7"/>
+          <p:cNvSpPr>
+            <a:spLocks noGrp="1"/>
+          </p:cNvSpPr>
+          <p:nvPr>
+            <p:ph type="ftr" sz="quarter" idx="11"/>
+          </p:nvPr>
+        </p:nvSpPr>
+        <p:spPr/>
+        <p:txBody>
+          <a:bodyPr/>
+          <a:lstStyle/>
+          <a:p>
+            <a:r>
+              <a:rPr lang="fr-FR" smtClean="0"/>
+              <a:t>Lenka Styfalova</a:t>
+            </a:r>
+            <a:endParaRPr lang="fr-FR"/>
+          </a:p>
+        </p:txBody>
+      </p:sp>
+      <p:pic>
+        <p:nvPicPr>
+          <p:cNvPr id="6146" name="Picture 2"/>
+          <p:cNvPicPr>
+            <a:picLocks noChangeAspect="1" noChangeArrowheads="1"/>
+          </p:cNvPicPr>
+          <p:nvPr/>
+        </p:nvPicPr>
+        <p:blipFill>
+          <a:blip r:embed="rId2" cstate="print"/>
+          <a:srcRect/>
+          <a:stretch>
+            <a:fillRect/>
+          </a:stretch>
+        </p:blipFill>
+        <p:spPr bwMode="auto">
+          <a:xfrm>
+            <a:off x="0" y="980728"/>
+            <a:ext cx="5112568" cy="2834898"/>
+          </a:xfrm>
+          <a:prstGeom prst="rect">
+            <a:avLst/>
+          </a:prstGeom>
+          <a:noFill/>
+          <a:ln w="9525">
+            <a:noFill/>
+            <a:miter lim="800000"/>
+            <a:headEnd/>
+            <a:tailEnd/>
+          </a:ln>
+        </p:spPr>
+      </p:pic>
+      <p:pic>
+        <p:nvPicPr>
+          <p:cNvPr id="6147" name="Picture 3"/>
+          <p:cNvPicPr>
+            <a:picLocks noChangeAspect="1" noChangeArrowheads="1"/>
+          </p:cNvPicPr>
+          <p:nvPr/>
+        </p:nvPicPr>
+        <p:blipFill>
+          <a:blip r:embed="rId3" cstate="print"/>
+          <a:srcRect/>
+          <a:stretch>
+            <a:fillRect/>
+          </a:stretch>
+        </p:blipFill>
+        <p:spPr bwMode="auto">
+          <a:xfrm>
+            <a:off x="0" y="3861048"/>
+            <a:ext cx="5148064" cy="2956946"/>
+          </a:xfrm>
+          <a:prstGeom prst="rect">
+            <a:avLst/>
+          </a:prstGeom>
+          <a:noFill/>
+          <a:ln w="9525">
+            <a:noFill/>
+            <a:miter lim="800000"/>
+            <a:headEnd/>
+            <a:tailEnd/>
+          </a:ln>
+        </p:spPr>
+      </p:pic>
+      <p:sp>
+        <p:nvSpPr>
+          <p:cNvPr id="11" name="TextBox 10"/>
+          <p:cNvSpPr txBox="1"/>
+          <p:nvPr/>
+        </p:nvSpPr>
+        <p:spPr>
+          <a:xfrm>
+            <a:off x="5364088" y="1124744"/>
+            <a:ext cx="3779912" cy="369332"/>
+          </a:xfrm>
+          <a:prstGeom prst="rect">
+            <a:avLst/>
+          </a:prstGeom>
+          <a:noFill/>
+        </p:spPr>
+        <p:txBody>
+          <a:bodyPr wrap="square" rtlCol="0">
+            <a:spAutoFit/>
+          </a:bodyPr>
+          <a:lstStyle/>
+          <a:p>
+            <a:r>
+              <a:rPr lang="fr-FR" dirty="0" smtClean="0"/>
+              <a:t>Les tags les plus fréquents :</a:t>
+            </a:r>
+            <a:endParaRPr lang="fr-FR" dirty="0"/>
+          </a:p>
+        </p:txBody>
+      </p:sp>
+      <p:pic>
+        <p:nvPicPr>
+          <p:cNvPr id="6148" name="Picture 4"/>
+          <p:cNvPicPr>
+            <a:picLocks noChangeAspect="1" noChangeArrowheads="1"/>
+          </p:cNvPicPr>
+          <p:nvPr/>
+        </p:nvPicPr>
+        <p:blipFill>
+          <a:blip r:embed="rId4" cstate="print"/>
+          <a:srcRect/>
+          <a:stretch>
+            <a:fillRect/>
+          </a:stretch>
+        </p:blipFill>
+        <p:spPr bwMode="auto">
+          <a:xfrm>
+            <a:off x="5076056" y="1556792"/>
+            <a:ext cx="3829050" cy="1619250"/>
+          </a:xfrm>
+          <a:prstGeom prst="rect">
+            <a:avLst/>
+          </a:prstGeom>
+          <a:noFill/>
+          <a:ln w="9525">
+            <a:noFill/>
+            <a:miter lim="800000"/>
+            <a:headEnd/>
+            <a:tailEnd/>
+          </a:ln>
+        </p:spPr>
+      </p:pic>
+      <p:sp>
+        <p:nvSpPr>
+          <p:cNvPr id="13" name="TextBox 12"/>
+          <p:cNvSpPr txBox="1"/>
+          <p:nvPr/>
+        </p:nvSpPr>
+        <p:spPr>
+          <a:xfrm>
+            <a:off x="5148064" y="4077072"/>
+            <a:ext cx="3779912" cy="369332"/>
+          </a:xfrm>
+          <a:prstGeom prst="rect">
+            <a:avLst/>
+          </a:prstGeom>
+          <a:noFill/>
+        </p:spPr>
+        <p:txBody>
+          <a:bodyPr wrap="square" rtlCol="0">
+            <a:spAutoFit/>
+          </a:bodyPr>
+          <a:lstStyle/>
+          <a:p>
+            <a:r>
+              <a:rPr lang="fr-FR" dirty="0" smtClean="0"/>
+              <a:t>Les tags les moins fréquents :</a:t>
+            </a:r>
+            <a:endParaRPr lang="fr-FR" dirty="0"/>
+          </a:p>
+        </p:txBody>
+      </p:sp>
+      <p:pic>
+        <p:nvPicPr>
+          <p:cNvPr id="6149" name="Picture 5"/>
+          <p:cNvPicPr>
+            <a:picLocks noChangeAspect="1" noChangeArrowheads="1"/>
+          </p:cNvPicPr>
+          <p:nvPr/>
+        </p:nvPicPr>
+        <p:blipFill>
+          <a:blip r:embed="rId5" cstate="print"/>
+          <a:srcRect/>
+          <a:stretch>
+            <a:fillRect/>
+          </a:stretch>
+        </p:blipFill>
+        <p:spPr bwMode="auto">
+          <a:xfrm>
+            <a:off x="5220072" y="4509120"/>
+            <a:ext cx="3086100" cy="1666875"/>
+          </a:xfrm>
+          <a:prstGeom prst="rect">
+            <a:avLst/>
+          </a:prstGeom>
+          <a:noFill/>
+          <a:ln w="9525">
+            <a:noFill/>
+            <a:miter lim="800000"/>
+            <a:headEnd/>
+            <a:tailEnd/>
+          </a:ln>
+        </p:spPr>
+      </p:pic>
     </p:spTree>
   </p:cSld>
   <p:clrMapOvr>
@@ -7165,7 +7822,7 @@
         </p:nvSpPr>
         <p:spPr>
           <a:xfrm>
-            <a:off x="395536" y="0"/>
+            <a:off x="467544" y="0"/>
             <a:ext cx="8229600" cy="1143000"/>
           </a:xfrm>
         </p:spPr>
@@ -7177,15 +7834,18 @@
           <a:p>
             <a:r>
               <a:rPr lang="fr-FR" sz="3200" dirty="0" smtClean="0"/>
-              <a:t>6</a:t>
-            </a:r>
-            <a:r>
+              <a:t>4. Exploration</a:t>
+            </a:r>
+            <a:br>
               <a:rPr lang="fr-FR" sz="3200" dirty="0" smtClean="0"/>
-              <a:t>. </a:t>
-            </a:r>
+            </a:br>
             <a:r>
               <a:rPr lang="fr-FR" sz="3200" dirty="0" smtClean="0"/>
-              <a:t>Modélisation supervisée</a:t>
+              <a:t>Réduction de </a:t>
+            </a:r>
+            <a:r>
+              <a:rPr lang="fr-FR" sz="3200" dirty="0" smtClean="0"/>
+              <a:t>dimension : ACP</a:t>
             </a:r>
             <a:endParaRPr lang="fr-FR" sz="3200" dirty="0"/>
           </a:p>
@@ -7209,7 +7869,7 @@
             <a:fld id="{34BB9493-DDA4-47A5-90A8-AADC3D3EA1FB}" type="datetime1">
               <a:rPr lang="fr-FR" smtClean="0"/>
               <a:pPr/>
-              <a:t>22/11/2019</a:t>
+              <a:t>24/11/2019</a:t>
             </a:fld>
             <a:endParaRPr lang="fr-FR"/>
           </a:p>
@@ -7262,18 +7922,75 @@
           </a:p>
         </p:txBody>
       </p:sp>
+      <p:pic>
+        <p:nvPicPr>
+          <p:cNvPr id="5122" name="Picture 2"/>
+          <p:cNvPicPr>
+            <a:picLocks noChangeAspect="1" noChangeArrowheads="1"/>
+          </p:cNvPicPr>
+          <p:nvPr/>
+        </p:nvPicPr>
+        <p:blipFill>
+          <a:blip r:embed="rId2" cstate="print"/>
+          <a:srcRect/>
+          <a:stretch>
+            <a:fillRect/>
+          </a:stretch>
+        </p:blipFill>
+        <p:spPr bwMode="auto">
+          <a:xfrm>
+            <a:off x="251520" y="2132856"/>
+            <a:ext cx="3634509" cy="3528392"/>
+          </a:xfrm>
+          <a:prstGeom prst="rect">
+            <a:avLst/>
+          </a:prstGeom>
+          <a:noFill/>
+          <a:ln w="9525">
+            <a:noFill/>
+            <a:miter lim="800000"/>
+            <a:headEnd/>
+            <a:tailEnd/>
+          </a:ln>
+        </p:spPr>
+      </p:pic>
+      <p:pic>
+        <p:nvPicPr>
+          <p:cNvPr id="5124" name="Picture 4"/>
+          <p:cNvPicPr>
+            <a:picLocks noChangeAspect="1" noChangeArrowheads="1"/>
+          </p:cNvPicPr>
+          <p:nvPr/>
+        </p:nvPicPr>
+        <p:blipFill>
+          <a:blip r:embed="rId3" cstate="print"/>
+          <a:srcRect/>
+          <a:stretch>
+            <a:fillRect/>
+          </a:stretch>
+        </p:blipFill>
+        <p:spPr bwMode="auto">
+          <a:xfrm>
+            <a:off x="4101502" y="2132856"/>
+            <a:ext cx="5042498" cy="3552999"/>
+          </a:xfrm>
+          <a:prstGeom prst="rect">
+            <a:avLst/>
+          </a:prstGeom>
+          <a:noFill/>
+          <a:ln w="9525">
+            <a:noFill/>
+            <a:miter lim="800000"/>
+            <a:headEnd/>
+            <a:tailEnd/>
+          </a:ln>
+        </p:spPr>
+      </p:pic>
     </p:spTree>
   </p:cSld>
   <p:clrMapOvr>
     <a:masterClrMapping/>
   </p:clrMapOvr>
-  <p:timing>
-    <p:tnLst>
-      <p:par>
-        <p:cTn id="1" dur="indefinite" restart="never" nodeType="tmRoot"/>
-      </p:par>
-    </p:tnLst>
-  </p:timing>
 </p:sld>
 </file>
 
@@ -7304,26 +8021,34 @@
             <p:ph type="title"/>
           </p:nvPr>
         </p:nvSpPr>
-        <p:spPr/>
+        <p:spPr>
+          <a:xfrm>
+            <a:off x="467544" y="0"/>
+            <a:ext cx="8229600" cy="1143000"/>
+          </a:xfrm>
+        </p:spPr>
         <p:txBody>
           <a:bodyPr>
-            <a:normAutofit/>
+            <a:noAutofit/>
           </a:bodyPr>
           <a:lstStyle/>
           <a:p>
             <a:r>
-              <a:rPr lang="fr-FR" dirty="0" smtClean="0"/>
-              <a:t>7</a:t>
-            </a:r>
-            <a:r>
-              <a:rPr lang="fr-FR" dirty="0" smtClean="0"/>
-              <a:t>. </a:t>
-            </a:r>
-            <a:r>
-              <a:rPr lang="fr-FR" dirty="0" smtClean="0"/>
-              <a:t>Conclusion</a:t>
-            </a:r>
-            <a:endParaRPr lang="fr-FR" dirty="0"/>
+              <a:rPr lang="fr-FR" sz="3200" dirty="0" smtClean="0"/>
+              <a:t>4. Exploration</a:t>
+            </a:r>
+            <a:br>
+              <a:rPr lang="fr-FR" sz="3200" dirty="0" smtClean="0"/>
+            </a:br>
+            <a:r>
+              <a:rPr lang="fr-FR" sz="3200" dirty="0" smtClean="0"/>
+              <a:t>Réduction de </a:t>
+            </a:r>
+            <a:r>
+              <a:rPr lang="fr-FR" sz="3200" dirty="0" smtClean="0"/>
+              <a:t>dimension : t-SNE</a:t>
+            </a:r>
+            <a:endParaRPr lang="fr-FR" sz="3200" dirty="0"/>
           </a:p>
         </p:txBody>
       </p:sp>
@@ -7345,7 +8070,7 @@
             <a:fld id="{34BB9493-DDA4-47A5-90A8-AADC3D3EA1FB}" type="datetime1">
               <a:rPr lang="fr-FR" smtClean="0"/>
               <a:pPr/>
-              <a:t>22/11/2019</a:t>
+              <a:t>24/11/2019</a:t>
             </a:fld>
             <a:endParaRPr lang="fr-FR"/>
           </a:p>
@@ -7393,6 +8118,744 @@
               <a:rPr lang="fr-FR" smtClean="0"/>
               <a:pPr/>
               <a:t>12</a:t>
+            </a:fld>
+            <a:endParaRPr lang="fr-FR"/>
+          </a:p>
+        </p:txBody>
+      </p:sp>
+      <p:pic>
+        <p:nvPicPr>
+          <p:cNvPr id="7170" name="Picture 2"/>
+          <p:cNvPicPr>
+            <a:picLocks noChangeAspect="1" noChangeArrowheads="1"/>
+          </p:cNvPicPr>
+          <p:nvPr/>
+        </p:nvPicPr>
+        <p:blipFill>
+          <a:blip r:embed="rId2" cstate="print"/>
+          <a:srcRect/>
+          <a:stretch>
+            <a:fillRect/>
+          </a:stretch>
+        </p:blipFill>
+        <p:spPr bwMode="auto">
+          <a:xfrm>
+            <a:off x="0" y="2060848"/>
+            <a:ext cx="3860030" cy="3766567"/>
+          </a:xfrm>
+          <a:prstGeom prst="rect">
+            <a:avLst/>
+          </a:prstGeom>
+          <a:noFill/>
+          <a:ln w="9525">
+            <a:noFill/>
+            <a:miter lim="800000"/>
+            <a:headEnd/>
+            <a:tailEnd/>
+          </a:ln>
+        </p:spPr>
+      </p:pic>
+      <p:pic>
+        <p:nvPicPr>
+          <p:cNvPr id="7172" name="Picture 4"/>
+          <p:cNvPicPr>
+            <a:picLocks noChangeAspect="1" noChangeArrowheads="1"/>
+          </p:cNvPicPr>
+          <p:nvPr/>
+        </p:nvPicPr>
+        <p:blipFill>
+          <a:blip r:embed="rId3" cstate="print"/>
+          <a:srcRect/>
+          <a:stretch>
+            <a:fillRect/>
+          </a:stretch>
+        </p:blipFill>
+        <p:spPr bwMode="auto">
+          <a:xfrm>
+            <a:off x="3787612" y="1844824"/>
+            <a:ext cx="5356388" cy="4248471"/>
+          </a:xfrm>
+          <a:prstGeom prst="rect">
+            <a:avLst/>
+          </a:prstGeom>
+          <a:noFill/>
+          <a:ln w="9525">
+            <a:noFill/>
+            <a:miter lim="800000"/>
+            <a:headEnd/>
+            <a:tailEnd/>
+          </a:ln>
+        </p:spPr>
+      </p:pic>
+    </p:spTree>
+  </p:cSld>
+  <p:clrMapOvr>
+    <a:masterClrMapping/>
+  </p:clrMapOvr>
+</p:sld>
+</file>
+
+<file path=ppt/slides/slide13.xml><?xml version="1.0" encoding="utf-8"?>
+<p:sld xmlns:a="http://schemas.openxmlformats.org/drawingml/2006/main" xmlns:r="http://schemas.openxmlformats.org/officeDocument/2006/relationships" xmlns:p="http://schemas.openxmlformats.org/presentationml/2006/main">
+  <p:cSld>
+    <p:spTree>
+      <p:nvGrpSpPr>
+        <p:cNvPr id="1" name=""/>
+        <p:cNvGrpSpPr/>
+        <p:nvPr/>
+      </p:nvGrpSpPr>
+      <p:grpSpPr>
+        <a:xfrm>
+          <a:off x="0" y="0"/>
+          <a:ext cx="0" cy="0"/>
+          <a:chOff x="0" y="0"/>
+          <a:chExt cx="0" cy="0"/>
+        </a:xfrm>
+      </p:grpSpPr>
+      <p:sp>
+        <p:nvSpPr>
+          <p:cNvPr id="2" name="Title 1"/>
+          <p:cNvSpPr>
+            <a:spLocks noGrp="1"/>
+          </p:cNvSpPr>
+          <p:nvPr>
+            <p:ph type="title"/>
+          </p:nvPr>
+        </p:nvSpPr>
+        <p:spPr>
+          <a:xfrm>
+            <a:off x="395536" y="0"/>
+            <a:ext cx="8229600" cy="1143000"/>
+          </a:xfrm>
+        </p:spPr>
+        <p:txBody>
+          <a:bodyPr>
+            <a:noAutofit/>
+          </a:bodyPr>
+          <a:lstStyle/>
+          <a:p>
+            <a:r>
+              <a:rPr lang="fr-FR" sz="3200" dirty="0" smtClean="0"/>
+              <a:t>5. Modélisation non-supervisée</a:t>
+            </a:r>
+            <a:br>
+              <a:rPr lang="fr-FR" sz="3200" dirty="0" smtClean="0"/>
+            </a:br>
+            <a:r>
+              <a:rPr lang="fr-FR" sz="3200" dirty="0" smtClean="0"/>
+              <a:t>Approche basée sur les fréquences</a:t>
+            </a:r>
+            <a:endParaRPr lang="fr-FR" sz="3200" dirty="0"/>
+          </a:p>
+        </p:txBody>
+      </p:sp>
+      <p:sp>
+        <p:nvSpPr>
+          <p:cNvPr id="4" name="Date Placeholder 3"/>
+          <p:cNvSpPr>
+            <a:spLocks noGrp="1"/>
+          </p:cNvSpPr>
+          <p:nvPr>
+            <p:ph type="dt" sz="half" idx="10"/>
+          </p:nvPr>
+        </p:nvSpPr>
+        <p:spPr/>
+        <p:txBody>
+          <a:bodyPr/>
+          <a:lstStyle/>
+          <a:p>
+            <a:fld id="{34BB9493-DDA4-47A5-90A8-AADC3D3EA1FB}" type="datetime1">
+              <a:rPr lang="fr-FR" smtClean="0"/>
+              <a:pPr/>
+              <a:t>24/11/2019</a:t>
+            </a:fld>
+            <a:endParaRPr lang="fr-FR"/>
+          </a:p>
+        </p:txBody>
+      </p:sp>
+      <p:sp>
+        <p:nvSpPr>
+          <p:cNvPr id="5" name="Footer Placeholder 4"/>
+          <p:cNvSpPr>
+            <a:spLocks noGrp="1"/>
+          </p:cNvSpPr>
+          <p:nvPr>
+            <p:ph type="ftr" sz="quarter" idx="11"/>
+          </p:nvPr>
+        </p:nvSpPr>
+        <p:spPr/>
+        <p:txBody>
+          <a:bodyPr/>
+          <a:lstStyle/>
+          <a:p>
+            <a:r>
+              <a:rPr lang="fr-FR" smtClean="0"/>
+              <a:t>Lenka Styfalova</a:t>
+            </a:r>
+            <a:endParaRPr lang="fr-FR"/>
+          </a:p>
+        </p:txBody>
+      </p:sp>
+      <p:sp>
+        <p:nvSpPr>
+          <p:cNvPr id="6" name="Slide Number Placeholder 5"/>
+          <p:cNvSpPr>
+            <a:spLocks noGrp="1"/>
+          </p:cNvSpPr>
+          <p:nvPr>
+            <p:ph type="sldNum" sz="quarter" idx="12"/>
+          </p:nvPr>
+        </p:nvSpPr>
+        <p:spPr/>
+        <p:txBody>
+          <a:bodyPr/>
+          <a:lstStyle/>
+          <a:p>
+            <a:fld id="{07B22C37-5AD6-4D55-AB8D-EDB2AF08F152}" type="slidenum">
+              <a:rPr lang="fr-FR" smtClean="0"/>
+              <a:pPr/>
+              <a:t>13</a:t>
+            </a:fld>
+            <a:endParaRPr lang="fr-FR"/>
+          </a:p>
+        </p:txBody>
+      </p:sp>
+    </p:spTree>
+  </p:cSld>
+  <p:clrMapOvr>
+    <a:masterClrMapping/>
+  </p:clrMapOvr>
+  <p:timing>
+    <p:tnLst>
+      <p:par>
+        <p:cTn id="1" dur="indefinite" restart="never" nodeType="tmRoot"/>
+      </p:par>
+    </p:tnLst>
+  </p:timing>
+</p:sld>
+</file>
+
+<file path=ppt/slides/slide14.xml><?xml version="1.0" encoding="utf-8"?>
+<p:sld xmlns:a="http://schemas.openxmlformats.org/drawingml/2006/main" xmlns:r="http://schemas.openxmlformats.org/officeDocument/2006/relationships" xmlns:p="http://schemas.openxmlformats.org/presentationml/2006/main">
+  <p:cSld>
+    <p:spTree>
+      <p:nvGrpSpPr>
+        <p:cNvPr id="1" name=""/>
+        <p:cNvGrpSpPr/>
+        <p:nvPr/>
+      </p:nvGrpSpPr>
+      <p:grpSpPr>
+        <a:xfrm>
+          <a:off x="0" y="0"/>
+          <a:ext cx="0" cy="0"/>
+          <a:chOff x="0" y="0"/>
+          <a:chExt cx="0" cy="0"/>
+        </a:xfrm>
+      </p:grpSpPr>
+      <p:sp>
+        <p:nvSpPr>
+          <p:cNvPr id="2" name="Title 1"/>
+          <p:cNvSpPr>
+            <a:spLocks noGrp="1"/>
+          </p:cNvSpPr>
+          <p:nvPr>
+            <p:ph type="title"/>
+          </p:nvPr>
+        </p:nvSpPr>
+        <p:spPr>
+          <a:xfrm>
+            <a:off x="395536" y="0"/>
+            <a:ext cx="8229600" cy="1143000"/>
+          </a:xfrm>
+        </p:spPr>
+        <p:txBody>
+          <a:bodyPr>
+            <a:noAutofit/>
+          </a:bodyPr>
+          <a:lstStyle/>
+          <a:p>
+            <a:r>
+              <a:rPr lang="fr-FR" sz="3200" dirty="0" smtClean="0"/>
+              <a:t>5. Modélisation non-supervisée</a:t>
+            </a:r>
+            <a:br>
+              <a:rPr lang="fr-FR" sz="3200" dirty="0" smtClean="0"/>
+            </a:br>
+            <a:r>
+              <a:rPr lang="fr-FR" sz="3200" dirty="0" smtClean="0"/>
+              <a:t>Latent Dirichlet Allocation</a:t>
+            </a:r>
+            <a:endParaRPr lang="fr-FR" sz="3200" dirty="0"/>
+          </a:p>
+        </p:txBody>
+      </p:sp>
+      <p:sp>
+        <p:nvSpPr>
+          <p:cNvPr id="4" name="Date Placeholder 3"/>
+          <p:cNvSpPr>
+            <a:spLocks noGrp="1"/>
+          </p:cNvSpPr>
+          <p:nvPr>
+            <p:ph type="dt" sz="half" idx="10"/>
+          </p:nvPr>
+        </p:nvSpPr>
+        <p:spPr/>
+        <p:txBody>
+          <a:bodyPr/>
+          <a:lstStyle/>
+          <a:p>
+            <a:fld id="{34BB9493-DDA4-47A5-90A8-AADC3D3EA1FB}" type="datetime1">
+              <a:rPr lang="fr-FR" smtClean="0"/>
+              <a:pPr/>
+              <a:t>24/11/2019</a:t>
+            </a:fld>
+            <a:endParaRPr lang="fr-FR"/>
+          </a:p>
+        </p:txBody>
+      </p:sp>
+      <p:sp>
+        <p:nvSpPr>
+          <p:cNvPr id="5" name="Footer Placeholder 4"/>
+          <p:cNvSpPr>
+            <a:spLocks noGrp="1"/>
+          </p:cNvSpPr>
+          <p:nvPr>
+            <p:ph type="ftr" sz="quarter" idx="11"/>
+          </p:nvPr>
+        </p:nvSpPr>
+        <p:spPr/>
+        <p:txBody>
+          <a:bodyPr/>
+          <a:lstStyle/>
+          <a:p>
+            <a:r>
+              <a:rPr lang="fr-FR" smtClean="0"/>
+              <a:t>Lenka Styfalova</a:t>
+            </a:r>
+            <a:endParaRPr lang="fr-FR"/>
+          </a:p>
+        </p:txBody>
+      </p:sp>
+      <p:sp>
+        <p:nvSpPr>
+          <p:cNvPr id="6" name="Slide Number Placeholder 5"/>
+          <p:cNvSpPr>
+            <a:spLocks noGrp="1"/>
+          </p:cNvSpPr>
+          <p:nvPr>
+            <p:ph type="sldNum" sz="quarter" idx="12"/>
+          </p:nvPr>
+        </p:nvSpPr>
+        <p:spPr/>
+        <p:txBody>
+          <a:bodyPr/>
+          <a:lstStyle/>
+          <a:p>
+            <a:fld id="{07B22C37-5AD6-4D55-AB8D-EDB2AF08F152}" type="slidenum">
+              <a:rPr lang="fr-FR" smtClean="0"/>
+              <a:pPr/>
+              <a:t>14</a:t>
+            </a:fld>
+            <a:endParaRPr lang="fr-FR"/>
+          </a:p>
+        </p:txBody>
+      </p:sp>
+    </p:spTree>
+  </p:cSld>
+  <p:clrMapOvr>
+    <a:masterClrMapping/>
+  </p:clrMapOvr>
+  <p:timing>
+    <p:tnLst>
+      <p:par>
+        <p:cTn id="1" dur="indefinite" restart="never" nodeType="tmRoot"/>
+      </p:par>
+    </p:tnLst>
+  </p:timing>
+</p:sld>
+</file>
+
+<file path=ppt/slides/slide15.xml><?xml version="1.0" encoding="utf-8"?>
+<p:sld xmlns:a="http://schemas.openxmlformats.org/drawingml/2006/main" xmlns:r="http://schemas.openxmlformats.org/officeDocument/2006/relationships" xmlns:p="http://schemas.openxmlformats.org/presentationml/2006/main">
+  <p:cSld>
+    <p:spTree>
+      <p:nvGrpSpPr>
+        <p:cNvPr id="1" name=""/>
+        <p:cNvGrpSpPr/>
+        <p:nvPr/>
+      </p:nvGrpSpPr>
+      <p:grpSpPr>
+        <a:xfrm>
+          <a:off x="0" y="0"/>
+          <a:ext cx="0" cy="0"/>
+          <a:chOff x="0" y="0"/>
+          <a:chExt cx="0" cy="0"/>
+        </a:xfrm>
+      </p:grpSpPr>
+      <p:sp>
+        <p:nvSpPr>
+          <p:cNvPr id="2" name="Title 1"/>
+          <p:cNvSpPr>
+            <a:spLocks noGrp="1"/>
+          </p:cNvSpPr>
+          <p:nvPr>
+            <p:ph type="title"/>
+          </p:nvPr>
+        </p:nvSpPr>
+        <p:spPr>
+          <a:xfrm>
+            <a:off x="395536" y="0"/>
+            <a:ext cx="8229600" cy="1143000"/>
+          </a:xfrm>
+        </p:spPr>
+        <p:txBody>
+          <a:bodyPr>
+            <a:noAutofit/>
+          </a:bodyPr>
+          <a:lstStyle/>
+          <a:p>
+            <a:r>
+              <a:rPr lang="fr-FR" sz="3200" dirty="0" smtClean="0"/>
+              <a:t>5. Modélisation non-supervisée</a:t>
+            </a:r>
+            <a:br>
+              <a:rPr lang="fr-FR" sz="3200" dirty="0" smtClean="0"/>
+            </a:br>
+            <a:r>
+              <a:rPr lang="fr-FR" sz="3200" dirty="0" err="1" smtClean="0"/>
+              <a:t>Clustering</a:t>
+            </a:r>
+            <a:endParaRPr lang="fr-FR" sz="3200" dirty="0"/>
+          </a:p>
+        </p:txBody>
+      </p:sp>
+      <p:sp>
+        <p:nvSpPr>
+          <p:cNvPr id="4" name="Date Placeholder 3"/>
+          <p:cNvSpPr>
+            <a:spLocks noGrp="1"/>
+          </p:cNvSpPr>
+          <p:nvPr>
+            <p:ph type="dt" sz="half" idx="10"/>
+          </p:nvPr>
+        </p:nvSpPr>
+        <p:spPr/>
+        <p:txBody>
+          <a:bodyPr/>
+          <a:lstStyle/>
+          <a:p>
+            <a:fld id="{34BB9493-DDA4-47A5-90A8-AADC3D3EA1FB}" type="datetime1">
+              <a:rPr lang="fr-FR" smtClean="0"/>
+              <a:pPr/>
+              <a:t>24/11/2019</a:t>
+            </a:fld>
+            <a:endParaRPr lang="fr-FR"/>
+          </a:p>
+        </p:txBody>
+      </p:sp>
+      <p:sp>
+        <p:nvSpPr>
+          <p:cNvPr id="5" name="Footer Placeholder 4"/>
+          <p:cNvSpPr>
+            <a:spLocks noGrp="1"/>
+          </p:cNvSpPr>
+          <p:nvPr>
+            <p:ph type="ftr" sz="quarter" idx="11"/>
+          </p:nvPr>
+        </p:nvSpPr>
+        <p:spPr/>
+        <p:txBody>
+          <a:bodyPr/>
+          <a:lstStyle/>
+          <a:p>
+            <a:r>
+              <a:rPr lang="fr-FR" smtClean="0"/>
+              <a:t>Lenka Styfalova</a:t>
+            </a:r>
+            <a:endParaRPr lang="fr-FR"/>
+          </a:p>
+        </p:txBody>
+      </p:sp>
+      <p:sp>
+        <p:nvSpPr>
+          <p:cNvPr id="6" name="Slide Number Placeholder 5"/>
+          <p:cNvSpPr>
+            <a:spLocks noGrp="1"/>
+          </p:cNvSpPr>
+          <p:nvPr>
+            <p:ph type="sldNum" sz="quarter" idx="12"/>
+          </p:nvPr>
+        </p:nvSpPr>
+        <p:spPr/>
+        <p:txBody>
+          <a:bodyPr/>
+          <a:lstStyle/>
+          <a:p>
+            <a:fld id="{07B22C37-5AD6-4D55-AB8D-EDB2AF08F152}" type="slidenum">
+              <a:rPr lang="fr-FR" smtClean="0"/>
+              <a:pPr/>
+              <a:t>15</a:t>
+            </a:fld>
+            <a:endParaRPr lang="fr-FR"/>
+          </a:p>
+        </p:txBody>
+      </p:sp>
+    </p:spTree>
+  </p:cSld>
+  <p:clrMapOvr>
+    <a:masterClrMapping/>
+  </p:clrMapOvr>
+  <p:timing>
+    <p:tnLst>
+      <p:par>
+        <p:cTn id="1" dur="indefinite" restart="never" nodeType="tmRoot"/>
+      </p:par>
+    </p:tnLst>
+  </p:timing>
+</p:sld>
+</file>
+
+<file path=ppt/slides/slide16.xml><?xml version="1.0" encoding="utf-8"?>
+<p:sld xmlns:a="http://schemas.openxmlformats.org/drawingml/2006/main" xmlns:r="http://schemas.openxmlformats.org/officeDocument/2006/relationships" xmlns:p="http://schemas.openxmlformats.org/presentationml/2006/main">
+  <p:cSld>
+    <p:spTree>
+      <p:nvGrpSpPr>
+        <p:cNvPr id="1" name=""/>
+        <p:cNvGrpSpPr/>
+        <p:nvPr/>
+      </p:nvGrpSpPr>
+      <p:grpSpPr>
+        <a:xfrm>
+          <a:off x="0" y="0"/>
+          <a:ext cx="0" cy="0"/>
+          <a:chOff x="0" y="0"/>
+          <a:chExt cx="0" cy="0"/>
+        </a:xfrm>
+      </p:grpSpPr>
+      <p:sp>
+        <p:nvSpPr>
+          <p:cNvPr id="2" name="Title 1"/>
+          <p:cNvSpPr>
+            <a:spLocks noGrp="1"/>
+          </p:cNvSpPr>
+          <p:nvPr>
+            <p:ph type="title"/>
+          </p:nvPr>
+        </p:nvSpPr>
+        <p:spPr>
+          <a:xfrm>
+            <a:off x="395536" y="0"/>
+            <a:ext cx="8229600" cy="1143000"/>
+          </a:xfrm>
+        </p:spPr>
+        <p:txBody>
+          <a:bodyPr>
+            <a:noAutofit/>
+          </a:bodyPr>
+          <a:lstStyle/>
+          <a:p>
+            <a:r>
+              <a:rPr lang="fr-FR" sz="3200" dirty="0" smtClean="0"/>
+              <a:t>6. Modélisation supervisée</a:t>
+            </a:r>
+            <a:endParaRPr lang="fr-FR" sz="3200" dirty="0"/>
+          </a:p>
+        </p:txBody>
+      </p:sp>
+      <p:sp>
+        <p:nvSpPr>
+          <p:cNvPr id="4" name="Date Placeholder 3"/>
+          <p:cNvSpPr>
+            <a:spLocks noGrp="1"/>
+          </p:cNvSpPr>
+          <p:nvPr>
+            <p:ph type="dt" sz="half" idx="10"/>
+          </p:nvPr>
+        </p:nvSpPr>
+        <p:spPr/>
+        <p:txBody>
+          <a:bodyPr/>
+          <a:lstStyle/>
+          <a:p>
+            <a:fld id="{34BB9493-DDA4-47A5-90A8-AADC3D3EA1FB}" type="datetime1">
+              <a:rPr lang="fr-FR" smtClean="0"/>
+              <a:pPr/>
+              <a:t>24/11/2019</a:t>
+            </a:fld>
+            <a:endParaRPr lang="fr-FR"/>
+          </a:p>
+        </p:txBody>
+      </p:sp>
+      <p:sp>
+        <p:nvSpPr>
+          <p:cNvPr id="5" name="Footer Placeholder 4"/>
+          <p:cNvSpPr>
+            <a:spLocks noGrp="1"/>
+          </p:cNvSpPr>
+          <p:nvPr>
+            <p:ph type="ftr" sz="quarter" idx="11"/>
+          </p:nvPr>
+        </p:nvSpPr>
+        <p:spPr/>
+        <p:txBody>
+          <a:bodyPr/>
+          <a:lstStyle/>
+          <a:p>
+            <a:r>
+              <a:rPr lang="fr-FR" smtClean="0"/>
+              <a:t>Lenka Styfalova</a:t>
+            </a:r>
+            <a:endParaRPr lang="fr-FR"/>
+          </a:p>
+        </p:txBody>
+      </p:sp>
+      <p:sp>
+        <p:nvSpPr>
+          <p:cNvPr id="6" name="Slide Number Placeholder 5"/>
+          <p:cNvSpPr>
+            <a:spLocks noGrp="1"/>
+          </p:cNvSpPr>
+          <p:nvPr>
+            <p:ph type="sldNum" sz="quarter" idx="12"/>
+          </p:nvPr>
+        </p:nvSpPr>
+        <p:spPr/>
+        <p:txBody>
+          <a:bodyPr/>
+          <a:lstStyle/>
+          <a:p>
+            <a:fld id="{07B22C37-5AD6-4D55-AB8D-EDB2AF08F152}" type="slidenum">
+              <a:rPr lang="fr-FR" smtClean="0"/>
+              <a:pPr/>
+              <a:t>16</a:t>
+            </a:fld>
+            <a:endParaRPr lang="fr-FR"/>
+          </a:p>
+        </p:txBody>
+      </p:sp>
+    </p:spTree>
+  </p:cSld>
+  <p:clrMapOvr>
+    <a:masterClrMapping/>
+  </p:clrMapOvr>
+  <p:timing>
+    <p:tnLst>
+      <p:par>
+        <p:cTn id="1" dur="indefinite" restart="never" nodeType="tmRoot"/>
+      </p:par>
+    </p:tnLst>
+  </p:timing>
+</p:sld>
+</file>
+
+<file path=ppt/slides/slide17.xml><?xml version="1.0" encoding="utf-8"?>
+<p:sld xmlns:a="http://schemas.openxmlformats.org/drawingml/2006/main" xmlns:r="http://schemas.openxmlformats.org/officeDocument/2006/relationships" xmlns:p="http://schemas.openxmlformats.org/presentationml/2006/main">
+  <p:cSld>
+    <p:spTree>
+      <p:nvGrpSpPr>
+        <p:cNvPr id="1" name=""/>
+        <p:cNvGrpSpPr/>
+        <p:nvPr/>
+      </p:nvGrpSpPr>
+      <p:grpSpPr>
+        <a:xfrm>
+          <a:off x="0" y="0"/>
+          <a:ext cx="0" cy="0"/>
+          <a:chOff x="0" y="0"/>
+          <a:chExt cx="0" cy="0"/>
+        </a:xfrm>
+      </p:grpSpPr>
+      <p:sp>
+        <p:nvSpPr>
+          <p:cNvPr id="2" name="Title 1"/>
+          <p:cNvSpPr>
+            <a:spLocks noGrp="1"/>
+          </p:cNvSpPr>
+          <p:nvPr>
+            <p:ph type="title"/>
+          </p:nvPr>
+        </p:nvSpPr>
+        <p:spPr/>
+        <p:txBody>
+          <a:bodyPr>
+            <a:normAutofit/>
+          </a:bodyPr>
+          <a:lstStyle/>
+          <a:p>
+            <a:r>
+              <a:rPr lang="fr-FR" dirty="0" smtClean="0"/>
+              <a:t>7. Conclusion</a:t>
+            </a:r>
+            <a:endParaRPr lang="fr-FR" dirty="0"/>
+          </a:p>
+        </p:txBody>
+      </p:sp>
+      <p:sp>
+        <p:nvSpPr>
+          <p:cNvPr id="4" name="Date Placeholder 3"/>
+          <p:cNvSpPr>
+            <a:spLocks noGrp="1"/>
+          </p:cNvSpPr>
+          <p:nvPr>
+            <p:ph type="dt" sz="half" idx="10"/>
+          </p:nvPr>
+        </p:nvSpPr>
+        <p:spPr/>
+        <p:txBody>
+          <a:bodyPr/>
+          <a:lstStyle/>
+          <a:p>
+            <a:fld id="{34BB9493-DDA4-47A5-90A8-AADC3D3EA1FB}" type="datetime1">
+              <a:rPr lang="fr-FR" smtClean="0"/>
+              <a:pPr/>
+              <a:t>24/11/2019</a:t>
+            </a:fld>
+            <a:endParaRPr lang="fr-FR"/>
+          </a:p>
+        </p:txBody>
+      </p:sp>
+      <p:sp>
+        <p:nvSpPr>
+          <p:cNvPr id="5" name="Footer Placeholder 4"/>
+          <p:cNvSpPr>
+            <a:spLocks noGrp="1"/>
+          </p:cNvSpPr>
+          <p:nvPr>
+            <p:ph type="ftr" sz="quarter" idx="11"/>
+          </p:nvPr>
+        </p:nvSpPr>
+        <p:spPr/>
+        <p:txBody>
+          <a:bodyPr/>
+          <a:lstStyle/>
+          <a:p>
+            <a:r>
+              <a:rPr lang="fr-FR" smtClean="0"/>
+              <a:t>Lenka Styfalova</a:t>
+            </a:r>
+            <a:endParaRPr lang="fr-FR"/>
+          </a:p>
+        </p:txBody>
+      </p:sp>
+      <p:sp>
+        <p:nvSpPr>
+          <p:cNvPr id="6" name="Slide Number Placeholder 5"/>
+          <p:cNvSpPr>
+            <a:spLocks noGrp="1"/>
+          </p:cNvSpPr>
+          <p:nvPr>
+            <p:ph type="sldNum" sz="quarter" idx="12"/>
+          </p:nvPr>
+        </p:nvSpPr>
+        <p:spPr/>
+        <p:txBody>
+          <a:bodyPr/>
+          <a:lstStyle/>
+          <a:p>
+            <a:fld id="{07B22C37-5AD6-4D55-AB8D-EDB2AF08F152}" type="slidenum">
+              <a:rPr lang="fr-FR" smtClean="0"/>
+              <a:pPr/>
+              <a:t>17</a:t>
             </a:fld>
             <a:endParaRPr lang="fr-FR" dirty="0"/>
           </a:p>
@@ -7508,7 +8971,6 @@
               <a:rPr lang="fr-FR" dirty="0" smtClean="0"/>
               <a:t>Feature engineering</a:t>
             </a:r>
-            <a:endParaRPr lang="fr-FR" dirty="0" smtClean="0"/>
           </a:p>
           <a:p>
             <a:pPr marL="514350" indent="-514350">
@@ -7539,7 +9001,6 @@
               <a:rPr lang="fr-FR" dirty="0" smtClean="0"/>
               <a:t>Réduction de dimension</a:t>
             </a:r>
-            <a:endParaRPr lang="fr-FR" dirty="0" smtClean="0"/>
           </a:p>
           <a:p>
             <a:pPr marL="514350" indent="-514350">
@@ -7601,7 +9062,6 @@
               <a:rPr lang="fr-FR" dirty="0" smtClean="0"/>
               <a:t>Conclusion</a:t>
             </a:r>
-            <a:endParaRPr lang="fr-FR" dirty="0" smtClean="0"/>
           </a:p>
         </p:txBody>
       </p:sp>
@@ -7623,7 +9083,7 @@
             <a:fld id="{34BB9493-DDA4-47A5-90A8-AADC3D3EA1FB}" type="datetime1">
               <a:rPr lang="fr-FR" smtClean="0"/>
               <a:pPr/>
-              <a:t>22/11/2019</a:t>
+              <a:t>24/11/2019</a:t>
             </a:fld>
             <a:endParaRPr lang="fr-FR" dirty="0"/>
           </a:p>
@@ -7749,15 +9209,79 @@
         <p:spPr>
           <a:xfrm>
             <a:off x="683568" y="1196752"/>
-            <a:ext cx="7283152" cy="3412976"/>
+            <a:ext cx="7992888" cy="4968552"/>
           </a:xfrm>
         </p:spPr>
         <p:txBody>
           <a:bodyPr>
-            <a:normAutofit/>
+            <a:normAutofit fontScale="70000" lnSpcReduction="20000"/>
           </a:bodyPr>
           <a:lstStyle/>
           <a:p>
+            <a:r>
+              <a:rPr lang="fr-FR" dirty="0" err="1" smtClean="0"/>
+              <a:t>Stack</a:t>
+            </a:r>
+            <a:r>
+              <a:rPr lang="fr-FR" dirty="0" smtClean="0"/>
+              <a:t> </a:t>
+            </a:r>
+            <a:r>
+              <a:rPr lang="fr-FR" dirty="0" err="1" smtClean="0"/>
+              <a:t>Overflow</a:t>
+            </a:r>
+            <a:r>
+              <a:rPr lang="fr-FR" dirty="0" smtClean="0"/>
+              <a:t> est une des plus grandes plateformes de question – réponses pour les développeurs</a:t>
+            </a:r>
+          </a:p>
+          <a:p>
+            <a:pPr>
+              <a:buNone/>
+            </a:pPr>
+            <a:endParaRPr lang="fr-FR" dirty="0" smtClean="0"/>
+          </a:p>
+          <a:p>
+            <a:r>
+              <a:rPr lang="fr-FR" dirty="0" smtClean="0"/>
+              <a:t>Les utilisateurs peuvent poser des questions relatives au développement de code, mais souvent il faut mieux chercher dans les questions qui existent déjà : aujourd’hui, la BDD contient 47 millions de questions dont 1,9 millions </a:t>
+            </a:r>
+            <a:r>
+              <a:rPr lang="fr-FR" dirty="0" smtClean="0"/>
+              <a:t>de questions</a:t>
+            </a:r>
+            <a:r>
+              <a:rPr lang="fr-FR" dirty="0" smtClean="0"/>
+              <a:t> qui datent de 2019.</a:t>
+            </a:r>
+          </a:p>
+          <a:p>
+            <a:pPr>
+              <a:buNone/>
+            </a:pPr>
+            <a:endParaRPr lang="fr-FR" dirty="0" smtClean="0"/>
+          </a:p>
+          <a:p>
+            <a:r>
+              <a:rPr lang="fr-FR" dirty="0" smtClean="0"/>
+              <a:t>Pour faciliter la classification des questions et la recherche, les utilisateurs sont censés de saisir jusqu’à 5 tags =&gt; mots clés qui caractérisent la question</a:t>
+            </a:r>
+          </a:p>
+          <a:p>
+            <a:pPr>
+              <a:buNone/>
+            </a:pPr>
+            <a:endParaRPr lang="fr-FR" dirty="0" smtClean="0"/>
+          </a:p>
+          <a:p>
+            <a:r>
+              <a:rPr lang="fr-FR" dirty="0" smtClean="0"/>
+              <a:t>Les tags sont un texte libre (système d’aide automatique existe, mais pas de restriction)  </a:t>
+            </a:r>
+            <a:r>
+              <a:rPr lang="fr-FR" dirty="0" smtClean="0"/>
+              <a:t> </a:t>
+            </a:r>
             <a:endParaRPr lang="fr-FR" dirty="0"/>
           </a:p>
         </p:txBody>
@@ -7780,7 +9304,7 @@
             <a:fld id="{34BB9493-DDA4-47A5-90A8-AADC3D3EA1FB}" type="datetime1">
               <a:rPr lang="fr-FR" smtClean="0"/>
               <a:pPr/>
-              <a:t>22/11/2019</a:t>
+              <a:t>24/11/2019</a:t>
             </a:fld>
             <a:endParaRPr lang="fr-FR"/>
           </a:p>
@@ -7882,57 +9406,127 @@
           </a:xfrm>
         </p:spPr>
         <p:txBody>
+          <a:bodyPr/>
+          <a:lstStyle/>
+          <a:p>
+            <a:r>
+              <a:rPr lang="fr-FR" dirty="0" smtClean="0"/>
+              <a:t>1. Présentation de problématique</a:t>
+            </a:r>
+            <a:endParaRPr lang="fr-FR" dirty="0"/>
+          </a:p>
+        </p:txBody>
+      </p:sp>
+      <p:sp>
+        <p:nvSpPr>
+          <p:cNvPr id="3" name="Content Placeholder 2"/>
+          <p:cNvSpPr>
+            <a:spLocks noGrp="1"/>
+          </p:cNvSpPr>
+          <p:nvPr>
+            <p:ph idx="1"/>
+          </p:nvPr>
+        </p:nvSpPr>
+        <p:spPr>
+          <a:xfrm>
+            <a:off x="683568" y="1196752"/>
+            <a:ext cx="7992888" cy="4968552"/>
+          </a:xfrm>
+        </p:spPr>
+        <p:txBody>
           <a:bodyPr>
-            <a:normAutofit fontScale="90000"/>
+            <a:normAutofit fontScale="70000" lnSpcReduction="20000"/>
           </a:bodyPr>
           <a:lstStyle/>
           <a:p>
             <a:r>
               <a:rPr lang="fr-FR" dirty="0" smtClean="0"/>
-              <a:t>2. </a:t>
+              <a:t>But de projet :</a:t>
+            </a:r>
+          </a:p>
+          <a:p>
+            <a:pPr lvl="1"/>
+            <a:r>
+              <a:rPr lang="fr-FR" dirty="0" smtClean="0"/>
+              <a:t>Trouver un algorithme de machine </a:t>
             </a:r>
             <a:r>
               <a:rPr lang="fr-FR" dirty="0" err="1" smtClean="0"/>
-              <a:t>Cleaning</a:t>
+              <a:t>learning</a:t>
             </a:r>
             <a:r>
               <a:rPr lang="fr-FR" dirty="0" smtClean="0"/>
-              <a:t/>
-            </a:r>
-            <a:br>
+              <a:t> qui aidera l’utilisateur à saisir les tags appropriés en faisant une prédiction de tags à partir de données texte saisies par l’utilisateur</a:t>
+            </a:r>
+          </a:p>
+          <a:p>
+            <a:pPr lvl="1">
+              <a:buNone/>
+            </a:pPr>
+            <a:endParaRPr lang="fr-FR" dirty="0"/>
+          </a:p>
+          <a:p>
+            <a:r>
               <a:rPr lang="fr-FR" dirty="0" smtClean="0"/>
-            </a:br>
-            <a:r>
-              <a:rPr lang="fr-FR" dirty="0" err="1" smtClean="0"/>
-              <a:t>Workflow</a:t>
-            </a:r>
-            <a:endParaRPr lang="fr-FR" dirty="0"/>
-          </a:p>
-        </p:txBody>
-      </p:sp>
-      <p:graphicFrame>
-        <p:nvGraphicFramePr>
-          <p:cNvPr id="4" name="Content Placeholder 3"/>
-          <p:cNvGraphicFramePr>
-            <a:graphicFrameLocks noGrp="1"/>
-          </p:cNvGraphicFramePr>
-          <p:nvPr>
-            <p:ph idx="1"/>
-          </p:nvPr>
-        </p:nvGraphicFramePr>
-        <p:xfrm>
-          <a:off x="457200" y="1196752"/>
-          <a:ext cx="8219256" cy="5112568"/>
-        </p:xfrm>
-        <a:graphic>
-          <a:graphicData uri="http://schemas.openxmlformats.org/drawingml/2006/diagram">
-            <dgm:relIds xmlns:dgm="http://schemas.openxmlformats.org/drawingml/2006/diagram" xmlns:r="http://schemas.openxmlformats.org/officeDocument/2006/relationships" r:dm="rId2" r:lo="rId3" r:qs="rId4" r:cs="rId5"/>
-          </a:graphicData>
-        </a:graphic>
-      </p:graphicFrame>
-      <p:sp>
-        <p:nvSpPr>
-          <p:cNvPr id="5" name="Date Placeholder 4"/>
+              <a:t>Intérêt de projet :</a:t>
+            </a:r>
+          </a:p>
+          <a:p>
+            <a:pPr lvl="1"/>
+            <a:r>
+              <a:rPr lang="fr-FR" dirty="0" smtClean="0"/>
+              <a:t>Mieux classifier des questions</a:t>
+            </a:r>
+          </a:p>
+          <a:p>
+            <a:pPr lvl="1"/>
+            <a:r>
+              <a:rPr lang="fr-FR" dirty="0" smtClean="0"/>
+              <a:t>Proposer des questions déjà existantes plus pertinentes</a:t>
+            </a:r>
+          </a:p>
+          <a:p>
+            <a:pPr lvl="1"/>
+            <a:r>
+              <a:rPr lang="fr-FR" dirty="0" smtClean="0"/>
+              <a:t>Eviter des questions en doublons</a:t>
+            </a:r>
+          </a:p>
+          <a:p>
+            <a:pPr lvl="1"/>
+            <a:r>
+              <a:rPr lang="fr-FR" dirty="0" smtClean="0"/>
+              <a:t>Fidéliser les utilisateurs en proposant un fonctionnement simple, rapide et efficace</a:t>
+            </a:r>
+          </a:p>
+          <a:p>
+            <a:endParaRPr lang="fr-FR" dirty="0" smtClean="0"/>
+          </a:p>
+          <a:p>
+            <a:r>
+              <a:rPr lang="fr-FR" dirty="0" smtClean="0"/>
+              <a:t>Données :</a:t>
+            </a:r>
+          </a:p>
+          <a:p>
+            <a:pPr lvl="1"/>
+            <a:r>
+              <a:rPr lang="fr-FR" dirty="0" smtClean="0"/>
+              <a:t>Analyses descriptives + modélisation : 50 000 questions de 2019</a:t>
+            </a:r>
+          </a:p>
+          <a:p>
+            <a:pPr lvl="1"/>
+            <a:r>
+              <a:rPr lang="fr-FR" dirty="0" smtClean="0"/>
+              <a:t>Création d’un modèle word2vect : 500 000 questions de 2019</a:t>
+            </a:r>
+          </a:p>
+        </p:txBody>
+      </p:sp>
+      <p:sp>
+        <p:nvSpPr>
+          <p:cNvPr id="4" name="Date Placeholder 3"/>
           <p:cNvSpPr>
             <a:spLocks noGrp="1"/>
           </p:cNvSpPr>
@@ -7945,11 +9539,34 @@
           <a:bodyPr/>
           <a:lstStyle/>
           <a:p>
-            <a:fld id="{CFCE0C3C-9D1F-498B-BCEE-F87C1B541205}" type="datetime1">
+            <a:fld id="{34BB9493-DDA4-47A5-90A8-AADC3D3EA1FB}" type="datetime1">
               <a:rPr lang="fr-FR" smtClean="0"/>
               <a:pPr/>
-              <a:t>22/11/2019</a:t>
+              <a:t>24/11/2019</a:t>
             </a:fld>
+            <a:endParaRPr lang="fr-FR"/>
+          </a:p>
+        </p:txBody>
+      </p:sp>
+      <p:sp>
+        <p:nvSpPr>
+          <p:cNvPr id="5" name="Footer Placeholder 4"/>
+          <p:cNvSpPr>
+            <a:spLocks noGrp="1"/>
+          </p:cNvSpPr>
+          <p:nvPr>
+            <p:ph type="ftr" sz="quarter" idx="11"/>
+          </p:nvPr>
+        </p:nvSpPr>
+        <p:spPr/>
+        <p:txBody>
+          <a:bodyPr/>
+          <a:lstStyle/>
+          <a:p>
+            <a:r>
+              <a:rPr lang="fr-FR" smtClean="0"/>
+              <a:t>Lenka Styfalova</a:t>
+            </a:r>
             <a:endParaRPr lang="fr-FR"/>
           </a:p>
         </p:txBody>
@@ -7974,29 +9591,6 @@
               <a:pPr/>
               <a:t>4</a:t>
             </a:fld>
-            <a:endParaRPr lang="fr-FR"/>
-          </a:p>
-        </p:txBody>
-      </p:sp>
-      <p:sp>
-        <p:nvSpPr>
-          <p:cNvPr id="7" name="Footer Placeholder 6"/>
-          <p:cNvSpPr>
-            <a:spLocks noGrp="1"/>
-          </p:cNvSpPr>
-          <p:nvPr>
-            <p:ph type="ftr" sz="quarter" idx="11"/>
-          </p:nvPr>
-        </p:nvSpPr>
-        <p:spPr/>
-        <p:txBody>
-          <a:bodyPr/>
-          <a:lstStyle/>
-          <a:p>
-            <a:r>
-              <a:rPr lang="fr-FR" smtClean="0"/>
-              <a:t>Lenka Styfalova</a:t>
-            </a:r>
             <a:endParaRPr lang="fr-FR"/>
           </a:p>
         </p:txBody>
@@ -8043,67 +9637,68 @@
             <p:ph type="title"/>
           </p:nvPr>
         </p:nvSpPr>
-        <p:spPr/>
-        <p:txBody>
-          <a:bodyPr>
-            <a:normAutofit/>
-          </a:bodyPr>
-          <a:lstStyle/>
-          <a:p>
-            <a:r>
-              <a:rPr lang="fr-FR" dirty="0" smtClean="0"/>
-              <a:t>3</a:t>
-            </a:r>
-            <a:r>
-              <a:rPr lang="fr-FR" dirty="0" smtClean="0"/>
-              <a:t>. Features </a:t>
-            </a:r>
-            <a:r>
-              <a:rPr lang="fr-FR" dirty="0" smtClean="0"/>
-              <a:t>engineering</a:t>
-            </a:r>
-            <a:endParaRPr lang="fr-FR" dirty="0"/>
-          </a:p>
-        </p:txBody>
-      </p:sp>
-      <p:sp>
-        <p:nvSpPr>
-          <p:cNvPr id="3" name="Content Placeholder 2"/>
-          <p:cNvSpPr>
-            <a:spLocks noGrp="1"/>
-          </p:cNvSpPr>
-          <p:nvPr>
-            <p:ph idx="1"/>
-          </p:nvPr>
-        </p:nvSpPr>
         <p:spPr>
           <a:xfrm>
-            <a:off x="179512" y="1600200"/>
-            <a:ext cx="8507288" cy="4525963"/>
+            <a:off x="467544" y="0"/>
+            <a:ext cx="8229600" cy="1143000"/>
           </a:xfrm>
         </p:spPr>
         <p:txBody>
           <a:bodyPr>
-            <a:normAutofit/>
+            <a:noAutofit/>
           </a:bodyPr>
           <a:lstStyle/>
           <a:p>
-            <a:pPr>
-              <a:buNone/>
-            </a:pPr>
-            <a:endParaRPr lang="fr-FR" dirty="0" smtClean="0"/>
-          </a:p>
-          <a:p>
-            <a:pPr>
-              <a:buNone/>
-            </a:pPr>
-            <a:endParaRPr lang="fr-FR" dirty="0"/>
-          </a:p>
-        </p:txBody>
-      </p:sp>
-      <p:sp>
-        <p:nvSpPr>
-          <p:cNvPr id="4" name="Date Placeholder 3"/>
+            <a:r>
+              <a:rPr lang="fr-FR" sz="3200" dirty="0" smtClean="0"/>
+              <a:t>2. </a:t>
+            </a:r>
+            <a:r>
+              <a:rPr lang="fr-FR" sz="3200" dirty="0" err="1" smtClean="0"/>
+              <a:t>Cleaning</a:t>
+            </a:r>
+            <a:r>
+              <a:rPr lang="fr-FR" sz="3200" dirty="0" smtClean="0"/>
+              <a:t/>
+            </a:r>
+            <a:br>
+              <a:rPr lang="fr-FR" sz="3200" dirty="0" smtClean="0"/>
+            </a:br>
+            <a:r>
+              <a:rPr lang="fr-FR" sz="3200" dirty="0" err="1" smtClean="0"/>
+              <a:t>Workflow</a:t>
+            </a:r>
+            <a:r>
+              <a:rPr lang="fr-FR" sz="3200" dirty="0" smtClean="0"/>
+              <a:t> </a:t>
+            </a:r>
+            <a:endParaRPr lang="fr-FR" sz="3200" dirty="0"/>
+          </a:p>
+        </p:txBody>
+      </p:sp>
+      <p:graphicFrame>
+        <p:nvGraphicFramePr>
+          <p:cNvPr id="4" name="Content Placeholder 3"/>
+          <p:cNvGraphicFramePr>
+            <a:graphicFrameLocks noGrp="1"/>
+          </p:cNvGraphicFramePr>
+          <p:nvPr>
+            <p:ph idx="1"/>
+          </p:nvPr>
+        </p:nvGraphicFramePr>
+        <p:xfrm>
+          <a:off x="179512" y="3501008"/>
+          <a:ext cx="8748464" cy="2664296"/>
+        </p:xfrm>
+        <a:graphic>
+          <a:graphicData uri="http://schemas.openxmlformats.org/drawingml/2006/diagram">
+            <dgm:relIds xmlns:dgm="http://schemas.openxmlformats.org/drawingml/2006/diagram" xmlns:r="http://schemas.openxmlformats.org/officeDocument/2006/relationships" r:dm="rId2" r:lo="rId3" r:qs="rId4" r:cs="rId5"/>
+          </a:graphicData>
+        </a:graphic>
+      </p:graphicFrame>
+      <p:sp>
+        <p:nvSpPr>
+          <p:cNvPr id="5" name="Date Placeholder 4"/>
           <p:cNvSpPr>
             <a:spLocks noGrp="1"/>
           </p:cNvSpPr>
@@ -8116,34 +9711,11 @@
           <a:bodyPr/>
           <a:lstStyle/>
           <a:p>
-            <a:fld id="{34BB9493-DDA4-47A5-90A8-AADC3D3EA1FB}" type="datetime1">
+            <a:fld id="{CFCE0C3C-9D1F-498B-BCEE-F87C1B541205}" type="datetime1">
               <a:rPr lang="fr-FR" smtClean="0"/>
               <a:pPr/>
-              <a:t>22/11/2019</a:t>
+              <a:t>24/11/2019</a:t>
             </a:fld>
-            <a:endParaRPr lang="fr-FR"/>
-          </a:p>
-        </p:txBody>
-      </p:sp>
-      <p:sp>
-        <p:nvSpPr>
-          <p:cNvPr id="5" name="Footer Placeholder 4"/>
-          <p:cNvSpPr>
-            <a:spLocks noGrp="1"/>
-          </p:cNvSpPr>
-          <p:nvPr>
-            <p:ph type="ftr" sz="quarter" idx="11"/>
-          </p:nvPr>
-        </p:nvSpPr>
-        <p:spPr/>
-        <p:txBody>
-          <a:bodyPr/>
-          <a:lstStyle/>
-          <a:p>
-            <a:r>
-              <a:rPr lang="fr-FR" smtClean="0"/>
-              <a:t>Lenka Styfalova</a:t>
-            </a:r>
             <a:endParaRPr lang="fr-FR"/>
           </a:p>
         </p:txBody>
@@ -8169,6 +9741,116 @@
               <a:t>5</a:t>
             </a:fld>
             <a:endParaRPr lang="fr-FR"/>
+          </a:p>
+        </p:txBody>
+      </p:sp>
+      <p:sp>
+        <p:nvSpPr>
+          <p:cNvPr id="7" name="Footer Placeholder 6"/>
+          <p:cNvSpPr>
+            <a:spLocks noGrp="1"/>
+          </p:cNvSpPr>
+          <p:nvPr>
+            <p:ph type="ftr" sz="quarter" idx="11"/>
+          </p:nvPr>
+        </p:nvSpPr>
+        <p:spPr/>
+        <p:txBody>
+          <a:bodyPr/>
+          <a:lstStyle/>
+          <a:p>
+            <a:r>
+              <a:rPr lang="fr-FR" smtClean="0"/>
+              <a:t>Lenka Styfalova</a:t>
+            </a:r>
+            <a:endParaRPr lang="fr-FR"/>
+          </a:p>
+        </p:txBody>
+      </p:sp>
+      <p:pic>
+        <p:nvPicPr>
+          <p:cNvPr id="1026" name="Picture 2"/>
+          <p:cNvPicPr>
+            <a:picLocks noChangeAspect="1" noChangeArrowheads="1"/>
+          </p:cNvPicPr>
+          <p:nvPr/>
+        </p:nvPicPr>
+        <p:blipFill>
+          <a:blip r:embed="rId7" cstate="print"/>
+          <a:srcRect/>
+          <a:stretch>
+            <a:fillRect/>
+          </a:stretch>
+        </p:blipFill>
+        <p:spPr bwMode="auto">
+          <a:xfrm>
+            <a:off x="683568" y="2348880"/>
+            <a:ext cx="7560840" cy="1914381"/>
+          </a:xfrm>
+          <a:prstGeom prst="rect">
+            <a:avLst/>
+          </a:prstGeom>
+          <a:noFill/>
+          <a:ln w="9525">
+            <a:solidFill>
+              <a:schemeClr val="accent1"/>
+            </a:solidFill>
+            <a:miter lim="800000"/>
+            <a:headEnd/>
+            <a:tailEnd/>
+          </a:ln>
+        </p:spPr>
+      </p:pic>
+      <p:sp>
+        <p:nvSpPr>
+          <p:cNvPr id="8" name="TextBox 7"/>
+          <p:cNvSpPr txBox="1"/>
+          <p:nvPr/>
+        </p:nvSpPr>
+        <p:spPr>
+          <a:xfrm>
+            <a:off x="539552" y="1268760"/>
+            <a:ext cx="6480720" cy="923330"/>
+          </a:xfrm>
+          <a:prstGeom prst="rect">
+            <a:avLst/>
+          </a:prstGeom>
+          <a:noFill/>
+        </p:spPr>
+        <p:txBody>
+          <a:bodyPr wrap="square" rtlCol="0">
+            <a:spAutoFit/>
+          </a:bodyPr>
+          <a:lstStyle/>
+          <a:p>
+            <a:pPr marL="342900" indent="-342900">
+              <a:buAutoNum type="arabicPeriod"/>
+            </a:pPr>
+            <a:r>
+              <a:rPr lang="fr-FR" dirty="0" smtClean="0"/>
+              <a:t>Features :</a:t>
+            </a:r>
+          </a:p>
+          <a:p>
+            <a:pPr marL="800100" lvl="1" indent="-342900">
+              <a:buFont typeface="Arial" pitchFamily="34" charset="0"/>
+              <a:buChar char="•"/>
+            </a:pPr>
+            <a:r>
+              <a:rPr lang="fr-FR" dirty="0" smtClean="0"/>
+              <a:t>Composées de titre et corps de question</a:t>
+            </a:r>
+          </a:p>
+          <a:p>
+            <a:pPr marL="800100" lvl="1" indent="-342900">
+              <a:buFont typeface="Arial" pitchFamily="34" charset="0"/>
+              <a:buChar char="•"/>
+            </a:pPr>
+            <a:r>
+              <a:rPr lang="fr-FR" dirty="0" smtClean="0"/>
+              <a:t>Exemple de corps de question :</a:t>
+            </a:r>
+            <a:endParaRPr lang="fr-FR" dirty="0"/>
           </a:p>
         </p:txBody>
       </p:sp>
@@ -8214,63 +9896,64 @@
             <p:ph type="title"/>
           </p:nvPr>
         </p:nvSpPr>
+        <p:spPr>
+          <a:xfrm>
+            <a:off x="467544" y="0"/>
+            <a:ext cx="8229600" cy="1143000"/>
+          </a:xfrm>
+        </p:spPr>
+        <p:txBody>
+          <a:bodyPr>
+            <a:noAutofit/>
+          </a:bodyPr>
+          <a:lstStyle/>
+          <a:p>
+            <a:r>
+              <a:rPr lang="fr-FR" sz="3200" dirty="0" smtClean="0"/>
+              <a:t>2. </a:t>
+            </a:r>
+            <a:r>
+              <a:rPr lang="fr-FR" sz="3200" dirty="0" err="1" smtClean="0"/>
+              <a:t>Cleaning</a:t>
+            </a:r>
+            <a:r>
+              <a:rPr lang="fr-FR" sz="3200" dirty="0" smtClean="0"/>
+              <a:t/>
+            </a:r>
+            <a:br>
+              <a:rPr lang="fr-FR" sz="3200" dirty="0" smtClean="0"/>
+            </a:br>
+            <a:r>
+              <a:rPr lang="fr-FR" sz="3200" dirty="0" err="1" smtClean="0"/>
+              <a:t>Workflow</a:t>
+            </a:r>
+            <a:r>
+              <a:rPr lang="fr-FR" sz="3200" dirty="0" smtClean="0"/>
+              <a:t> </a:t>
+            </a:r>
+            <a:endParaRPr lang="fr-FR" sz="3200" dirty="0"/>
+          </a:p>
+        </p:txBody>
+      </p:sp>
+      <p:sp>
+        <p:nvSpPr>
+          <p:cNvPr id="5" name="Date Placeholder 4"/>
+          <p:cNvSpPr>
+            <a:spLocks noGrp="1"/>
+          </p:cNvSpPr>
+          <p:nvPr>
+            <p:ph type="dt" sz="half" idx="10"/>
+          </p:nvPr>
+        </p:nvSpPr>
         <p:spPr/>
         <p:txBody>
-          <a:bodyPr>
-            <a:normAutofit fontScale="90000"/>
-          </a:bodyPr>
-          <a:lstStyle/>
-          <a:p>
-            <a:r>
-              <a:rPr lang="fr-FR" dirty="0" smtClean="0"/>
-              <a:t>4</a:t>
-            </a:r>
-            <a:r>
-              <a:rPr lang="fr-FR" dirty="0" smtClean="0"/>
-              <a:t>. </a:t>
-            </a:r>
-            <a:r>
-              <a:rPr lang="fr-FR" dirty="0" smtClean="0"/>
-              <a:t>E</a:t>
-            </a:r>
-            <a:r>
-              <a:rPr lang="fr-FR" dirty="0" smtClean="0"/>
-              <a:t>xploration</a:t>
-            </a:r>
-            <a:r>
-              <a:rPr lang="fr-FR" dirty="0" smtClean="0"/>
-              <a:t/>
-            </a:r>
-            <a:br>
-              <a:rPr lang="fr-FR" dirty="0" smtClean="0"/>
-            </a:br>
-            <a:r>
-              <a:rPr lang="fr-FR" dirty="0" smtClean="0"/>
-              <a:t>Analyse exploratoire</a:t>
-            </a:r>
-            <a:endParaRPr lang="fr-FR" dirty="0"/>
-          </a:p>
-        </p:txBody>
-      </p:sp>
-      <p:sp>
-        <p:nvSpPr>
-          <p:cNvPr id="6" name="Date Placeholder 5"/>
-          <p:cNvSpPr>
-            <a:spLocks noGrp="1"/>
-          </p:cNvSpPr>
-          <p:nvPr>
-            <p:ph type="dt" sz="half" idx="10"/>
-          </p:nvPr>
-        </p:nvSpPr>
-        <p:spPr/>
-        <p:txBody>
           <a:bodyPr/>
           <a:lstStyle/>
           <a:p>
-            <a:fld id="{92BC38EB-913B-4C57-8A7D-C090B83E2669}" type="datetime1">
+            <a:fld id="{CFCE0C3C-9D1F-498B-BCEE-F87C1B541205}" type="datetime1">
               <a:rPr lang="fr-FR" smtClean="0"/>
               <a:pPr/>
-              <a:t>22/11/2019</a:t>
+              <a:t>24/11/2019</a:t>
             </a:fld>
             <a:endParaRPr lang="fr-FR"/>
           </a:p>
@@ -8278,7 +9961,7 @@
       </p:sp>
       <p:sp>
         <p:nvSpPr>
-          <p:cNvPr id="7" name="Slide Number Placeholder 6"/>
+          <p:cNvPr id="6" name="Slide Number Placeholder 5"/>
           <p:cNvSpPr>
             <a:spLocks noGrp="1"/>
           </p:cNvSpPr>
@@ -8302,7 +9985,7 @@
       </p:sp>
       <p:sp>
         <p:nvSpPr>
-          <p:cNvPr id="8" name="Footer Placeholder 7"/>
+          <p:cNvPr id="7" name="Footer Placeholder 6"/>
           <p:cNvSpPr>
             <a:spLocks noGrp="1"/>
           </p:cNvSpPr>
@@ -8320,6 +10003,140 @@
               <a:t>Lenka Styfalova</a:t>
             </a:r>
             <a:endParaRPr lang="fr-FR"/>
+          </a:p>
+        </p:txBody>
+      </p:sp>
+      <p:sp>
+        <p:nvSpPr>
+          <p:cNvPr id="8" name="TextBox 7"/>
+          <p:cNvSpPr txBox="1"/>
+          <p:nvPr/>
+        </p:nvSpPr>
+        <p:spPr>
+          <a:xfrm>
+            <a:off x="539552" y="1268760"/>
+            <a:ext cx="7488832" cy="1200329"/>
+          </a:xfrm>
+          <a:prstGeom prst="rect">
+            <a:avLst/>
+          </a:prstGeom>
+          <a:noFill/>
+        </p:spPr>
+        <p:txBody>
+          <a:bodyPr wrap="square" rtlCol="0">
+            <a:spAutoFit/>
+          </a:bodyPr>
+          <a:lstStyle/>
+          <a:p>
+            <a:pPr marL="342900" indent="-342900"/>
+            <a:r>
+              <a:rPr lang="fr-FR" dirty="0" smtClean="0"/>
+              <a:t>2. Cible : </a:t>
+            </a:r>
+          </a:p>
+          <a:p>
+            <a:pPr marL="800100" lvl="1" indent="-342900">
+              <a:buFont typeface="Arial" pitchFamily="34" charset="0"/>
+              <a:buChar char="•"/>
+            </a:pPr>
+            <a:r>
+              <a:rPr lang="fr-FR" dirty="0" smtClean="0"/>
+              <a:t>Composées de plusieurs tags séparés par &lt;&gt;</a:t>
+            </a:r>
+          </a:p>
+          <a:p>
+            <a:pPr marL="800100" lvl="1" indent="-342900">
+              <a:buFont typeface="Arial" pitchFamily="34" charset="0"/>
+              <a:buChar char="•"/>
+            </a:pPr>
+            <a:r>
+              <a:rPr lang="fr-FR" dirty="0" smtClean="0"/>
+              <a:t>Si le tag contient plusieurs mots, ceux-ci sont séparé par « - »</a:t>
+            </a:r>
+          </a:p>
+          <a:p>
+            <a:pPr marL="800100" lvl="1" indent="-342900">
+              <a:buFont typeface="Arial" pitchFamily="34" charset="0"/>
+              <a:buChar char="•"/>
+            </a:pPr>
+            <a:r>
+              <a:rPr lang="fr-FR" dirty="0" smtClean="0"/>
+              <a:t>Exemple de corps de cible :</a:t>
+            </a:r>
+            <a:endParaRPr lang="fr-FR" dirty="0"/>
+          </a:p>
+        </p:txBody>
+      </p:sp>
+      <p:pic>
+        <p:nvPicPr>
+          <p:cNvPr id="2050" name="Picture 2"/>
+          <p:cNvPicPr>
+            <a:picLocks noChangeAspect="1" noChangeArrowheads="1"/>
+          </p:cNvPicPr>
+          <p:nvPr/>
+        </p:nvPicPr>
+        <p:blipFill>
+          <a:blip r:embed="rId2" cstate="print"/>
+          <a:srcRect/>
+          <a:stretch>
+            <a:fillRect/>
+          </a:stretch>
+        </p:blipFill>
+        <p:spPr bwMode="auto">
+          <a:xfrm>
+            <a:off x="1187624" y="2852936"/>
+            <a:ext cx="3384376" cy="254738"/>
+          </a:xfrm>
+          <a:prstGeom prst="rect">
+            <a:avLst/>
+          </a:prstGeom>
+          <a:noFill/>
+          <a:ln w="9525">
+            <a:solidFill>
+              <a:schemeClr val="tx1"/>
+            </a:solidFill>
+            <a:miter lim="800000"/>
+            <a:headEnd/>
+            <a:tailEnd/>
+          </a:ln>
+        </p:spPr>
+      </p:pic>
+      <p:sp>
+        <p:nvSpPr>
+          <p:cNvPr id="11" name="TextBox 10"/>
+          <p:cNvSpPr txBox="1"/>
+          <p:nvPr/>
+        </p:nvSpPr>
+        <p:spPr>
+          <a:xfrm>
+            <a:off x="467544" y="3645024"/>
+            <a:ext cx="6480720" cy="646331"/>
+          </a:xfrm>
+          <a:prstGeom prst="rect">
+            <a:avLst/>
+          </a:prstGeom>
+          <a:noFill/>
+        </p:spPr>
+        <p:txBody>
+          <a:bodyPr wrap="square" rtlCol="0">
+            <a:spAutoFit/>
+          </a:bodyPr>
+          <a:lstStyle/>
+          <a:p>
+            <a:pPr marL="342900" indent="-342900"/>
+            <a:r>
+              <a:rPr lang="fr-FR" dirty="0" smtClean="0"/>
+              <a:t>=&gt; Le </a:t>
+            </a:r>
+            <a:r>
+              <a:rPr lang="fr-FR" dirty="0" err="1" smtClean="0"/>
+              <a:t>cleaning</a:t>
+            </a:r>
+            <a:r>
+              <a:rPr lang="fr-FR" dirty="0" smtClean="0"/>
+              <a:t> se limite sur la suppression de &lt;&gt; et remplacement par espace</a:t>
+            </a:r>
+            <a:endParaRPr lang="fr-FR" dirty="0"/>
           </a:p>
         </p:txBody>
       </p:sp>
@@ -8365,38 +10182,64 @@
             <p:ph type="title"/>
           </p:nvPr>
         </p:nvSpPr>
+        <p:spPr/>
+        <p:txBody>
+          <a:bodyPr>
+            <a:normAutofit fontScale="90000"/>
+          </a:bodyPr>
+          <a:lstStyle/>
+          <a:p>
+            <a:r>
+              <a:rPr lang="fr-FR" dirty="0" smtClean="0"/>
+              <a:t>3. Features </a:t>
+            </a:r>
+            <a:r>
+              <a:rPr lang="fr-FR" dirty="0" smtClean="0"/>
+              <a:t>engineering</a:t>
+            </a:r>
+            <a:br>
+              <a:rPr lang="fr-FR" dirty="0" smtClean="0"/>
+            </a:br>
+            <a:r>
+              <a:rPr lang="fr-FR" dirty="0" err="1" smtClean="0"/>
+              <a:t>Workflow</a:t>
+            </a:r>
+            <a:endParaRPr lang="fr-FR" dirty="0"/>
+          </a:p>
+        </p:txBody>
+      </p:sp>
+      <p:sp>
+        <p:nvSpPr>
+          <p:cNvPr id="3" name="Content Placeholder 2"/>
+          <p:cNvSpPr>
+            <a:spLocks noGrp="1"/>
+          </p:cNvSpPr>
+          <p:nvPr>
+            <p:ph idx="1"/>
+          </p:nvPr>
+        </p:nvSpPr>
         <p:spPr>
           <a:xfrm>
-            <a:off x="467544" y="0"/>
-            <a:ext cx="8229600" cy="1143000"/>
+            <a:off x="179512" y="1600200"/>
+            <a:ext cx="8507288" cy="4525963"/>
           </a:xfrm>
         </p:spPr>
         <p:txBody>
           <a:bodyPr>
-            <a:noAutofit/>
+            <a:normAutofit/>
           </a:bodyPr>
           <a:lstStyle/>
           <a:p>
-            <a:r>
-              <a:rPr lang="fr-FR" sz="3200" dirty="0" smtClean="0"/>
-              <a:t>4. </a:t>
-            </a:r>
-            <a:r>
-              <a:rPr lang="fr-FR" sz="3200" dirty="0" smtClean="0"/>
-              <a:t>Exploration</a:t>
-            </a:r>
-            <a:r>
-              <a:rPr lang="fr-FR" sz="3200" dirty="0" smtClean="0"/>
-              <a:t/>
-            </a:r>
-            <a:br>
-              <a:rPr lang="fr-FR" sz="3200" dirty="0" smtClean="0"/>
-            </a:br>
-            <a:r>
-              <a:rPr lang="fr-FR" sz="3200" dirty="0" smtClean="0"/>
-              <a:t>Réduction de dimension</a:t>
-            </a:r>
-            <a:endParaRPr lang="fr-FR" sz="3200" dirty="0"/>
+            <a:pPr>
+              <a:buNone/>
+            </a:pPr>
+            <a:endParaRPr lang="fr-FR" dirty="0" smtClean="0"/>
+          </a:p>
+          <a:p>
+            <a:pPr>
+              <a:buNone/>
+            </a:pPr>
+            <a:endParaRPr lang="fr-FR" dirty="0"/>
           </a:p>
         </p:txBody>
       </p:sp>
@@ -8418,7 +10261,7 @@
             <a:fld id="{34BB9493-DDA4-47A5-90A8-AADC3D3EA1FB}" type="datetime1">
               <a:rPr lang="fr-FR" smtClean="0"/>
               <a:pPr/>
-              <a:t>22/11/2019</a:t>
+              <a:t>24/11/2019</a:t>
             </a:fld>
             <a:endParaRPr lang="fr-FR"/>
           </a:p>
@@ -8467,7 +10310,212 @@
               <a:pPr/>
               <a:t>7</a:t>
             </a:fld>
-            <a:endParaRPr lang="fr-FR"/>
+            <a:endParaRPr lang="fr-FR" dirty="0"/>
+          </a:p>
+        </p:txBody>
+      </p:sp>
+      <p:sp>
+        <p:nvSpPr>
+          <p:cNvPr id="8" name="TextBox 7"/>
+          <p:cNvSpPr txBox="1"/>
+          <p:nvPr/>
+        </p:nvSpPr>
+        <p:spPr>
+          <a:xfrm>
+            <a:off x="539552" y="1772816"/>
+            <a:ext cx="7992888" cy="3970318"/>
+          </a:xfrm>
+          <a:prstGeom prst="rect">
+            <a:avLst/>
+          </a:prstGeom>
+          <a:noFill/>
+        </p:spPr>
+        <p:txBody>
+          <a:bodyPr wrap="square" rtlCol="0">
+            <a:spAutoFit/>
+          </a:bodyPr>
+          <a:lstStyle/>
+          <a:p>
+            <a:r>
+              <a:rPr lang="fr-FR" dirty="0" smtClean="0"/>
+              <a:t>Plusieurs façons comment recoder les features :</a:t>
+            </a:r>
+          </a:p>
+          <a:p>
+            <a:endParaRPr lang="fr-FR" dirty="0" smtClean="0"/>
+          </a:p>
+          <a:p>
+            <a:r>
+              <a:rPr lang="fr-FR" dirty="0" smtClean="0"/>
+              <a:t>1. Pour appliquer Bag of </a:t>
+            </a:r>
+            <a:r>
+              <a:rPr lang="fr-FR" dirty="0" err="1" smtClean="0"/>
+              <a:t>words</a:t>
+            </a:r>
+            <a:r>
+              <a:rPr lang="fr-FR" dirty="0" smtClean="0"/>
+              <a:t> et TF-IDF : </a:t>
+            </a:r>
+          </a:p>
+          <a:p>
+            <a:pPr lvl="1">
+              <a:buFont typeface="Arial" pitchFamily="34" charset="0"/>
+              <a:buChar char="•"/>
+            </a:pPr>
+            <a:r>
+              <a:rPr lang="fr-FR" dirty="0" smtClean="0"/>
+              <a:t> </a:t>
+            </a:r>
+            <a:r>
+              <a:rPr lang="fr-FR" dirty="0" smtClean="0"/>
+              <a:t> Titre </a:t>
+            </a:r>
+          </a:p>
+          <a:p>
+            <a:pPr lvl="1">
+              <a:buFont typeface="Arial" pitchFamily="34" charset="0"/>
+              <a:buChar char="•"/>
+            </a:pPr>
+            <a:r>
+              <a:rPr lang="fr-FR" dirty="0" smtClean="0"/>
+              <a:t> </a:t>
+            </a:r>
+            <a:r>
+              <a:rPr lang="fr-FR" dirty="0" smtClean="0"/>
+              <a:t> Titre + corps + </a:t>
+            </a:r>
+            <a:r>
+              <a:rPr lang="fr-FR" dirty="0" err="1" smtClean="0"/>
+              <a:t>bigrams</a:t>
+            </a:r>
+            <a:r>
+              <a:rPr lang="fr-FR" dirty="0" smtClean="0"/>
+              <a:t> titre + </a:t>
+            </a:r>
+            <a:r>
+              <a:rPr lang="fr-FR" dirty="0" err="1" smtClean="0"/>
+              <a:t>bigrams</a:t>
+            </a:r>
+            <a:r>
+              <a:rPr lang="fr-FR" dirty="0" smtClean="0"/>
+              <a:t> corps</a:t>
+            </a:r>
+          </a:p>
+          <a:p>
+            <a:pPr lvl="1">
+              <a:buFont typeface="Arial" pitchFamily="34" charset="0"/>
+              <a:buChar char="•"/>
+            </a:pPr>
+            <a:r>
+              <a:rPr lang="fr-FR" dirty="0" smtClean="0"/>
+              <a:t> </a:t>
+            </a:r>
+            <a:r>
+              <a:rPr lang="fr-FR" dirty="0" smtClean="0"/>
+              <a:t> Titre pondéré (x3) + corps</a:t>
+            </a:r>
+          </a:p>
+          <a:p>
+            <a:pPr lvl="1">
+              <a:buFont typeface="Arial" pitchFamily="34" charset="0"/>
+              <a:buChar char="•"/>
+            </a:pPr>
+            <a:r>
+              <a:rPr lang="fr-FR" dirty="0" smtClean="0"/>
+              <a:t> </a:t>
+            </a:r>
+            <a:r>
+              <a:rPr lang="fr-FR" dirty="0" smtClean="0"/>
+              <a:t> Titre pondéré (x2) </a:t>
+            </a:r>
+            <a:r>
+              <a:rPr lang="fr-FR" dirty="0" smtClean="0"/>
+              <a:t>+ </a:t>
+            </a:r>
+            <a:r>
+              <a:rPr lang="fr-FR" dirty="0" err="1" smtClean="0"/>
+              <a:t>bigrams</a:t>
+            </a:r>
+            <a:r>
+              <a:rPr lang="fr-FR" dirty="0" smtClean="0"/>
+              <a:t> titre pondéré (x2) + corps</a:t>
+            </a:r>
+          </a:p>
+          <a:p>
+            <a:pPr lvl="1"/>
+            <a:endParaRPr lang="fr-FR" dirty="0" smtClean="0"/>
+          </a:p>
+          <a:p>
+            <a:r>
+              <a:rPr lang="fr-FR" dirty="0" smtClean="0"/>
+              <a:t>2. </a:t>
+            </a:r>
+            <a:r>
+              <a:rPr lang="fr-FR" dirty="0" smtClean="0"/>
+              <a:t>Pour appliquer </a:t>
+            </a:r>
+            <a:r>
+              <a:rPr lang="fr-FR" dirty="0" smtClean="0"/>
+              <a:t>Word2vect (plus gourmand en calcul) </a:t>
+            </a:r>
+            <a:r>
+              <a:rPr lang="fr-FR" dirty="0" smtClean="0"/>
+              <a:t>: </a:t>
+            </a:r>
+          </a:p>
+          <a:p>
+            <a:pPr lvl="1">
+              <a:buFont typeface="Arial" pitchFamily="34" charset="0"/>
+              <a:buChar char="•"/>
+            </a:pPr>
+            <a:r>
+              <a:rPr lang="fr-FR" dirty="0" smtClean="0"/>
+              <a:t>  Titre </a:t>
+            </a:r>
+          </a:p>
+          <a:p>
+            <a:pPr lvl="1">
+              <a:buFont typeface="Arial" pitchFamily="34" charset="0"/>
+              <a:buChar char="•"/>
+            </a:pPr>
+            <a:r>
+              <a:rPr lang="fr-FR" dirty="0" smtClean="0"/>
+              <a:t>  Titre + </a:t>
+            </a:r>
+            <a:r>
+              <a:rPr lang="fr-FR" dirty="0" smtClean="0"/>
+              <a:t>corps</a:t>
+            </a:r>
+            <a:endParaRPr lang="fr-FR" dirty="0" smtClean="0"/>
+          </a:p>
+          <a:p>
+            <a:pPr lvl="1">
+              <a:buFont typeface="Arial" pitchFamily="34" charset="0"/>
+              <a:buChar char="•"/>
+            </a:pPr>
+            <a:r>
+              <a:rPr lang="fr-FR" dirty="0" smtClean="0"/>
+              <a:t>  Titre pondéré (x3) + </a:t>
+            </a:r>
+            <a:r>
+              <a:rPr lang="fr-FR" dirty="0" smtClean="0"/>
+              <a:t>corps</a:t>
+            </a:r>
+          </a:p>
+          <a:p>
+            <a:pPr>
+              <a:buFont typeface="Arial" pitchFamily="34" charset="0"/>
+              <a:buChar char="•"/>
+            </a:pPr>
+            <a:endParaRPr lang="fr-FR" dirty="0" smtClean="0"/>
+          </a:p>
+          <a:p>
+            <a:pPr>
+              <a:buFontTx/>
+              <a:buChar char="-"/>
+            </a:pPr>
+            <a:endParaRPr lang="fr-FR" dirty="0"/>
           </a:p>
         </p:txBody>
       </p:sp>
@@ -8476,6 +10524,13 @@
   <p:clrMapOvr>
     <a:masterClrMapping/>
   </p:clrMapOvr>
+  <p:timing>
+    <p:tnLst>
+      <p:par>
+        <p:cTn id="1" dur="indefinite" restart="never" nodeType="tmRoot"/>
+      </p:par>
+    </p:tnLst>
+  </p:timing>
 </p:sld>
 </file>
 
@@ -8508,8 +10563,8 @@
         </p:nvSpPr>
         <p:spPr>
           <a:xfrm>
-            <a:off x="395536" y="0"/>
-            <a:ext cx="8229600" cy="1143000"/>
+            <a:off x="539552" y="0"/>
+            <a:ext cx="7776864" cy="980728"/>
           </a:xfrm>
         </p:spPr>
         <p:txBody>
@@ -8520,22 +10575,18 @@
           <a:p>
             <a:r>
               <a:rPr lang="fr-FR" sz="3200" dirty="0" smtClean="0"/>
-              <a:t>5. </a:t>
-            </a:r>
-            <a:r>
-              <a:rPr lang="fr-FR" sz="3200" dirty="0" smtClean="0"/>
-              <a:t>Modélisation non-supervisée</a:t>
-            </a:r>
-            <a:r>
-              <a:rPr lang="fr-FR" sz="3200" dirty="0" smtClean="0"/>
-              <a:t/>
+              <a:t>4. Exploration</a:t>
             </a:r>
             <a:br>
               <a:rPr lang="fr-FR" sz="3200" dirty="0" smtClean="0"/>
             </a:br>
             <a:r>
               <a:rPr lang="fr-FR" sz="3200" dirty="0" smtClean="0"/>
-              <a:t>Approche basée sur les fréquences</a:t>
+              <a:t>Analyse </a:t>
+            </a:r>
+            <a:r>
+              <a:rPr lang="fr-FR" sz="3200" dirty="0" smtClean="0"/>
+              <a:t>exploratoire - features</a:t>
             </a:r>
             <a:endParaRPr lang="fr-FR" sz="3200" dirty="0"/>
           </a:p>
@@ -8543,7 +10594,7 @@
       </p:sp>
       <p:sp>
         <p:nvSpPr>
-          <p:cNvPr id="4" name="Date Placeholder 3"/>
+          <p:cNvPr id="6" name="Date Placeholder 5"/>
           <p:cNvSpPr>
             <a:spLocks noGrp="1"/>
           </p:cNvSpPr>
@@ -8556,10 +10607,10 @@
           <a:bodyPr/>
           <a:lstStyle/>
           <a:p>
-            <a:fld id="{34BB9493-DDA4-47A5-90A8-AADC3D3EA1FB}" type="datetime1">
+            <a:fld id="{92BC38EB-913B-4C57-8A7D-C090B83E2669}" type="datetime1">
               <a:rPr lang="fr-FR" smtClean="0"/>
               <a:pPr/>
-              <a:t>22/11/2019</a:t>
+              <a:t>24/11/2019</a:t>
             </a:fld>
             <a:endParaRPr lang="fr-FR"/>
           </a:p>
@@ -8567,30 +10618,7 @@
       </p:sp>
       <p:sp>
         <p:nvSpPr>
-          <p:cNvPr id="5" name="Footer Placeholder 4"/>
-          <p:cNvSpPr>
-            <a:spLocks noGrp="1"/>
-          </p:cNvSpPr>
-          <p:nvPr>
-            <p:ph type="ftr" sz="quarter" idx="11"/>
-          </p:nvPr>
-        </p:nvSpPr>
-        <p:spPr/>
-        <p:txBody>
-          <a:bodyPr/>
-          <a:lstStyle/>
-          <a:p>
-            <a:r>
-              <a:rPr lang="fr-FR" smtClean="0"/>
-              <a:t>Lenka Styfalova</a:t>
-            </a:r>
-            <a:endParaRPr lang="fr-FR"/>
-          </a:p>
-        </p:txBody>
-      </p:sp>
-      <p:sp>
-        <p:nvSpPr>
-          <p:cNvPr id="6" name="Slide Number Placeholder 5"/>
+          <p:cNvPr id="7" name="Slide Number Placeholder 6"/>
           <p:cNvSpPr>
             <a:spLocks noGrp="1"/>
           </p:cNvSpPr>
@@ -8612,6 +10640,129 @@
           </a:p>
         </p:txBody>
       </p:sp>
+      <p:sp>
+        <p:nvSpPr>
+          <p:cNvPr id="8" name="Footer Placeholder 7"/>
+          <p:cNvSpPr>
+            <a:spLocks noGrp="1"/>
+          </p:cNvSpPr>
+          <p:nvPr>
+            <p:ph type="ftr" sz="quarter" idx="11"/>
+          </p:nvPr>
+        </p:nvSpPr>
+        <p:spPr/>
+        <p:txBody>
+          <a:bodyPr/>
+          <a:lstStyle/>
+          <a:p>
+            <a:r>
+              <a:rPr lang="fr-FR" smtClean="0"/>
+              <a:t>Lenka Styfalova</a:t>
+            </a:r>
+            <a:endParaRPr lang="fr-FR"/>
+          </a:p>
+        </p:txBody>
+      </p:sp>
+      <p:sp>
+        <p:nvSpPr>
+          <p:cNvPr id="9" name="TextBox 8"/>
+          <p:cNvSpPr txBox="1"/>
+          <p:nvPr/>
+        </p:nvSpPr>
+        <p:spPr>
+          <a:xfrm>
+            <a:off x="683568" y="1556792"/>
+            <a:ext cx="3240360" cy="1200329"/>
+          </a:xfrm>
+          <a:prstGeom prst="rect">
+            <a:avLst/>
+          </a:prstGeom>
+          <a:noFill/>
+        </p:spPr>
+        <p:txBody>
+          <a:bodyPr wrap="square" rtlCol="0">
+            <a:spAutoFit/>
+          </a:bodyPr>
+          <a:lstStyle/>
+          <a:p>
+            <a:r>
+              <a:rPr lang="fr-FR" dirty="0" smtClean="0"/>
+              <a:t>Nombre de mots par question :</a:t>
+            </a:r>
+          </a:p>
+          <a:p>
+            <a:pPr>
+              <a:buFont typeface="Arial" pitchFamily="34" charset="0"/>
+              <a:buChar char="•"/>
+            </a:pPr>
+            <a:r>
+              <a:rPr lang="fr-FR" dirty="0" smtClean="0"/>
+              <a:t>  moyen : 110 </a:t>
+            </a:r>
+          </a:p>
+          <a:p>
+            <a:pPr>
+              <a:buFont typeface="Arial" pitchFamily="34" charset="0"/>
+              <a:buChar char="•"/>
+            </a:pPr>
+            <a:r>
+              <a:rPr lang="fr-FR" dirty="0" smtClean="0"/>
+              <a:t> </a:t>
+            </a:r>
+            <a:r>
+              <a:rPr lang="fr-FR" dirty="0" smtClean="0"/>
+              <a:t> min : 5</a:t>
+            </a:r>
+          </a:p>
+          <a:p>
+            <a:pPr>
+              <a:buFont typeface="Arial" pitchFamily="34" charset="0"/>
+              <a:buChar char="•"/>
+            </a:pPr>
+            <a:r>
+              <a:rPr lang="fr-FR" dirty="0" smtClean="0"/>
+              <a:t> </a:t>
+            </a:r>
+            <a:r>
+              <a:rPr lang="fr-FR" dirty="0" smtClean="0"/>
+              <a:t> max : 4070</a:t>
+            </a:r>
+            <a:endParaRPr lang="fr-FR" dirty="0" smtClean="0"/>
+          </a:p>
+        </p:txBody>
+      </p:sp>
+      <p:pic>
+        <p:nvPicPr>
+          <p:cNvPr id="3074" name="Picture 2"/>
+          <p:cNvPicPr>
+            <a:picLocks noChangeAspect="1" noChangeArrowheads="1"/>
+          </p:cNvPicPr>
+          <p:nvPr/>
+        </p:nvPicPr>
+        <p:blipFill>
+          <a:blip r:embed="rId2" cstate="print"/>
+          <a:srcRect/>
+          <a:stretch>
+            <a:fillRect/>
+          </a:stretch>
+        </p:blipFill>
+        <p:spPr bwMode="auto">
+          <a:xfrm>
+            <a:off x="4139952" y="980728"/>
+            <a:ext cx="4490246" cy="5661248"/>
+          </a:xfrm>
+          <a:prstGeom prst="rect">
+            <a:avLst/>
+          </a:prstGeom>
+          <a:noFill/>
+          <a:ln w="9525">
+            <a:noFill/>
+            <a:miter lim="800000"/>
+            <a:headEnd/>
+            <a:tailEnd/>
+          </a:ln>
+        </p:spPr>
+      </p:pic>
     </p:spTree>
   </p:cSld>
   <p:clrMapOvr>
@@ -8656,8 +10807,8 @@
         </p:nvSpPr>
         <p:spPr>
           <a:xfrm>
-            <a:off x="395536" y="0"/>
-            <a:ext cx="8229600" cy="1143000"/>
+            <a:off x="539552" y="0"/>
+            <a:ext cx="7560840" cy="908720"/>
           </a:xfrm>
         </p:spPr>
         <p:txBody>
@@ -8668,22 +10819,18 @@
           <a:p>
             <a:r>
               <a:rPr lang="fr-FR" sz="3200" dirty="0" smtClean="0"/>
-              <a:t>5. </a:t>
-            </a:r>
-            <a:r>
-              <a:rPr lang="fr-FR" sz="3200" dirty="0" smtClean="0"/>
-              <a:t>Modélisation non-supervisée</a:t>
-            </a:r>
-            <a:r>
-              <a:rPr lang="fr-FR" sz="3200" dirty="0" smtClean="0"/>
-              <a:t/>
+              <a:t>4. Exploration</a:t>
             </a:r>
             <a:br>
               <a:rPr lang="fr-FR" sz="3200" dirty="0" smtClean="0"/>
             </a:br>
             <a:r>
               <a:rPr lang="fr-FR" sz="3200" dirty="0" smtClean="0"/>
-              <a:t>Latent Dirichlet Allocation</a:t>
+              <a:t>Analyse </a:t>
+            </a:r>
+            <a:r>
+              <a:rPr lang="fr-FR" sz="3200" dirty="0" smtClean="0"/>
+              <a:t>exploratoire - cible</a:t>
             </a:r>
             <a:endParaRPr lang="fr-FR" sz="3200" dirty="0"/>
           </a:p>
@@ -8691,7 +10838,7 @@
       </p:sp>
       <p:sp>
         <p:nvSpPr>
-          <p:cNvPr id="4" name="Date Placeholder 3"/>
+          <p:cNvPr id="6" name="Date Placeholder 5"/>
           <p:cNvSpPr>
             <a:spLocks noGrp="1"/>
           </p:cNvSpPr>
@@ -8704,10 +10851,10 @@
           <a:bodyPr/>
           <a:lstStyle/>
           <a:p>
-            <a:fld id="{34BB9493-DDA4-47A5-90A8-AADC3D3EA1FB}" type="datetime1">
+            <a:fld id="{92BC38EB-913B-4C57-8A7D-C090B83E2669}" type="datetime1">
               <a:rPr lang="fr-FR" smtClean="0"/>
               <a:pPr/>
-              <a:t>22/11/2019</a:t>
+              <a:t>24/11/2019</a:t>
             </a:fld>
             <a:endParaRPr lang="fr-FR"/>
           </a:p>
@@ -8715,30 +10862,7 @@
       </p:sp>
       <p:sp>
         <p:nvSpPr>
-          <p:cNvPr id="5" name="Footer Placeholder 4"/>
-          <p:cNvSpPr>
-            <a:spLocks noGrp="1"/>
-          </p:cNvSpPr>
-          <p:nvPr>
-            <p:ph type="ftr" sz="quarter" idx="11"/>
-          </p:nvPr>
-        </p:nvSpPr>
-        <p:spPr/>
-        <p:txBody>
-          <a:bodyPr/>
-          <a:lstStyle/>
-          <a:p>
-            <a:r>
-              <a:rPr lang="fr-FR" smtClean="0"/>
-              <a:t>Lenka Styfalova</a:t>
-            </a:r>
-            <a:endParaRPr lang="fr-FR"/>
-          </a:p>
-        </p:txBody>
-      </p:sp>
-      <p:sp>
-        <p:nvSpPr>
-          <p:cNvPr id="6" name="Slide Number Placeholder 5"/>
+          <p:cNvPr id="7" name="Slide Number Placeholder 6"/>
           <p:cNvSpPr>
             <a:spLocks noGrp="1"/>
           </p:cNvSpPr>
@@ -8757,6 +10881,165 @@
               <a:t>9</a:t>
             </a:fld>
             <a:endParaRPr lang="fr-FR"/>
+          </a:p>
+        </p:txBody>
+      </p:sp>
+      <p:sp>
+        <p:nvSpPr>
+          <p:cNvPr id="8" name="Footer Placeholder 7"/>
+          <p:cNvSpPr>
+            <a:spLocks noGrp="1"/>
+          </p:cNvSpPr>
+          <p:nvPr>
+            <p:ph type="ftr" sz="quarter" idx="11"/>
+          </p:nvPr>
+        </p:nvSpPr>
+        <p:spPr/>
+        <p:txBody>
+          <a:bodyPr/>
+          <a:lstStyle/>
+          <a:p>
+            <a:r>
+              <a:rPr lang="fr-FR" smtClean="0"/>
+              <a:t>Lenka Styfalova</a:t>
+            </a:r>
+            <a:endParaRPr lang="fr-FR"/>
+          </a:p>
+        </p:txBody>
+      </p:sp>
+      <p:pic>
+        <p:nvPicPr>
+          <p:cNvPr id="4098" name="Picture 2"/>
+          <p:cNvPicPr>
+            <a:picLocks noChangeAspect="1" noChangeArrowheads="1"/>
+          </p:cNvPicPr>
+          <p:nvPr/>
+        </p:nvPicPr>
+        <p:blipFill>
+          <a:blip r:embed="rId2" cstate="print"/>
+          <a:srcRect/>
+          <a:stretch>
+            <a:fillRect/>
+          </a:stretch>
+        </p:blipFill>
+        <p:spPr bwMode="auto">
+          <a:xfrm>
+            <a:off x="3571474" y="980728"/>
+            <a:ext cx="5572526" cy="5877272"/>
+          </a:xfrm>
+          <a:prstGeom prst="rect">
+            <a:avLst/>
+          </a:prstGeom>
+          <a:noFill/>
+          <a:ln w="9525">
+            <a:noFill/>
+            <a:miter lim="800000"/>
+            <a:headEnd/>
+            <a:tailEnd/>
+          </a:ln>
+        </p:spPr>
+      </p:pic>
+      <p:pic>
+        <p:nvPicPr>
+          <p:cNvPr id="4099" name="Picture 3"/>
+          <p:cNvPicPr>
+            <a:picLocks noChangeAspect="1" noChangeArrowheads="1"/>
+          </p:cNvPicPr>
+          <p:nvPr/>
+        </p:nvPicPr>
+        <p:blipFill>
+          <a:blip r:embed="rId3" cstate="print"/>
+          <a:srcRect/>
+          <a:stretch>
+            <a:fillRect/>
+          </a:stretch>
+        </p:blipFill>
+        <p:spPr bwMode="auto">
+          <a:xfrm>
+            <a:off x="179512" y="3068960"/>
+            <a:ext cx="3456019" cy="3335660"/>
+          </a:xfrm>
+          <a:prstGeom prst="rect">
+            <a:avLst/>
+          </a:prstGeom>
+          <a:noFill/>
+          <a:ln w="9525">
+            <a:noFill/>
+            <a:miter lim="800000"/>
+            <a:headEnd/>
+            <a:tailEnd/>
+          </a:ln>
+        </p:spPr>
+      </p:pic>
+      <p:sp>
+        <p:nvSpPr>
+          <p:cNvPr id="9" name="TextBox 8"/>
+          <p:cNvSpPr txBox="1"/>
+          <p:nvPr/>
+        </p:nvSpPr>
+        <p:spPr>
+          <a:xfrm>
+            <a:off x="179512" y="1124744"/>
+            <a:ext cx="3456384" cy="1200329"/>
+          </a:xfrm>
+          <a:prstGeom prst="rect">
+            <a:avLst/>
+          </a:prstGeom>
+          <a:noFill/>
+        </p:spPr>
+        <p:txBody>
+          <a:bodyPr wrap="square" rtlCol="0">
+            <a:spAutoFit/>
+          </a:bodyPr>
+          <a:lstStyle/>
+          <a:p>
+            <a:r>
+              <a:rPr lang="fr-FR" dirty="0" smtClean="0"/>
+              <a:t>Nombre de tags par post :</a:t>
+            </a:r>
+          </a:p>
+          <a:p>
+            <a:pPr>
+              <a:buFont typeface="Arial" pitchFamily="34" charset="0"/>
+              <a:buChar char="•"/>
+            </a:pPr>
+            <a:r>
+              <a:rPr lang="fr-FR" dirty="0" smtClean="0"/>
+              <a:t> </a:t>
+            </a:r>
+            <a:r>
+              <a:rPr lang="fr-FR" dirty="0" smtClean="0"/>
+              <a:t> min = 1 / max = 5</a:t>
+            </a:r>
+          </a:p>
+          <a:p>
+            <a:pPr>
+              <a:buFont typeface="Arial" pitchFamily="34" charset="0"/>
+              <a:buChar char="•"/>
+            </a:pPr>
+            <a:r>
+              <a:rPr lang="fr-FR" dirty="0" smtClean="0"/>
+              <a:t> </a:t>
+            </a:r>
+            <a:r>
+              <a:rPr lang="fr-FR" dirty="0" smtClean="0"/>
+              <a:t> médian = 3</a:t>
+            </a:r>
+          </a:p>
+          <a:p>
+            <a:pPr>
+              <a:buFont typeface="Arial" pitchFamily="34" charset="0"/>
+              <a:buChar char="•"/>
+            </a:pPr>
+            <a:r>
+              <a:rPr lang="fr-FR" dirty="0" smtClean="0"/>
+              <a:t> </a:t>
+            </a:r>
+            <a:r>
+              <a:rPr lang="fr-FR" dirty="0" smtClean="0"/>
+              <a:t> moyen = 3</a:t>
+            </a:r>
+            <a:endParaRPr lang="fr-FR" dirty="0"/>
           </a:p>
         </p:txBody>
       </p:sp>

--- a/Projet 5 - Catégorisez automatiquement des questions.pptx
+++ b/Projet 5 - Catégorisez automatiquement des questions.pptx
@@ -5,7 +5,7 @@
     <p:sldMasterId id="2147483648" r:id="rId1"/>
   </p:sldMasterIdLst>
   <p:notesMasterIdLst>
-    <p:notesMasterId r:id="rId19"/>
+    <p:notesMasterId r:id="rId20"/>
   </p:notesMasterIdLst>
   <p:sldIdLst>
     <p:sldId id="256" r:id="rId2"/>
@@ -15,16 +15,17 @@
     <p:sldId id="258" r:id="rId6"/>
     <p:sldId id="291" r:id="rId7"/>
     <p:sldId id="264" r:id="rId8"/>
-    <p:sldId id="260" r:id="rId9"/>
-    <p:sldId id="292" r:id="rId10"/>
-    <p:sldId id="293" r:id="rId11"/>
-    <p:sldId id="273" r:id="rId12"/>
-    <p:sldId id="294" r:id="rId13"/>
-    <p:sldId id="275" r:id="rId14"/>
-    <p:sldId id="287" r:id="rId15"/>
-    <p:sldId id="288" r:id="rId16"/>
-    <p:sldId id="289" r:id="rId17"/>
-    <p:sldId id="286" r:id="rId18"/>
+    <p:sldId id="295" r:id="rId9"/>
+    <p:sldId id="260" r:id="rId10"/>
+    <p:sldId id="292" r:id="rId11"/>
+    <p:sldId id="293" r:id="rId12"/>
+    <p:sldId id="273" r:id="rId13"/>
+    <p:sldId id="294" r:id="rId14"/>
+    <p:sldId id="275" r:id="rId15"/>
+    <p:sldId id="287" r:id="rId16"/>
+    <p:sldId id="288" r:id="rId17"/>
+    <p:sldId id="289" r:id="rId18"/>
+    <p:sldId id="286" r:id="rId19"/>
   </p:sldIdLst>
   <p:sldSz cx="9144000" cy="6858000" type="screen4x3"/>
   <p:notesSz cx="6858000" cy="9144000"/>
@@ -939,6 +940,813 @@
 </dgm:colorsDef>
 </file>
 
+<file path=ppt/diagrams/colors2.xml><?xml version="1.0" encoding="utf-8"?>
+<dgm:colorsDef xmlns:dgm="http://schemas.openxmlformats.org/drawingml/2006/diagram" xmlns:a="http://schemas.openxmlformats.org/drawingml/2006/main" uniqueId="urn:microsoft.com/office/officeart/2005/8/colors/accent0_1">
+  <dgm:title val=""/>
+  <dgm:desc val=""/>
+  <dgm:catLst>
+    <dgm:cat type="mainScheme" pri="10100"/>
+  </dgm:catLst>
+  <dgm:styleLbl name="node0">
+    <dgm:fillClrLst meth="repeat">
+      <a:schemeClr val="lt1"/>
+    </dgm:fillClrLst>
+    <dgm:linClrLst meth="repeat">
+      <a:schemeClr val="dk1">
+        <a:shade val="80000"/>
+      </a:schemeClr>
+    </dgm:linClrLst>
+    <dgm:effectClrLst/>
+    <dgm:txLinClrLst/>
+    <dgm:txFillClrLst meth="repeat">
+      <a:schemeClr val="dk1"/>
+    </dgm:txFillClrLst>
+    <dgm:txEffectClrLst/>
+  </dgm:styleLbl>
+  <dgm:styleLbl name="node1">
+    <dgm:fillClrLst meth="repeat">
+      <a:schemeClr val="lt1"/>
+    </dgm:fillClrLst>
+    <dgm:linClrLst meth="repeat">
+      <a:schemeClr val="dk1">
+        <a:shade val="80000"/>
+      </a:schemeClr>
+    </dgm:linClrLst>
+    <dgm:effectClrLst/>
+    <dgm:txLinClrLst/>
+    <dgm:txFillClrLst meth="repeat">
+      <a:schemeClr val="dk1"/>
+    </dgm:txFillClrLst>
+    <dgm:txEffectClrLst/>
+  </dgm:styleLbl>
+  <dgm:styleLbl name="alignNode1">
+    <dgm:fillClrLst meth="repeat">
+      <a:schemeClr val="lt1"/>
+    </dgm:fillClrLst>
+    <dgm:linClrLst meth="repeat">
+      <a:schemeClr val="dk1">
+        <a:shade val="80000"/>
+      </a:schemeClr>
+    </dgm:linClrLst>
+    <dgm:effectClrLst/>
+    <dgm:txLinClrLst/>
+    <dgm:txFillClrLst meth="repeat">
+      <a:schemeClr val="dk1"/>
+    </dgm:txFillClrLst>
+    <dgm:txEffectClrLst/>
+  </dgm:styleLbl>
+  <dgm:styleLbl name="lnNode1">
+    <dgm:fillClrLst meth="repeat">
+      <a:schemeClr val="lt1"/>
+    </dgm:fillClrLst>
+    <dgm:linClrLst meth="repeat">
+      <a:schemeClr val="dk1">
+        <a:shade val="80000"/>
+      </a:schemeClr>
+    </dgm:linClrLst>
+    <dgm:effectClrLst/>
+    <dgm:txLinClrLst/>
+    <dgm:txFillClrLst meth="repeat">
+      <a:schemeClr val="dk1"/>
+    </dgm:txFillClrLst>
+    <dgm:txEffectClrLst/>
+  </dgm:styleLbl>
+  <dgm:styleLbl name="vennNode1">
+    <dgm:fillClrLst meth="repeat">
+      <a:schemeClr val="lt1">
+        <a:alpha val="50000"/>
+      </a:schemeClr>
+    </dgm:fillClrLst>
+    <dgm:linClrLst meth="repeat">
+      <a:schemeClr val="dk1">
+        <a:shade val="80000"/>
+      </a:schemeClr>
+    </dgm:linClrLst>
+    <dgm:effectClrLst/>
+    <dgm:txLinClrLst/>
+    <dgm:txFillClrLst/>
+    <dgm:txEffectClrLst/>
+  </dgm:styleLbl>
+  <dgm:styleLbl name="node2">
+    <dgm:fillClrLst meth="repeat">
+      <a:schemeClr val="lt1"/>
+    </dgm:fillClrLst>
+    <dgm:linClrLst meth="repeat">
+      <a:schemeClr val="dk1">
+        <a:shade val="80000"/>
+      </a:schemeClr>
+    </dgm:linClrLst>
+    <dgm:effectClrLst/>
+    <dgm:txLinClrLst/>
+    <dgm:txFillClrLst meth="repeat">
+      <a:schemeClr val="dk1"/>
+    </dgm:txFillClrLst>
+    <dgm:txEffectClrLst/>
+  </dgm:styleLbl>
+  <dgm:styleLbl name="node3">
+    <dgm:fillClrLst meth="repeat">
+      <a:schemeClr val="lt1"/>
+    </dgm:fillClrLst>
+    <dgm:linClrLst meth="repeat">
+      <a:schemeClr val="dk1">
+        <a:shade val="80000"/>
+      </a:schemeClr>
+    </dgm:linClrLst>
+    <dgm:effectClrLst/>
+    <dgm:txLinClrLst/>
+    <dgm:txFillClrLst meth="repeat">
+      <a:schemeClr val="dk1"/>
+    </dgm:txFillClrLst>
+    <dgm:txEffectClrLst/>
+  </dgm:styleLbl>
+  <dgm:styleLbl name="node4">
+    <dgm:fillClrLst meth="repeat">
+      <a:schemeClr val="lt1"/>
+    </dgm:fillClrLst>
+    <dgm:linClrLst meth="repeat">
+      <a:schemeClr val="dk1">
+        <a:shade val="80000"/>
+      </a:schemeClr>
+    </dgm:linClrLst>
+    <dgm:effectClrLst/>
+    <dgm:txLinClrLst/>
+    <dgm:txFillClrLst meth="repeat">
+      <a:schemeClr val="dk1"/>
+    </dgm:txFillClrLst>
+    <dgm:txEffectClrLst/>
+  </dgm:styleLbl>
+  <dgm:styleLbl name="fgImgPlace1">
+    <dgm:fillClrLst meth="repeat">
+      <a:schemeClr val="dk1">
+        <a:tint val="40000"/>
+      </a:schemeClr>
+    </dgm:fillClrLst>
+    <dgm:linClrLst meth="repeat">
+      <a:schemeClr val="dk1">
+        <a:shade val="80000"/>
+      </a:schemeClr>
+    </dgm:linClrLst>
+    <dgm:effectClrLst/>
+    <dgm:txLinClrLst/>
+    <dgm:txFillClrLst meth="repeat">
+      <a:schemeClr val="lt1"/>
+    </dgm:txFillClrLst>
+    <dgm:txEffectClrLst/>
+  </dgm:styleLbl>
+  <dgm:styleLbl name="alignImgPlace1">
+    <dgm:fillClrLst meth="repeat">
+      <a:schemeClr val="dk1">
+        <a:tint val="40000"/>
+      </a:schemeClr>
+    </dgm:fillClrLst>
+    <dgm:linClrLst meth="repeat">
+      <a:schemeClr val="dk1">
+        <a:shade val="80000"/>
+      </a:schemeClr>
+    </dgm:linClrLst>
+    <dgm:effectClrLst/>
+    <dgm:txLinClrLst/>
+    <dgm:txFillClrLst meth="repeat">
+      <a:schemeClr val="lt1"/>
+    </dgm:txFillClrLst>
+    <dgm:txEffectClrLst/>
+  </dgm:styleLbl>
+  <dgm:styleLbl name="bgImgPlace1">
+    <dgm:fillClrLst meth="repeat">
+      <a:schemeClr val="dk1">
+        <a:tint val="40000"/>
+      </a:schemeClr>
+    </dgm:fillClrLst>
+    <dgm:linClrLst meth="repeat">
+      <a:schemeClr val="dk1">
+        <a:shade val="80000"/>
+      </a:schemeClr>
+    </dgm:linClrLst>
+    <dgm:effectClrLst/>
+    <dgm:txLinClrLst/>
+    <dgm:txFillClrLst meth="repeat">
+      <a:schemeClr val="lt1"/>
+    </dgm:txFillClrLst>
+    <dgm:txEffectClrLst/>
+  </dgm:styleLbl>
+  <dgm:styleLbl name="sibTrans2D1">
+    <dgm:fillClrLst meth="repeat">
+      <a:schemeClr val="dk1">
+        <a:tint val="60000"/>
+      </a:schemeClr>
+    </dgm:fillClrLst>
+    <dgm:linClrLst meth="repeat">
+      <a:schemeClr val="dk1">
+        <a:tint val="60000"/>
+      </a:schemeClr>
+    </dgm:linClrLst>
+    <dgm:effectClrLst/>
+    <dgm:txLinClrLst/>
+    <dgm:txFillClrLst meth="repeat">
+      <a:schemeClr val="dk1"/>
+    </dgm:txFillClrLst>
+    <dgm:txEffectClrLst/>
+  </dgm:styleLbl>
+  <dgm:styleLbl name="fgSibTrans2D1">
+    <dgm:fillClrLst meth="repeat">
+      <a:schemeClr val="dk1">
+        <a:tint val="60000"/>
+      </a:schemeClr>
+    </dgm:fillClrLst>
+    <dgm:linClrLst meth="repeat">
+      <a:schemeClr val="dk1">
+        <a:tint val="60000"/>
+      </a:schemeClr>
+    </dgm:linClrLst>
+    <dgm:effectClrLst/>
+    <dgm:txLinClrLst/>
+    <dgm:txFillClrLst meth="repeat">
+      <a:schemeClr val="dk1"/>
+    </dgm:txFillClrLst>
+    <dgm:txEffectClrLst/>
+  </dgm:styleLbl>
+  <dgm:styleLbl name="bgSibTrans2D1">
+    <dgm:fillClrLst meth="repeat">
+      <a:schemeClr val="dk1">
+        <a:tint val="60000"/>
+      </a:schemeClr>
+    </dgm:fillClrLst>
+    <dgm:linClrLst meth="repeat">
+      <a:schemeClr val="dk1">
+        <a:tint val="60000"/>
+      </a:schemeClr>
+    </dgm:linClrLst>
+    <dgm:effectClrLst/>
+    <dgm:txLinClrLst/>
+    <dgm:txFillClrLst meth="repeat">
+      <a:schemeClr val="dk1"/>
+    </dgm:txFillClrLst>
+    <dgm:txEffectClrLst/>
+  </dgm:styleLbl>
+  <dgm:styleLbl name="sibTrans1D1">
+    <dgm:fillClrLst meth="repeat">
+      <a:schemeClr val="dk1"/>
+    </dgm:fillClrLst>
+    <dgm:linClrLst meth="repeat">
+      <a:schemeClr val="dk1"/>
+    </dgm:linClrLst>
+    <dgm:effectClrLst/>
+    <dgm:txLinClrLst/>
+    <dgm:txFillClrLst meth="repeat">
+      <a:schemeClr val="tx1"/>
+    </dgm:txFillClrLst>
+    <dgm:txEffectClrLst/>
+  </dgm:styleLbl>
+  <dgm:styleLbl name="callout">
+    <dgm:fillClrLst meth="repeat">
+      <a:schemeClr val="dk1"/>
+    </dgm:fillClrLst>
+    <dgm:linClrLst meth="repeat">
+      <a:schemeClr val="dk1"/>
+    </dgm:linClrLst>
+    <dgm:effectClrLst/>
+    <dgm:txLinClrLst/>
+    <dgm:txFillClrLst meth="repeat">
+      <a:schemeClr val="tx1"/>
+    </dgm:txFillClrLst>
+    <dgm:txEffectClrLst/>
+  </dgm:styleLbl>
+  <dgm:styleLbl name="asst0">
+    <dgm:fillClrLst meth="repeat">
+      <a:schemeClr val="lt1"/>
+    </dgm:fillClrLst>
+    <dgm:linClrLst meth="repeat">
+      <a:schemeClr val="dk1">
+        <a:shade val="80000"/>
+      </a:schemeClr>
+    </dgm:linClrLst>
+    <dgm:effectClrLst/>
+    <dgm:txLinClrLst/>
+    <dgm:txFillClrLst meth="repeat">
+      <a:schemeClr val="dk1"/>
+    </dgm:txFillClrLst>
+    <dgm:txEffectClrLst/>
+  </dgm:styleLbl>
+  <dgm:styleLbl name="asst1">
+    <dgm:fillClrLst meth="repeat">
+      <a:schemeClr val="lt1"/>
+    </dgm:fillClrLst>
+    <dgm:linClrLst meth="repeat">
+      <a:schemeClr val="dk1">
+        <a:shade val="80000"/>
+      </a:schemeClr>
+    </dgm:linClrLst>
+    <dgm:effectClrLst/>
+    <dgm:txLinClrLst/>
+    <dgm:txFillClrLst meth="repeat">
+      <a:schemeClr val="dk1"/>
+    </dgm:txFillClrLst>
+    <dgm:txEffectClrLst/>
+  </dgm:styleLbl>
+  <dgm:styleLbl name="asst2">
+    <dgm:fillClrLst meth="repeat">
+      <a:schemeClr val="lt1"/>
+    </dgm:fillClrLst>
+    <dgm:linClrLst meth="repeat">
+      <a:schemeClr val="dk1">
+        <a:shade val="80000"/>
+      </a:schemeClr>
+    </dgm:linClrLst>
+    <dgm:effectClrLst/>
+    <dgm:txLinClrLst/>
+    <dgm:txFillClrLst meth="repeat">
+      <a:schemeClr val="dk1"/>
+    </dgm:txFillClrLst>
+    <dgm:txEffectClrLst/>
+  </dgm:styleLbl>
+  <dgm:styleLbl name="asst3">
+    <dgm:fillClrLst meth="repeat">
+      <a:schemeClr val="lt1"/>
+    </dgm:fillClrLst>
+    <dgm:linClrLst meth="repeat">
+      <a:schemeClr val="dk1">
+        <a:shade val="80000"/>
+      </a:schemeClr>
+    </dgm:linClrLst>
+    <dgm:effectClrLst/>
+    <dgm:txLinClrLst/>
+    <dgm:txFillClrLst meth="repeat">
+      <a:schemeClr val="dk1"/>
+    </dgm:txFillClrLst>
+    <dgm:txEffectClrLst/>
+  </dgm:styleLbl>
+  <dgm:styleLbl name="asst4">
+    <dgm:fillClrLst meth="repeat">
+      <a:schemeClr val="lt1"/>
+    </dgm:fillClrLst>
+    <dgm:linClrLst meth="repeat">
+      <a:schemeClr val="dk1">
+        <a:shade val="80000"/>
+      </a:schemeClr>
+    </dgm:linClrLst>
+    <dgm:effectClrLst/>
+    <dgm:txLinClrLst/>
+    <dgm:txFillClrLst meth="repeat">
+      <a:schemeClr val="dk1"/>
+    </dgm:txFillClrLst>
+    <dgm:txEffectClrLst/>
+  </dgm:styleLbl>
+  <dgm:styleLbl name="parChTrans2D1">
+    <dgm:fillClrLst meth="repeat">
+      <a:schemeClr val="dk1">
+        <a:tint val="60000"/>
+      </a:schemeClr>
+    </dgm:fillClrLst>
+    <dgm:linClrLst meth="repeat">
+      <a:schemeClr val="dk1">
+        <a:tint val="60000"/>
+      </a:schemeClr>
+    </dgm:linClrLst>
+    <dgm:effectClrLst/>
+    <dgm:txLinClrLst/>
+    <dgm:txFillClrLst/>
+    <dgm:txEffectClrLst/>
+  </dgm:styleLbl>
+  <dgm:styleLbl name="parChTrans2D2">
+    <dgm:fillClrLst meth="repeat">
+      <a:schemeClr val="dk1"/>
+    </dgm:fillClrLst>
+    <dgm:linClrLst meth="repeat">
+      <a:schemeClr val="dk1"/>
+    </dgm:linClrLst>
+    <dgm:effectClrLst/>
+    <dgm:txLinClrLst/>
+    <dgm:txFillClrLst/>
+    <dgm:txEffectClrLst/>
+  </dgm:styleLbl>
+  <dgm:styleLbl name="parChTrans2D3">
+    <dgm:fillClrLst meth="repeat">
+      <a:schemeClr val="dk1"/>
+    </dgm:fillClrLst>
+    <dgm:linClrLst meth="repeat">
+      <a:schemeClr val="dk1"/>
+    </dgm:linClrLst>
+    <dgm:effectClrLst/>
+    <dgm:txLinClrLst/>
+    <dgm:txFillClrLst/>
+    <dgm:txEffectClrLst/>
+  </dgm:styleLbl>
+  <dgm:styleLbl name="parChTrans2D4">
+    <dgm:fillClrLst meth="repeat">
+      <a:schemeClr val="dk1"/>
+    </dgm:fillClrLst>
+    <dgm:linClrLst meth="repeat">
+      <a:schemeClr val="dk1"/>
+    </dgm:linClrLst>
+    <dgm:effectClrLst/>
+    <dgm:txLinClrLst/>
+    <dgm:txFillClrLst meth="repeat">
+      <a:schemeClr val="lt1"/>
+    </dgm:txFillClrLst>
+    <dgm:txEffectClrLst/>
+  </dgm:styleLbl>
+  <dgm:styleLbl name="parChTrans1D1">
+    <dgm:fillClrLst meth="repeat">
+      <a:schemeClr val="dk1"/>
+    </dgm:fillClrLst>
+    <dgm:linClrLst meth="repeat">
+      <a:schemeClr val="dk1">
+        <a:shade val="60000"/>
+      </a:schemeClr>
+    </dgm:linClrLst>
+    <dgm:effectClrLst/>
+    <dgm:txLinClrLst/>
+    <dgm:txFillClrLst meth="repeat">
+      <a:schemeClr val="tx1"/>
+    </dgm:txFillClrLst>
+    <dgm:txEffectClrLst/>
+  </dgm:styleLbl>
+  <dgm:styleLbl name="parChTrans1D2">
+    <dgm:fillClrLst meth="repeat">
+      <a:schemeClr val="dk1"/>
+    </dgm:fillClrLst>
+    <dgm:linClrLst meth="repeat">
+      <a:schemeClr val="dk1">
+        <a:shade val="60000"/>
+      </a:schemeClr>
+    </dgm:linClrLst>
+    <dgm:effectClrLst/>
+    <dgm:txLinClrLst/>
+    <dgm:txFillClrLst meth="repeat">
+      <a:schemeClr val="tx1"/>
+    </dgm:txFillClrLst>
+    <dgm:txEffectClrLst/>
+  </dgm:styleLbl>
+  <dgm:styleLbl name="parChTrans1D3">
+    <dgm:fillClrLst meth="repeat">
+      <a:schemeClr val="dk1"/>
+    </dgm:fillClrLst>
+    <dgm:linClrLst meth="repeat">
+      <a:schemeClr val="dk1">
+        <a:shade val="80000"/>
+      </a:schemeClr>
+    </dgm:linClrLst>
+    <dgm:effectClrLst/>
+    <dgm:txLinClrLst/>
+    <dgm:txFillClrLst meth="repeat">
+      <a:schemeClr val="tx1"/>
+    </dgm:txFillClrLst>
+    <dgm:txEffectClrLst/>
+  </dgm:styleLbl>
+  <dgm:styleLbl name="parChTrans1D4">
+    <dgm:fillClrLst meth="repeat">
+      <a:schemeClr val="dk1"/>
+    </dgm:fillClrLst>
+    <dgm:linClrLst meth="repeat">
+      <a:schemeClr val="dk1">
+        <a:shade val="80000"/>
+      </a:schemeClr>
+    </dgm:linClrLst>
+    <dgm:effectClrLst/>
+    <dgm:txLinClrLst/>
+    <dgm:txFillClrLst meth="repeat">
+      <a:schemeClr val="tx1"/>
+    </dgm:txFillClrLst>
+    <dgm:txEffectClrLst/>
+  </dgm:styleLbl>
+  <dgm:styleLbl name="fgAcc1">
+    <dgm:fillClrLst meth="repeat">
+      <a:schemeClr val="dk1">
+        <a:alpha val="90000"/>
+        <a:tint val="40000"/>
+      </a:schemeClr>
+    </dgm:fillClrLst>
+    <dgm:linClrLst meth="repeat">
+      <a:schemeClr val="dk1"/>
+    </dgm:linClrLst>
+    <dgm:effectClrLst/>
+    <dgm:txLinClrLst/>
+    <dgm:txFillClrLst meth="repeat">
+      <a:schemeClr val="dk1"/>
+    </dgm:txFillClrLst>
+    <dgm:txEffectClrLst/>
+  </dgm:styleLbl>
+  <dgm:styleLbl name="conFgAcc1">
+    <dgm:fillClrLst meth="repeat">
+      <a:schemeClr val="dk1">
+        <a:alpha val="90000"/>
+        <a:tint val="40000"/>
+      </a:schemeClr>
+    </dgm:fillClrLst>
+    <dgm:linClrLst meth="repeat">
+      <a:schemeClr val="dk1"/>
+    </dgm:linClrLst>
+    <dgm:effectClrLst/>
+    <dgm:txLinClrLst/>
+    <dgm:txFillClrLst meth="repeat">
+      <a:schemeClr val="dk1"/>
+    </dgm:txFillClrLst>
+    <dgm:txEffectClrLst/>
+  </dgm:styleLbl>
+  <dgm:styleLbl name="alignAcc1">
+    <dgm:fillClrLst meth="repeat">
+      <a:schemeClr val="dk1">
+        <a:alpha val="90000"/>
+        <a:tint val="40000"/>
+      </a:schemeClr>
+    </dgm:fillClrLst>
+    <dgm:linClrLst meth="repeat">
+      <a:schemeClr val="dk1"/>
+    </dgm:linClrLst>
+    <dgm:effectClrLst/>
+    <dgm:txLinClrLst/>
+    <dgm:txFillClrLst meth="repeat">
+      <a:schemeClr val="dk1"/>
+    </dgm:txFillClrLst>
+    <dgm:txEffectClrLst/>
+  </dgm:styleLbl>
+  <dgm:styleLbl name="trAlignAcc1">
+    <dgm:fillClrLst meth="repeat">
+      <a:schemeClr val="dk1">
+        <a:alpha val="40000"/>
+        <a:tint val="40000"/>
+      </a:schemeClr>
+    </dgm:fillClrLst>
+    <dgm:linClrLst meth="repeat">
+      <a:schemeClr val="dk1"/>
+    </dgm:linClrLst>
+    <dgm:effectClrLst/>
+    <dgm:txLinClrLst/>
+    <dgm:txFillClrLst meth="repeat">
+      <a:schemeClr val="dk1"/>
+    </dgm:txFillClrLst>
+    <dgm:txEffectClrLst/>
+  </dgm:styleLbl>
+  <dgm:styleLbl name="bgAcc1">
+    <dgm:fillClrLst meth="repeat">
+      <a:schemeClr val="dk1">
+        <a:alpha val="90000"/>
+        <a:tint val="40000"/>
+      </a:schemeClr>
+    </dgm:fillClrLst>
+    <dgm:linClrLst meth="repeat">
+      <a:schemeClr val="dk1"/>
+    </dgm:linClrLst>
+    <dgm:effectClrLst/>
+    <dgm:txLinClrLst/>
+    <dgm:txFillClrLst meth="repeat">
+      <a:schemeClr val="dk1"/>
+    </dgm:txFillClrLst>
+    <dgm:txEffectClrLst/>
+  </dgm:styleLbl>
+  <dgm:styleLbl name="solidFgAcc1">
+    <dgm:fillClrLst meth="repeat">
+      <a:schemeClr val="lt1"/>
+    </dgm:fillClrLst>
+    <dgm:linClrLst meth="repeat">
+      <a:schemeClr val="dk1"/>
+    </dgm:linClrLst>
+    <dgm:effectClrLst/>
+    <dgm:txLinClrLst/>
+    <dgm:txFillClrLst meth="repeat">
+      <a:schemeClr val="dk1"/>
+    </dgm:txFillClrLst>
+    <dgm:txEffectClrLst/>
+  </dgm:styleLbl>
+  <dgm:styleLbl name="solidAlignAcc1">
+    <dgm:fillClrLst meth="repeat">
+      <a:schemeClr val="lt1"/>
+    </dgm:fillClrLst>
+    <dgm:linClrLst meth="repeat">
+      <a:schemeClr val="dk1"/>
+    </dgm:linClrLst>
+    <dgm:effectClrLst/>
+    <dgm:txLinClrLst/>
+    <dgm:txFillClrLst meth="repeat">
+      <a:schemeClr val="dk1"/>
+    </dgm:txFillClrLst>
+    <dgm:txEffectClrLst/>
+  </dgm:styleLbl>
+  <dgm:styleLbl name="solidBgAcc1">
+    <dgm:fillClrLst meth="repeat">
+      <a:schemeClr val="lt1"/>
+    </dgm:fillClrLst>
+    <dgm:linClrLst meth="repeat">
+      <a:schemeClr val="dk1"/>
+    </dgm:linClrLst>
+    <dgm:effectClrLst/>
+    <dgm:txLinClrLst/>
+    <dgm:txFillClrLst meth="repeat">
+      <a:schemeClr val="dk1"/>
+    </dgm:txFillClrLst>
+    <dgm:txEffectClrLst/>
+  </dgm:styleLbl>
+  <dgm:styleLbl name="fgAccFollowNode1">
+    <dgm:fillClrLst meth="repeat">
+      <a:schemeClr val="lt1">
+        <a:alpha val="90000"/>
+        <a:tint val="40000"/>
+      </a:schemeClr>
+    </dgm:fillClrLst>
+    <dgm:linClrLst meth="repeat">
+      <a:schemeClr val="dk1">
+        <a:alpha val="90000"/>
+      </a:schemeClr>
+    </dgm:linClrLst>
+    <dgm:effectClrLst/>
+    <dgm:txLinClrLst/>
+    <dgm:txFillClrLst meth="repeat">
+      <a:schemeClr val="dk1"/>
+    </dgm:txFillClrLst>
+    <dgm:txEffectClrLst/>
+  </dgm:styleLbl>
+  <dgm:styleLbl name="alignAccFollowNode1">
+    <dgm:fillClrLst meth="repeat">
+      <a:schemeClr val="lt1">
+        <a:alpha val="90000"/>
+        <a:tint val="40000"/>
+      </a:schemeClr>
+    </dgm:fillClrLst>
+    <dgm:linClrLst meth="repeat">
+      <a:schemeClr val="dk1">
+        <a:alpha val="90000"/>
+      </a:schemeClr>
+    </dgm:linClrLst>
+    <dgm:effectClrLst/>
+    <dgm:txLinClrLst/>
+    <dgm:txFillClrLst meth="repeat">
+      <a:schemeClr val="dk1"/>
+    </dgm:txFillClrLst>
+    <dgm:txEffectClrLst/>
+  </dgm:styleLbl>
+  <dgm:styleLbl name="bgAccFollowNode1">
+    <dgm:fillClrLst meth="repeat">
+      <a:schemeClr val="lt1">
+        <a:alpha val="90000"/>
+        <a:tint val="40000"/>
+      </a:schemeClr>
+    </dgm:fillClrLst>
+    <dgm:linClrLst meth="repeat">
+      <a:schemeClr val="dk1">
+        <a:alpha val="90000"/>
+      </a:schemeClr>
+    </dgm:linClrLst>
+    <dgm:effectClrLst/>
+    <dgm:txLinClrLst/>
+    <dgm:txFillClrLst meth="repeat">
+      <a:schemeClr val="dk1"/>
+    </dgm:txFillClrLst>
+    <dgm:txEffectClrLst/>
+  </dgm:styleLbl>
+  <dgm:styleLbl name="fgAcc0">
+    <dgm:fillClrLst meth="repeat">
+      <a:schemeClr val="dk1">
+        <a:alpha val="90000"/>
+        <a:tint val="40000"/>
+      </a:schemeClr>
+    </dgm:fillClrLst>
+    <dgm:linClrLst meth="repeat">
+      <a:schemeClr val="dk1"/>
+    </dgm:linClrLst>
+    <dgm:effectClrLst/>
+    <dgm:txLinClrLst/>
+    <dgm:txFillClrLst meth="repeat">
+      <a:schemeClr val="dk1"/>
+    </dgm:txFillClrLst>
+    <dgm:txEffectClrLst/>
+  </dgm:styleLbl>
+  <dgm:styleLbl name="fgAcc2">
+    <dgm:fillClrLst meth="repeat">
+      <a:schemeClr val="dk1">
+        <a:alpha val="90000"/>
+        <a:tint val="40000"/>
+      </a:schemeClr>
+    </dgm:fillClrLst>
+    <dgm:linClrLst meth="repeat">
+      <a:schemeClr val="dk1"/>
+    </dgm:linClrLst>
+    <dgm:effectClrLst/>
+    <dgm:txLinClrLst/>
+    <dgm:txFillClrLst meth="repeat">
+      <a:schemeClr val="dk1"/>
+    </dgm:txFillClrLst>
+    <dgm:txEffectClrLst/>
+  </dgm:styleLbl>
+  <dgm:styleLbl name="fgAcc3">
+    <dgm:fillClrLst meth="repeat">
+      <a:schemeClr val="dk1">
+        <a:alpha val="90000"/>
+        <a:tint val="40000"/>
+      </a:schemeClr>
+    </dgm:fillClrLst>
+    <dgm:linClrLst meth="repeat">
+      <a:schemeClr val="dk1"/>
+    </dgm:linClrLst>
+    <dgm:effectClrLst/>
+    <dgm:txLinClrLst/>
+    <dgm:txFillClrLst meth="repeat">
+      <a:schemeClr val="dk1"/>
+    </dgm:txFillClrLst>
+    <dgm:txEffectClrLst/>
+  </dgm:styleLbl>
+  <dgm:styleLbl name="fgAcc4">
+    <dgm:fillClrLst meth="repeat">
+      <a:schemeClr val="dk1">
+        <a:alpha val="90000"/>
+        <a:tint val="40000"/>
+      </a:schemeClr>
+    </dgm:fillClrLst>
+    <dgm:linClrLst meth="repeat">
+      <a:schemeClr val="dk1"/>
+    </dgm:linClrLst>
+    <dgm:effectClrLst/>
+    <dgm:txLinClrLst/>
+    <dgm:txFillClrLst meth="repeat">
+      <a:schemeClr val="dk1"/>
+    </dgm:txFillClrLst>
+    <dgm:txEffectClrLst/>
+  </dgm:styleLbl>
+  <dgm:styleLbl name="bgShp">
+    <dgm:fillClrLst meth="repeat">
+      <a:schemeClr val="dk1">
+        <a:tint val="40000"/>
+      </a:schemeClr>
+    </dgm:fillClrLst>
+    <dgm:linClrLst meth="repeat">
+      <a:schemeClr val="dk1"/>
+    </dgm:linClrLst>
+    <dgm:effectClrLst/>
+    <dgm:txLinClrLst/>
+    <dgm:txFillClrLst meth="repeat">
+      <a:schemeClr val="dk1"/>
+    </dgm:txFillClrLst>
+    <dgm:txEffectClrLst/>
+  </dgm:styleLbl>
+  <dgm:styleLbl name="dkBgShp">
+    <dgm:fillClrLst meth="repeat">
+      <a:schemeClr val="dk1">
+        <a:shade val="80000"/>
+      </a:schemeClr>
+    </dgm:fillClrLst>
+    <dgm:linClrLst meth="repeat">
+      <a:schemeClr val="dk1"/>
+    </dgm:linClrLst>
+    <dgm:effectClrLst/>
+    <dgm:txLinClrLst/>
+    <dgm:txFillClrLst meth="repeat">
+      <a:schemeClr val="lt1"/>
+    </dgm:txFillClrLst>
+    <dgm:txEffectClrLst/>
+  </dgm:styleLbl>
+  <dgm:styleLbl name="trBgShp">
+    <dgm:fillClrLst meth="repeat">
+      <a:schemeClr val="dk1">
+        <a:tint val="50000"/>
+        <a:alpha val="40000"/>
+      </a:schemeClr>
+    </dgm:fillClrLst>
+    <dgm:linClrLst meth="repeat">
+      <a:schemeClr val="dk1"/>
+    </dgm:linClrLst>
+    <dgm:effectClrLst/>
+    <dgm:txLinClrLst/>
+    <dgm:txFillClrLst meth="repeat">
+      <a:schemeClr val="lt1"/>
+    </dgm:txFillClrLst>
+    <dgm:txEffectClrLst/>
+  </dgm:styleLbl>
+  <dgm:styleLbl name="fgShp">
+    <dgm:fillClrLst meth="repeat">
+      <a:schemeClr val="dk1">
+        <a:tint val="60000"/>
+      </a:schemeClr>
+    </dgm:fillClrLst>
+    <dgm:linClrLst meth="repeat">
+      <a:schemeClr val="lt1"/>
+    </dgm:linClrLst>
+    <dgm:effectClrLst/>
+    <dgm:txLinClrLst/>
+    <dgm:txFillClrLst meth="repeat">
+      <a:schemeClr val="dk1"/>
+    </dgm:txFillClrLst>
+    <dgm:txEffectClrLst/>
+  </dgm:styleLbl>
+  <dgm:styleLbl name="revTx">
+    <dgm:fillClrLst meth="repeat">
+      <a:schemeClr val="lt1">
+        <a:alpha val="0"/>
+      </a:schemeClr>
+    </dgm:fillClrLst>
+    <dgm:linClrLst meth="repeat">
+      <a:schemeClr val="dk1">
+        <a:alpha val="0"/>
+      </a:schemeClr>
+    </dgm:linClrLst>
+    <dgm:effectClrLst/>
+    <dgm:txLinClrLst/>
+    <dgm:txFillClrLst meth="repeat">
+      <a:schemeClr val="tx1"/>
+    </dgm:txFillClrLst>
+    <dgm:txEffectClrLst/>
+  </dgm:styleLbl>
+</dgm:colorsDef>
+</file>
+
 <file path=ppt/diagrams/data1.xml><?xml version="1.0" encoding="utf-8"?>
 <dgm:dataModel xmlns:dgm="http://schemas.openxmlformats.org/drawingml/2006/diagram" xmlns:a="http://schemas.openxmlformats.org/drawingml/2006/main">
   <dgm:ptLst>
@@ -962,11 +1770,7 @@
         <a:p>
           <a:r>
             <a:rPr lang="fr-FR" b="1" dirty="0" smtClean="0"/>
-            <a:t>1. </a:t>
-          </a:r>
-          <a:r>
-            <a:rPr lang="fr-FR" b="1" dirty="0" smtClean="0"/>
-            <a:t>Suppression de code</a:t>
+            <a:t>1. Suppression de code</a:t>
           </a:r>
           <a:endParaRPr lang="fr-FR" b="1" dirty="0"/>
         </a:p>
@@ -1003,11 +1807,7 @@
         <a:p>
           <a:r>
             <a:rPr lang="fr-FR" b="1" dirty="0" smtClean="0"/>
-            <a:t>2. </a:t>
-          </a:r>
-          <a:r>
-            <a:rPr lang="fr-FR" b="1" dirty="0" smtClean="0"/>
-            <a:t>Suppression de balises html</a:t>
+            <a:t>2. Suppression de balises html</a:t>
           </a:r>
           <a:endParaRPr lang="fr-FR" b="1" dirty="0"/>
         </a:p>
@@ -1044,11 +1844,7 @@
         <a:p>
           <a:r>
             <a:rPr lang="fr-FR" b="1" dirty="0" smtClean="0"/>
-            <a:t>4. </a:t>
-          </a:r>
-          <a:r>
-            <a:rPr lang="fr-FR" b="1" dirty="0" smtClean="0"/>
-            <a:t>Mise en minuscule + </a:t>
+            <a:t>4. Mise en minuscule + </a:t>
           </a:r>
           <a:r>
             <a:rPr lang="fr-FR" b="1" dirty="0" err="1" smtClean="0"/>
@@ -1089,13 +1885,8 @@
         <a:p>
           <a:r>
             <a:rPr lang="fr-FR" b="1" dirty="0" smtClean="0"/>
-            <a:t>3</a:t>
+            <a:t>3. Suppression de caractères spéciaux </a:t>
           </a:r>
-          <a:r>
-            <a:rPr lang="fr-FR" b="1" dirty="0" smtClean="0"/>
-            <a:t>. Suppression de caractères spéciaux </a:t>
-          </a:r>
-          <a:endParaRPr lang="fr-FR" b="1" dirty="0" smtClean="0"/>
         </a:p>
       </dgm:t>
     </dgm:pt>
@@ -1173,7 +1964,6 @@
             <a:rPr lang="fr-FR" b="1" dirty="0" smtClean="0"/>
             <a:t>6. Lemmatisation</a:t>
           </a:r>
-          <a:endParaRPr lang="fr-FR" b="1" dirty="0" smtClean="0"/>
         </a:p>
       </dgm:t>
     </dgm:pt>
@@ -1379,10 +2169,24 @@
     <dgm:pt modelId="{B892A32E-6CE4-4B8F-989A-D798E7CF5E26}" type="pres">
       <dgm:prSet presAssocID="{884DC013-892A-4623-9361-D8D7E00F50F5}" presName="conn2-1" presStyleLbl="parChTrans1D4" presStyleIdx="1" presStyleCnt="3"/>
       <dgm:spPr/>
+      <dgm:t>
+        <a:bodyPr/>
+        <a:lstStyle/>
+        <a:p>
+          <a:endParaRPr lang="fr-FR"/>
+        </a:p>
+      </dgm:t>
     </dgm:pt>
     <dgm:pt modelId="{2E23B567-26FA-42F1-9A57-E6711F6E0E0B}" type="pres">
       <dgm:prSet presAssocID="{884DC013-892A-4623-9361-D8D7E00F50F5}" presName="connTx" presStyleLbl="parChTrans1D4" presStyleIdx="1" presStyleCnt="3"/>
       <dgm:spPr/>
+      <dgm:t>
+        <a:bodyPr/>
+        <a:lstStyle/>
+        <a:p>
+          <a:endParaRPr lang="fr-FR"/>
+        </a:p>
+      </dgm:t>
     </dgm:pt>
     <dgm:pt modelId="{B794B40F-490C-468B-A31F-6041E6EA57DE}" type="pres">
       <dgm:prSet presAssocID="{CE620C64-F01A-4265-9196-69DD154B720C}" presName="root2" presStyleCnt="0"/>
@@ -1410,10 +2214,24 @@
     <dgm:pt modelId="{94E0602C-20B5-44A0-A9E7-1CA0E9BD48FC}" type="pres">
       <dgm:prSet presAssocID="{897BBC90-E700-4F02-A445-EA183F31B4AD}" presName="conn2-1" presStyleLbl="parChTrans1D4" presStyleIdx="2" presStyleCnt="3"/>
       <dgm:spPr/>
+      <dgm:t>
+        <a:bodyPr/>
+        <a:lstStyle/>
+        <a:p>
+          <a:endParaRPr lang="fr-FR"/>
+        </a:p>
+      </dgm:t>
     </dgm:pt>
     <dgm:pt modelId="{65DB16C8-A3F9-4F35-A525-C767AD802BCE}" type="pres">
       <dgm:prSet presAssocID="{897BBC90-E700-4F02-A445-EA183F31B4AD}" presName="connTx" presStyleLbl="parChTrans1D4" presStyleIdx="2" presStyleCnt="3"/>
       <dgm:spPr/>
+      <dgm:t>
+        <a:bodyPr/>
+        <a:lstStyle/>
+        <a:p>
+          <a:endParaRPr lang="fr-FR"/>
+        </a:p>
+      </dgm:t>
     </dgm:pt>
     <dgm:pt modelId="{F46E3A7B-01BF-4EB5-8F43-AAFC568E1951}" type="pres">
       <dgm:prSet presAssocID="{959EA25E-E52E-4D10-9DB7-EB71AB79BF4F}" presName="root2" presStyleCnt="0"/>
@@ -1440,29 +2258,29 @@
     </dgm:pt>
   </dgm:ptLst>
   <dgm:cxnLst>
-    <dgm:cxn modelId="{342392F3-91A9-499B-9B03-C18899A8AA11}" srcId="{6A3A5B58-ADEA-4D35-81BF-80E1EAD8CC57}" destId="{CE620C64-F01A-4265-9196-69DD154B720C}" srcOrd="0" destOrd="0" parTransId="{884DC013-892A-4623-9361-D8D7E00F50F5}" sibTransId="{767918C8-B5F2-4D40-8833-641A91ADB8F2}"/>
+    <dgm:cxn modelId="{85D4B592-15DB-4992-838F-2595DCFD897B}" type="presOf" srcId="{3C89234F-0BFE-4894-B8BC-1D25C674D6A7}" destId="{28641B49-2619-4FF6-85EF-5BB3A4F988B4}" srcOrd="1" destOrd="0" presId="urn:microsoft.com/office/officeart/2005/8/layout/hierarchy2"/>
+    <dgm:cxn modelId="{D8416A8D-4AC7-419D-AFC7-4BBBE788352E}" type="presOf" srcId="{1BF8C2A3-914C-47FD-9E18-AC083AB4B1BD}" destId="{0CDDE050-2A98-4CBC-9A76-39F477ED1391}" srcOrd="1" destOrd="0" presId="urn:microsoft.com/office/officeart/2005/8/layout/hierarchy2"/>
     <dgm:cxn modelId="{425BB22A-9D04-4BA1-BB6F-CA2606E98421}" type="presOf" srcId="{BF4C1E75-922B-472E-9D19-EB8BDD56C5EE}" destId="{75982D65-4381-4BBD-BDC5-9148CF36A9AA}" srcOrd="0" destOrd="0" presId="urn:microsoft.com/office/officeart/2005/8/layout/hierarchy2"/>
     <dgm:cxn modelId="{260FDD00-B441-465A-A8E3-9539375A06E0}" type="presOf" srcId="{CE620C64-F01A-4265-9196-69DD154B720C}" destId="{5E814BFA-0250-4E69-8359-6973AFB76EEC}" srcOrd="0" destOrd="0" presId="urn:microsoft.com/office/officeart/2005/8/layout/hierarchy2"/>
+    <dgm:cxn modelId="{5C4EB55A-243A-461F-AA41-5A1179113A6B}" srcId="{E698E461-40F6-4E38-8975-FDEB5F33B7FC}" destId="{6A3A5B58-ADEA-4D35-81BF-80E1EAD8CC57}" srcOrd="0" destOrd="0" parTransId="{1BF8C2A3-914C-47FD-9E18-AC083AB4B1BD}" sibTransId="{BD2E4ED0-8EE1-4703-9AF6-8920D4FDF79D}"/>
+    <dgm:cxn modelId="{915E7BC2-6156-4D56-BFD6-6F2C940E44D1}" type="presOf" srcId="{570A8ABB-AD74-417F-BCC3-68065A7D6F1B}" destId="{BEDEAA3E-1EE8-4D20-8ED2-81FEC8CEFDE5}" srcOrd="0" destOrd="0" presId="urn:microsoft.com/office/officeart/2005/8/layout/hierarchy2"/>
+    <dgm:cxn modelId="{B2DB6702-A3EB-440A-A425-7A8AA80D6FCF}" type="presOf" srcId="{959EA25E-E52E-4D10-9DB7-EB71AB79BF4F}" destId="{C3991494-DEF1-48C1-A0B6-E3E15C65FFF0}" srcOrd="0" destOrd="0" presId="urn:microsoft.com/office/officeart/2005/8/layout/hierarchy2"/>
+    <dgm:cxn modelId="{4756AF33-F8B9-4EA9-A4B9-9A4BFE6B4AFF}" type="presOf" srcId="{094C2DAA-A3BE-4DEA-9582-307CBEC9AC48}" destId="{3FF29E59-D02F-4434-97E0-EC83CEDAF21E}" srcOrd="0" destOrd="0" presId="urn:microsoft.com/office/officeart/2005/8/layout/hierarchy2"/>
+    <dgm:cxn modelId="{6DEA055D-6F9A-4222-B6C8-3CFD54568680}" srcId="{BF4C1E75-922B-472E-9D19-EB8BDD56C5EE}" destId="{094C2DAA-A3BE-4DEA-9582-307CBEC9AC48}" srcOrd="0" destOrd="0" parTransId="{FEF6DFBD-D87C-4D34-A1E5-54331A71F44A}" sibTransId="{FF6BA739-77A8-4621-87DC-6D0FFB3158A5}"/>
+    <dgm:cxn modelId="{2C5D467B-F585-4AFE-8FA6-FD7F11DFB8ED}" type="presOf" srcId="{884DC013-892A-4623-9361-D8D7E00F50F5}" destId="{B892A32E-6CE4-4B8F-989A-D798E7CF5E26}" srcOrd="0" destOrd="0" presId="urn:microsoft.com/office/officeart/2005/8/layout/hierarchy2"/>
+    <dgm:cxn modelId="{F6B9B65F-A17D-45EE-A909-1BE83BA61BC6}" type="presOf" srcId="{1BF8C2A3-914C-47FD-9E18-AC083AB4B1BD}" destId="{73AA28C5-10A3-4D77-B2BB-C75991106EAC}" srcOrd="0" destOrd="0" presId="urn:microsoft.com/office/officeart/2005/8/layout/hierarchy2"/>
+    <dgm:cxn modelId="{BCD958EB-E4DD-4156-9ED9-30398CCC71DF}" type="presOf" srcId="{3C89234F-0BFE-4894-B8BC-1D25C674D6A7}" destId="{4CDA707C-57E1-48D0-A8F5-FD1227FD177D}" srcOrd="0" destOrd="0" presId="urn:microsoft.com/office/officeart/2005/8/layout/hierarchy2"/>
+    <dgm:cxn modelId="{55DD29AD-6ECC-4AA6-8AC1-B642580CDDEF}" type="presOf" srcId="{E698E461-40F6-4E38-8975-FDEB5F33B7FC}" destId="{1D163BF2-64DC-470F-B73F-3204BA7F5D02}" srcOrd="0" destOrd="0" presId="urn:microsoft.com/office/officeart/2005/8/layout/hierarchy2"/>
+    <dgm:cxn modelId="{21DDEB3F-BF14-43B7-9332-C18C11E7BD1C}" type="presOf" srcId="{884DC013-892A-4623-9361-D8D7E00F50F5}" destId="{2E23B567-26FA-42F1-9A57-E6711F6E0E0B}" srcOrd="1" destOrd="0" presId="urn:microsoft.com/office/officeart/2005/8/layout/hierarchy2"/>
+    <dgm:cxn modelId="{1D002BE3-6F23-44BF-9CD8-E0FAE6FA094C}" srcId="{094C2DAA-A3BE-4DEA-9582-307CBEC9AC48}" destId="{570A8ABB-AD74-417F-BCC3-68065A7D6F1B}" srcOrd="0" destOrd="0" parTransId="{3C89234F-0BFE-4894-B8BC-1D25C674D6A7}" sibTransId="{6A394F55-A271-4B8C-B334-2F94CA03A3C2}"/>
+    <dgm:cxn modelId="{724D3666-E016-41AF-8793-0FDA6DA0F857}" srcId="{570A8ABB-AD74-417F-BCC3-68065A7D6F1B}" destId="{E698E461-40F6-4E38-8975-FDEB5F33B7FC}" srcOrd="0" destOrd="0" parTransId="{292850A8-9CA6-4550-82DB-07E792FF8D22}" sibTransId="{76A32643-4973-4F9F-B9D9-C9AAC14CC271}"/>
+    <dgm:cxn modelId="{342392F3-91A9-499B-9B03-C18899A8AA11}" srcId="{6A3A5B58-ADEA-4D35-81BF-80E1EAD8CC57}" destId="{CE620C64-F01A-4265-9196-69DD154B720C}" srcOrd="0" destOrd="0" parTransId="{884DC013-892A-4623-9361-D8D7E00F50F5}" sibTransId="{767918C8-B5F2-4D40-8833-641A91ADB8F2}"/>
     <dgm:cxn modelId="{FA5ADBF4-3EE1-46DC-9535-1B525DE289CE}" type="presOf" srcId="{897BBC90-E700-4F02-A445-EA183F31B4AD}" destId="{65DB16C8-A3F9-4F35-A525-C767AD802BCE}" srcOrd="1" destOrd="0" presId="urn:microsoft.com/office/officeart/2005/8/layout/hierarchy2"/>
+    <dgm:cxn modelId="{9D398E7F-6C63-4BC2-A36B-60ABE841CB08}" type="presOf" srcId="{292850A8-9CA6-4550-82DB-07E792FF8D22}" destId="{7908D9BA-C0F0-407A-AF7F-E8A45BFDFAC2}" srcOrd="1" destOrd="0" presId="urn:microsoft.com/office/officeart/2005/8/layout/hierarchy2"/>
     <dgm:cxn modelId="{80C7AEE2-D16E-492F-8D55-FBDF06F178B5}" srcId="{CE620C64-F01A-4265-9196-69DD154B720C}" destId="{959EA25E-E52E-4D10-9DB7-EB71AB79BF4F}" srcOrd="0" destOrd="0" parTransId="{897BBC90-E700-4F02-A445-EA183F31B4AD}" sibTransId="{A40A9EA2-359C-42E0-B240-61FD90F172C7}"/>
-    <dgm:cxn modelId="{4756AF33-F8B9-4EA9-A4B9-9A4BFE6B4AFF}" type="presOf" srcId="{094C2DAA-A3BE-4DEA-9582-307CBEC9AC48}" destId="{3FF29E59-D02F-4434-97E0-EC83CEDAF21E}" srcOrd="0" destOrd="0" presId="urn:microsoft.com/office/officeart/2005/8/layout/hierarchy2"/>
-    <dgm:cxn modelId="{55DD29AD-6ECC-4AA6-8AC1-B642580CDDEF}" type="presOf" srcId="{E698E461-40F6-4E38-8975-FDEB5F33B7FC}" destId="{1D163BF2-64DC-470F-B73F-3204BA7F5D02}" srcOrd="0" destOrd="0" presId="urn:microsoft.com/office/officeart/2005/8/layout/hierarchy2"/>
-    <dgm:cxn modelId="{915E7BC2-6156-4D56-BFD6-6F2C940E44D1}" type="presOf" srcId="{570A8ABB-AD74-417F-BCC3-68065A7D6F1B}" destId="{BEDEAA3E-1EE8-4D20-8ED2-81FEC8CEFDE5}" srcOrd="0" destOrd="0" presId="urn:microsoft.com/office/officeart/2005/8/layout/hierarchy2"/>
-    <dgm:cxn modelId="{1D002BE3-6F23-44BF-9CD8-E0FAE6FA094C}" srcId="{094C2DAA-A3BE-4DEA-9582-307CBEC9AC48}" destId="{570A8ABB-AD74-417F-BCC3-68065A7D6F1B}" srcOrd="0" destOrd="0" parTransId="{3C89234F-0BFE-4894-B8BC-1D25C674D6A7}" sibTransId="{6A394F55-A271-4B8C-B334-2F94CA03A3C2}"/>
-    <dgm:cxn modelId="{2C5D467B-F585-4AFE-8FA6-FD7F11DFB8ED}" type="presOf" srcId="{884DC013-892A-4623-9361-D8D7E00F50F5}" destId="{B892A32E-6CE4-4B8F-989A-D798E7CF5E26}" srcOrd="0" destOrd="0" presId="urn:microsoft.com/office/officeart/2005/8/layout/hierarchy2"/>
-    <dgm:cxn modelId="{21DDEB3F-BF14-43B7-9332-C18C11E7BD1C}" type="presOf" srcId="{884DC013-892A-4623-9361-D8D7E00F50F5}" destId="{2E23B567-26FA-42F1-9A57-E6711F6E0E0B}" srcOrd="1" destOrd="0" presId="urn:microsoft.com/office/officeart/2005/8/layout/hierarchy2"/>
+    <dgm:cxn modelId="{AE5C72C4-3407-446A-BDE2-46418E4036AD}" type="presOf" srcId="{6A3A5B58-ADEA-4D35-81BF-80E1EAD8CC57}" destId="{3B604E38-8690-4207-9283-B899D4A9962D}" srcOrd="0" destOrd="0" presId="urn:microsoft.com/office/officeart/2005/8/layout/hierarchy2"/>
+    <dgm:cxn modelId="{4A8478CA-CBBC-4D8D-9470-49D750EEFA47}" type="presOf" srcId="{292850A8-9CA6-4550-82DB-07E792FF8D22}" destId="{293E93FD-36F5-4EE7-A470-94D44A4DBC13}" srcOrd="0" destOrd="0" presId="urn:microsoft.com/office/officeart/2005/8/layout/hierarchy2"/>
     <dgm:cxn modelId="{1CEFBFFB-105F-4BED-9160-49FF05573B65}" type="presOf" srcId="{897BBC90-E700-4F02-A445-EA183F31B4AD}" destId="{94E0602C-20B5-44A0-A9E7-1CA0E9BD48FC}" srcOrd="0" destOrd="0" presId="urn:microsoft.com/office/officeart/2005/8/layout/hierarchy2"/>
-    <dgm:cxn modelId="{BCD958EB-E4DD-4156-9ED9-30398CCC71DF}" type="presOf" srcId="{3C89234F-0BFE-4894-B8BC-1D25C674D6A7}" destId="{4CDA707C-57E1-48D0-A8F5-FD1227FD177D}" srcOrd="0" destOrd="0" presId="urn:microsoft.com/office/officeart/2005/8/layout/hierarchy2"/>
-    <dgm:cxn modelId="{D8416A8D-4AC7-419D-AFC7-4BBBE788352E}" type="presOf" srcId="{1BF8C2A3-914C-47FD-9E18-AC083AB4B1BD}" destId="{0CDDE050-2A98-4CBC-9A76-39F477ED1391}" srcOrd="1" destOrd="0" presId="urn:microsoft.com/office/officeart/2005/8/layout/hierarchy2"/>
-    <dgm:cxn modelId="{6DEA055D-6F9A-4222-B6C8-3CFD54568680}" srcId="{BF4C1E75-922B-472E-9D19-EB8BDD56C5EE}" destId="{094C2DAA-A3BE-4DEA-9582-307CBEC9AC48}" srcOrd="0" destOrd="0" parTransId="{FEF6DFBD-D87C-4D34-A1E5-54331A71F44A}" sibTransId="{FF6BA739-77A8-4621-87DC-6D0FFB3158A5}"/>
-    <dgm:cxn modelId="{B2DB6702-A3EB-440A-A425-7A8AA80D6FCF}" type="presOf" srcId="{959EA25E-E52E-4D10-9DB7-EB71AB79BF4F}" destId="{C3991494-DEF1-48C1-A0B6-E3E15C65FFF0}" srcOrd="0" destOrd="0" presId="urn:microsoft.com/office/officeart/2005/8/layout/hierarchy2"/>
-    <dgm:cxn modelId="{5C4EB55A-243A-461F-AA41-5A1179113A6B}" srcId="{E698E461-40F6-4E38-8975-FDEB5F33B7FC}" destId="{6A3A5B58-ADEA-4D35-81BF-80E1EAD8CC57}" srcOrd="0" destOrd="0" parTransId="{1BF8C2A3-914C-47FD-9E18-AC083AB4B1BD}" sibTransId="{BD2E4ED0-8EE1-4703-9AF6-8920D4FDF79D}"/>
-    <dgm:cxn modelId="{4A8478CA-CBBC-4D8D-9470-49D750EEFA47}" type="presOf" srcId="{292850A8-9CA6-4550-82DB-07E792FF8D22}" destId="{293E93FD-36F5-4EE7-A470-94D44A4DBC13}" srcOrd="0" destOrd="0" presId="urn:microsoft.com/office/officeart/2005/8/layout/hierarchy2"/>
-    <dgm:cxn modelId="{724D3666-E016-41AF-8793-0FDA6DA0F857}" srcId="{570A8ABB-AD74-417F-BCC3-68065A7D6F1B}" destId="{E698E461-40F6-4E38-8975-FDEB5F33B7FC}" srcOrd="0" destOrd="0" parTransId="{292850A8-9CA6-4550-82DB-07E792FF8D22}" sibTransId="{76A32643-4973-4F9F-B9D9-C9AAC14CC271}"/>
-    <dgm:cxn modelId="{F6B9B65F-A17D-45EE-A909-1BE83BA61BC6}" type="presOf" srcId="{1BF8C2A3-914C-47FD-9E18-AC083AB4B1BD}" destId="{73AA28C5-10A3-4D77-B2BB-C75991106EAC}" srcOrd="0" destOrd="0" presId="urn:microsoft.com/office/officeart/2005/8/layout/hierarchy2"/>
-    <dgm:cxn modelId="{9D398E7F-6C63-4BC2-A36B-60ABE841CB08}" type="presOf" srcId="{292850A8-9CA6-4550-82DB-07E792FF8D22}" destId="{7908D9BA-C0F0-407A-AF7F-E8A45BFDFAC2}" srcOrd="1" destOrd="0" presId="urn:microsoft.com/office/officeart/2005/8/layout/hierarchy2"/>
-    <dgm:cxn modelId="{AE5C72C4-3407-446A-BDE2-46418E4036AD}" type="presOf" srcId="{6A3A5B58-ADEA-4D35-81BF-80E1EAD8CC57}" destId="{3B604E38-8690-4207-9283-B899D4A9962D}" srcOrd="0" destOrd="0" presId="urn:microsoft.com/office/officeart/2005/8/layout/hierarchy2"/>
-    <dgm:cxn modelId="{85D4B592-15DB-4992-838F-2595DCFD897B}" type="presOf" srcId="{3C89234F-0BFE-4894-B8BC-1D25C674D6A7}" destId="{28641B49-2619-4FF6-85EF-5BB3A4F988B4}" srcOrd="1" destOrd="0" presId="urn:microsoft.com/office/officeart/2005/8/layout/hierarchy2"/>
     <dgm:cxn modelId="{064025E2-E401-4E29-A267-1D4206DDE350}" type="presParOf" srcId="{75982D65-4381-4BBD-BDC5-9148CF36A9AA}" destId="{0747BA65-A701-4C9B-B1B7-C037C44B8D2F}" srcOrd="0" destOrd="0" presId="urn:microsoft.com/office/officeart/2005/8/layout/hierarchy2"/>
     <dgm:cxn modelId="{131B924C-FD1C-487C-A631-7DABFE2C98C8}" type="presParOf" srcId="{0747BA65-A701-4C9B-B1B7-C037C44B8D2F}" destId="{3FF29E59-D02F-4434-97E0-EC83CEDAF21E}" srcOrd="0" destOrd="0" presId="urn:microsoft.com/office/officeart/2005/8/layout/hierarchy2"/>
     <dgm:cxn modelId="{D23C1B03-DFB3-49B1-A1C0-F9C65112E191}" type="presParOf" srcId="{0747BA65-A701-4C9B-B1B7-C037C44B8D2F}" destId="{34E79AA2-E44B-4EB1-9957-5D02CB675EFE}" srcOrd="1" destOrd="0" presId="urn:microsoft.com/office/officeart/2005/8/layout/hierarchy2"/>
@@ -1491,6 +2309,450 @@
     <dgm:cxn modelId="{8847783B-C801-401E-AAF7-8873C6929873}" type="presParOf" srcId="{CD119257-9EE6-4AB4-9836-FE9583FB9C24}" destId="{F46E3A7B-01BF-4EB5-8F43-AAFC568E1951}" srcOrd="1" destOrd="0" presId="urn:microsoft.com/office/officeart/2005/8/layout/hierarchy2"/>
     <dgm:cxn modelId="{1A2027FF-D338-46C8-AA39-0BC709E26450}" type="presParOf" srcId="{F46E3A7B-01BF-4EB5-8F43-AAFC568E1951}" destId="{C3991494-DEF1-48C1-A0B6-E3E15C65FFF0}" srcOrd="0" destOrd="0" presId="urn:microsoft.com/office/officeart/2005/8/layout/hierarchy2"/>
     <dgm:cxn modelId="{30892737-8A8F-4F35-94C3-ED08246B34FE}" type="presParOf" srcId="{F46E3A7B-01BF-4EB5-8F43-AAFC568E1951}" destId="{D5AAA35F-847B-4FAA-ABE7-941B0A77687F}" srcOrd="1" destOrd="0" presId="urn:microsoft.com/office/officeart/2005/8/layout/hierarchy2"/>
+  </dgm:cxnLst>
+  <dgm:bg/>
+  <dgm:whole/>
+  <dgm:extLst>
+    <a:ext uri="http://schemas.microsoft.com/office/drawing/2008/diagram">
+      <dsp:dataModelExt xmlns:dsp="http://schemas.microsoft.com/office/drawing/2008/diagram" xmlns="" relId="rId6" minVer="http://schemas.openxmlformats.org/drawingml/2006/diagram"/>
+    </a:ext>
+  </dgm:extLst>
+</dgm:dataModel>
+</file>
+
+<file path=ppt/diagrams/data2.xml><?xml version="1.0" encoding="utf-8"?>
+<dgm:dataModel xmlns:dgm="http://schemas.openxmlformats.org/drawingml/2006/diagram" xmlns:a="http://schemas.openxmlformats.org/drawingml/2006/main">
+  <dgm:ptLst>
+    <dgm:pt modelId="{BF4C1E75-922B-472E-9D19-EB8BDD56C5EE}" type="doc">
+      <dgm:prSet loTypeId="urn:microsoft.com/office/officeart/2005/8/layout/orgChart1" loCatId="hierarchy" qsTypeId="urn:microsoft.com/office/officeart/2005/8/quickstyle/simple3" qsCatId="simple" csTypeId="urn:microsoft.com/office/officeart/2005/8/colors/accent0_1" csCatId="mainScheme" phldr="1"/>
+      <dgm:spPr/>
+      <dgm:t>
+        <a:bodyPr/>
+        <a:lstStyle/>
+        <a:p>
+          <a:endParaRPr lang="fr-FR"/>
+        </a:p>
+      </dgm:t>
+    </dgm:pt>
+    <dgm:pt modelId="{094C2DAA-A3BE-4DEA-9582-307CBEC9AC48}">
+      <dgm:prSet phldrT="[Text]"/>
+      <dgm:spPr/>
+      <dgm:t>
+        <a:bodyPr/>
+        <a:lstStyle/>
+        <a:p>
+          <a:r>
+            <a:rPr lang="fr-FR" b="1" dirty="0" smtClean="0"/>
+            <a:t>Création d’un corpus de textes</a:t>
+          </a:r>
+        </a:p>
+      </dgm:t>
+    </dgm:pt>
+    <dgm:pt modelId="{FEF6DFBD-D87C-4D34-A1E5-54331A71F44A}" type="parTrans" cxnId="{6DEA055D-6F9A-4222-B6C8-3CFD54568680}">
+      <dgm:prSet/>
+      <dgm:spPr/>
+      <dgm:t>
+        <a:bodyPr/>
+        <a:lstStyle/>
+        <a:p>
+          <a:endParaRPr lang="fr-FR"/>
+        </a:p>
+      </dgm:t>
+    </dgm:pt>
+    <dgm:pt modelId="{FF6BA739-77A8-4621-87DC-6D0FFB3158A5}" type="sibTrans" cxnId="{6DEA055D-6F9A-4222-B6C8-3CFD54568680}">
+      <dgm:prSet/>
+      <dgm:spPr/>
+      <dgm:t>
+        <a:bodyPr/>
+        <a:lstStyle/>
+        <a:p>
+          <a:endParaRPr lang="fr-FR"/>
+        </a:p>
+      </dgm:t>
+    </dgm:pt>
+    <dgm:pt modelId="{570A8ABB-AD74-417F-BCC3-68065A7D6F1B}">
+      <dgm:prSet phldrT="[Text]"/>
+      <dgm:spPr/>
+      <dgm:t>
+        <a:bodyPr/>
+        <a:lstStyle/>
+        <a:p>
+          <a:r>
+            <a:rPr lang="fr-FR" b="1" dirty="0" smtClean="0"/>
+            <a:t>Bag Of </a:t>
+          </a:r>
+          <a:r>
+            <a:rPr lang="fr-FR" b="1" dirty="0" err="1" smtClean="0"/>
+            <a:t>Words</a:t>
+          </a:r>
+          <a:endParaRPr lang="fr-FR" b="1" dirty="0"/>
+        </a:p>
+      </dgm:t>
+    </dgm:pt>
+    <dgm:pt modelId="{3C89234F-0BFE-4894-B8BC-1D25C674D6A7}" type="parTrans" cxnId="{1D002BE3-6F23-44BF-9CD8-E0FAE6FA094C}">
+      <dgm:prSet/>
+      <dgm:spPr/>
+      <dgm:t>
+        <a:bodyPr/>
+        <a:lstStyle/>
+        <a:p>
+          <a:endParaRPr lang="fr-FR"/>
+        </a:p>
+      </dgm:t>
+    </dgm:pt>
+    <dgm:pt modelId="{6A394F55-A271-4B8C-B334-2F94CA03A3C2}" type="sibTrans" cxnId="{1D002BE3-6F23-44BF-9CD8-E0FAE6FA094C}">
+      <dgm:prSet/>
+      <dgm:spPr/>
+      <dgm:t>
+        <a:bodyPr/>
+        <a:lstStyle/>
+        <a:p>
+          <a:endParaRPr lang="fr-FR"/>
+        </a:p>
+      </dgm:t>
+    </dgm:pt>
+    <dgm:pt modelId="{18AEC2DF-178B-4B5C-B3DF-F98D990690B1}">
+      <dgm:prSet phldrT="[Text]"/>
+      <dgm:spPr/>
+      <dgm:t>
+        <a:bodyPr/>
+        <a:lstStyle/>
+        <a:p>
+          <a:r>
+            <a:rPr lang="fr-FR" b="1" dirty="0" smtClean="0"/>
+            <a:t>TF – IDF</a:t>
+          </a:r>
+          <a:endParaRPr lang="fr-FR" b="1" dirty="0"/>
+        </a:p>
+      </dgm:t>
+    </dgm:pt>
+    <dgm:pt modelId="{C05152EE-AF8C-4629-AEDB-4EE00D0E71AB}" type="parTrans" cxnId="{4A50A8AE-69F2-4F40-9A3E-46F43B359F7E}">
+      <dgm:prSet/>
+      <dgm:spPr/>
+      <dgm:t>
+        <a:bodyPr/>
+        <a:lstStyle/>
+        <a:p>
+          <a:endParaRPr lang="fr-FR"/>
+        </a:p>
+      </dgm:t>
+    </dgm:pt>
+    <dgm:pt modelId="{D10DBC2E-3983-4B8A-B050-DDA576A93E6A}" type="sibTrans" cxnId="{4A50A8AE-69F2-4F40-9A3E-46F43B359F7E}">
+      <dgm:prSet/>
+      <dgm:spPr/>
+      <dgm:t>
+        <a:bodyPr/>
+        <a:lstStyle/>
+        <a:p>
+          <a:endParaRPr lang="fr-FR"/>
+        </a:p>
+      </dgm:t>
+    </dgm:pt>
+    <dgm:pt modelId="{C1D70251-FB66-45B0-A994-12A631091408}">
+      <dgm:prSet phldrT="[Text]"/>
+      <dgm:spPr/>
+      <dgm:t>
+        <a:bodyPr/>
+        <a:lstStyle/>
+        <a:p>
+          <a:r>
+            <a:rPr lang="fr-FR" b="1" dirty="0" smtClean="0"/>
+            <a:t>Word2vect</a:t>
+          </a:r>
+          <a:endParaRPr lang="fr-FR" b="1" dirty="0"/>
+        </a:p>
+      </dgm:t>
+    </dgm:pt>
+    <dgm:pt modelId="{A80A9DC0-1138-44FD-9D9F-EEFBEB0324C5}" type="parTrans" cxnId="{EC7617F6-7991-4E28-9ECD-74A04F7EB39E}">
+      <dgm:prSet/>
+      <dgm:spPr/>
+      <dgm:t>
+        <a:bodyPr/>
+        <a:lstStyle/>
+        <a:p>
+          <a:endParaRPr lang="fr-FR"/>
+        </a:p>
+      </dgm:t>
+    </dgm:pt>
+    <dgm:pt modelId="{CA2CA9B4-26AA-46F8-BEAE-96DEF974201F}" type="sibTrans" cxnId="{EC7617F6-7991-4E28-9ECD-74A04F7EB39E}">
+      <dgm:prSet/>
+      <dgm:spPr/>
+      <dgm:t>
+        <a:bodyPr/>
+        <a:lstStyle/>
+        <a:p>
+          <a:endParaRPr lang="fr-FR"/>
+        </a:p>
+      </dgm:t>
+    </dgm:pt>
+    <dgm:pt modelId="{FCDCDAE8-9064-4B5E-BB5F-A2222C6DFEAA}" type="pres">
+      <dgm:prSet presAssocID="{BF4C1E75-922B-472E-9D19-EB8BDD56C5EE}" presName="hierChild1" presStyleCnt="0">
+        <dgm:presLayoutVars>
+          <dgm:orgChart val="1"/>
+          <dgm:chPref val="1"/>
+          <dgm:dir/>
+          <dgm:animOne val="branch"/>
+          <dgm:animLvl val="lvl"/>
+          <dgm:resizeHandles/>
+        </dgm:presLayoutVars>
+      </dgm:prSet>
+      <dgm:spPr/>
+      <dgm:t>
+        <a:bodyPr/>
+        <a:lstStyle/>
+        <a:p>
+          <a:endParaRPr lang="fr-FR"/>
+        </a:p>
+      </dgm:t>
+    </dgm:pt>
+    <dgm:pt modelId="{AEF02ECD-DCD0-41F5-98B4-9C623C49945A}" type="pres">
+      <dgm:prSet presAssocID="{094C2DAA-A3BE-4DEA-9582-307CBEC9AC48}" presName="hierRoot1" presStyleCnt="0">
+        <dgm:presLayoutVars>
+          <dgm:hierBranch val="init"/>
+        </dgm:presLayoutVars>
+      </dgm:prSet>
+      <dgm:spPr/>
+    </dgm:pt>
+    <dgm:pt modelId="{CB2F3A30-652B-416C-9502-A04C79F53A26}" type="pres">
+      <dgm:prSet presAssocID="{094C2DAA-A3BE-4DEA-9582-307CBEC9AC48}" presName="rootComposite1" presStyleCnt="0"/>
+      <dgm:spPr/>
+    </dgm:pt>
+    <dgm:pt modelId="{3677B3FA-BAD6-44F0-9A0A-58DC799925AB}" type="pres">
+      <dgm:prSet presAssocID="{094C2DAA-A3BE-4DEA-9582-307CBEC9AC48}" presName="rootText1" presStyleLbl="node0" presStyleIdx="0" presStyleCnt="1">
+        <dgm:presLayoutVars>
+          <dgm:chPref val="3"/>
+        </dgm:presLayoutVars>
+      </dgm:prSet>
+      <dgm:spPr/>
+      <dgm:t>
+        <a:bodyPr/>
+        <a:lstStyle/>
+        <a:p>
+          <a:endParaRPr lang="fr-FR"/>
+        </a:p>
+      </dgm:t>
+    </dgm:pt>
+    <dgm:pt modelId="{799E23DD-C608-454E-96BF-37C98F31212C}" type="pres">
+      <dgm:prSet presAssocID="{094C2DAA-A3BE-4DEA-9582-307CBEC9AC48}" presName="rootConnector1" presStyleLbl="node1" presStyleIdx="0" presStyleCnt="0"/>
+      <dgm:spPr/>
+      <dgm:t>
+        <a:bodyPr/>
+        <a:lstStyle/>
+        <a:p>
+          <a:endParaRPr lang="fr-FR"/>
+        </a:p>
+      </dgm:t>
+    </dgm:pt>
+    <dgm:pt modelId="{966B8166-F189-41AA-9618-D19780EAC366}" type="pres">
+      <dgm:prSet presAssocID="{094C2DAA-A3BE-4DEA-9582-307CBEC9AC48}" presName="hierChild2" presStyleCnt="0"/>
+      <dgm:spPr/>
+    </dgm:pt>
+    <dgm:pt modelId="{31BD9C91-D154-43BD-B2EB-2352E6A9D73E}" type="pres">
+      <dgm:prSet presAssocID="{3C89234F-0BFE-4894-B8BC-1D25C674D6A7}" presName="Name37" presStyleLbl="parChTrans1D2" presStyleIdx="0" presStyleCnt="3"/>
+      <dgm:spPr/>
+      <dgm:t>
+        <a:bodyPr/>
+        <a:lstStyle/>
+        <a:p>
+          <a:endParaRPr lang="fr-FR"/>
+        </a:p>
+      </dgm:t>
+    </dgm:pt>
+    <dgm:pt modelId="{21D21A73-F61E-455F-B8AD-ECB2CE4365A2}" type="pres">
+      <dgm:prSet presAssocID="{570A8ABB-AD74-417F-BCC3-68065A7D6F1B}" presName="hierRoot2" presStyleCnt="0">
+        <dgm:presLayoutVars>
+          <dgm:hierBranch val="init"/>
+        </dgm:presLayoutVars>
+      </dgm:prSet>
+      <dgm:spPr/>
+    </dgm:pt>
+    <dgm:pt modelId="{FB36DA40-5D93-479A-80EA-076F14BA7DCB}" type="pres">
+      <dgm:prSet presAssocID="{570A8ABB-AD74-417F-BCC3-68065A7D6F1B}" presName="rootComposite" presStyleCnt="0"/>
+      <dgm:spPr/>
+    </dgm:pt>
+    <dgm:pt modelId="{7D54F5D1-40CF-4E4A-84A8-884301F905DA}" type="pres">
+      <dgm:prSet presAssocID="{570A8ABB-AD74-417F-BCC3-68065A7D6F1B}" presName="rootText" presStyleLbl="node2" presStyleIdx="0" presStyleCnt="3">
+        <dgm:presLayoutVars>
+          <dgm:chPref val="3"/>
+        </dgm:presLayoutVars>
+      </dgm:prSet>
+      <dgm:spPr/>
+      <dgm:t>
+        <a:bodyPr/>
+        <a:lstStyle/>
+        <a:p>
+          <a:endParaRPr lang="fr-FR"/>
+        </a:p>
+      </dgm:t>
+    </dgm:pt>
+    <dgm:pt modelId="{18226DE3-0B5C-4222-8107-404C16B100CF}" type="pres">
+      <dgm:prSet presAssocID="{570A8ABB-AD74-417F-BCC3-68065A7D6F1B}" presName="rootConnector" presStyleLbl="node2" presStyleIdx="0" presStyleCnt="3"/>
+      <dgm:spPr/>
+      <dgm:t>
+        <a:bodyPr/>
+        <a:lstStyle/>
+        <a:p>
+          <a:endParaRPr lang="fr-FR"/>
+        </a:p>
+      </dgm:t>
+    </dgm:pt>
+    <dgm:pt modelId="{5D37DE11-9818-487B-BFD4-CA31B7F3DA3F}" type="pres">
+      <dgm:prSet presAssocID="{570A8ABB-AD74-417F-BCC3-68065A7D6F1B}" presName="hierChild4" presStyleCnt="0"/>
+      <dgm:spPr/>
+    </dgm:pt>
+    <dgm:pt modelId="{00466236-45F9-4885-9B8B-E799E30B50EF}" type="pres">
+      <dgm:prSet presAssocID="{570A8ABB-AD74-417F-BCC3-68065A7D6F1B}" presName="hierChild5" presStyleCnt="0"/>
+      <dgm:spPr/>
+    </dgm:pt>
+    <dgm:pt modelId="{A2EA4044-57DE-43A7-856D-0007F5D2E0F7}" type="pres">
+      <dgm:prSet presAssocID="{C05152EE-AF8C-4629-AEDB-4EE00D0E71AB}" presName="Name37" presStyleLbl="parChTrans1D2" presStyleIdx="1" presStyleCnt="3"/>
+      <dgm:spPr/>
+    </dgm:pt>
+    <dgm:pt modelId="{D594A814-D544-4E51-9A07-9C1EB66FA1C0}" type="pres">
+      <dgm:prSet presAssocID="{18AEC2DF-178B-4B5C-B3DF-F98D990690B1}" presName="hierRoot2" presStyleCnt="0">
+        <dgm:presLayoutVars>
+          <dgm:hierBranch val="init"/>
+        </dgm:presLayoutVars>
+      </dgm:prSet>
+      <dgm:spPr/>
+    </dgm:pt>
+    <dgm:pt modelId="{0F0CA29C-3AF3-4FD3-AAA8-03398B476563}" type="pres">
+      <dgm:prSet presAssocID="{18AEC2DF-178B-4B5C-B3DF-F98D990690B1}" presName="rootComposite" presStyleCnt="0"/>
+      <dgm:spPr/>
+    </dgm:pt>
+    <dgm:pt modelId="{85395DA4-1D4B-41C1-A914-7C3254C11DBA}" type="pres">
+      <dgm:prSet presAssocID="{18AEC2DF-178B-4B5C-B3DF-F98D990690B1}" presName="rootText" presStyleLbl="node2" presStyleIdx="1" presStyleCnt="3">
+        <dgm:presLayoutVars>
+          <dgm:chPref val="3"/>
+        </dgm:presLayoutVars>
+      </dgm:prSet>
+      <dgm:spPr/>
+      <dgm:t>
+        <a:bodyPr/>
+        <a:lstStyle/>
+        <a:p>
+          <a:endParaRPr lang="fr-FR"/>
+        </a:p>
+      </dgm:t>
+    </dgm:pt>
+    <dgm:pt modelId="{A267EFB2-03B5-4BA4-A53C-411AAECDB448}" type="pres">
+      <dgm:prSet presAssocID="{18AEC2DF-178B-4B5C-B3DF-F98D990690B1}" presName="rootConnector" presStyleLbl="node2" presStyleIdx="1" presStyleCnt="3"/>
+      <dgm:spPr/>
+      <dgm:t>
+        <a:bodyPr/>
+        <a:lstStyle/>
+        <a:p>
+          <a:endParaRPr lang="fr-FR"/>
+        </a:p>
+      </dgm:t>
+    </dgm:pt>
+    <dgm:pt modelId="{6E146E75-929E-41E0-9809-8EC8EE744D75}" type="pres">
+      <dgm:prSet presAssocID="{18AEC2DF-178B-4B5C-B3DF-F98D990690B1}" presName="hierChild4" presStyleCnt="0"/>
+      <dgm:spPr/>
+    </dgm:pt>
+    <dgm:pt modelId="{AEC23967-B6FB-442E-8FFA-9B8543835D2B}" type="pres">
+      <dgm:prSet presAssocID="{18AEC2DF-178B-4B5C-B3DF-F98D990690B1}" presName="hierChild5" presStyleCnt="0"/>
+      <dgm:spPr/>
+    </dgm:pt>
+    <dgm:pt modelId="{EED00E71-4BD3-40F1-A6A4-E5DAB76F5818}" type="pres">
+      <dgm:prSet presAssocID="{A80A9DC0-1138-44FD-9D9F-EEFBEB0324C5}" presName="Name37" presStyleLbl="parChTrans1D2" presStyleIdx="2" presStyleCnt="3"/>
+      <dgm:spPr/>
+    </dgm:pt>
+    <dgm:pt modelId="{54C46709-F1D3-4222-A323-B73D838F4C5F}" type="pres">
+      <dgm:prSet presAssocID="{C1D70251-FB66-45B0-A994-12A631091408}" presName="hierRoot2" presStyleCnt="0">
+        <dgm:presLayoutVars>
+          <dgm:hierBranch val="init"/>
+        </dgm:presLayoutVars>
+      </dgm:prSet>
+      <dgm:spPr/>
+    </dgm:pt>
+    <dgm:pt modelId="{8D81BB6B-5755-43A5-AE5A-3A78F926A837}" type="pres">
+      <dgm:prSet presAssocID="{C1D70251-FB66-45B0-A994-12A631091408}" presName="rootComposite" presStyleCnt="0"/>
+      <dgm:spPr/>
+    </dgm:pt>
+    <dgm:pt modelId="{D4EBDDAD-6565-47C3-9AB1-CDE5D9A7F161}" type="pres">
+      <dgm:prSet presAssocID="{C1D70251-FB66-45B0-A994-12A631091408}" presName="rootText" presStyleLbl="node2" presStyleIdx="2" presStyleCnt="3">
+        <dgm:presLayoutVars>
+          <dgm:chPref val="3"/>
+        </dgm:presLayoutVars>
+      </dgm:prSet>
+      <dgm:spPr/>
+      <dgm:t>
+        <a:bodyPr/>
+        <a:lstStyle/>
+        <a:p>
+          <a:endParaRPr lang="fr-FR"/>
+        </a:p>
+      </dgm:t>
+    </dgm:pt>
+    <dgm:pt modelId="{763DCB01-83B6-40BE-B291-6E945B52C855}" type="pres">
+      <dgm:prSet presAssocID="{C1D70251-FB66-45B0-A994-12A631091408}" presName="rootConnector" presStyleLbl="node2" presStyleIdx="2" presStyleCnt="3"/>
+      <dgm:spPr/>
+      <dgm:t>
+        <a:bodyPr/>
+        <a:lstStyle/>
+        <a:p>
+          <a:endParaRPr lang="fr-FR"/>
+        </a:p>
+      </dgm:t>
+    </dgm:pt>
+    <dgm:pt modelId="{A6BA69F8-D9A6-4CBA-8F22-3F81994F686A}" type="pres">
+      <dgm:prSet presAssocID="{C1D70251-FB66-45B0-A994-12A631091408}" presName="hierChild4" presStyleCnt="0"/>
+      <dgm:spPr/>
+    </dgm:pt>
+    <dgm:pt modelId="{A694D648-EDB3-46B4-85ED-3BBC2669D9CA}" type="pres">
+      <dgm:prSet presAssocID="{C1D70251-FB66-45B0-A994-12A631091408}" presName="hierChild5" presStyleCnt="0"/>
+      <dgm:spPr/>
+    </dgm:pt>
+    <dgm:pt modelId="{C2B7101B-C683-4652-96D6-F129FB1EA9A8}" type="pres">
+      <dgm:prSet presAssocID="{094C2DAA-A3BE-4DEA-9582-307CBEC9AC48}" presName="hierChild3" presStyleCnt="0"/>
+      <dgm:spPr/>
+    </dgm:pt>
+  </dgm:ptLst>
+  <dgm:cxnLst>
+    <dgm:cxn modelId="{64A0891D-EB26-485C-9607-1320408544EB}" type="presOf" srcId="{18AEC2DF-178B-4B5C-B3DF-F98D990690B1}" destId="{85395DA4-1D4B-41C1-A914-7C3254C11DBA}" srcOrd="0" destOrd="0" presId="urn:microsoft.com/office/officeart/2005/8/layout/orgChart1"/>
+    <dgm:cxn modelId="{4A50A8AE-69F2-4F40-9A3E-46F43B359F7E}" srcId="{094C2DAA-A3BE-4DEA-9582-307CBEC9AC48}" destId="{18AEC2DF-178B-4B5C-B3DF-F98D990690B1}" srcOrd="1" destOrd="0" parTransId="{C05152EE-AF8C-4629-AEDB-4EE00D0E71AB}" sibTransId="{D10DBC2E-3983-4B8A-B050-DDA576A93E6A}"/>
+    <dgm:cxn modelId="{D75F3E9A-5AB9-476F-941D-DCBD9B0CED82}" type="presOf" srcId="{C1D70251-FB66-45B0-A994-12A631091408}" destId="{763DCB01-83B6-40BE-B291-6E945B52C855}" srcOrd="1" destOrd="0" presId="urn:microsoft.com/office/officeart/2005/8/layout/orgChart1"/>
+    <dgm:cxn modelId="{2FE1F8AB-D736-49DE-8B8E-5024673B8DCE}" type="presOf" srcId="{C05152EE-AF8C-4629-AEDB-4EE00D0E71AB}" destId="{A2EA4044-57DE-43A7-856D-0007F5D2E0F7}" srcOrd="0" destOrd="0" presId="urn:microsoft.com/office/officeart/2005/8/layout/orgChart1"/>
+    <dgm:cxn modelId="{FBFD9FF9-286D-425E-9759-30D645EFE9D5}" type="presOf" srcId="{570A8ABB-AD74-417F-BCC3-68065A7D6F1B}" destId="{7D54F5D1-40CF-4E4A-84A8-884301F905DA}" srcOrd="0" destOrd="0" presId="urn:microsoft.com/office/officeart/2005/8/layout/orgChart1"/>
+    <dgm:cxn modelId="{2CDCA82D-13CE-4A3B-9BD6-7E74E1601FB4}" type="presOf" srcId="{A80A9DC0-1138-44FD-9D9F-EEFBEB0324C5}" destId="{EED00E71-4BD3-40F1-A6A4-E5DAB76F5818}" srcOrd="0" destOrd="0" presId="urn:microsoft.com/office/officeart/2005/8/layout/orgChart1"/>
+    <dgm:cxn modelId="{146FA789-167A-4BCE-B431-8319F5AFF9A5}" type="presOf" srcId="{BF4C1E75-922B-472E-9D19-EB8BDD56C5EE}" destId="{FCDCDAE8-9064-4B5E-BB5F-A2222C6DFEAA}" srcOrd="0" destOrd="0" presId="urn:microsoft.com/office/officeart/2005/8/layout/orgChart1"/>
+    <dgm:cxn modelId="{6DEA055D-6F9A-4222-B6C8-3CFD54568680}" srcId="{BF4C1E75-922B-472E-9D19-EB8BDD56C5EE}" destId="{094C2DAA-A3BE-4DEA-9582-307CBEC9AC48}" srcOrd="0" destOrd="0" parTransId="{FEF6DFBD-D87C-4D34-A1E5-54331A71F44A}" sibTransId="{FF6BA739-77A8-4621-87DC-6D0FFB3158A5}"/>
+    <dgm:cxn modelId="{0CF19F56-1C40-4DCD-9160-8CC0F2150F68}" type="presOf" srcId="{C1D70251-FB66-45B0-A994-12A631091408}" destId="{D4EBDDAD-6565-47C3-9AB1-CDE5D9A7F161}" srcOrd="0" destOrd="0" presId="urn:microsoft.com/office/officeart/2005/8/layout/orgChart1"/>
+    <dgm:cxn modelId="{307092BD-3A70-412A-B177-1EA5890AF1A1}" type="presOf" srcId="{570A8ABB-AD74-417F-BCC3-68065A7D6F1B}" destId="{18226DE3-0B5C-4222-8107-404C16B100CF}" srcOrd="1" destOrd="0" presId="urn:microsoft.com/office/officeart/2005/8/layout/orgChart1"/>
+    <dgm:cxn modelId="{9CA2C833-EE77-4D6D-9D1A-AFD8E9358BDF}" type="presOf" srcId="{094C2DAA-A3BE-4DEA-9582-307CBEC9AC48}" destId="{3677B3FA-BAD6-44F0-9A0A-58DC799925AB}" srcOrd="0" destOrd="0" presId="urn:microsoft.com/office/officeart/2005/8/layout/orgChart1"/>
+    <dgm:cxn modelId="{070A3F0E-9128-4868-9656-2FAE8BF71232}" type="presOf" srcId="{3C89234F-0BFE-4894-B8BC-1D25C674D6A7}" destId="{31BD9C91-D154-43BD-B2EB-2352E6A9D73E}" srcOrd="0" destOrd="0" presId="urn:microsoft.com/office/officeart/2005/8/layout/orgChart1"/>
+    <dgm:cxn modelId="{1D002BE3-6F23-44BF-9CD8-E0FAE6FA094C}" srcId="{094C2DAA-A3BE-4DEA-9582-307CBEC9AC48}" destId="{570A8ABB-AD74-417F-BCC3-68065A7D6F1B}" srcOrd="0" destOrd="0" parTransId="{3C89234F-0BFE-4894-B8BC-1D25C674D6A7}" sibTransId="{6A394F55-A271-4B8C-B334-2F94CA03A3C2}"/>
+    <dgm:cxn modelId="{39F53997-4F4B-4836-89D4-A130FDF506DF}" type="presOf" srcId="{18AEC2DF-178B-4B5C-B3DF-F98D990690B1}" destId="{A267EFB2-03B5-4BA4-A53C-411AAECDB448}" srcOrd="1" destOrd="0" presId="urn:microsoft.com/office/officeart/2005/8/layout/orgChart1"/>
+    <dgm:cxn modelId="{E18AFAF4-5D09-4830-81FF-8978A1E3E565}" type="presOf" srcId="{094C2DAA-A3BE-4DEA-9582-307CBEC9AC48}" destId="{799E23DD-C608-454E-96BF-37C98F31212C}" srcOrd="1" destOrd="0" presId="urn:microsoft.com/office/officeart/2005/8/layout/orgChart1"/>
+    <dgm:cxn modelId="{EC7617F6-7991-4E28-9ECD-74A04F7EB39E}" srcId="{094C2DAA-A3BE-4DEA-9582-307CBEC9AC48}" destId="{C1D70251-FB66-45B0-A994-12A631091408}" srcOrd="2" destOrd="0" parTransId="{A80A9DC0-1138-44FD-9D9F-EEFBEB0324C5}" sibTransId="{CA2CA9B4-26AA-46F8-BEAE-96DEF974201F}"/>
+    <dgm:cxn modelId="{FB7E2B19-53AF-4E32-BCA1-3EE8CF7FEE9C}" type="presParOf" srcId="{FCDCDAE8-9064-4B5E-BB5F-A2222C6DFEAA}" destId="{AEF02ECD-DCD0-41F5-98B4-9C623C49945A}" srcOrd="0" destOrd="0" presId="urn:microsoft.com/office/officeart/2005/8/layout/orgChart1"/>
+    <dgm:cxn modelId="{3A66924B-66D6-45C5-A467-574F2AF7425C}" type="presParOf" srcId="{AEF02ECD-DCD0-41F5-98B4-9C623C49945A}" destId="{CB2F3A30-652B-416C-9502-A04C79F53A26}" srcOrd="0" destOrd="0" presId="urn:microsoft.com/office/officeart/2005/8/layout/orgChart1"/>
+    <dgm:cxn modelId="{9F4E90AC-4C28-4845-8751-AA15968A3A34}" type="presParOf" srcId="{CB2F3A30-652B-416C-9502-A04C79F53A26}" destId="{3677B3FA-BAD6-44F0-9A0A-58DC799925AB}" srcOrd="0" destOrd="0" presId="urn:microsoft.com/office/officeart/2005/8/layout/orgChart1"/>
+    <dgm:cxn modelId="{3E059016-B745-4C84-826B-FAD8137B7DA5}" type="presParOf" srcId="{CB2F3A30-652B-416C-9502-A04C79F53A26}" destId="{799E23DD-C608-454E-96BF-37C98F31212C}" srcOrd="1" destOrd="0" presId="urn:microsoft.com/office/officeart/2005/8/layout/orgChart1"/>
+    <dgm:cxn modelId="{B353EE5E-7F78-4557-8A4C-CD0CC737755D}" type="presParOf" srcId="{AEF02ECD-DCD0-41F5-98B4-9C623C49945A}" destId="{966B8166-F189-41AA-9618-D19780EAC366}" srcOrd="1" destOrd="0" presId="urn:microsoft.com/office/officeart/2005/8/layout/orgChart1"/>
+    <dgm:cxn modelId="{A47719B6-0D33-48D6-94D4-C03A272A0306}" type="presParOf" srcId="{966B8166-F189-41AA-9618-D19780EAC366}" destId="{31BD9C91-D154-43BD-B2EB-2352E6A9D73E}" srcOrd="0" destOrd="0" presId="urn:microsoft.com/office/officeart/2005/8/layout/orgChart1"/>
+    <dgm:cxn modelId="{4983E1DB-C9B2-49C9-95FC-F170BE47D996}" type="presParOf" srcId="{966B8166-F189-41AA-9618-D19780EAC366}" destId="{21D21A73-F61E-455F-B8AD-ECB2CE4365A2}" srcOrd="1" destOrd="0" presId="urn:microsoft.com/office/officeart/2005/8/layout/orgChart1"/>
+    <dgm:cxn modelId="{76B5676F-D183-48CA-9BCF-0F7252D09CD4}" type="presParOf" srcId="{21D21A73-F61E-455F-B8AD-ECB2CE4365A2}" destId="{FB36DA40-5D93-479A-80EA-076F14BA7DCB}" srcOrd="0" destOrd="0" presId="urn:microsoft.com/office/officeart/2005/8/layout/orgChart1"/>
+    <dgm:cxn modelId="{45E363EB-A685-4026-AFC1-1740FB68C041}" type="presParOf" srcId="{FB36DA40-5D93-479A-80EA-076F14BA7DCB}" destId="{7D54F5D1-40CF-4E4A-84A8-884301F905DA}" srcOrd="0" destOrd="0" presId="urn:microsoft.com/office/officeart/2005/8/layout/orgChart1"/>
+    <dgm:cxn modelId="{04AE659F-285B-48D1-A6DA-4E28EA6FB575}" type="presParOf" srcId="{FB36DA40-5D93-479A-80EA-076F14BA7DCB}" destId="{18226DE3-0B5C-4222-8107-404C16B100CF}" srcOrd="1" destOrd="0" presId="urn:microsoft.com/office/officeart/2005/8/layout/orgChart1"/>
+    <dgm:cxn modelId="{FD98CDE4-4542-4B04-B1D7-1F8B8C0368CF}" type="presParOf" srcId="{21D21A73-F61E-455F-B8AD-ECB2CE4365A2}" destId="{5D37DE11-9818-487B-BFD4-CA31B7F3DA3F}" srcOrd="1" destOrd="0" presId="urn:microsoft.com/office/officeart/2005/8/layout/orgChart1"/>
+    <dgm:cxn modelId="{6F0A9797-5211-4156-8D7C-A5E092C898C5}" type="presParOf" srcId="{21D21A73-F61E-455F-B8AD-ECB2CE4365A2}" destId="{00466236-45F9-4885-9B8B-E799E30B50EF}" srcOrd="2" destOrd="0" presId="urn:microsoft.com/office/officeart/2005/8/layout/orgChart1"/>
+    <dgm:cxn modelId="{A73F321B-A20C-44E7-8511-E2325B07142C}" type="presParOf" srcId="{966B8166-F189-41AA-9618-D19780EAC366}" destId="{A2EA4044-57DE-43A7-856D-0007F5D2E0F7}" srcOrd="2" destOrd="0" presId="urn:microsoft.com/office/officeart/2005/8/layout/orgChart1"/>
+    <dgm:cxn modelId="{EE130C95-D8DB-4C6F-B5F1-142D01E990E7}" type="presParOf" srcId="{966B8166-F189-41AA-9618-D19780EAC366}" destId="{D594A814-D544-4E51-9A07-9C1EB66FA1C0}" srcOrd="3" destOrd="0" presId="urn:microsoft.com/office/officeart/2005/8/layout/orgChart1"/>
+    <dgm:cxn modelId="{B66E23E4-F2D2-4C1E-9B13-C5754DCD9514}" type="presParOf" srcId="{D594A814-D544-4E51-9A07-9C1EB66FA1C0}" destId="{0F0CA29C-3AF3-4FD3-AAA8-03398B476563}" srcOrd="0" destOrd="0" presId="urn:microsoft.com/office/officeart/2005/8/layout/orgChart1"/>
+    <dgm:cxn modelId="{BE574ABC-E497-4DEC-A191-381F4C781ADC}" type="presParOf" srcId="{0F0CA29C-3AF3-4FD3-AAA8-03398B476563}" destId="{85395DA4-1D4B-41C1-A914-7C3254C11DBA}" srcOrd="0" destOrd="0" presId="urn:microsoft.com/office/officeart/2005/8/layout/orgChart1"/>
+    <dgm:cxn modelId="{1C22CE91-E669-4351-8F28-296D99A51BC6}" type="presParOf" srcId="{0F0CA29C-3AF3-4FD3-AAA8-03398B476563}" destId="{A267EFB2-03B5-4BA4-A53C-411AAECDB448}" srcOrd="1" destOrd="0" presId="urn:microsoft.com/office/officeart/2005/8/layout/orgChart1"/>
+    <dgm:cxn modelId="{0CA4A390-54E5-45AD-B20F-5F065D9DB9FE}" type="presParOf" srcId="{D594A814-D544-4E51-9A07-9C1EB66FA1C0}" destId="{6E146E75-929E-41E0-9809-8EC8EE744D75}" srcOrd="1" destOrd="0" presId="urn:microsoft.com/office/officeart/2005/8/layout/orgChart1"/>
+    <dgm:cxn modelId="{55104ADC-175D-4451-B055-33BB2A8B521D}" type="presParOf" srcId="{D594A814-D544-4E51-9A07-9C1EB66FA1C0}" destId="{AEC23967-B6FB-442E-8FFA-9B8543835D2B}" srcOrd="2" destOrd="0" presId="urn:microsoft.com/office/officeart/2005/8/layout/orgChart1"/>
+    <dgm:cxn modelId="{C9510D53-5B71-4D73-A42A-90D2130B1A73}" type="presParOf" srcId="{966B8166-F189-41AA-9618-D19780EAC366}" destId="{EED00E71-4BD3-40F1-A6A4-E5DAB76F5818}" srcOrd="4" destOrd="0" presId="urn:microsoft.com/office/officeart/2005/8/layout/orgChart1"/>
+    <dgm:cxn modelId="{55A79F21-B654-4965-9F34-C886B3D0F68E}" type="presParOf" srcId="{966B8166-F189-41AA-9618-D19780EAC366}" destId="{54C46709-F1D3-4222-A323-B73D838F4C5F}" srcOrd="5" destOrd="0" presId="urn:microsoft.com/office/officeart/2005/8/layout/orgChart1"/>
+    <dgm:cxn modelId="{29770C09-5055-4D4E-972B-6AC89C4DC7B6}" type="presParOf" srcId="{54C46709-F1D3-4222-A323-B73D838F4C5F}" destId="{8D81BB6B-5755-43A5-AE5A-3A78F926A837}" srcOrd="0" destOrd="0" presId="urn:microsoft.com/office/officeart/2005/8/layout/orgChart1"/>
+    <dgm:cxn modelId="{CBC2B0AE-1103-4E29-B6EC-C93E33963FA7}" type="presParOf" srcId="{8D81BB6B-5755-43A5-AE5A-3A78F926A837}" destId="{D4EBDDAD-6565-47C3-9AB1-CDE5D9A7F161}" srcOrd="0" destOrd="0" presId="urn:microsoft.com/office/officeart/2005/8/layout/orgChart1"/>
+    <dgm:cxn modelId="{0BAEF333-8DBA-44B4-BC30-020132A8A434}" type="presParOf" srcId="{8D81BB6B-5755-43A5-AE5A-3A78F926A837}" destId="{763DCB01-83B6-40BE-B291-6E945B52C855}" srcOrd="1" destOrd="0" presId="urn:microsoft.com/office/officeart/2005/8/layout/orgChart1"/>
+    <dgm:cxn modelId="{5FBC74D2-7BDB-455F-B080-8FBEA6E22FC9}" type="presParOf" srcId="{54C46709-F1D3-4222-A323-B73D838F4C5F}" destId="{A6BA69F8-D9A6-4CBA-8F22-3F81994F686A}" srcOrd="1" destOrd="0" presId="urn:microsoft.com/office/officeart/2005/8/layout/orgChart1"/>
+    <dgm:cxn modelId="{183BDD6D-2649-484E-8A87-74AA8B68618F}" type="presParOf" srcId="{54C46709-F1D3-4222-A323-B73D838F4C5F}" destId="{A694D648-EDB3-46B4-85ED-3BBC2669D9CA}" srcOrd="2" destOrd="0" presId="urn:microsoft.com/office/officeart/2005/8/layout/orgChart1"/>
+    <dgm:cxn modelId="{BBEE71EA-1DB5-4BFF-8C92-9A6E9955C4D5}" type="presParOf" srcId="{AEF02ECD-DCD0-41F5-98B4-9C623C49945A}" destId="{C2B7101B-C683-4652-96D6-F129FB1EA9A8}" srcOrd="2" destOrd="0" presId="urn:microsoft.com/office/officeart/2005/8/layout/orgChart1"/>
   </dgm:cxnLst>
   <dgm:bg/>
   <dgm:whole/>
@@ -1611,11 +2873,7 @@
           </a:pPr>
           <a:r>
             <a:rPr lang="fr-FR" sz="1100" b="1" kern="1200" dirty="0" smtClean="0"/>
-            <a:t>1. </a:t>
-          </a:r>
-          <a:r>
-            <a:rPr lang="fr-FR" sz="1100" b="1" kern="1200" dirty="0" smtClean="0"/>
-            <a:t>Suppression de code</a:t>
+            <a:t>1. Suppression de code</a:t>
           </a:r>
           <a:endParaRPr lang="fr-FR" sz="1100" b="1" kern="1200" dirty="0"/>
         </a:p>
@@ -1805,11 +3063,7 @@
           </a:pPr>
           <a:r>
             <a:rPr lang="fr-FR" sz="1100" b="1" kern="1200" dirty="0" smtClean="0"/>
-            <a:t>2. </a:t>
-          </a:r>
-          <a:r>
-            <a:rPr lang="fr-FR" sz="1100" b="1" kern="1200" dirty="0" smtClean="0"/>
-            <a:t>Suppression de balises html</a:t>
+            <a:t>2. Suppression de balises html</a:t>
           </a:r>
           <a:endParaRPr lang="fr-FR" sz="1100" b="1" kern="1200" dirty="0"/>
         </a:p>
@@ -1999,13 +3253,8 @@
           </a:pPr>
           <a:r>
             <a:rPr lang="fr-FR" sz="1100" b="1" kern="1200" dirty="0" smtClean="0"/>
-            <a:t>3</a:t>
+            <a:t>3. Suppression de caractères spéciaux </a:t>
           </a:r>
-          <a:r>
-            <a:rPr lang="fr-FR" sz="1100" b="1" kern="1200" dirty="0" smtClean="0"/>
-            <a:t>. Suppression de caractères spéciaux </a:t>
-          </a:r>
-          <a:endParaRPr lang="fr-FR" sz="1100" b="1" kern="1200" dirty="0" smtClean="0"/>
         </a:p>
       </dsp:txBody>
       <dsp:txXfrm>
@@ -2193,11 +3442,7 @@
           </a:pPr>
           <a:r>
             <a:rPr lang="fr-FR" sz="1100" b="1" kern="1200" dirty="0" smtClean="0"/>
-            <a:t>4. </a:t>
-          </a:r>
-          <a:r>
-            <a:rPr lang="fr-FR" sz="1100" b="1" kern="1200" dirty="0" smtClean="0"/>
-            <a:t>Mise en minuscule + </a:t>
+            <a:t>4. Mise en minuscule + </a:t>
           </a:r>
           <a:r>
             <a:rPr lang="fr-FR" sz="1100" b="1" kern="1200" dirty="0" err="1" smtClean="0"/>
@@ -2587,12 +3832,639 @@
             <a:rPr lang="fr-FR" sz="1100" b="1" kern="1200" dirty="0" smtClean="0"/>
             <a:t>6. Lemmatisation</a:t>
           </a:r>
-          <a:endParaRPr lang="fr-FR" sz="1100" b="1" kern="1200" dirty="0" smtClean="0"/>
         </a:p>
       </dsp:txBody>
       <dsp:txXfrm>
         <a:off x="7652564" y="1058953"/>
         <a:ext cx="1092777" cy="546388"/>
+      </dsp:txXfrm>
+    </dsp:sp>
+  </dsp:spTree>
+</dsp:drawing>
+</file>
+
+<file path=ppt/diagrams/drawing2.xml><?xml version="1.0" encoding="utf-8"?>
+<dsp:drawing xmlns:dgm="http://schemas.openxmlformats.org/drawingml/2006/diagram" xmlns:a="http://schemas.openxmlformats.org/drawingml/2006/main" xmlns:dsp="http://schemas.microsoft.com/office/drawing/2008/diagram">
+  <dsp:spTree>
+    <dsp:nvGrpSpPr>
+      <dsp:cNvPr id="0" name=""/>
+      <dsp:cNvGrpSpPr/>
+    </dsp:nvGrpSpPr>
+    <dsp:grpSpPr/>
+    <dsp:sp modelId="{EED00E71-4BD3-40F1-A6A4-E5DAB76F5818}">
+      <dsp:nvSpPr>
+        <dsp:cNvPr id="0" name=""/>
+        <dsp:cNvSpPr/>
+      </dsp:nvSpPr>
+      <dsp:spPr>
+        <a:xfrm>
+          <a:off x="2574032" y="684410"/>
+          <a:ext cx="1655760" cy="287363"/>
+        </a:xfrm>
+        <a:custGeom>
+          <a:avLst/>
+          <a:gdLst/>
+          <a:ahLst/>
+          <a:cxnLst/>
+          <a:rect l="0" t="0" r="0" b="0"/>
+          <a:pathLst>
+            <a:path>
+              <a:moveTo>
+                <a:pt x="0" y="0"/>
+              </a:moveTo>
+              <a:lnTo>
+                <a:pt x="0" y="143681"/>
+              </a:lnTo>
+              <a:lnTo>
+                <a:pt x="1655760" y="143681"/>
+              </a:lnTo>
+              <a:lnTo>
+                <a:pt x="1655760" y="287363"/>
+              </a:lnTo>
+            </a:path>
+          </a:pathLst>
+        </a:custGeom>
+        <a:noFill/>
+        <a:ln w="25400" cap="flat" cmpd="sng" algn="ctr">
+          <a:solidFill>
+            <a:schemeClr val="dk1">
+              <a:shade val="60000"/>
+              <a:hueOff val="0"/>
+              <a:satOff val="0"/>
+              <a:lumOff val="0"/>
+              <a:alphaOff val="0"/>
+            </a:schemeClr>
+          </a:solidFill>
+          <a:prstDash val="solid"/>
+        </a:ln>
+        <a:effectLst/>
+      </dsp:spPr>
+      <dsp:style>
+        <a:lnRef idx="2">
+          <a:scrgbClr r="0" g="0" b="0"/>
+        </a:lnRef>
+        <a:fillRef idx="0">
+          <a:scrgbClr r="0" g="0" b="0"/>
+        </a:fillRef>
+        <a:effectRef idx="0">
+          <a:scrgbClr r="0" g="0" b="0"/>
+        </a:effectRef>
+        <a:fontRef idx="minor"/>
+      </dsp:style>
+    </dsp:sp>
+    <dsp:sp modelId="{A2EA4044-57DE-43A7-856D-0007F5D2E0F7}">
+      <dsp:nvSpPr>
+        <dsp:cNvPr id="0" name=""/>
+        <dsp:cNvSpPr/>
+      </dsp:nvSpPr>
+      <dsp:spPr>
+        <a:xfrm>
+          <a:off x="2528312" y="684410"/>
+          <a:ext cx="91440" cy="287363"/>
+        </a:xfrm>
+        <a:custGeom>
+          <a:avLst/>
+          <a:gdLst/>
+          <a:ahLst/>
+          <a:cxnLst/>
+          <a:rect l="0" t="0" r="0" b="0"/>
+          <a:pathLst>
+            <a:path>
+              <a:moveTo>
+                <a:pt x="45720" y="0"/>
+              </a:moveTo>
+              <a:lnTo>
+                <a:pt x="45720" y="287363"/>
+              </a:lnTo>
+            </a:path>
+          </a:pathLst>
+        </a:custGeom>
+        <a:noFill/>
+        <a:ln w="25400" cap="flat" cmpd="sng" algn="ctr">
+          <a:solidFill>
+            <a:schemeClr val="dk1">
+              <a:shade val="60000"/>
+              <a:hueOff val="0"/>
+              <a:satOff val="0"/>
+              <a:lumOff val="0"/>
+              <a:alphaOff val="0"/>
+            </a:schemeClr>
+          </a:solidFill>
+          <a:prstDash val="solid"/>
+        </a:ln>
+        <a:effectLst/>
+      </dsp:spPr>
+      <dsp:style>
+        <a:lnRef idx="2">
+          <a:scrgbClr r="0" g="0" b="0"/>
+        </a:lnRef>
+        <a:fillRef idx="0">
+          <a:scrgbClr r="0" g="0" b="0"/>
+        </a:fillRef>
+        <a:effectRef idx="0">
+          <a:scrgbClr r="0" g="0" b="0"/>
+        </a:effectRef>
+        <a:fontRef idx="minor"/>
+      </dsp:style>
+    </dsp:sp>
+    <dsp:sp modelId="{31BD9C91-D154-43BD-B2EB-2352E6A9D73E}">
+      <dsp:nvSpPr>
+        <dsp:cNvPr id="0" name=""/>
+        <dsp:cNvSpPr/>
+      </dsp:nvSpPr>
+      <dsp:spPr>
+        <a:xfrm>
+          <a:off x="918271" y="684410"/>
+          <a:ext cx="1655760" cy="287363"/>
+        </a:xfrm>
+        <a:custGeom>
+          <a:avLst/>
+          <a:gdLst/>
+          <a:ahLst/>
+          <a:cxnLst/>
+          <a:rect l="0" t="0" r="0" b="0"/>
+          <a:pathLst>
+            <a:path>
+              <a:moveTo>
+                <a:pt x="1655760" y="0"/>
+              </a:moveTo>
+              <a:lnTo>
+                <a:pt x="1655760" y="143681"/>
+              </a:lnTo>
+              <a:lnTo>
+                <a:pt x="0" y="143681"/>
+              </a:lnTo>
+              <a:lnTo>
+                <a:pt x="0" y="287363"/>
+              </a:lnTo>
+            </a:path>
+          </a:pathLst>
+        </a:custGeom>
+        <a:noFill/>
+        <a:ln w="25400" cap="flat" cmpd="sng" algn="ctr">
+          <a:solidFill>
+            <a:schemeClr val="dk1">
+              <a:shade val="60000"/>
+              <a:hueOff val="0"/>
+              <a:satOff val="0"/>
+              <a:lumOff val="0"/>
+              <a:alphaOff val="0"/>
+            </a:schemeClr>
+          </a:solidFill>
+          <a:prstDash val="solid"/>
+        </a:ln>
+        <a:effectLst/>
+      </dsp:spPr>
+      <dsp:style>
+        <a:lnRef idx="2">
+          <a:scrgbClr r="0" g="0" b="0"/>
+        </a:lnRef>
+        <a:fillRef idx="0">
+          <a:scrgbClr r="0" g="0" b="0"/>
+        </a:fillRef>
+        <a:effectRef idx="0">
+          <a:scrgbClr r="0" g="0" b="0"/>
+        </a:effectRef>
+        <a:fontRef idx="minor"/>
+      </dsp:style>
+    </dsp:sp>
+    <dsp:sp modelId="{3677B3FA-BAD6-44F0-9A0A-58DC799925AB}">
+      <dsp:nvSpPr>
+        <dsp:cNvPr id="0" name=""/>
+        <dsp:cNvSpPr/>
+      </dsp:nvSpPr>
+      <dsp:spPr>
+        <a:xfrm>
+          <a:off x="1889833" y="211"/>
+          <a:ext cx="1368397" cy="684198"/>
+        </a:xfrm>
+        <a:prstGeom prst="rect">
+          <a:avLst/>
+        </a:prstGeom>
+        <a:gradFill rotWithShape="0">
+          <a:gsLst>
+            <a:gs pos="0">
+              <a:schemeClr val="lt1">
+                <a:hueOff val="0"/>
+                <a:satOff val="0"/>
+                <a:lumOff val="0"/>
+                <a:alphaOff val="0"/>
+                <a:tint val="50000"/>
+                <a:satMod val="300000"/>
+              </a:schemeClr>
+            </a:gs>
+            <a:gs pos="35000">
+              <a:schemeClr val="lt1">
+                <a:hueOff val="0"/>
+                <a:satOff val="0"/>
+                <a:lumOff val="0"/>
+                <a:alphaOff val="0"/>
+                <a:tint val="37000"/>
+                <a:satMod val="300000"/>
+              </a:schemeClr>
+            </a:gs>
+            <a:gs pos="100000">
+              <a:schemeClr val="lt1">
+                <a:hueOff val="0"/>
+                <a:satOff val="0"/>
+                <a:lumOff val="0"/>
+                <a:alphaOff val="0"/>
+                <a:tint val="15000"/>
+                <a:satMod val="350000"/>
+              </a:schemeClr>
+            </a:gs>
+          </a:gsLst>
+          <a:lin ang="16200000" scaled="1"/>
+        </a:gradFill>
+        <a:ln>
+          <a:noFill/>
+        </a:ln>
+        <a:effectLst>
+          <a:outerShdw blurRad="40000" dist="20000" dir="5400000" rotWithShape="0">
+            <a:srgbClr val="000000">
+              <a:alpha val="38000"/>
+            </a:srgbClr>
+          </a:outerShdw>
+        </a:effectLst>
+        <a:scene3d>
+          <a:camera prst="orthographicFront"/>
+          <a:lightRig rig="flat" dir="t"/>
+        </a:scene3d>
+        <a:sp3d prstMaterial="dkEdge">
+          <a:bevelT w="8200" h="38100"/>
+        </a:sp3d>
+      </dsp:spPr>
+      <dsp:style>
+        <a:lnRef idx="0">
+          <a:scrgbClr r="0" g="0" b="0"/>
+        </a:lnRef>
+        <a:fillRef idx="2">
+          <a:scrgbClr r="0" g="0" b="0"/>
+        </a:fillRef>
+        <a:effectRef idx="1">
+          <a:scrgbClr r="0" g="0" b="0"/>
+        </a:effectRef>
+        <a:fontRef idx="minor">
+          <a:schemeClr val="dk1"/>
+        </a:fontRef>
+      </dsp:style>
+      <dsp:txBody>
+        <a:bodyPr spcFirstLastPara="0" vert="horz" wrap="square" lIns="9525" tIns="9525" rIns="9525" bIns="9525" numCol="1" spcCol="1270" anchor="ctr" anchorCtr="0">
+          <a:noAutofit/>
+        </a:bodyPr>
+        <a:lstStyle/>
+        <a:p>
+          <a:pPr lvl="0" algn="ctr" defTabSz="666750">
+            <a:lnSpc>
+              <a:spcPct val="90000"/>
+            </a:lnSpc>
+            <a:spcBef>
+              <a:spcPct val="0"/>
+            </a:spcBef>
+            <a:spcAft>
+              <a:spcPct val="35000"/>
+            </a:spcAft>
+          </a:pPr>
+          <a:r>
+            <a:rPr lang="fr-FR" sz="1500" b="1" kern="1200" dirty="0" smtClean="0"/>
+            <a:t>Création d’un corpus de textes</a:t>
+          </a:r>
+        </a:p>
+      </dsp:txBody>
+      <dsp:txXfrm>
+        <a:off x="1889833" y="211"/>
+        <a:ext cx="1368397" cy="684198"/>
+      </dsp:txXfrm>
+    </dsp:sp>
+    <dsp:sp modelId="{7D54F5D1-40CF-4E4A-84A8-884301F905DA}">
+      <dsp:nvSpPr>
+        <dsp:cNvPr id="0" name=""/>
+        <dsp:cNvSpPr/>
+      </dsp:nvSpPr>
+      <dsp:spPr>
+        <a:xfrm>
+          <a:off x="234072" y="971773"/>
+          <a:ext cx="1368397" cy="684198"/>
+        </a:xfrm>
+        <a:prstGeom prst="rect">
+          <a:avLst/>
+        </a:prstGeom>
+        <a:gradFill rotWithShape="0">
+          <a:gsLst>
+            <a:gs pos="0">
+              <a:schemeClr val="lt1">
+                <a:hueOff val="0"/>
+                <a:satOff val="0"/>
+                <a:lumOff val="0"/>
+                <a:alphaOff val="0"/>
+                <a:tint val="50000"/>
+                <a:satMod val="300000"/>
+              </a:schemeClr>
+            </a:gs>
+            <a:gs pos="35000">
+              <a:schemeClr val="lt1">
+                <a:hueOff val="0"/>
+                <a:satOff val="0"/>
+                <a:lumOff val="0"/>
+                <a:alphaOff val="0"/>
+                <a:tint val="37000"/>
+                <a:satMod val="300000"/>
+              </a:schemeClr>
+            </a:gs>
+            <a:gs pos="100000">
+              <a:schemeClr val="lt1">
+                <a:hueOff val="0"/>
+                <a:satOff val="0"/>
+                <a:lumOff val="0"/>
+                <a:alphaOff val="0"/>
+                <a:tint val="15000"/>
+                <a:satMod val="350000"/>
+              </a:schemeClr>
+            </a:gs>
+          </a:gsLst>
+          <a:lin ang="16200000" scaled="1"/>
+        </a:gradFill>
+        <a:ln>
+          <a:noFill/>
+        </a:ln>
+        <a:effectLst>
+          <a:outerShdw blurRad="40000" dist="20000" dir="5400000" rotWithShape="0">
+            <a:srgbClr val="000000">
+              <a:alpha val="38000"/>
+            </a:srgbClr>
+          </a:outerShdw>
+        </a:effectLst>
+        <a:scene3d>
+          <a:camera prst="orthographicFront"/>
+          <a:lightRig rig="flat" dir="t"/>
+        </a:scene3d>
+        <a:sp3d prstMaterial="dkEdge">
+          <a:bevelT w="8200" h="38100"/>
+        </a:sp3d>
+      </dsp:spPr>
+      <dsp:style>
+        <a:lnRef idx="0">
+          <a:scrgbClr r="0" g="0" b="0"/>
+        </a:lnRef>
+        <a:fillRef idx="2">
+          <a:scrgbClr r="0" g="0" b="0"/>
+        </a:fillRef>
+        <a:effectRef idx="1">
+          <a:scrgbClr r="0" g="0" b="0"/>
+        </a:effectRef>
+        <a:fontRef idx="minor">
+          <a:schemeClr val="dk1"/>
+        </a:fontRef>
+      </dsp:style>
+      <dsp:txBody>
+        <a:bodyPr spcFirstLastPara="0" vert="horz" wrap="square" lIns="9525" tIns="9525" rIns="9525" bIns="9525" numCol="1" spcCol="1270" anchor="ctr" anchorCtr="0">
+          <a:noAutofit/>
+        </a:bodyPr>
+        <a:lstStyle/>
+        <a:p>
+          <a:pPr lvl="0" algn="ctr" defTabSz="666750">
+            <a:lnSpc>
+              <a:spcPct val="90000"/>
+            </a:lnSpc>
+            <a:spcBef>
+              <a:spcPct val="0"/>
+            </a:spcBef>
+            <a:spcAft>
+              <a:spcPct val="35000"/>
+            </a:spcAft>
+          </a:pPr>
+          <a:r>
+            <a:rPr lang="fr-FR" sz="1500" b="1" kern="1200" dirty="0" smtClean="0"/>
+            <a:t>Bag Of </a:t>
+          </a:r>
+          <a:r>
+            <a:rPr lang="fr-FR" sz="1500" b="1" kern="1200" dirty="0" err="1" smtClean="0"/>
+            <a:t>Words</a:t>
+          </a:r>
+          <a:endParaRPr lang="fr-FR" sz="1500" b="1" kern="1200" dirty="0"/>
+        </a:p>
+      </dsp:txBody>
+      <dsp:txXfrm>
+        <a:off x="234072" y="971773"/>
+        <a:ext cx="1368397" cy="684198"/>
+      </dsp:txXfrm>
+    </dsp:sp>
+    <dsp:sp modelId="{85395DA4-1D4B-41C1-A914-7C3254C11DBA}">
+      <dsp:nvSpPr>
+        <dsp:cNvPr id="0" name=""/>
+        <dsp:cNvSpPr/>
+      </dsp:nvSpPr>
+      <dsp:spPr>
+        <a:xfrm>
+          <a:off x="1889833" y="971773"/>
+          <a:ext cx="1368397" cy="684198"/>
+        </a:xfrm>
+        <a:prstGeom prst="rect">
+          <a:avLst/>
+        </a:prstGeom>
+        <a:gradFill rotWithShape="0">
+          <a:gsLst>
+            <a:gs pos="0">
+              <a:schemeClr val="lt1">
+                <a:hueOff val="0"/>
+                <a:satOff val="0"/>
+                <a:lumOff val="0"/>
+                <a:alphaOff val="0"/>
+                <a:tint val="50000"/>
+                <a:satMod val="300000"/>
+              </a:schemeClr>
+            </a:gs>
+            <a:gs pos="35000">
+              <a:schemeClr val="lt1">
+                <a:hueOff val="0"/>
+                <a:satOff val="0"/>
+                <a:lumOff val="0"/>
+                <a:alphaOff val="0"/>
+                <a:tint val="37000"/>
+                <a:satMod val="300000"/>
+              </a:schemeClr>
+            </a:gs>
+            <a:gs pos="100000">
+              <a:schemeClr val="lt1">
+                <a:hueOff val="0"/>
+                <a:satOff val="0"/>
+                <a:lumOff val="0"/>
+                <a:alphaOff val="0"/>
+                <a:tint val="15000"/>
+                <a:satMod val="350000"/>
+              </a:schemeClr>
+            </a:gs>
+          </a:gsLst>
+          <a:lin ang="16200000" scaled="1"/>
+        </a:gradFill>
+        <a:ln>
+          <a:noFill/>
+        </a:ln>
+        <a:effectLst>
+          <a:outerShdw blurRad="40000" dist="20000" dir="5400000" rotWithShape="0">
+            <a:srgbClr val="000000">
+              <a:alpha val="38000"/>
+            </a:srgbClr>
+          </a:outerShdw>
+        </a:effectLst>
+        <a:scene3d>
+          <a:camera prst="orthographicFront"/>
+          <a:lightRig rig="flat" dir="t"/>
+        </a:scene3d>
+        <a:sp3d prstMaterial="dkEdge">
+          <a:bevelT w="8200" h="38100"/>
+        </a:sp3d>
+      </dsp:spPr>
+      <dsp:style>
+        <a:lnRef idx="0">
+          <a:scrgbClr r="0" g="0" b="0"/>
+        </a:lnRef>
+        <a:fillRef idx="2">
+          <a:scrgbClr r="0" g="0" b="0"/>
+        </a:fillRef>
+        <a:effectRef idx="1">
+          <a:scrgbClr r="0" g="0" b="0"/>
+        </a:effectRef>
+        <a:fontRef idx="minor">
+          <a:schemeClr val="dk1"/>
+        </a:fontRef>
+      </dsp:style>
+      <dsp:txBody>
+        <a:bodyPr spcFirstLastPara="0" vert="horz" wrap="square" lIns="9525" tIns="9525" rIns="9525" bIns="9525" numCol="1" spcCol="1270" anchor="ctr" anchorCtr="0">
+          <a:noAutofit/>
+        </a:bodyPr>
+        <a:lstStyle/>
+        <a:p>
+          <a:pPr lvl="0" algn="ctr" defTabSz="666750">
+            <a:lnSpc>
+              <a:spcPct val="90000"/>
+            </a:lnSpc>
+            <a:spcBef>
+              <a:spcPct val="0"/>
+            </a:spcBef>
+            <a:spcAft>
+              <a:spcPct val="35000"/>
+            </a:spcAft>
+          </a:pPr>
+          <a:r>
+            <a:rPr lang="fr-FR" sz="1500" b="1" kern="1200" dirty="0" smtClean="0"/>
+            <a:t>TF – IDF</a:t>
+          </a:r>
+          <a:endParaRPr lang="fr-FR" sz="1500" b="1" kern="1200" dirty="0"/>
+        </a:p>
+      </dsp:txBody>
+      <dsp:txXfrm>
+        <a:off x="1889833" y="971773"/>
+        <a:ext cx="1368397" cy="684198"/>
+      </dsp:txXfrm>
+    </dsp:sp>
+    <dsp:sp modelId="{D4EBDDAD-6565-47C3-9AB1-CDE5D9A7F161}">
+      <dsp:nvSpPr>
+        <dsp:cNvPr id="0" name=""/>
+        <dsp:cNvSpPr/>
+      </dsp:nvSpPr>
+      <dsp:spPr>
+        <a:xfrm>
+          <a:off x="3545593" y="971773"/>
+          <a:ext cx="1368397" cy="684198"/>
+        </a:xfrm>
+        <a:prstGeom prst="rect">
+          <a:avLst/>
+        </a:prstGeom>
+        <a:gradFill rotWithShape="0">
+          <a:gsLst>
+            <a:gs pos="0">
+              <a:schemeClr val="lt1">
+                <a:hueOff val="0"/>
+                <a:satOff val="0"/>
+                <a:lumOff val="0"/>
+                <a:alphaOff val="0"/>
+                <a:tint val="50000"/>
+                <a:satMod val="300000"/>
+              </a:schemeClr>
+            </a:gs>
+            <a:gs pos="35000">
+              <a:schemeClr val="lt1">
+                <a:hueOff val="0"/>
+                <a:satOff val="0"/>
+                <a:lumOff val="0"/>
+                <a:alphaOff val="0"/>
+                <a:tint val="37000"/>
+                <a:satMod val="300000"/>
+              </a:schemeClr>
+            </a:gs>
+            <a:gs pos="100000">
+              <a:schemeClr val="lt1">
+                <a:hueOff val="0"/>
+                <a:satOff val="0"/>
+                <a:lumOff val="0"/>
+                <a:alphaOff val="0"/>
+                <a:tint val="15000"/>
+                <a:satMod val="350000"/>
+              </a:schemeClr>
+            </a:gs>
+          </a:gsLst>
+          <a:lin ang="16200000" scaled="1"/>
+        </a:gradFill>
+        <a:ln>
+          <a:noFill/>
+        </a:ln>
+        <a:effectLst>
+          <a:outerShdw blurRad="40000" dist="20000" dir="5400000" rotWithShape="0">
+            <a:srgbClr val="000000">
+              <a:alpha val="38000"/>
+            </a:srgbClr>
+          </a:outerShdw>
+        </a:effectLst>
+        <a:scene3d>
+          <a:camera prst="orthographicFront"/>
+          <a:lightRig rig="flat" dir="t"/>
+        </a:scene3d>
+        <a:sp3d prstMaterial="dkEdge">
+          <a:bevelT w="8200" h="38100"/>
+        </a:sp3d>
+      </dsp:spPr>
+      <dsp:style>
+        <a:lnRef idx="0">
+          <a:scrgbClr r="0" g="0" b="0"/>
+        </a:lnRef>
+        <a:fillRef idx="2">
+          <a:scrgbClr r="0" g="0" b="0"/>
+        </a:fillRef>
+        <a:effectRef idx="1">
+          <a:scrgbClr r="0" g="0" b="0"/>
+        </a:effectRef>
+        <a:fontRef idx="minor">
+          <a:schemeClr val="dk1"/>
+        </a:fontRef>
+      </dsp:style>
+      <dsp:txBody>
+        <a:bodyPr spcFirstLastPara="0" vert="horz" wrap="square" lIns="9525" tIns="9525" rIns="9525" bIns="9525" numCol="1" spcCol="1270" anchor="ctr" anchorCtr="0">
+          <a:noAutofit/>
+        </a:bodyPr>
+        <a:lstStyle/>
+        <a:p>
+          <a:pPr lvl="0" algn="ctr" defTabSz="666750">
+            <a:lnSpc>
+              <a:spcPct val="90000"/>
+            </a:lnSpc>
+            <a:spcBef>
+              <a:spcPct val="0"/>
+            </a:spcBef>
+            <a:spcAft>
+              <a:spcPct val="35000"/>
+            </a:spcAft>
+          </a:pPr>
+          <a:r>
+            <a:rPr lang="fr-FR" sz="1500" b="1" kern="1200" dirty="0" smtClean="0"/>
+            <a:t>Word2vect</a:t>
+          </a:r>
+          <a:endParaRPr lang="fr-FR" sz="1500" b="1" kern="1200" dirty="0"/>
+        </a:p>
+      </dsp:txBody>
+      <dsp:txXfrm>
+        <a:off x="3545593" y="971773"/>
+        <a:ext cx="1368397" cy="684198"/>
       </dsp:txXfrm>
     </dsp:sp>
   </dsp:spTree>
@@ -2919,7 +4791,2213 @@
 </dgm:layoutDef>
 </file>
 
+<file path=ppt/diagrams/layout2.xml><?xml version="1.0" encoding="utf-8"?>
+<dgm:layoutDef xmlns:dgm="http://schemas.openxmlformats.org/drawingml/2006/diagram" xmlns:a="http://schemas.openxmlformats.org/drawingml/2006/main" uniqueId="urn:microsoft.com/office/officeart/2005/8/layout/orgChart1">
+  <dgm:title val=""/>
+  <dgm:desc val=""/>
+  <dgm:catLst>
+    <dgm:cat type="hierarchy" pri="1000"/>
+    <dgm:cat type="convert" pri="6000"/>
+  </dgm:catLst>
+  <dgm:sampData>
+    <dgm:dataModel>
+      <dgm:ptLst>
+        <dgm:pt modelId="0" type="doc"/>
+        <dgm:pt modelId="1">
+          <dgm:prSet phldr="1"/>
+        </dgm:pt>
+        <dgm:pt modelId="2" type="asst">
+          <dgm:prSet phldr="1"/>
+        </dgm:pt>
+        <dgm:pt modelId="3">
+          <dgm:prSet phldr="1"/>
+        </dgm:pt>
+        <dgm:pt modelId="4">
+          <dgm:prSet phldr="1"/>
+        </dgm:pt>
+        <dgm:pt modelId="5">
+          <dgm:prSet phldr="1"/>
+        </dgm:pt>
+      </dgm:ptLst>
+      <dgm:cxnLst>
+        <dgm:cxn modelId="5" srcId="0" destId="1" srcOrd="0" destOrd="0"/>
+        <dgm:cxn modelId="6" srcId="1" destId="2" srcOrd="0" destOrd="0"/>
+        <dgm:cxn modelId="7" srcId="1" destId="3" srcOrd="1" destOrd="0"/>
+        <dgm:cxn modelId="8" srcId="1" destId="4" srcOrd="2" destOrd="0"/>
+        <dgm:cxn modelId="9" srcId="1" destId="5" srcOrd="3" destOrd="0"/>
+      </dgm:cxnLst>
+      <dgm:bg/>
+      <dgm:whole/>
+    </dgm:dataModel>
+  </dgm:sampData>
+  <dgm:styleData>
+    <dgm:dataModel>
+      <dgm:ptLst>
+        <dgm:pt modelId="0" type="doc"/>
+        <dgm:pt modelId="1"/>
+        <dgm:pt modelId="12"/>
+        <dgm:pt modelId="13"/>
+      </dgm:ptLst>
+      <dgm:cxnLst>
+        <dgm:cxn modelId="2" srcId="0" destId="1" srcOrd="0" destOrd="0"/>
+        <dgm:cxn modelId="16" srcId="1" destId="12" srcOrd="1" destOrd="0"/>
+        <dgm:cxn modelId="17" srcId="1" destId="13" srcOrd="2" destOrd="0"/>
+      </dgm:cxnLst>
+      <dgm:bg/>
+      <dgm:whole/>
+    </dgm:dataModel>
+  </dgm:styleData>
+  <dgm:clrData>
+    <dgm:dataModel>
+      <dgm:ptLst>
+        <dgm:pt modelId="0" type="doc"/>
+        <dgm:pt modelId="1"/>
+        <dgm:pt modelId="11" type="asst"/>
+        <dgm:pt modelId="12"/>
+        <dgm:pt modelId="13"/>
+        <dgm:pt modelId="14"/>
+      </dgm:ptLst>
+      <dgm:cxnLst>
+        <dgm:cxn modelId="2" srcId="0" destId="1" srcOrd="0" destOrd="0"/>
+        <dgm:cxn modelId="15" srcId="1" destId="11" srcOrd="0" destOrd="0"/>
+        <dgm:cxn modelId="16" srcId="1" destId="12" srcOrd="1" destOrd="0"/>
+        <dgm:cxn modelId="17" srcId="1" destId="13" srcOrd="2" destOrd="0"/>
+        <dgm:cxn modelId="18" srcId="1" destId="14" srcOrd="2" destOrd="0"/>
+      </dgm:cxnLst>
+      <dgm:bg/>
+      <dgm:whole/>
+    </dgm:dataModel>
+  </dgm:clrData>
+  <dgm:layoutNode name="hierChild1">
+    <dgm:varLst>
+      <dgm:orgChart val="1"/>
+      <dgm:chPref val="1"/>
+      <dgm:dir/>
+      <dgm:animOne val="branch"/>
+      <dgm:animLvl val="lvl"/>
+      <dgm:resizeHandles/>
+    </dgm:varLst>
+    <dgm:choose name="Name0">
+      <dgm:if name="Name1" func="var" arg="dir" op="equ" val="norm">
+        <dgm:alg type="hierChild">
+          <dgm:param type="linDir" val="fromL"/>
+        </dgm:alg>
+      </dgm:if>
+      <dgm:else name="Name2">
+        <dgm:alg type="hierChild">
+          <dgm:param type="linDir" val="fromR"/>
+        </dgm:alg>
+      </dgm:else>
+    </dgm:choose>
+    <dgm:shape xmlns:r="http://schemas.openxmlformats.org/officeDocument/2006/relationships" r:blip="">
+      <dgm:adjLst/>
+    </dgm:shape>
+    <dgm:presOf/>
+    <dgm:constrLst>
+      <dgm:constr type="w" for="des" forName="rootComposite1" refType="w" fact="10"/>
+      <dgm:constr type="h" for="des" forName="rootComposite1" refType="w" refFor="des" refForName="rootComposite1" fact="0.5"/>
+      <dgm:constr type="w" for="des" forName="rootComposite" refType="w" fact="10"/>
+      <dgm:constr type="h" for="des" forName="rootComposite" refType="w" refFor="des" refForName="rootComposite1" fact="0.5"/>
+      <dgm:constr type="w" for="des" forName="rootComposite3" refType="w" fact="10"/>
+      <dgm:constr type="h" for="des" forName="rootComposite3" refType="w" refFor="des" refForName="rootComposite1" fact="0.5"/>
+      <dgm:constr type="primFontSz" for="des" ptType="node" op="equ"/>
+      <dgm:constr type="sp" for="des" op="equ"/>
+      <dgm:constr type="sp" for="des" forName="hierRoot1" refType="w" refFor="des" refForName="rootComposite1" fact="0.21"/>
+      <dgm:constr type="sp" for="des" forName="hierRoot2" refType="sp" refFor="des" refForName="hierRoot1"/>
+      <dgm:constr type="sp" for="des" forName="hierRoot3" refType="sp" refFor="des" refForName="hierRoot1"/>
+      <dgm:constr type="sibSp" refType="w" refFor="des" refForName="rootComposite1" fact="0.21"/>
+      <dgm:constr type="sibSp" for="des" forName="hierChild2" refType="sibSp"/>
+      <dgm:constr type="sibSp" for="des" forName="hierChild3" refType="sibSp"/>
+      <dgm:constr type="sibSp" for="des" forName="hierChild4" refType="sibSp"/>
+      <dgm:constr type="sibSp" for="des" forName="hierChild5" refType="sibSp"/>
+      <dgm:constr type="sibSp" for="des" forName="hierChild6" refType="sibSp"/>
+      <dgm:constr type="sibSp" for="des" forName="hierChild7" refType="sibSp"/>
+      <dgm:constr type="secSibSp" refType="w" refFor="des" refForName="rootComposite1" fact="0.21"/>
+      <dgm:constr type="secSibSp" for="des" forName="hierChild2" refType="secSibSp"/>
+      <dgm:constr type="secSibSp" for="des" forName="hierChild3" refType="secSibSp"/>
+      <dgm:constr type="secSibSp" for="des" forName="hierChild4" refType="secSibSp"/>
+      <dgm:constr type="secSibSp" for="des" forName="hierChild5" refType="secSibSp"/>
+      <dgm:constr type="secSibSp" for="des" forName="hierChild6" refType="secSibSp"/>
+      <dgm:constr type="secSibSp" for="des" forName="hierChild7" refType="secSibSp"/>
+    </dgm:constrLst>
+    <dgm:ruleLst/>
+    <dgm:forEach name="Name3" axis="ch">
+      <dgm:forEach name="Name4" axis="self" ptType="node">
+        <dgm:layoutNode name="hierRoot1">
+          <dgm:varLst>
+            <dgm:hierBranch val="init"/>
+          </dgm:varLst>
+          <dgm:choose name="Name5">
+            <dgm:if name="Name6" func="var" arg="hierBranch" op="equ" val="l">
+              <dgm:choose name="Name7">
+                <dgm:if name="Name8" axis="ch" ptType="asst" func="cnt" op="gte" val="1">
+                  <dgm:alg type="hierRoot">
+                    <dgm:param type="hierAlign" val="tR"/>
+                  </dgm:alg>
+                  <dgm:constrLst>
+                    <dgm:constr type="alignOff" val="0.65"/>
+                  </dgm:constrLst>
+                </dgm:if>
+                <dgm:else name="Name9">
+                  <dgm:alg type="hierRoot">
+                    <dgm:param type="hierAlign" val="tR"/>
+                  </dgm:alg>
+                  <dgm:constrLst>
+                    <dgm:constr type="alignOff" val="0.25"/>
+                  </dgm:constrLst>
+                </dgm:else>
+              </dgm:choose>
+            </dgm:if>
+            <dgm:if name="Name10" func="var" arg="hierBranch" op="equ" val="r">
+              <dgm:choose name="Name11">
+                <dgm:if name="Name12" axis="ch" ptType="asst" func="cnt" op="gte" val="1">
+                  <dgm:alg type="hierRoot">
+                    <dgm:param type="hierAlign" val="tL"/>
+                  </dgm:alg>
+                  <dgm:constrLst>
+                    <dgm:constr type="alignOff" val="0.65"/>
+                  </dgm:constrLst>
+                </dgm:if>
+                <dgm:else name="Name13">
+                  <dgm:alg type="hierRoot">
+                    <dgm:param type="hierAlign" val="tL"/>
+                  </dgm:alg>
+                  <dgm:constrLst>
+                    <dgm:constr type="alignOff" val="0.25"/>
+                  </dgm:constrLst>
+                </dgm:else>
+              </dgm:choose>
+            </dgm:if>
+            <dgm:if name="Name14" func="var" arg="hierBranch" op="equ" val="hang">
+              <dgm:alg type="hierRoot"/>
+              <dgm:constrLst>
+                <dgm:constr type="alignOff" val="0.65"/>
+              </dgm:constrLst>
+            </dgm:if>
+            <dgm:else name="Name15">
+              <dgm:alg type="hierRoot"/>
+              <dgm:constrLst>
+                <dgm:constr type="alignOff"/>
+                <dgm:constr type="bendDist" for="des" ptType="parTrans" refType="sp" fact="0.5"/>
+              </dgm:constrLst>
+            </dgm:else>
+          </dgm:choose>
+          <dgm:shape xmlns:r="http://schemas.openxmlformats.org/officeDocument/2006/relationships" r:blip="">
+            <dgm:adjLst/>
+          </dgm:shape>
+          <dgm:presOf/>
+          <dgm:ruleLst/>
+          <dgm:layoutNode name="rootComposite1">
+            <dgm:alg type="composite"/>
+            <dgm:shape xmlns:r="http://schemas.openxmlformats.org/officeDocument/2006/relationships" r:blip="">
+              <dgm:adjLst/>
+            </dgm:shape>
+            <dgm:presOf axis="self" ptType="node" cnt="1"/>
+            <dgm:choose name="Name16">
+              <dgm:if name="Name17" func="var" arg="hierBranch" op="equ" val="init">
+                <dgm:constrLst>
+                  <dgm:constr type="l" for="ch" forName="rootText1"/>
+                  <dgm:constr type="t" for="ch" forName="rootText1"/>
+                  <dgm:constr type="w" for="ch" forName="rootText1" refType="w"/>
+                  <dgm:constr type="h" for="ch" forName="rootText1" refType="h"/>
+                  <dgm:constr type="l" for="ch" forName="rootConnector1"/>
+                  <dgm:constr type="t" for="ch" forName="rootConnector1"/>
+                  <dgm:constr type="w" for="ch" forName="rootConnector1" refType="w" refFor="ch" refForName="rootText1" fact="0.2"/>
+                  <dgm:constr type="h" for="ch" forName="rootConnector1" refType="h" refFor="ch" refForName="rootText1"/>
+                </dgm:constrLst>
+              </dgm:if>
+              <dgm:if name="Name18" func="var" arg="hierBranch" op="equ" val="l">
+                <dgm:constrLst>
+                  <dgm:constr type="l" for="ch" forName="rootText1"/>
+                  <dgm:constr type="t" for="ch" forName="rootText1"/>
+                  <dgm:constr type="w" for="ch" forName="rootText1" refType="w"/>
+                  <dgm:constr type="h" for="ch" forName="rootText1" refType="h"/>
+                  <dgm:constr type="r" for="ch" forName="rootConnector1" refType="w"/>
+                  <dgm:constr type="t" for="ch" forName="rootConnector1"/>
+                  <dgm:constr type="w" for="ch" forName="rootConnector1" refType="w" refFor="ch" refForName="rootText1" fact="0.2"/>
+                  <dgm:constr type="h" for="ch" forName="rootConnector1" refType="h" refFor="ch" refForName="rootText1"/>
+                </dgm:constrLst>
+              </dgm:if>
+              <dgm:if name="Name19" func="var" arg="hierBranch" op="equ" val="r">
+                <dgm:constrLst>
+                  <dgm:constr type="l" for="ch" forName="rootText1"/>
+                  <dgm:constr type="t" for="ch" forName="rootText1"/>
+                  <dgm:constr type="w" for="ch" forName="rootText1" refType="w"/>
+                  <dgm:constr type="h" for="ch" forName="rootText1" refType="h"/>
+                  <dgm:constr type="l" for="ch" forName="rootConnector1"/>
+                  <dgm:constr type="t" for="ch" forName="rootConnector1"/>
+                  <dgm:constr type="w" for="ch" forName="rootConnector1" refType="w" refFor="ch" refForName="rootText1" fact="0.2"/>
+                  <dgm:constr type="h" for="ch" forName="rootConnector1" refType="h" refFor="ch" refForName="rootText1"/>
+                </dgm:constrLst>
+              </dgm:if>
+              <dgm:else name="Name20">
+                <dgm:constrLst>
+                  <dgm:constr type="l" for="ch" forName="rootText1"/>
+                  <dgm:constr type="t" for="ch" forName="rootText1"/>
+                  <dgm:constr type="w" for="ch" forName="rootText1" refType="w"/>
+                  <dgm:constr type="h" for="ch" forName="rootText1" refType="h"/>
+                  <dgm:constr type="r" for="ch" forName="rootConnector1" refType="w"/>
+                  <dgm:constr type="t" for="ch" forName="rootConnector1"/>
+                  <dgm:constr type="w" for="ch" forName="rootConnector1" refType="w" refFor="ch" refForName="rootText1" fact="0.2"/>
+                  <dgm:constr type="h" for="ch" forName="rootConnector1" refType="h" refFor="ch" refForName="rootText1"/>
+                </dgm:constrLst>
+              </dgm:else>
+            </dgm:choose>
+            <dgm:ruleLst/>
+            <dgm:layoutNode name="rootText1" styleLbl="node0">
+              <dgm:varLst>
+                <dgm:chPref val="3"/>
+              </dgm:varLst>
+              <dgm:alg type="tx"/>
+              <dgm:shape xmlns:r="http://schemas.openxmlformats.org/officeDocument/2006/relationships" type="rect" r:blip="">
+                <dgm:adjLst/>
+              </dgm:shape>
+              <dgm:presOf axis="self" ptType="node" cnt="1"/>
+              <dgm:constrLst>
+                <dgm:constr type="primFontSz" val="65"/>
+                <dgm:constr type="lMarg" refType="primFontSz" fact="0.05"/>
+                <dgm:constr type="rMarg" refType="primFontSz" fact="0.05"/>
+                <dgm:constr type="tMarg" refType="primFontSz" fact="0.05"/>
+                <dgm:constr type="bMarg" refType="primFontSz" fact="0.05"/>
+              </dgm:constrLst>
+              <dgm:ruleLst>
+                <dgm:rule type="primFontSz" val="5" fact="NaN" max="NaN"/>
+              </dgm:ruleLst>
+            </dgm:layoutNode>
+            <dgm:layoutNode name="rootConnector1" moveWith="rootText1">
+              <dgm:alg type="sp"/>
+              <dgm:shape xmlns:r="http://schemas.openxmlformats.org/officeDocument/2006/relationships" type="rect" r:blip="" hideGeom="1">
+                <dgm:adjLst/>
+              </dgm:shape>
+              <dgm:presOf axis="self" ptType="node" cnt="1"/>
+              <dgm:constrLst/>
+              <dgm:ruleLst/>
+            </dgm:layoutNode>
+          </dgm:layoutNode>
+          <dgm:layoutNode name="hierChild2">
+            <dgm:choose name="Name21">
+              <dgm:if name="Name22" func="var" arg="hierBranch" op="equ" val="l">
+                <dgm:alg type="hierChild">
+                  <dgm:param type="chAlign" val="r"/>
+                  <dgm:param type="linDir" val="fromT"/>
+                </dgm:alg>
+              </dgm:if>
+              <dgm:if name="Name23" func="var" arg="hierBranch" op="equ" val="r">
+                <dgm:alg type="hierChild">
+                  <dgm:param type="chAlign" val="l"/>
+                  <dgm:param type="linDir" val="fromT"/>
+                </dgm:alg>
+              </dgm:if>
+              <dgm:if name="Name24" func="var" arg="hierBranch" op="equ" val="hang">
+                <dgm:choose name="Name25">
+                  <dgm:if name="Name26" func="var" arg="dir" op="equ" val="norm">
+                    <dgm:alg type="hierChild">
+                      <dgm:param type="chAlign" val="l"/>
+                      <dgm:param type="linDir" val="fromL"/>
+                      <dgm:param type="secChAlign" val="t"/>
+                      <dgm:param type="secLinDir" val="fromT"/>
+                    </dgm:alg>
+                  </dgm:if>
+                  <dgm:else name="Name27">
+                    <dgm:alg type="hierChild">
+                      <dgm:param type="chAlign" val="l"/>
+                      <dgm:param type="linDir" val="fromR"/>
+                      <dgm:param type="secChAlign" val="t"/>
+                      <dgm:param type="secLinDir" val="fromT"/>
+                    </dgm:alg>
+                  </dgm:else>
+                </dgm:choose>
+              </dgm:if>
+              <dgm:else name="Name28">
+                <dgm:choose name="Name29">
+                  <dgm:if name="Name30" func="var" arg="dir" op="equ" val="norm">
+                    <dgm:alg type="hierChild"/>
+                  </dgm:if>
+                  <dgm:else name="Name31">
+                    <dgm:alg type="hierChild">
+                      <dgm:param type="linDir" val="fromR"/>
+                    </dgm:alg>
+                  </dgm:else>
+                </dgm:choose>
+              </dgm:else>
+            </dgm:choose>
+            <dgm:shape xmlns:r="http://schemas.openxmlformats.org/officeDocument/2006/relationships" r:blip="">
+              <dgm:adjLst/>
+            </dgm:shape>
+            <dgm:presOf/>
+            <dgm:constrLst/>
+            <dgm:ruleLst/>
+            <dgm:forEach name="rep2a" axis="ch" ptType="nonAsst">
+              <dgm:forEach name="Name32" axis="precedSib" ptType="parTrans" st="-1" cnt="1">
+                <dgm:choose name="Name33">
+                  <dgm:if name="Name34" func="var" arg="hierBranch" op="equ" val="std">
+                    <dgm:layoutNode name="Name35">
+                      <dgm:alg type="conn">
+                        <dgm:param type="connRout" val="bend"/>
+                        <dgm:param type="dim" val="1D"/>
+                        <dgm:param type="endSty" val="noArr"/>
+                        <dgm:param type="begPts" val="bCtr"/>
+                        <dgm:param type="endPts" val="tCtr"/>
+                        <dgm:param type="bendPt" val="end"/>
+                      </dgm:alg>
+                      <dgm:shape xmlns:r="http://schemas.openxmlformats.org/officeDocument/2006/relationships" type="conn" r:blip="" zOrderOff="-99999">
+                        <dgm:adjLst/>
+                      </dgm:shape>
+                      <dgm:presOf axis="self"/>
+                      <dgm:constrLst>
+                        <dgm:constr type="begPad"/>
+                        <dgm:constr type="endPad"/>
+                      </dgm:constrLst>
+                      <dgm:ruleLst/>
+                    </dgm:layoutNode>
+                  </dgm:if>
+                  <dgm:if name="Name36" func="var" arg="hierBranch" op="equ" val="init">
+                    <dgm:layoutNode name="Name37">
+                      <dgm:choose name="Name38">
+                        <dgm:if name="Name39" axis="self" func="depth" op="lte" val="2">
+                          <dgm:alg type="conn">
+                            <dgm:param type="connRout" val="bend"/>
+                            <dgm:param type="dim" val="1D"/>
+                            <dgm:param type="endSty" val="noArr"/>
+                            <dgm:param type="begPts" val="bCtr"/>
+                            <dgm:param type="endPts" val="tCtr"/>
+                            <dgm:param type="bendPt" val="end"/>
+                          </dgm:alg>
+                        </dgm:if>
+                        <dgm:else name="Name40">
+                          <dgm:choose name="Name41">
+                            <dgm:if name="Name42" axis="par des" func="maxDepth" op="lte" val="1">
+                              <dgm:choose name="Name43">
+                                <dgm:if name="Name44" axis="par ch" ptType="node asst" func="cnt" op="gte" val="1">
+                                  <dgm:alg type="conn">
+                                    <dgm:param type="connRout" val="bend"/>
+                                    <dgm:param type="dim" val="1D"/>
+                                    <dgm:param type="endSty" val="noArr"/>
+                                    <dgm:param type="begPts" val="bCtr"/>
+                                    <dgm:param type="endPts" val="midL midR"/>
+                                  </dgm:alg>
+                                </dgm:if>
+                                <dgm:else name="Name45">
+                                  <dgm:alg type="conn">
+                                    <dgm:param type="connRout" val="bend"/>
+                                    <dgm:param type="dim" val="1D"/>
+                                    <dgm:param type="endSty" val="noArr"/>
+                                    <dgm:param type="begPts" val="bCtr"/>
+                                    <dgm:param type="endPts" val="midL midR"/>
+                                    <dgm:param type="srcNode" val="rootConnector"/>
+                                  </dgm:alg>
+                                </dgm:else>
+                              </dgm:choose>
+                            </dgm:if>
+                            <dgm:else name="Name46">
+                              <dgm:alg type="conn">
+                                <dgm:param type="connRout" val="bend"/>
+                                <dgm:param type="dim" val="1D"/>
+                                <dgm:param type="endSty" val="noArr"/>
+                                <dgm:param type="begPts" val="bCtr"/>
+                                <dgm:param type="endPts" val="tCtr"/>
+                                <dgm:param type="bendPt" val="end"/>
+                              </dgm:alg>
+                            </dgm:else>
+                          </dgm:choose>
+                        </dgm:else>
+                      </dgm:choose>
+                      <dgm:shape xmlns:r="http://schemas.openxmlformats.org/officeDocument/2006/relationships" type="conn" r:blip="" zOrderOff="-99999">
+                        <dgm:adjLst/>
+                      </dgm:shape>
+                      <dgm:presOf axis="self"/>
+                      <dgm:constrLst>
+                        <dgm:constr type="begPad"/>
+                        <dgm:constr type="endPad"/>
+                      </dgm:constrLst>
+                      <dgm:ruleLst/>
+                    </dgm:layoutNode>
+                  </dgm:if>
+                  <dgm:if name="Name47" func="var" arg="hierBranch" op="equ" val="hang">
+                    <dgm:layoutNode name="Name48">
+                      <dgm:alg type="conn">
+                        <dgm:param type="connRout" val="bend"/>
+                        <dgm:param type="dim" val="1D"/>
+                        <dgm:param type="endSty" val="noArr"/>
+                        <dgm:param type="begPts" val="bCtr"/>
+                        <dgm:param type="endPts" val="midL midR"/>
+                      </dgm:alg>
+                      <dgm:shape xmlns:r="http://schemas.openxmlformats.org/officeDocument/2006/relationships" type="conn" r:blip="" zOrderOff="-99999">
+                        <dgm:adjLst/>
+                      </dgm:shape>
+                      <dgm:presOf axis="self"/>
+                      <dgm:constrLst>
+                        <dgm:constr type="begPad"/>
+                        <dgm:constr type="endPad"/>
+                      </dgm:constrLst>
+                      <dgm:ruleLst/>
+                    </dgm:layoutNode>
+                  </dgm:if>
+                  <dgm:else name="Name49">
+                    <dgm:layoutNode name="Name50">
+                      <dgm:choose name="Name51">
+                        <dgm:if name="Name52" axis="self" func="depth" op="lte" val="2">
+                          <dgm:choose name="Name53">
+                            <dgm:if name="Name54" axis="par ch" ptType="node asst" func="cnt" op="gte" val="1">
+                              <dgm:alg type="conn">
+                                <dgm:param type="connRout" val="bend"/>
+                                <dgm:param type="dim" val="1D"/>
+                                <dgm:param type="endSty" val="noArr"/>
+                                <dgm:param type="begPts" val="bCtr"/>
+                                <dgm:param type="endPts" val="midL midR"/>
+                              </dgm:alg>
+                            </dgm:if>
+                            <dgm:else name="Name55">
+                              <dgm:alg type="conn">
+                                <dgm:param type="connRout" val="bend"/>
+                                <dgm:param type="dim" val="1D"/>
+                                <dgm:param type="endSty" val="noArr"/>
+                                <dgm:param type="begPts" val="bCtr"/>
+                                <dgm:param type="endPts" val="midL midR"/>
+                                <dgm:param type="srcNode" val="rootConnector1"/>
+                              </dgm:alg>
+                            </dgm:else>
+                          </dgm:choose>
+                        </dgm:if>
+                        <dgm:else name="Name56">
+                          <dgm:choose name="Name57">
+                            <dgm:if name="Name58" axis="par ch" ptType="node asst" func="cnt" op="gte" val="1">
+                              <dgm:alg type="conn">
+                                <dgm:param type="connRout" val="bend"/>
+                                <dgm:param type="dim" val="1D"/>
+                                <dgm:param type="endSty" val="noArr"/>
+                                <dgm:param type="begPts" val="bCtr"/>
+                                <dgm:param type="endPts" val="midL midR"/>
+                              </dgm:alg>
+                            </dgm:if>
+                            <dgm:else name="Name59">
+                              <dgm:alg type="conn">
+                                <dgm:param type="connRout" val="bend"/>
+                                <dgm:param type="dim" val="1D"/>
+                                <dgm:param type="endSty" val="noArr"/>
+                                <dgm:param type="begPts" val="bCtr"/>
+                                <dgm:param type="endPts" val="midL midR"/>
+                                <dgm:param type="srcNode" val="rootConnector"/>
+                              </dgm:alg>
+                            </dgm:else>
+                          </dgm:choose>
+                        </dgm:else>
+                      </dgm:choose>
+                      <dgm:shape xmlns:r="http://schemas.openxmlformats.org/officeDocument/2006/relationships" type="conn" r:blip="" zOrderOff="-99999">
+                        <dgm:adjLst/>
+                      </dgm:shape>
+                      <dgm:presOf axis="self"/>
+                      <dgm:constrLst>
+                        <dgm:constr type="begPad"/>
+                        <dgm:constr type="endPad"/>
+                      </dgm:constrLst>
+                      <dgm:ruleLst/>
+                    </dgm:layoutNode>
+                  </dgm:else>
+                </dgm:choose>
+              </dgm:forEach>
+              <dgm:layoutNode name="hierRoot2">
+                <dgm:varLst>
+                  <dgm:hierBranch val="init"/>
+                </dgm:varLst>
+                <dgm:choose name="Name60">
+                  <dgm:if name="Name61" func="var" arg="hierBranch" op="equ" val="l">
+                    <dgm:choose name="Name62">
+                      <dgm:if name="Name63" axis="ch" ptType="asst" func="cnt" op="gte" val="1">
+                        <dgm:alg type="hierRoot">
+                          <dgm:param type="hierAlign" val="tR"/>
+                        </dgm:alg>
+                        <dgm:shape xmlns:r="http://schemas.openxmlformats.org/officeDocument/2006/relationships" r:blip="">
+                          <dgm:adjLst/>
+                        </dgm:shape>
+                        <dgm:presOf/>
+                        <dgm:constrLst>
+                          <dgm:constr type="alignOff" val="0.65"/>
+                        </dgm:constrLst>
+                      </dgm:if>
+                      <dgm:else name="Name64">
+                        <dgm:alg type="hierRoot">
+                          <dgm:param type="hierAlign" val="tR"/>
+                        </dgm:alg>
+                        <dgm:shape xmlns:r="http://schemas.openxmlformats.org/officeDocument/2006/relationships" r:blip="">
+                          <dgm:adjLst/>
+                        </dgm:shape>
+                        <dgm:presOf/>
+                        <dgm:constrLst>
+                          <dgm:constr type="alignOff" val="0.25"/>
+                        </dgm:constrLst>
+                      </dgm:else>
+                    </dgm:choose>
+                  </dgm:if>
+                  <dgm:if name="Name65" func="var" arg="hierBranch" op="equ" val="r">
+                    <dgm:choose name="Name66">
+                      <dgm:if name="Name67" axis="ch" ptType="asst" func="cnt" op="gte" val="1">
+                        <dgm:alg type="hierRoot">
+                          <dgm:param type="hierAlign" val="tL"/>
+                        </dgm:alg>
+                        <dgm:shape xmlns:r="http://schemas.openxmlformats.org/officeDocument/2006/relationships" r:blip="">
+                          <dgm:adjLst/>
+                        </dgm:shape>
+                        <dgm:presOf/>
+                        <dgm:constrLst>
+                          <dgm:constr type="alignOff" val="0.65"/>
+                        </dgm:constrLst>
+                      </dgm:if>
+                      <dgm:else name="Name68">
+                        <dgm:alg type="hierRoot">
+                          <dgm:param type="hierAlign" val="tL"/>
+                        </dgm:alg>
+                        <dgm:shape xmlns:r="http://schemas.openxmlformats.org/officeDocument/2006/relationships" r:blip="">
+                          <dgm:adjLst/>
+                        </dgm:shape>
+                        <dgm:presOf/>
+                        <dgm:constrLst>
+                          <dgm:constr type="alignOff" val="0.25"/>
+                        </dgm:constrLst>
+                      </dgm:else>
+                    </dgm:choose>
+                  </dgm:if>
+                  <dgm:if name="Name69" func="var" arg="hierBranch" op="equ" val="std">
+                    <dgm:alg type="hierRoot"/>
+                    <dgm:shape xmlns:r="http://schemas.openxmlformats.org/officeDocument/2006/relationships" r:blip="">
+                      <dgm:adjLst/>
+                    </dgm:shape>
+                    <dgm:presOf/>
+                    <dgm:constrLst>
+                      <dgm:constr type="alignOff"/>
+                      <dgm:constr type="bendDist" for="des" ptType="parTrans" refType="sp" fact="0.5"/>
+                    </dgm:constrLst>
+                  </dgm:if>
+                  <dgm:if name="Name70" func="var" arg="hierBranch" op="equ" val="init">
+                    <dgm:choose name="Name71">
+                      <dgm:if name="Name72" axis="des" func="maxDepth" op="lte" val="1">
+                        <dgm:choose name="Name73">
+                          <dgm:if name="Name74" axis="ch" ptType="asst" func="cnt" op="gte" val="1">
+                            <dgm:alg type="hierRoot">
+                              <dgm:param type="hierAlign" val="tL"/>
+                            </dgm:alg>
+                            <dgm:shape xmlns:r="http://schemas.openxmlformats.org/officeDocument/2006/relationships" r:blip="">
+                              <dgm:adjLst/>
+                            </dgm:shape>
+                            <dgm:presOf/>
+                            <dgm:constrLst>
+                              <dgm:constr type="alignOff" val="0.65"/>
+                            </dgm:constrLst>
+                          </dgm:if>
+                          <dgm:else name="Name75">
+                            <dgm:alg type="hierRoot">
+                              <dgm:param type="hierAlign" val="tL"/>
+                            </dgm:alg>
+                            <dgm:shape xmlns:r="http://schemas.openxmlformats.org/officeDocument/2006/relationships" r:blip="">
+                              <dgm:adjLst/>
+                            </dgm:shape>
+                            <dgm:presOf/>
+                            <dgm:constrLst>
+                              <dgm:constr type="alignOff" val="0.25"/>
+                            </dgm:constrLst>
+                          </dgm:else>
+                        </dgm:choose>
+                      </dgm:if>
+                      <dgm:else name="Name76">
+                        <dgm:alg type="hierRoot"/>
+                        <dgm:shape xmlns:r="http://schemas.openxmlformats.org/officeDocument/2006/relationships" r:blip="">
+                          <dgm:adjLst/>
+                        </dgm:shape>
+                        <dgm:presOf/>
+                        <dgm:constrLst>
+                          <dgm:constr type="alignOff"/>
+                          <dgm:constr type="bendDist" for="des" ptType="parTrans" refType="sp" fact="0.5"/>
+                        </dgm:constrLst>
+                      </dgm:else>
+                    </dgm:choose>
+                  </dgm:if>
+                  <dgm:else name="Name77">
+                    <dgm:alg type="hierRoot"/>
+                    <dgm:shape xmlns:r="http://schemas.openxmlformats.org/officeDocument/2006/relationships" r:blip="">
+                      <dgm:adjLst/>
+                    </dgm:shape>
+                    <dgm:presOf/>
+                    <dgm:constrLst>
+                      <dgm:constr type="alignOff" val="0.65"/>
+                    </dgm:constrLst>
+                  </dgm:else>
+                </dgm:choose>
+                <dgm:ruleLst/>
+                <dgm:layoutNode name="rootComposite">
+                  <dgm:alg type="composite"/>
+                  <dgm:shape xmlns:r="http://schemas.openxmlformats.org/officeDocument/2006/relationships" r:blip="">
+                    <dgm:adjLst/>
+                  </dgm:shape>
+                  <dgm:presOf axis="self" ptType="node" cnt="1"/>
+                  <dgm:choose name="Name78">
+                    <dgm:if name="Name79" func="var" arg="hierBranch" op="equ" val="init">
+                      <dgm:constrLst>
+                        <dgm:constr type="l" for="ch" forName="rootText"/>
+                        <dgm:constr type="t" for="ch" forName="rootText"/>
+                        <dgm:constr type="w" for="ch" forName="rootText" refType="w"/>
+                        <dgm:constr type="h" for="ch" forName="rootText" refType="h"/>
+                        <dgm:constr type="l" for="ch" forName="rootConnector"/>
+                        <dgm:constr type="t" for="ch" forName="rootConnector"/>
+                        <dgm:constr type="w" for="ch" forName="rootConnector" refType="w" refFor="ch" refForName="rootText" fact="0.2"/>
+                        <dgm:constr type="h" for="ch" forName="rootConnector" refType="h" refFor="ch" refForName="rootText"/>
+                      </dgm:constrLst>
+                    </dgm:if>
+                    <dgm:if name="Name80" func="var" arg="hierBranch" op="equ" val="l">
+                      <dgm:constrLst>
+                        <dgm:constr type="l" for="ch" forName="rootText"/>
+                        <dgm:constr type="t" for="ch" forName="rootText"/>
+                        <dgm:constr type="w" for="ch" forName="rootText" refType="w"/>
+                        <dgm:constr type="h" for="ch" forName="rootText" refType="h"/>
+                        <dgm:constr type="r" for="ch" forName="rootConnector" refType="w"/>
+                        <dgm:constr type="t" for="ch" forName="rootConnector"/>
+                        <dgm:constr type="w" for="ch" forName="rootConnector" refType="w" refFor="ch" refForName="rootText" fact="0.2"/>
+                        <dgm:constr type="h" for="ch" forName="rootConnector" refType="h" refFor="ch" refForName="rootText"/>
+                      </dgm:constrLst>
+                    </dgm:if>
+                    <dgm:if name="Name81" func="var" arg="hierBranch" op="equ" val="r">
+                      <dgm:constrLst>
+                        <dgm:constr type="l" for="ch" forName="rootText"/>
+                        <dgm:constr type="t" for="ch" forName="rootText"/>
+                        <dgm:constr type="w" for="ch" forName="rootText" refType="w"/>
+                        <dgm:constr type="h" for="ch" forName="rootText" refType="h"/>
+                        <dgm:constr type="l" for="ch" forName="rootConnector"/>
+                        <dgm:constr type="t" for="ch" forName="rootConnector"/>
+                        <dgm:constr type="w" for="ch" forName="rootConnector" refType="w" refFor="ch" refForName="rootText" fact="0.2"/>
+                        <dgm:constr type="h" for="ch" forName="rootConnector" refType="h" refFor="ch" refForName="rootText"/>
+                      </dgm:constrLst>
+                    </dgm:if>
+                    <dgm:else name="Name82">
+                      <dgm:constrLst>
+                        <dgm:constr type="l" for="ch" forName="rootText"/>
+                        <dgm:constr type="t" for="ch" forName="rootText"/>
+                        <dgm:constr type="w" for="ch" forName="rootText" refType="w"/>
+                        <dgm:constr type="h" for="ch" forName="rootText" refType="h"/>
+                        <dgm:constr type="r" for="ch" forName="rootConnector" refType="w"/>
+                        <dgm:constr type="t" for="ch" forName="rootConnector"/>
+                        <dgm:constr type="w" for="ch" forName="rootConnector" refType="w" refFor="ch" refForName="rootText" fact="0.2"/>
+                        <dgm:constr type="h" for="ch" forName="rootConnector" refType="h" refFor="ch" refForName="rootText"/>
+                      </dgm:constrLst>
+                    </dgm:else>
+                  </dgm:choose>
+                  <dgm:ruleLst/>
+                  <dgm:layoutNode name="rootText">
+                    <dgm:varLst>
+                      <dgm:chPref val="3"/>
+                    </dgm:varLst>
+                    <dgm:alg type="tx"/>
+                    <dgm:shape xmlns:r="http://schemas.openxmlformats.org/officeDocument/2006/relationships" type="rect" r:blip="">
+                      <dgm:adjLst/>
+                    </dgm:shape>
+                    <dgm:presOf axis="self" ptType="node" cnt="1"/>
+                    <dgm:constrLst>
+                      <dgm:constr type="primFontSz" val="65"/>
+                      <dgm:constr type="lMarg" refType="primFontSz" fact="0.05"/>
+                      <dgm:constr type="rMarg" refType="primFontSz" fact="0.05"/>
+                      <dgm:constr type="tMarg" refType="primFontSz" fact="0.05"/>
+                      <dgm:constr type="bMarg" refType="primFontSz" fact="0.05"/>
+                    </dgm:constrLst>
+                    <dgm:ruleLst>
+                      <dgm:rule type="primFontSz" val="5" fact="NaN" max="NaN"/>
+                    </dgm:ruleLst>
+                  </dgm:layoutNode>
+                  <dgm:layoutNode name="rootConnector" moveWith="rootText">
+                    <dgm:alg type="sp"/>
+                    <dgm:shape xmlns:r="http://schemas.openxmlformats.org/officeDocument/2006/relationships" type="rect" r:blip="" hideGeom="1">
+                      <dgm:adjLst/>
+                    </dgm:shape>
+                    <dgm:presOf axis="self" ptType="node" cnt="1"/>
+                    <dgm:constrLst/>
+                    <dgm:ruleLst/>
+                  </dgm:layoutNode>
+                </dgm:layoutNode>
+                <dgm:layoutNode name="hierChild4">
+                  <dgm:choose name="Name83">
+                    <dgm:if name="Name84" func="var" arg="hierBranch" op="equ" val="l">
+                      <dgm:alg type="hierChild">
+                        <dgm:param type="chAlign" val="r"/>
+                        <dgm:param type="linDir" val="fromT"/>
+                      </dgm:alg>
+                    </dgm:if>
+                    <dgm:if name="Name85" func="var" arg="hierBranch" op="equ" val="r">
+                      <dgm:alg type="hierChild">
+                        <dgm:param type="chAlign" val="l"/>
+                        <dgm:param type="linDir" val="fromT"/>
+                      </dgm:alg>
+                    </dgm:if>
+                    <dgm:if name="Name86" func="var" arg="hierBranch" op="equ" val="hang">
+                      <dgm:choose name="Name87">
+                        <dgm:if name="Name88" func="var" arg="dir" op="equ" val="norm">
+                          <dgm:alg type="hierChild">
+                            <dgm:param type="chAlign" val="l"/>
+                            <dgm:param type="linDir" val="fromL"/>
+                            <dgm:param type="secChAlign" val="t"/>
+                            <dgm:param type="secLinDir" val="fromT"/>
+                          </dgm:alg>
+                        </dgm:if>
+                        <dgm:else name="Name89">
+                          <dgm:alg type="hierChild">
+                            <dgm:param type="chAlign" val="l"/>
+                            <dgm:param type="linDir" val="fromR"/>
+                            <dgm:param type="secChAlign" val="t"/>
+                            <dgm:param type="secLinDir" val="fromT"/>
+                          </dgm:alg>
+                        </dgm:else>
+                      </dgm:choose>
+                    </dgm:if>
+                    <dgm:if name="Name90" func="var" arg="hierBranch" op="equ" val="std">
+                      <dgm:choose name="Name91">
+                        <dgm:if name="Name92" func="var" arg="dir" op="equ" val="norm">
+                          <dgm:alg type="hierChild"/>
+                        </dgm:if>
+                        <dgm:else name="Name93">
+                          <dgm:alg type="hierChild">
+                            <dgm:param type="linDir" val="fromR"/>
+                          </dgm:alg>
+                        </dgm:else>
+                      </dgm:choose>
+                    </dgm:if>
+                    <dgm:if name="Name94" func="var" arg="hierBranch" op="equ" val="init">
+                      <dgm:choose name="Name95">
+                        <dgm:if name="Name96" axis="des" func="maxDepth" op="lte" val="1">
+                          <dgm:alg type="hierChild">
+                            <dgm:param type="chAlign" val="l"/>
+                            <dgm:param type="linDir" val="fromT"/>
+                          </dgm:alg>
+                        </dgm:if>
+                        <dgm:else name="Name97">
+                          <dgm:choose name="Name98">
+                            <dgm:if name="Name99" func="var" arg="dir" op="equ" val="norm">
+                              <dgm:alg type="hierChild"/>
+                            </dgm:if>
+                            <dgm:else name="Name100">
+                              <dgm:alg type="hierChild">
+                                <dgm:param type="linDir" val="fromR"/>
+                              </dgm:alg>
+                            </dgm:else>
+                          </dgm:choose>
+                        </dgm:else>
+                      </dgm:choose>
+                    </dgm:if>
+                    <dgm:else name="Name101"/>
+                  </dgm:choose>
+                  <dgm:shape xmlns:r="http://schemas.openxmlformats.org/officeDocument/2006/relationships" r:blip="">
+                    <dgm:adjLst/>
+                  </dgm:shape>
+                  <dgm:presOf/>
+                  <dgm:constrLst/>
+                  <dgm:ruleLst/>
+                  <dgm:forEach name="Name102" ref="rep2a"/>
+                </dgm:layoutNode>
+                <dgm:layoutNode name="hierChild5">
+                  <dgm:choose name="Name103">
+                    <dgm:if name="Name104" func="var" arg="dir" op="equ" val="norm">
+                      <dgm:alg type="hierChild">
+                        <dgm:param type="chAlign" val="l"/>
+                        <dgm:param type="linDir" val="fromL"/>
+                        <dgm:param type="secChAlign" val="t"/>
+                        <dgm:param type="secLinDir" val="fromT"/>
+                      </dgm:alg>
+                    </dgm:if>
+                    <dgm:else name="Name105">
+                      <dgm:alg type="hierChild">
+                        <dgm:param type="chAlign" val="l"/>
+                        <dgm:param type="linDir" val="fromR"/>
+                        <dgm:param type="secChAlign" val="t"/>
+                        <dgm:param type="secLinDir" val="fromT"/>
+                      </dgm:alg>
+                    </dgm:else>
+                  </dgm:choose>
+                  <dgm:shape xmlns:r="http://schemas.openxmlformats.org/officeDocument/2006/relationships" r:blip="">
+                    <dgm:adjLst/>
+                  </dgm:shape>
+                  <dgm:presOf/>
+                  <dgm:constrLst/>
+                  <dgm:ruleLst/>
+                  <dgm:forEach name="Name106" ref="rep2b"/>
+                </dgm:layoutNode>
+              </dgm:layoutNode>
+            </dgm:forEach>
+          </dgm:layoutNode>
+          <dgm:layoutNode name="hierChild3">
+            <dgm:choose name="Name107">
+              <dgm:if name="Name108" func="var" arg="dir" op="equ" val="norm">
+                <dgm:alg type="hierChild">
+                  <dgm:param type="chAlign" val="l"/>
+                  <dgm:param type="linDir" val="fromL"/>
+                  <dgm:param type="secChAlign" val="t"/>
+                  <dgm:param type="secLinDir" val="fromT"/>
+                </dgm:alg>
+              </dgm:if>
+              <dgm:else name="Name109">
+                <dgm:alg type="hierChild">
+                  <dgm:param type="chAlign" val="l"/>
+                  <dgm:param type="linDir" val="fromR"/>
+                  <dgm:param type="secChAlign" val="t"/>
+                  <dgm:param type="secLinDir" val="fromT"/>
+                </dgm:alg>
+              </dgm:else>
+            </dgm:choose>
+            <dgm:shape xmlns:r="http://schemas.openxmlformats.org/officeDocument/2006/relationships" r:blip="">
+              <dgm:adjLst/>
+            </dgm:shape>
+            <dgm:presOf/>
+            <dgm:constrLst/>
+            <dgm:ruleLst/>
+            <dgm:forEach name="rep2b" axis="ch" ptType="asst">
+              <dgm:forEach name="Name110" axis="precedSib" ptType="parTrans" st="-1" cnt="1">
+                <dgm:layoutNode name="Name111">
+                  <dgm:alg type="conn">
+                    <dgm:param type="connRout" val="bend"/>
+                    <dgm:param type="dim" val="1D"/>
+                    <dgm:param type="endSty" val="noArr"/>
+                    <dgm:param type="begPts" val="bCtr"/>
+                    <dgm:param type="endPts" val="midL midR"/>
+                  </dgm:alg>
+                  <dgm:shape xmlns:r="http://schemas.openxmlformats.org/officeDocument/2006/relationships" type="conn" r:blip="" zOrderOff="-99999">
+                    <dgm:adjLst/>
+                  </dgm:shape>
+                  <dgm:presOf axis="self"/>
+                  <dgm:constrLst>
+                    <dgm:constr type="begPad"/>
+                    <dgm:constr type="endPad"/>
+                  </dgm:constrLst>
+                  <dgm:ruleLst/>
+                </dgm:layoutNode>
+              </dgm:forEach>
+              <dgm:layoutNode name="hierRoot3">
+                <dgm:varLst>
+                  <dgm:hierBranch val="init"/>
+                </dgm:varLst>
+                <dgm:choose name="Name112">
+                  <dgm:if name="Name113" func="var" arg="hierBranch" op="equ" val="l">
+                    <dgm:alg type="hierRoot">
+                      <dgm:param type="hierAlign" val="tR"/>
+                    </dgm:alg>
+                    <dgm:shape xmlns:r="http://schemas.openxmlformats.org/officeDocument/2006/relationships" r:blip="">
+                      <dgm:adjLst/>
+                    </dgm:shape>
+                    <dgm:presOf/>
+                    <dgm:constrLst>
+                      <dgm:constr type="alignOff" val="0.65"/>
+                    </dgm:constrLst>
+                  </dgm:if>
+                  <dgm:if name="Name114" func="var" arg="hierBranch" op="equ" val="r">
+                    <dgm:alg type="hierRoot">
+                      <dgm:param type="hierAlign" val="tL"/>
+                    </dgm:alg>
+                    <dgm:shape xmlns:r="http://schemas.openxmlformats.org/officeDocument/2006/relationships" r:blip="">
+                      <dgm:adjLst/>
+                    </dgm:shape>
+                    <dgm:presOf/>
+                    <dgm:constrLst>
+                      <dgm:constr type="alignOff" val="0.65"/>
+                    </dgm:constrLst>
+                  </dgm:if>
+                  <dgm:if name="Name115" func="var" arg="hierBranch" op="equ" val="hang">
+                    <dgm:alg type="hierRoot"/>
+                    <dgm:shape xmlns:r="http://schemas.openxmlformats.org/officeDocument/2006/relationships" r:blip="">
+                      <dgm:adjLst/>
+                    </dgm:shape>
+                    <dgm:presOf/>
+                    <dgm:constrLst>
+                      <dgm:constr type="alignOff" val="0.65"/>
+                    </dgm:constrLst>
+                  </dgm:if>
+                  <dgm:if name="Name116" func="var" arg="hierBranch" op="equ" val="std">
+                    <dgm:alg type="hierRoot"/>
+                    <dgm:shape xmlns:r="http://schemas.openxmlformats.org/officeDocument/2006/relationships" r:blip="">
+                      <dgm:adjLst/>
+                    </dgm:shape>
+                    <dgm:presOf/>
+                    <dgm:constrLst>
+                      <dgm:constr type="alignOff"/>
+                      <dgm:constr type="bendDist" for="des" ptType="parTrans" refType="sp" fact="0.5"/>
+                    </dgm:constrLst>
+                  </dgm:if>
+                  <dgm:if name="Name117" func="var" arg="hierBranch" op="equ" val="init">
+                    <dgm:choose name="Name118">
+                      <dgm:if name="Name119" axis="des" func="maxDepth" op="lte" val="1">
+                        <dgm:alg type="hierRoot">
+                          <dgm:param type="hierAlign" val="tL"/>
+                        </dgm:alg>
+                        <dgm:shape xmlns:r="http://schemas.openxmlformats.org/officeDocument/2006/relationships" r:blip="">
+                          <dgm:adjLst/>
+                        </dgm:shape>
+                        <dgm:presOf/>
+                        <dgm:constrLst>
+                          <dgm:constr type="alignOff" val="0.65"/>
+                        </dgm:constrLst>
+                      </dgm:if>
+                      <dgm:else name="Name120">
+                        <dgm:alg type="hierRoot"/>
+                        <dgm:shape xmlns:r="http://schemas.openxmlformats.org/officeDocument/2006/relationships" r:blip="">
+                          <dgm:adjLst/>
+                        </dgm:shape>
+                        <dgm:presOf/>
+                        <dgm:constrLst>
+                          <dgm:constr type="alignOff"/>
+                          <dgm:constr type="bendDist" for="des" ptType="parTrans" refType="sp" fact="0.5"/>
+                        </dgm:constrLst>
+                      </dgm:else>
+                    </dgm:choose>
+                  </dgm:if>
+                  <dgm:else name="Name121"/>
+                </dgm:choose>
+                <dgm:ruleLst/>
+                <dgm:layoutNode name="rootComposite3">
+                  <dgm:alg type="composite"/>
+                  <dgm:shape xmlns:r="http://schemas.openxmlformats.org/officeDocument/2006/relationships" r:blip="">
+                    <dgm:adjLst/>
+                  </dgm:shape>
+                  <dgm:presOf axis="self" ptType="node" cnt="1"/>
+                  <dgm:choose name="Name122">
+                    <dgm:if name="Name123" func="var" arg="hierBranch" op="equ" val="init">
+                      <dgm:constrLst>
+                        <dgm:constr type="l" for="ch" forName="rootText3"/>
+                        <dgm:constr type="t" for="ch" forName="rootText3"/>
+                        <dgm:constr type="w" for="ch" forName="rootText3" refType="w"/>
+                        <dgm:constr type="h" for="ch" forName="rootText3" refType="h"/>
+                        <dgm:constr type="l" for="ch" forName="rootConnector3"/>
+                        <dgm:constr type="t" for="ch" forName="rootConnector3"/>
+                        <dgm:constr type="w" for="ch" forName="rootConnector3" refType="w" refFor="ch" refForName="rootText3" fact="0.2"/>
+                        <dgm:constr type="h" for="ch" forName="rootConnector3" refType="h" refFor="ch" refForName="rootText3"/>
+                      </dgm:constrLst>
+                    </dgm:if>
+                    <dgm:if name="Name124" func="var" arg="hierBranch" op="equ" val="l">
+                      <dgm:constrLst>
+                        <dgm:constr type="l" for="ch" forName="rootText3"/>
+                        <dgm:constr type="t" for="ch" forName="rootText3"/>
+                        <dgm:constr type="w" for="ch" forName="rootText3" refType="w"/>
+                        <dgm:constr type="h" for="ch" forName="rootText3" refType="h"/>
+                        <dgm:constr type="r" for="ch" forName="rootConnector3" refType="w"/>
+                        <dgm:constr type="t" for="ch" forName="rootConnector3"/>
+                        <dgm:constr type="w" for="ch" forName="rootConnector3" refType="w" refFor="ch" refForName="rootText3" fact="0.2"/>
+                        <dgm:constr type="h" for="ch" forName="rootConnector3" refType="h" refFor="ch" refForName="rootText3"/>
+                      </dgm:constrLst>
+                    </dgm:if>
+                    <dgm:if name="Name125" func="var" arg="hierBranch" op="equ" val="r">
+                      <dgm:constrLst>
+                        <dgm:constr type="l" for="ch" forName="rootText3"/>
+                        <dgm:constr type="t" for="ch" forName="rootText3"/>
+                        <dgm:constr type="w" for="ch" forName="rootText3" refType="w"/>
+                        <dgm:constr type="h" for="ch" forName="rootText3" refType="h"/>
+                        <dgm:constr type="l" for="ch" forName="rootConnector3"/>
+                        <dgm:constr type="t" for="ch" forName="rootConnector3"/>
+                        <dgm:constr type="w" for="ch" forName="rootConnector3" refType="w" refFor="ch" refForName="rootText3" fact="0.2"/>
+                        <dgm:constr type="h" for="ch" forName="rootConnector3" refType="h" refFor="ch" refForName="rootText3"/>
+                      </dgm:constrLst>
+                    </dgm:if>
+                    <dgm:else name="Name126">
+                      <dgm:constrLst>
+                        <dgm:constr type="l" for="ch" forName="rootText3"/>
+                        <dgm:constr type="t" for="ch" forName="rootText3"/>
+                        <dgm:constr type="w" for="ch" forName="rootText3" refType="w"/>
+                        <dgm:constr type="h" for="ch" forName="rootText3" refType="h"/>
+                        <dgm:constr type="r" for="ch" forName="rootConnector3" refType="w"/>
+                        <dgm:constr type="t" for="ch" forName="rootConnector3"/>
+                        <dgm:constr type="w" for="ch" forName="rootConnector3" refType="w" refFor="ch" refForName="rootText3" fact="0.2"/>
+                        <dgm:constr type="h" for="ch" forName="rootConnector3" refType="h" refFor="ch" refForName="rootText3"/>
+                      </dgm:constrLst>
+                    </dgm:else>
+                  </dgm:choose>
+                  <dgm:ruleLst/>
+                  <dgm:layoutNode name="rootText3">
+                    <dgm:varLst>
+                      <dgm:chPref val="3"/>
+                    </dgm:varLst>
+                    <dgm:alg type="tx"/>
+                    <dgm:shape xmlns:r="http://schemas.openxmlformats.org/officeDocument/2006/relationships" type="rect" r:blip="">
+                      <dgm:adjLst/>
+                    </dgm:shape>
+                    <dgm:presOf axis="self" ptType="node" cnt="1"/>
+                    <dgm:constrLst>
+                      <dgm:constr type="primFontSz" val="65"/>
+                      <dgm:constr type="lMarg" refType="primFontSz" fact="0.05"/>
+                      <dgm:constr type="rMarg" refType="primFontSz" fact="0.05"/>
+                      <dgm:constr type="tMarg" refType="primFontSz" fact="0.05"/>
+                      <dgm:constr type="bMarg" refType="primFontSz" fact="0.05"/>
+                    </dgm:constrLst>
+                    <dgm:ruleLst>
+                      <dgm:rule type="primFontSz" val="5" fact="NaN" max="NaN"/>
+                    </dgm:ruleLst>
+                  </dgm:layoutNode>
+                  <dgm:layoutNode name="rootConnector3" moveWith="rootText1">
+                    <dgm:alg type="sp"/>
+                    <dgm:shape xmlns:r="http://schemas.openxmlformats.org/officeDocument/2006/relationships" type="rect" r:blip="" hideGeom="1">
+                      <dgm:adjLst/>
+                    </dgm:shape>
+                    <dgm:presOf axis="self" ptType="node" cnt="1"/>
+                    <dgm:constrLst/>
+                    <dgm:ruleLst/>
+                  </dgm:layoutNode>
+                </dgm:layoutNode>
+                <dgm:layoutNode name="hierChild6">
+                  <dgm:choose name="Name127">
+                    <dgm:if name="Name128" func="var" arg="hierBranch" op="equ" val="l">
+                      <dgm:alg type="hierChild">
+                        <dgm:param type="chAlign" val="r"/>
+                        <dgm:param type="linDir" val="fromT"/>
+                      </dgm:alg>
+                    </dgm:if>
+                    <dgm:if name="Name129" func="var" arg="hierBranch" op="equ" val="r">
+                      <dgm:alg type="hierChild">
+                        <dgm:param type="chAlign" val="l"/>
+                        <dgm:param type="linDir" val="fromT"/>
+                      </dgm:alg>
+                    </dgm:if>
+                    <dgm:if name="Name130" func="var" arg="hierBranch" op="equ" val="hang">
+                      <dgm:choose name="Name131">
+                        <dgm:if name="Name132" func="var" arg="dir" op="equ" val="norm">
+                          <dgm:alg type="hierChild">
+                            <dgm:param type="chAlign" val="l"/>
+                            <dgm:param type="linDir" val="fromL"/>
+                            <dgm:param type="secChAlign" val="t"/>
+                            <dgm:param type="secLinDir" val="fromT"/>
+                          </dgm:alg>
+                        </dgm:if>
+                        <dgm:else name="Name133">
+                          <dgm:alg type="hierChild">
+                            <dgm:param type="chAlign" val="l"/>
+                            <dgm:param type="linDir" val="fromR"/>
+                            <dgm:param type="secChAlign" val="t"/>
+                            <dgm:param type="secLinDir" val="fromT"/>
+                          </dgm:alg>
+                        </dgm:else>
+                      </dgm:choose>
+                    </dgm:if>
+                    <dgm:if name="Name134" func="var" arg="hierBranch" op="equ" val="std">
+                      <dgm:choose name="Name135">
+                        <dgm:if name="Name136" func="var" arg="dir" op="equ" val="norm">
+                          <dgm:alg type="hierChild"/>
+                        </dgm:if>
+                        <dgm:else name="Name137">
+                          <dgm:alg type="hierChild">
+                            <dgm:param type="linDir" val="fromR"/>
+                          </dgm:alg>
+                        </dgm:else>
+                      </dgm:choose>
+                    </dgm:if>
+                    <dgm:if name="Name138" func="var" arg="hierBranch" op="equ" val="init">
+                      <dgm:choose name="Name139">
+                        <dgm:if name="Name140" axis="des" func="maxDepth" op="lte" val="1">
+                          <dgm:alg type="hierChild">
+                            <dgm:param type="chAlign" val="l"/>
+                            <dgm:param type="linDir" val="fromT"/>
+                          </dgm:alg>
+                        </dgm:if>
+                        <dgm:else name="Name141">
+                          <dgm:alg type="hierChild"/>
+                        </dgm:else>
+                      </dgm:choose>
+                    </dgm:if>
+                    <dgm:else name="Name142"/>
+                  </dgm:choose>
+                  <dgm:shape xmlns:r="http://schemas.openxmlformats.org/officeDocument/2006/relationships" r:blip="">
+                    <dgm:adjLst/>
+                  </dgm:shape>
+                  <dgm:presOf/>
+                  <dgm:constrLst/>
+                  <dgm:ruleLst/>
+                  <dgm:forEach name="Name143" ref="rep2a"/>
+                </dgm:layoutNode>
+                <dgm:layoutNode name="hierChild7">
+                  <dgm:choose name="Name144">
+                    <dgm:if name="Name145" func="var" arg="dir" op="equ" val="norm">
+                      <dgm:alg type="hierChild">
+                        <dgm:param type="chAlign" val="l"/>
+                        <dgm:param type="linDir" val="fromL"/>
+                        <dgm:param type="secChAlign" val="t"/>
+                        <dgm:param type="secLinDir" val="fromT"/>
+                      </dgm:alg>
+                    </dgm:if>
+                    <dgm:else name="Name146">
+                      <dgm:alg type="hierChild">
+                        <dgm:param type="chAlign" val="l"/>
+                        <dgm:param type="linDir" val="fromR"/>
+                        <dgm:param type="secChAlign" val="t"/>
+                        <dgm:param type="secLinDir" val="fromT"/>
+                      </dgm:alg>
+                    </dgm:else>
+                  </dgm:choose>
+                  <dgm:shape xmlns:r="http://schemas.openxmlformats.org/officeDocument/2006/relationships" r:blip="">
+                    <dgm:adjLst/>
+                  </dgm:shape>
+                  <dgm:presOf/>
+                  <dgm:constrLst/>
+                  <dgm:ruleLst/>
+                  <dgm:forEach name="Name147" ref="rep2b"/>
+                </dgm:layoutNode>
+              </dgm:layoutNode>
+            </dgm:forEach>
+          </dgm:layoutNode>
+        </dgm:layoutNode>
+      </dgm:forEach>
+    </dgm:forEach>
+  </dgm:layoutNode>
+</dgm:layoutDef>
+</file>
+
 <file path=ppt/diagrams/quickStyle1.xml><?xml version="1.0" encoding="utf-8"?>
+<dgm:styleDef xmlns:dgm="http://schemas.openxmlformats.org/drawingml/2006/diagram" xmlns:a="http://schemas.openxmlformats.org/drawingml/2006/main" uniqueId="urn:microsoft.com/office/officeart/2005/8/quickstyle/simple3">
+  <dgm:title val=""/>
+  <dgm:desc val=""/>
+  <dgm:catLst>
+    <dgm:cat type="simple" pri="10300"/>
+  </dgm:catLst>
+  <dgm:scene3d>
+    <a:camera prst="orthographicFront"/>
+    <a:lightRig rig="threePt" dir="t"/>
+  </dgm:scene3d>
+  <dgm:styleLbl name="node0">
+    <dgm:scene3d>
+      <a:camera prst="orthographicFront"/>
+      <a:lightRig rig="flat" dir="t"/>
+    </dgm:scene3d>
+    <dgm:sp3d prstMaterial="dkEdge">
+      <a:bevelT w="8200" h="38100"/>
+    </dgm:sp3d>
+    <dgm:txPr/>
+    <dgm:style>
+      <a:lnRef idx="0">
+        <a:scrgbClr r="0" g="0" b="0"/>
+      </a:lnRef>
+      <a:fillRef idx="2">
+        <a:scrgbClr r="0" g="0" b="0"/>
+      </a:fillRef>
+      <a:effectRef idx="1">
+        <a:scrgbClr r="0" g="0" b="0"/>
+      </a:effectRef>
+      <a:fontRef idx="minor">
+        <a:schemeClr val="dk1"/>
+      </a:fontRef>
+    </dgm:style>
+  </dgm:styleLbl>
+  <dgm:styleLbl name="lnNode1">
+    <dgm:scene3d>
+      <a:camera prst="orthographicFront"/>
+      <a:lightRig rig="flat" dir="t"/>
+    </dgm:scene3d>
+    <dgm:sp3d prstMaterial="dkEdge">
+      <a:bevelT w="8200" h="38100"/>
+    </dgm:sp3d>
+    <dgm:txPr/>
+    <dgm:style>
+      <a:lnRef idx="1">
+        <a:scrgbClr r="0" g="0" b="0"/>
+      </a:lnRef>
+      <a:fillRef idx="2">
+        <a:scrgbClr r="0" g="0" b="0"/>
+      </a:fillRef>
+      <a:effectRef idx="0">
+        <a:scrgbClr r="0" g="0" b="0"/>
+      </a:effectRef>
+      <a:fontRef idx="minor">
+        <a:schemeClr val="dk1"/>
+      </a:fontRef>
+    </dgm:style>
+  </dgm:styleLbl>
+  <dgm:styleLbl name="vennNode1">
+    <dgm:scene3d>
+      <a:camera prst="orthographicFront"/>
+      <a:lightRig rig="flat" dir="t"/>
+    </dgm:scene3d>
+    <dgm:sp3d prstMaterial="dkEdge">
+      <a:bevelT w="8200" h="38100"/>
+    </dgm:sp3d>
+    <dgm:txPr/>
+    <dgm:style>
+      <a:lnRef idx="0">
+        <a:scrgbClr r="0" g="0" b="0"/>
+      </a:lnRef>
+      <a:fillRef idx="2">
+        <a:scrgbClr r="0" g="0" b="0"/>
+      </a:fillRef>
+      <a:effectRef idx="0">
+        <a:scrgbClr r="0" g="0" b="0"/>
+      </a:effectRef>
+      <a:fontRef idx="minor">
+        <a:schemeClr val="tx1"/>
+      </a:fontRef>
+    </dgm:style>
+  </dgm:styleLbl>
+  <dgm:styleLbl name="alignNode1">
+    <dgm:scene3d>
+      <a:camera prst="orthographicFront"/>
+      <a:lightRig rig="threePt" dir="t"/>
+    </dgm:scene3d>
+    <dgm:sp3d/>
+    <dgm:txPr/>
+    <dgm:style>
+      <a:lnRef idx="1">
+        <a:scrgbClr r="0" g="0" b="0"/>
+      </a:lnRef>
+      <a:fillRef idx="2">
+        <a:scrgbClr r="0" g="0" b="0"/>
+      </a:fillRef>
+      <a:effectRef idx="1">
+        <a:scrgbClr r="0" g="0" b="0"/>
+      </a:effectRef>
+      <a:fontRef idx="minor">
+        <a:schemeClr val="dk1"/>
+      </a:fontRef>
+    </dgm:style>
+  </dgm:styleLbl>
+  <dgm:styleLbl name="node1">
+    <dgm:scene3d>
+      <a:camera prst="orthographicFront"/>
+      <a:lightRig rig="flat" dir="t"/>
+    </dgm:scene3d>
+    <dgm:sp3d prstMaterial="dkEdge">
+      <a:bevelT w="8200" h="38100"/>
+    </dgm:sp3d>
+    <dgm:txPr/>
+    <dgm:style>
+      <a:lnRef idx="0">
+        <a:scrgbClr r="0" g="0" b="0"/>
+      </a:lnRef>
+      <a:fillRef idx="2">
+        <a:scrgbClr r="0" g="0" b="0"/>
+      </a:fillRef>
+      <a:effectRef idx="1">
+        <a:scrgbClr r="0" g="0" b="0"/>
+      </a:effectRef>
+      <a:fontRef idx="minor">
+        <a:schemeClr val="dk1"/>
+      </a:fontRef>
+    </dgm:style>
+  </dgm:styleLbl>
+  <dgm:styleLbl name="node2">
+    <dgm:scene3d>
+      <a:camera prst="orthographicFront"/>
+      <a:lightRig rig="flat" dir="t"/>
+    </dgm:scene3d>
+    <dgm:sp3d prstMaterial="dkEdge">
+      <a:bevelT w="8200" h="38100"/>
+    </dgm:sp3d>
+    <dgm:txPr/>
+    <dgm:style>
+      <a:lnRef idx="0">
+        <a:scrgbClr r="0" g="0" b="0"/>
+      </a:lnRef>
+      <a:fillRef idx="2">
+        <a:scrgbClr r="0" g="0" b="0"/>
+      </a:fillRef>
+      <a:effectRef idx="1">
+        <a:scrgbClr r="0" g="0" b="0"/>
+      </a:effectRef>
+      <a:fontRef idx="minor">
+        <a:schemeClr val="dk1"/>
+      </a:fontRef>
+    </dgm:style>
+  </dgm:styleLbl>
+  <dgm:styleLbl name="node3">
+    <dgm:scene3d>
+      <a:camera prst="orthographicFront"/>
+      <a:lightRig rig="flat" dir="t"/>
+    </dgm:scene3d>
+    <dgm:sp3d prstMaterial="dkEdge">
+      <a:bevelT w="8200" h="38100"/>
+    </dgm:sp3d>
+    <dgm:txPr/>
+    <dgm:style>
+      <a:lnRef idx="0">
+        <a:scrgbClr r="0" g="0" b="0"/>
+      </a:lnRef>
+      <a:fillRef idx="2">
+        <a:scrgbClr r="0" g="0" b="0"/>
+      </a:fillRef>
+      <a:effectRef idx="1">
+        <a:scrgbClr r="0" g="0" b="0"/>
+      </a:effectRef>
+      <a:fontRef idx="minor">
+        <a:schemeClr val="dk1"/>
+      </a:fontRef>
+    </dgm:style>
+  </dgm:styleLbl>
+  <dgm:styleLbl name="node4">
+    <dgm:scene3d>
+      <a:camera prst="orthographicFront"/>
+      <a:lightRig rig="flat" dir="t"/>
+    </dgm:scene3d>
+    <dgm:sp3d prstMaterial="dkEdge">
+      <a:bevelT w="8200" h="38100"/>
+    </dgm:sp3d>
+    <dgm:txPr/>
+    <dgm:style>
+      <a:lnRef idx="0">
+        <a:scrgbClr r="0" g="0" b="0"/>
+      </a:lnRef>
+      <a:fillRef idx="2">
+        <a:scrgbClr r="0" g="0" b="0"/>
+      </a:fillRef>
+      <a:effectRef idx="1">
+        <a:scrgbClr r="0" g="0" b="0"/>
+      </a:effectRef>
+      <a:fontRef idx="minor">
+        <a:schemeClr val="dk1"/>
+      </a:fontRef>
+    </dgm:style>
+  </dgm:styleLbl>
+  <dgm:styleLbl name="fgImgPlace1">
+    <dgm:scene3d>
+      <a:camera prst="orthographicFront"/>
+      <a:lightRig rig="threePt" dir="t"/>
+    </dgm:scene3d>
+    <dgm:sp3d/>
+    <dgm:txPr/>
+    <dgm:style>
+      <a:lnRef idx="1">
+        <a:scrgbClr r="0" g="0" b="0"/>
+      </a:lnRef>
+      <a:fillRef idx="1">
+        <a:scrgbClr r="0" g="0" b="0"/>
+      </a:fillRef>
+      <a:effectRef idx="1">
+        <a:scrgbClr r="0" g="0" b="0"/>
+      </a:effectRef>
+      <a:fontRef idx="minor"/>
+    </dgm:style>
+  </dgm:styleLbl>
+  <dgm:styleLbl name="alignImgPlace1">
+    <dgm:scene3d>
+      <a:camera prst="orthographicFront"/>
+      <a:lightRig rig="threePt" dir="t"/>
+    </dgm:scene3d>
+    <dgm:sp3d/>
+    <dgm:txPr/>
+    <dgm:style>
+      <a:lnRef idx="1">
+        <a:scrgbClr r="0" g="0" b="0"/>
+      </a:lnRef>
+      <a:fillRef idx="1">
+        <a:scrgbClr r="0" g="0" b="0"/>
+      </a:fillRef>
+      <a:effectRef idx="1">
+        <a:scrgbClr r="0" g="0" b="0"/>
+      </a:effectRef>
+      <a:fontRef idx="minor"/>
+    </dgm:style>
+  </dgm:styleLbl>
+  <dgm:styleLbl name="bgImgPlace1">
+    <dgm:scene3d>
+      <a:camera prst="orthographicFront"/>
+      <a:lightRig rig="threePt" dir="t"/>
+    </dgm:scene3d>
+    <dgm:sp3d/>
+    <dgm:txPr/>
+    <dgm:style>
+      <a:lnRef idx="1">
+        <a:scrgbClr r="0" g="0" b="0"/>
+      </a:lnRef>
+      <a:fillRef idx="1">
+        <a:scrgbClr r="0" g="0" b="0"/>
+      </a:fillRef>
+      <a:effectRef idx="1">
+        <a:scrgbClr r="0" g="0" b="0"/>
+      </a:effectRef>
+      <a:fontRef idx="minor"/>
+    </dgm:style>
+  </dgm:styleLbl>
+  <dgm:styleLbl name="sibTrans2D1">
+    <dgm:scene3d>
+      <a:camera prst="orthographicFront"/>
+      <a:lightRig rig="threePt" dir="t"/>
+    </dgm:scene3d>
+    <dgm:sp3d/>
+    <dgm:txPr/>
+    <dgm:style>
+      <a:lnRef idx="0">
+        <a:scrgbClr r="0" g="0" b="0"/>
+      </a:lnRef>
+      <a:fillRef idx="2">
+        <a:scrgbClr r="0" g="0" b="0"/>
+      </a:fillRef>
+      <a:effectRef idx="1">
+        <a:scrgbClr r="0" g="0" b="0"/>
+      </a:effectRef>
+      <a:fontRef idx="minor">
+        <a:schemeClr val="dk1"/>
+      </a:fontRef>
+    </dgm:style>
+  </dgm:styleLbl>
+  <dgm:styleLbl name="fgSibTrans2D1">
+    <dgm:scene3d>
+      <a:camera prst="orthographicFront"/>
+      <a:lightRig rig="threePt" dir="t"/>
+    </dgm:scene3d>
+    <dgm:sp3d/>
+    <dgm:txPr/>
+    <dgm:style>
+      <a:lnRef idx="0">
+        <a:scrgbClr r="0" g="0" b="0"/>
+      </a:lnRef>
+      <a:fillRef idx="2">
+        <a:scrgbClr r="0" g="0" b="0"/>
+      </a:fillRef>
+      <a:effectRef idx="1">
+        <a:scrgbClr r="0" g="0" b="0"/>
+      </a:effectRef>
+      <a:fontRef idx="minor">
+        <a:schemeClr val="dk1"/>
+      </a:fontRef>
+    </dgm:style>
+  </dgm:styleLbl>
+  <dgm:styleLbl name="bgSibTrans2D1">
+    <dgm:scene3d>
+      <a:camera prst="orthographicFront"/>
+      <a:lightRig rig="threePt" dir="t"/>
+    </dgm:scene3d>
+    <dgm:sp3d/>
+    <dgm:txPr/>
+    <dgm:style>
+      <a:lnRef idx="0">
+        <a:scrgbClr r="0" g="0" b="0"/>
+      </a:lnRef>
+      <a:fillRef idx="2">
+        <a:scrgbClr r="0" g="0" b="0"/>
+      </a:fillRef>
+      <a:effectRef idx="1">
+        <a:scrgbClr r="0" g="0" b="0"/>
+      </a:effectRef>
+      <a:fontRef idx="minor">
+        <a:schemeClr val="dk1"/>
+      </a:fontRef>
+    </dgm:style>
+  </dgm:styleLbl>
+  <dgm:styleLbl name="sibTrans1D1">
+    <dgm:scene3d>
+      <a:camera prst="orthographicFront"/>
+      <a:lightRig rig="threePt" dir="t"/>
+    </dgm:scene3d>
+    <dgm:sp3d/>
+    <dgm:txPr/>
+    <dgm:style>
+      <a:lnRef idx="1">
+        <a:scrgbClr r="0" g="0" b="0"/>
+      </a:lnRef>
+      <a:fillRef idx="0">
+        <a:scrgbClr r="0" g="0" b="0"/>
+      </a:fillRef>
+      <a:effectRef idx="0">
+        <a:scrgbClr r="0" g="0" b="0"/>
+      </a:effectRef>
+      <a:fontRef idx="minor"/>
+    </dgm:style>
+  </dgm:styleLbl>
+  <dgm:styleLbl name="callout">
+    <dgm:scene3d>
+      <a:camera prst="orthographicFront"/>
+      <a:lightRig rig="threePt" dir="t"/>
+    </dgm:scene3d>
+    <dgm:sp3d/>
+    <dgm:txPr/>
+    <dgm:style>
+      <a:lnRef idx="1">
+        <a:scrgbClr r="0" g="0" b="0"/>
+      </a:lnRef>
+      <a:fillRef idx="2">
+        <a:scrgbClr r="0" g="0" b="0"/>
+      </a:fillRef>
+      <a:effectRef idx="1">
+        <a:scrgbClr r="0" g="0" b="0"/>
+      </a:effectRef>
+      <a:fontRef idx="minor"/>
+    </dgm:style>
+  </dgm:styleLbl>
+  <dgm:styleLbl name="asst0">
+    <dgm:scene3d>
+      <a:camera prst="orthographicFront"/>
+      <a:lightRig rig="flat" dir="t"/>
+    </dgm:scene3d>
+    <dgm:sp3d prstMaterial="dkEdge">
+      <a:bevelT w="8200" h="38100"/>
+    </dgm:sp3d>
+    <dgm:txPr/>
+    <dgm:style>
+      <a:lnRef idx="0">
+        <a:scrgbClr r="0" g="0" b="0"/>
+      </a:lnRef>
+      <a:fillRef idx="2">
+        <a:scrgbClr r="0" g="0" b="0"/>
+      </a:fillRef>
+      <a:effectRef idx="1">
+        <a:scrgbClr r="0" g="0" b="0"/>
+      </a:effectRef>
+      <a:fontRef idx="minor">
+        <a:schemeClr val="dk1"/>
+      </a:fontRef>
+    </dgm:style>
+  </dgm:styleLbl>
+  <dgm:styleLbl name="asst1">
+    <dgm:scene3d>
+      <a:camera prst="orthographicFront"/>
+      <a:lightRig rig="flat" dir="t"/>
+    </dgm:scene3d>
+    <dgm:sp3d prstMaterial="dkEdge">
+      <a:bevelT w="8200" h="38100"/>
+    </dgm:sp3d>
+    <dgm:txPr/>
+    <dgm:style>
+      <a:lnRef idx="0">
+        <a:scrgbClr r="0" g="0" b="0"/>
+      </a:lnRef>
+      <a:fillRef idx="2">
+        <a:scrgbClr r="0" g="0" b="0"/>
+      </a:fillRef>
+      <a:effectRef idx="1">
+        <a:scrgbClr r="0" g="0" b="0"/>
+      </a:effectRef>
+      <a:fontRef idx="minor">
+        <a:schemeClr val="dk1"/>
+      </a:fontRef>
+    </dgm:style>
+  </dgm:styleLbl>
+  <dgm:styleLbl name="asst2">
+    <dgm:scene3d>
+      <a:camera prst="orthographicFront"/>
+      <a:lightRig rig="flat" dir="t"/>
+    </dgm:scene3d>
+    <dgm:sp3d prstMaterial="dkEdge">
+      <a:bevelT w="8200" h="38100"/>
+    </dgm:sp3d>
+    <dgm:txPr/>
+    <dgm:style>
+      <a:lnRef idx="0">
+        <a:scrgbClr r="0" g="0" b="0"/>
+      </a:lnRef>
+      <a:fillRef idx="2">
+        <a:scrgbClr r="0" g="0" b="0"/>
+      </a:fillRef>
+      <a:effectRef idx="1">
+        <a:scrgbClr r="0" g="0" b="0"/>
+      </a:effectRef>
+      <a:fontRef idx="minor">
+        <a:schemeClr val="dk1"/>
+      </a:fontRef>
+    </dgm:style>
+  </dgm:styleLbl>
+  <dgm:styleLbl name="asst3">
+    <dgm:scene3d>
+      <a:camera prst="orthographicFront"/>
+      <a:lightRig rig="flat" dir="t"/>
+    </dgm:scene3d>
+    <dgm:sp3d prstMaterial="dkEdge">
+      <a:bevelT w="8200" h="38100"/>
+    </dgm:sp3d>
+    <dgm:txPr/>
+    <dgm:style>
+      <a:lnRef idx="0">
+        <a:scrgbClr r="0" g="0" b="0"/>
+      </a:lnRef>
+      <a:fillRef idx="2">
+        <a:scrgbClr r="0" g="0" b="0"/>
+      </a:fillRef>
+      <a:effectRef idx="1">
+        <a:scrgbClr r="0" g="0" b="0"/>
+      </a:effectRef>
+      <a:fontRef idx="minor">
+        <a:schemeClr val="dk1"/>
+      </a:fontRef>
+    </dgm:style>
+  </dgm:styleLbl>
+  <dgm:styleLbl name="asst4">
+    <dgm:scene3d>
+      <a:camera prst="orthographicFront"/>
+      <a:lightRig rig="flat" dir="t"/>
+    </dgm:scene3d>
+    <dgm:sp3d prstMaterial="dkEdge">
+      <a:bevelT w="8200" h="38100"/>
+    </dgm:sp3d>
+    <dgm:txPr/>
+    <dgm:style>
+      <a:lnRef idx="0">
+        <a:scrgbClr r="0" g="0" b="0"/>
+      </a:lnRef>
+      <a:fillRef idx="2">
+        <a:scrgbClr r="0" g="0" b="0"/>
+      </a:fillRef>
+      <a:effectRef idx="1">
+        <a:scrgbClr r="0" g="0" b="0"/>
+      </a:effectRef>
+      <a:fontRef idx="minor">
+        <a:schemeClr val="dk1"/>
+      </a:fontRef>
+    </dgm:style>
+  </dgm:styleLbl>
+  <dgm:styleLbl name="parChTrans2D1">
+    <dgm:scene3d>
+      <a:camera prst="orthographicFront"/>
+      <a:lightRig rig="threePt" dir="t"/>
+    </dgm:scene3d>
+    <dgm:sp3d/>
+    <dgm:txPr/>
+    <dgm:style>
+      <a:lnRef idx="1">
+        <a:scrgbClr r="0" g="0" b="0"/>
+      </a:lnRef>
+      <a:fillRef idx="2">
+        <a:scrgbClr r="0" g="0" b="0"/>
+      </a:fillRef>
+      <a:effectRef idx="1">
+        <a:scrgbClr r="0" g="0" b="0"/>
+      </a:effectRef>
+      <a:fontRef idx="minor">
+        <a:schemeClr val="dk1"/>
+      </a:fontRef>
+    </dgm:style>
+  </dgm:styleLbl>
+  <dgm:styleLbl name="parChTrans2D2">
+    <dgm:scene3d>
+      <a:camera prst="orthographicFront"/>
+      <a:lightRig rig="threePt" dir="t"/>
+    </dgm:scene3d>
+    <dgm:sp3d/>
+    <dgm:txPr/>
+    <dgm:style>
+      <a:lnRef idx="1">
+        <a:scrgbClr r="0" g="0" b="0"/>
+      </a:lnRef>
+      <a:fillRef idx="2">
+        <a:scrgbClr r="0" g="0" b="0"/>
+      </a:fillRef>
+      <a:effectRef idx="1">
+        <a:scrgbClr r="0" g="0" b="0"/>
+      </a:effectRef>
+      <a:fontRef idx="minor">
+        <a:schemeClr val="dk1"/>
+      </a:fontRef>
+    </dgm:style>
+  </dgm:styleLbl>
+  <dgm:styleLbl name="parChTrans2D3">
+    <dgm:scene3d>
+      <a:camera prst="orthographicFront"/>
+      <a:lightRig rig="threePt" dir="t"/>
+    </dgm:scene3d>
+    <dgm:sp3d/>
+    <dgm:txPr/>
+    <dgm:style>
+      <a:lnRef idx="1">
+        <a:scrgbClr r="0" g="0" b="0"/>
+      </a:lnRef>
+      <a:fillRef idx="2">
+        <a:scrgbClr r="0" g="0" b="0"/>
+      </a:fillRef>
+      <a:effectRef idx="1">
+        <a:scrgbClr r="0" g="0" b="0"/>
+      </a:effectRef>
+      <a:fontRef idx="minor">
+        <a:schemeClr val="dk1"/>
+      </a:fontRef>
+    </dgm:style>
+  </dgm:styleLbl>
+  <dgm:styleLbl name="parChTrans2D4">
+    <dgm:scene3d>
+      <a:camera prst="orthographicFront"/>
+      <a:lightRig rig="threePt" dir="t"/>
+    </dgm:scene3d>
+    <dgm:sp3d/>
+    <dgm:txPr/>
+    <dgm:style>
+      <a:lnRef idx="1">
+        <a:scrgbClr r="0" g="0" b="0"/>
+      </a:lnRef>
+      <a:fillRef idx="2">
+        <a:scrgbClr r="0" g="0" b="0"/>
+      </a:fillRef>
+      <a:effectRef idx="1">
+        <a:scrgbClr r="0" g="0" b="0"/>
+      </a:effectRef>
+      <a:fontRef idx="minor">
+        <a:schemeClr val="dk1"/>
+      </a:fontRef>
+    </dgm:style>
+  </dgm:styleLbl>
+  <dgm:styleLbl name="parChTrans1D1">
+    <dgm:scene3d>
+      <a:camera prst="orthographicFront"/>
+      <a:lightRig rig="threePt" dir="t"/>
+    </dgm:scene3d>
+    <dgm:sp3d/>
+    <dgm:txPr/>
+    <dgm:style>
+      <a:lnRef idx="2">
+        <a:scrgbClr r="0" g="0" b="0"/>
+      </a:lnRef>
+      <a:fillRef idx="0">
+        <a:scrgbClr r="0" g="0" b="0"/>
+      </a:fillRef>
+      <a:effectRef idx="0">
+        <a:scrgbClr r="0" g="0" b="0"/>
+      </a:effectRef>
+      <a:fontRef idx="minor"/>
+    </dgm:style>
+  </dgm:styleLbl>
+  <dgm:styleLbl name="parChTrans1D2">
+    <dgm:scene3d>
+      <a:camera prst="orthographicFront"/>
+      <a:lightRig rig="threePt" dir="t"/>
+    </dgm:scene3d>
+    <dgm:sp3d/>
+    <dgm:txPr/>
+    <dgm:style>
+      <a:lnRef idx="2">
+        <a:scrgbClr r="0" g="0" b="0"/>
+      </a:lnRef>
+      <a:fillRef idx="0">
+        <a:scrgbClr r="0" g="0" b="0"/>
+      </a:fillRef>
+      <a:effectRef idx="0">
+        <a:scrgbClr r="0" g="0" b="0"/>
+      </a:effectRef>
+      <a:fontRef idx="minor"/>
+    </dgm:style>
+  </dgm:styleLbl>
+  <dgm:styleLbl name="parChTrans1D3">
+    <dgm:scene3d>
+      <a:camera prst="orthographicFront"/>
+      <a:lightRig rig="threePt" dir="t"/>
+    </dgm:scene3d>
+    <dgm:sp3d/>
+    <dgm:txPr/>
+    <dgm:style>
+      <a:lnRef idx="2">
+        <a:scrgbClr r="0" g="0" b="0"/>
+      </a:lnRef>
+      <a:fillRef idx="0">
+        <a:scrgbClr r="0" g="0" b="0"/>
+      </a:fillRef>
+      <a:effectRef idx="0">
+        <a:scrgbClr r="0" g="0" b="0"/>
+      </a:effectRef>
+      <a:fontRef idx="minor"/>
+    </dgm:style>
+  </dgm:styleLbl>
+  <dgm:styleLbl name="parChTrans1D4">
+    <dgm:scene3d>
+      <a:camera prst="orthographicFront"/>
+      <a:lightRig rig="threePt" dir="t"/>
+    </dgm:scene3d>
+    <dgm:sp3d/>
+    <dgm:txPr/>
+    <dgm:style>
+      <a:lnRef idx="2">
+        <a:scrgbClr r="0" g="0" b="0"/>
+      </a:lnRef>
+      <a:fillRef idx="0">
+        <a:scrgbClr r="0" g="0" b="0"/>
+      </a:fillRef>
+      <a:effectRef idx="0">
+        <a:scrgbClr r="0" g="0" b="0"/>
+      </a:effectRef>
+      <a:fontRef idx="minor"/>
+    </dgm:style>
+  </dgm:styleLbl>
+  <dgm:styleLbl name="fgAcc1">
+    <dgm:scene3d>
+      <a:camera prst="orthographicFront"/>
+      <a:lightRig rig="threePt" dir="t"/>
+    </dgm:scene3d>
+    <dgm:sp3d/>
+    <dgm:txPr/>
+    <dgm:style>
+      <a:lnRef idx="1">
+        <a:scrgbClr r="0" g="0" b="0"/>
+      </a:lnRef>
+      <a:fillRef idx="1">
+        <a:scrgbClr r="0" g="0" b="0"/>
+      </a:fillRef>
+      <a:effectRef idx="0">
+        <a:scrgbClr r="0" g="0" b="0"/>
+      </a:effectRef>
+      <a:fontRef idx="minor"/>
+    </dgm:style>
+  </dgm:styleLbl>
+  <dgm:styleLbl name="conFgAcc1">
+    <dgm:scene3d>
+      <a:camera prst="orthographicFront"/>
+      <a:lightRig rig="threePt" dir="t"/>
+    </dgm:scene3d>
+    <dgm:sp3d/>
+    <dgm:txPr/>
+    <dgm:style>
+      <a:lnRef idx="1">
+        <a:scrgbClr r="0" g="0" b="0"/>
+      </a:lnRef>
+      <a:fillRef idx="1">
+        <a:scrgbClr r="0" g="0" b="0"/>
+      </a:fillRef>
+      <a:effectRef idx="0">
+        <a:scrgbClr r="0" g="0" b="0"/>
+      </a:effectRef>
+      <a:fontRef idx="minor"/>
+    </dgm:style>
+  </dgm:styleLbl>
+  <dgm:styleLbl name="alignAcc1">
+    <dgm:scene3d>
+      <a:camera prst="orthographicFront"/>
+      <a:lightRig rig="threePt" dir="t"/>
+    </dgm:scene3d>
+    <dgm:sp3d/>
+    <dgm:txPr/>
+    <dgm:style>
+      <a:lnRef idx="1">
+        <a:scrgbClr r="0" g="0" b="0"/>
+      </a:lnRef>
+      <a:fillRef idx="1">
+        <a:scrgbClr r="0" g="0" b="0"/>
+      </a:fillRef>
+      <a:effectRef idx="0">
+        <a:scrgbClr r="0" g="0" b="0"/>
+      </a:effectRef>
+      <a:fontRef idx="minor"/>
+    </dgm:style>
+  </dgm:styleLbl>
+  <dgm:styleLbl name="trAlignAcc1">
+    <dgm:scene3d>
+      <a:camera prst="orthographicFront"/>
+      <a:lightRig rig="threePt" dir="t"/>
+    </dgm:scene3d>
+    <dgm:sp3d/>
+    <dgm:txPr/>
+    <dgm:style>
+      <a:lnRef idx="1">
+        <a:scrgbClr r="0" g="0" b="0"/>
+      </a:lnRef>
+      <a:fillRef idx="1">
+        <a:scrgbClr r="0" g="0" b="0"/>
+      </a:fillRef>
+      <a:effectRef idx="0">
+        <a:scrgbClr r="0" g="0" b="0"/>
+      </a:effectRef>
+      <a:fontRef idx="minor"/>
+    </dgm:style>
+  </dgm:styleLbl>
+  <dgm:styleLbl name="bgAcc1">
+    <dgm:scene3d>
+      <a:camera prst="orthographicFront"/>
+      <a:lightRig rig="threePt" dir="t"/>
+    </dgm:scene3d>
+    <dgm:sp3d/>
+    <dgm:txPr/>
+    <dgm:style>
+      <a:lnRef idx="1">
+        <a:scrgbClr r="0" g="0" b="0"/>
+      </a:lnRef>
+      <a:fillRef idx="1">
+        <a:scrgbClr r="0" g="0" b="0"/>
+      </a:fillRef>
+      <a:effectRef idx="0">
+        <a:scrgbClr r="0" g="0" b="0"/>
+      </a:effectRef>
+      <a:fontRef idx="minor"/>
+    </dgm:style>
+  </dgm:styleLbl>
+  <dgm:styleLbl name="solidFgAcc1">
+    <dgm:scene3d>
+      <a:camera prst="orthographicFront"/>
+      <a:lightRig rig="threePt" dir="t"/>
+    </dgm:scene3d>
+    <dgm:sp3d/>
+    <dgm:txPr/>
+    <dgm:style>
+      <a:lnRef idx="1">
+        <a:scrgbClr r="0" g="0" b="0"/>
+      </a:lnRef>
+      <a:fillRef idx="2">
+        <a:scrgbClr r="0" g="0" b="0"/>
+      </a:fillRef>
+      <a:effectRef idx="0">
+        <a:scrgbClr r="0" g="0" b="0"/>
+      </a:effectRef>
+      <a:fontRef idx="minor"/>
+    </dgm:style>
+  </dgm:styleLbl>
+  <dgm:styleLbl name="solidAlignAcc1">
+    <dgm:scene3d>
+      <a:camera prst="orthographicFront"/>
+      <a:lightRig rig="threePt" dir="t"/>
+    </dgm:scene3d>
+    <dgm:sp3d/>
+    <dgm:txPr/>
+    <dgm:style>
+      <a:lnRef idx="1">
+        <a:scrgbClr r="0" g="0" b="0"/>
+      </a:lnRef>
+      <a:fillRef idx="1">
+        <a:scrgbClr r="0" g="0" b="0"/>
+      </a:fillRef>
+      <a:effectRef idx="0">
+        <a:scrgbClr r="0" g="0" b="0"/>
+      </a:effectRef>
+      <a:fontRef idx="minor"/>
+    </dgm:style>
+  </dgm:styleLbl>
+  <dgm:styleLbl name="solidBgAcc1">
+    <dgm:scene3d>
+      <a:camera prst="orthographicFront"/>
+      <a:lightRig rig="threePt" dir="t"/>
+    </dgm:scene3d>
+    <dgm:sp3d/>
+    <dgm:txPr/>
+    <dgm:style>
+      <a:lnRef idx="1">
+        <a:scrgbClr r="0" g="0" b="0"/>
+      </a:lnRef>
+      <a:fillRef idx="1">
+        <a:scrgbClr r="0" g="0" b="0"/>
+      </a:fillRef>
+      <a:effectRef idx="0">
+        <a:scrgbClr r="0" g="0" b="0"/>
+      </a:effectRef>
+      <a:fontRef idx="minor"/>
+    </dgm:style>
+  </dgm:styleLbl>
+  <dgm:styleLbl name="fgAccFollowNode1">
+    <dgm:scene3d>
+      <a:camera prst="orthographicFront"/>
+      <a:lightRig rig="threePt" dir="t"/>
+    </dgm:scene3d>
+    <dgm:sp3d/>
+    <dgm:txPr/>
+    <dgm:style>
+      <a:lnRef idx="1">
+        <a:scrgbClr r="0" g="0" b="0"/>
+      </a:lnRef>
+      <a:fillRef idx="1">
+        <a:scrgbClr r="0" g="0" b="0"/>
+      </a:fillRef>
+      <a:effectRef idx="0">
+        <a:scrgbClr r="0" g="0" b="0"/>
+      </a:effectRef>
+      <a:fontRef idx="minor"/>
+    </dgm:style>
+  </dgm:styleLbl>
+  <dgm:styleLbl name="alignAccFollowNode1">
+    <dgm:scene3d>
+      <a:camera prst="orthographicFront"/>
+      <a:lightRig rig="threePt" dir="t"/>
+    </dgm:scene3d>
+    <dgm:sp3d/>
+    <dgm:txPr/>
+    <dgm:style>
+      <a:lnRef idx="1">
+        <a:scrgbClr r="0" g="0" b="0"/>
+      </a:lnRef>
+      <a:fillRef idx="1">
+        <a:scrgbClr r="0" g="0" b="0"/>
+      </a:fillRef>
+      <a:effectRef idx="0">
+        <a:scrgbClr r="0" g="0" b="0"/>
+      </a:effectRef>
+      <a:fontRef idx="minor"/>
+    </dgm:style>
+  </dgm:styleLbl>
+  <dgm:styleLbl name="bgAccFollowNode1">
+    <dgm:scene3d>
+      <a:camera prst="orthographicFront"/>
+      <a:lightRig rig="threePt" dir="t"/>
+    </dgm:scene3d>
+    <dgm:sp3d/>
+    <dgm:txPr/>
+    <dgm:style>
+      <a:lnRef idx="1">
+        <a:scrgbClr r="0" g="0" b="0"/>
+      </a:lnRef>
+      <a:fillRef idx="1">
+        <a:scrgbClr r="0" g="0" b="0"/>
+      </a:fillRef>
+      <a:effectRef idx="0">
+        <a:scrgbClr r="0" g="0" b="0"/>
+      </a:effectRef>
+      <a:fontRef idx="minor"/>
+    </dgm:style>
+  </dgm:styleLbl>
+  <dgm:styleLbl name="fgAcc0">
+    <dgm:scene3d>
+      <a:camera prst="orthographicFront"/>
+      <a:lightRig rig="threePt" dir="t"/>
+    </dgm:scene3d>
+    <dgm:sp3d/>
+    <dgm:txPr/>
+    <dgm:style>
+      <a:lnRef idx="1">
+        <a:scrgbClr r="0" g="0" b="0"/>
+      </a:lnRef>
+      <a:fillRef idx="1">
+        <a:scrgbClr r="0" g="0" b="0"/>
+      </a:fillRef>
+      <a:effectRef idx="0">
+        <a:scrgbClr r="0" g="0" b="0"/>
+      </a:effectRef>
+      <a:fontRef idx="minor"/>
+    </dgm:style>
+  </dgm:styleLbl>
+  <dgm:styleLbl name="fgAcc2">
+    <dgm:scene3d>
+      <a:camera prst="orthographicFront"/>
+      <a:lightRig rig="threePt" dir="t"/>
+    </dgm:scene3d>
+    <dgm:sp3d/>
+    <dgm:txPr/>
+    <dgm:style>
+      <a:lnRef idx="1">
+        <a:scrgbClr r="0" g="0" b="0"/>
+      </a:lnRef>
+      <a:fillRef idx="1">
+        <a:scrgbClr r="0" g="0" b="0"/>
+      </a:fillRef>
+      <a:effectRef idx="0">
+        <a:scrgbClr r="0" g="0" b="0"/>
+      </a:effectRef>
+      <a:fontRef idx="minor"/>
+    </dgm:style>
+  </dgm:styleLbl>
+  <dgm:styleLbl name="fgAcc3">
+    <dgm:scene3d>
+      <a:camera prst="orthographicFront"/>
+      <a:lightRig rig="threePt" dir="t"/>
+    </dgm:scene3d>
+    <dgm:sp3d/>
+    <dgm:txPr/>
+    <dgm:style>
+      <a:lnRef idx="1">
+        <a:scrgbClr r="0" g="0" b="0"/>
+      </a:lnRef>
+      <a:fillRef idx="1">
+        <a:scrgbClr r="0" g="0" b="0"/>
+      </a:fillRef>
+      <a:effectRef idx="0">
+        <a:scrgbClr r="0" g="0" b="0"/>
+      </a:effectRef>
+      <a:fontRef idx="minor"/>
+    </dgm:style>
+  </dgm:styleLbl>
+  <dgm:styleLbl name="fgAcc4">
+    <dgm:scene3d>
+      <a:camera prst="orthographicFront"/>
+      <a:lightRig rig="threePt" dir="t"/>
+    </dgm:scene3d>
+    <dgm:sp3d/>
+    <dgm:txPr/>
+    <dgm:style>
+      <a:lnRef idx="1">
+        <a:scrgbClr r="0" g="0" b="0"/>
+      </a:lnRef>
+      <a:fillRef idx="1">
+        <a:scrgbClr r="0" g="0" b="0"/>
+      </a:fillRef>
+      <a:effectRef idx="0">
+        <a:scrgbClr r="0" g="0" b="0"/>
+      </a:effectRef>
+      <a:fontRef idx="minor"/>
+    </dgm:style>
+  </dgm:styleLbl>
+  <dgm:styleLbl name="bgShp">
+    <dgm:scene3d>
+      <a:camera prst="orthographicFront"/>
+      <a:lightRig rig="threePt" dir="t"/>
+    </dgm:scene3d>
+    <dgm:sp3d/>
+    <dgm:txPr/>
+    <dgm:style>
+      <a:lnRef idx="0">
+        <a:scrgbClr r="0" g="0" b="0"/>
+      </a:lnRef>
+      <a:fillRef idx="1">
+        <a:scrgbClr r="0" g="0" b="0"/>
+      </a:fillRef>
+      <a:effectRef idx="1">
+        <a:scrgbClr r="0" g="0" b="0"/>
+      </a:effectRef>
+      <a:fontRef idx="minor"/>
+    </dgm:style>
+  </dgm:styleLbl>
+  <dgm:styleLbl name="dkBgShp">
+    <dgm:scene3d>
+      <a:camera prst="orthographicFront"/>
+      <a:lightRig rig="threePt" dir="t"/>
+    </dgm:scene3d>
+    <dgm:sp3d/>
+    <dgm:txPr/>
+    <dgm:style>
+      <a:lnRef idx="0">
+        <a:scrgbClr r="0" g="0" b="0"/>
+      </a:lnRef>
+      <a:fillRef idx="1">
+        <a:scrgbClr r="0" g="0" b="0"/>
+      </a:fillRef>
+      <a:effectRef idx="1">
+        <a:scrgbClr r="0" g="0" b="0"/>
+      </a:effectRef>
+      <a:fontRef idx="minor"/>
+    </dgm:style>
+  </dgm:styleLbl>
+  <dgm:styleLbl name="trBgShp">
+    <dgm:scene3d>
+      <a:camera prst="orthographicFront"/>
+      <a:lightRig rig="threePt" dir="t"/>
+    </dgm:scene3d>
+    <dgm:sp3d/>
+    <dgm:txPr/>
+    <dgm:style>
+      <a:lnRef idx="0">
+        <a:scrgbClr r="0" g="0" b="0"/>
+      </a:lnRef>
+      <a:fillRef idx="1">
+        <a:scrgbClr r="0" g="0" b="0"/>
+      </a:fillRef>
+      <a:effectRef idx="0">
+        <a:scrgbClr r="0" g="0" b="0"/>
+      </a:effectRef>
+      <a:fontRef idx="minor"/>
+    </dgm:style>
+  </dgm:styleLbl>
+  <dgm:styleLbl name="fgShp">
+    <dgm:scene3d>
+      <a:camera prst="orthographicFront"/>
+      <a:lightRig rig="flat" dir="t"/>
+    </dgm:scene3d>
+    <dgm:sp3d prstMaterial="dkEdge">
+      <a:bevelT w="8200" h="38100"/>
+    </dgm:sp3d>
+    <dgm:txPr/>
+    <dgm:style>
+      <a:lnRef idx="1">
+        <a:scrgbClr r="0" g="0" b="0"/>
+      </a:lnRef>
+      <a:fillRef idx="2">
+        <a:scrgbClr r="0" g="0" b="0"/>
+      </a:fillRef>
+      <a:effectRef idx="1">
+        <a:scrgbClr r="0" g="0" b="0"/>
+      </a:effectRef>
+      <a:fontRef idx="minor"/>
+    </dgm:style>
+  </dgm:styleLbl>
+  <dgm:styleLbl name="revTx">
+    <dgm:scene3d>
+      <a:camera prst="orthographicFront"/>
+      <a:lightRig rig="threePt" dir="t"/>
+    </dgm:scene3d>
+    <dgm:sp3d/>
+    <dgm:txPr/>
+    <dgm:style>
+      <a:lnRef idx="0">
+        <a:scrgbClr r="0" g="0" b="0"/>
+      </a:lnRef>
+      <a:fillRef idx="0">
+        <a:scrgbClr r="0" g="0" b="0"/>
+      </a:fillRef>
+      <a:effectRef idx="0">
+        <a:scrgbClr r="0" g="0" b="0"/>
+      </a:effectRef>
+      <a:fontRef idx="minor"/>
+    </dgm:style>
+  </dgm:styleLbl>
+</dgm:styleDef>
+</file>
+
+<file path=ppt/diagrams/quickStyle2.xml><?xml version="1.0" encoding="utf-8"?>
 <dgm:styleDef xmlns:dgm="http://schemas.openxmlformats.org/drawingml/2006/diagram" xmlns:a="http://schemas.openxmlformats.org/drawingml/2006/main" uniqueId="urn:microsoft.com/office/officeart/2005/8/quickstyle/simple3">
   <dgm:title val=""/>
   <dgm:desc val=""/>
@@ -4062,7 +8140,7 @@
             <a:fld id="{7002D053-CBEE-469E-81C1-88EB6CD1E92E}" type="datetimeFigureOut">
               <a:rPr lang="fr-FR" smtClean="0"/>
               <a:pPr/>
-              <a:t>24/11/2019</a:t>
+              <a:t>26/11/2019</a:t>
             </a:fld>
             <a:endParaRPr lang="fr-FR"/>
           </a:p>
@@ -4510,7 +8588,7 @@
             <a:fld id="{7E768BEE-E6B8-4060-8BB8-88634D80D712}" type="datetime1">
               <a:rPr lang="fr-FR" smtClean="0"/>
               <a:pPr/>
-              <a:t>24/11/2019</a:t>
+              <a:t>26/11/2019</a:t>
             </a:fld>
             <a:endParaRPr lang="fr-FR"/>
           </a:p>
@@ -4681,7 +8759,7 @@
             <a:fld id="{B94BEE99-8E4C-405B-9100-85A90D3BB541}" type="datetime1">
               <a:rPr lang="fr-FR" smtClean="0"/>
               <a:pPr/>
-              <a:t>24/11/2019</a:t>
+              <a:t>26/11/2019</a:t>
             </a:fld>
             <a:endParaRPr lang="fr-FR"/>
           </a:p>
@@ -4862,7 +8940,7 @@
             <a:fld id="{B05B91D3-F97E-479E-B548-2FC5B89DC963}" type="datetime1">
               <a:rPr lang="fr-FR" smtClean="0"/>
               <a:pPr/>
-              <a:t>24/11/2019</a:t>
+              <a:t>26/11/2019</a:t>
             </a:fld>
             <a:endParaRPr lang="fr-FR"/>
           </a:p>
@@ -5033,7 +9111,7 @@
             <a:fld id="{34BB9493-DDA4-47A5-90A8-AADC3D3EA1FB}" type="datetime1">
               <a:rPr lang="fr-FR" smtClean="0"/>
               <a:pPr/>
-              <a:t>24/11/2019</a:t>
+              <a:t>26/11/2019</a:t>
             </a:fld>
             <a:endParaRPr lang="fr-FR"/>
           </a:p>
@@ -5280,7 +9358,7 @@
             <a:fld id="{8400BBAC-709B-4C27-A8E5-C3DAFC380F34}" type="datetime1">
               <a:rPr lang="fr-FR" smtClean="0"/>
               <a:pPr/>
-              <a:t>24/11/2019</a:t>
+              <a:t>26/11/2019</a:t>
             </a:fld>
             <a:endParaRPr lang="fr-FR"/>
           </a:p>
@@ -5569,7 +9647,7 @@
             <a:fld id="{C233BADA-DDE4-48E1-B8B1-047575517136}" type="datetime1">
               <a:rPr lang="fr-FR" smtClean="0"/>
               <a:pPr/>
-              <a:t>24/11/2019</a:t>
+              <a:t>26/11/2019</a:t>
             </a:fld>
             <a:endParaRPr lang="fr-FR"/>
           </a:p>
@@ -5992,7 +10070,7 @@
             <a:fld id="{7B43ABC1-E269-4D95-90B6-9C077C451CF0}" type="datetime1">
               <a:rPr lang="fr-FR" smtClean="0"/>
               <a:pPr/>
-              <a:t>24/11/2019</a:t>
+              <a:t>26/11/2019</a:t>
             </a:fld>
             <a:endParaRPr lang="fr-FR"/>
           </a:p>
@@ -6111,7 +10189,7 @@
             <a:fld id="{30B3F957-FF99-4767-8E50-82FC80CC929A}" type="datetime1">
               <a:rPr lang="fr-FR" smtClean="0"/>
               <a:pPr/>
-              <a:t>24/11/2019</a:t>
+              <a:t>26/11/2019</a:t>
             </a:fld>
             <a:endParaRPr lang="fr-FR"/>
           </a:p>
@@ -6207,7 +10285,7 @@
             <a:fld id="{811BABC7-87F3-44F9-BF44-B3746A2B4101}" type="datetime1">
               <a:rPr lang="fr-FR" smtClean="0"/>
               <a:pPr/>
-              <a:t>24/11/2019</a:t>
+              <a:t>26/11/2019</a:t>
             </a:fld>
             <a:endParaRPr lang="fr-FR"/>
           </a:p>
@@ -6485,7 +10563,7 @@
             <a:fld id="{105D3534-F660-4127-916F-DB672DB2CBAC}" type="datetime1">
               <a:rPr lang="fr-FR" smtClean="0"/>
               <a:pPr/>
-              <a:t>24/11/2019</a:t>
+              <a:t>26/11/2019</a:t>
             </a:fld>
             <a:endParaRPr lang="fr-FR"/>
           </a:p>
@@ -6739,7 +10817,7 @@
             <a:fld id="{4ED55DE1-24EE-4680-A1D2-0837ABAB7106}" type="datetime1">
               <a:rPr lang="fr-FR" smtClean="0"/>
               <a:pPr/>
-              <a:t>24/11/2019</a:t>
+              <a:t>26/11/2019</a:t>
             </a:fld>
             <a:endParaRPr lang="fr-FR"/>
           </a:p>
@@ -6953,7 +11031,7 @@
             <a:fld id="{20543D23-520C-42E7-9DCB-B1A1DF4C6848}" type="datetime1">
               <a:rPr lang="fr-FR" smtClean="0"/>
               <a:pPr/>
-              <a:t>24/11/2019</a:t>
+              <a:t>26/11/2019</a:t>
             </a:fld>
             <a:endParaRPr lang="fr-FR"/>
           </a:p>
@@ -7393,7 +11471,7 @@
             <a:fld id="{27EE0C2C-78A9-4555-B82A-515D52647E13}" type="datetime1">
               <a:rPr lang="fr-FR" smtClean="0"/>
               <a:pPr/>
-              <a:t>24/11/2019</a:t>
+              <a:t>26/11/2019</a:t>
             </a:fld>
             <a:endParaRPr lang="fr-FR"/>
           </a:p>
@@ -7491,7 +11569,7 @@
         <p:spPr>
           <a:xfrm>
             <a:off x="539552" y="0"/>
-            <a:ext cx="7344816" cy="836712"/>
+            <a:ext cx="7560840" cy="908720"/>
           </a:xfrm>
         </p:spPr>
         <p:txBody>
@@ -7501,21 +11579,17 @@
           <a:lstStyle/>
           <a:p>
             <a:r>
-              <a:rPr lang="fr-FR" sz="2400" dirty="0" smtClean="0"/>
+              <a:rPr lang="fr-FR" sz="3200" dirty="0" smtClean="0"/>
               <a:t>4. Exploration</a:t>
             </a:r>
             <a:br>
-              <a:rPr lang="fr-FR" sz="2400" dirty="0" smtClean="0"/>
+              <a:rPr lang="fr-FR" sz="3200" dirty="0" smtClean="0"/>
             </a:br>
             <a:r>
-              <a:rPr lang="fr-FR" sz="2400" dirty="0" smtClean="0"/>
-              <a:t>Analyse </a:t>
-            </a:r>
-            <a:r>
-              <a:rPr lang="fr-FR" sz="2400" dirty="0" smtClean="0"/>
-              <a:t>exploratoire - cible</a:t>
-            </a:r>
-            <a:endParaRPr lang="fr-FR" sz="2400" dirty="0"/>
+              <a:rPr lang="fr-FR" sz="3200" dirty="0" smtClean="0"/>
+              <a:t>Analyse exploratoire - cible</a:t>
+            </a:r>
+            <a:endParaRPr lang="fr-FR" sz="3200" dirty="0"/>
           </a:p>
         </p:txBody>
       </p:sp>
@@ -7537,7 +11611,7 @@
             <a:fld id="{92BC38EB-913B-4C57-8A7D-C090B83E2669}" type="datetime1">
               <a:rPr lang="fr-FR" smtClean="0"/>
               <a:pPr/>
-              <a:t>24/11/2019</a:t>
+              <a:t>26/11/2019</a:t>
             </a:fld>
             <a:endParaRPr lang="fr-FR"/>
           </a:p>
@@ -7562,6 +11636,270 @@
               <a:rPr lang="fr-FR" smtClean="0"/>
               <a:pPr/>
               <a:t>10</a:t>
+            </a:fld>
+            <a:endParaRPr lang="fr-FR"/>
+          </a:p>
+        </p:txBody>
+      </p:sp>
+      <p:sp>
+        <p:nvSpPr>
+          <p:cNvPr id="8" name="Footer Placeholder 7"/>
+          <p:cNvSpPr>
+            <a:spLocks noGrp="1"/>
+          </p:cNvSpPr>
+          <p:nvPr>
+            <p:ph type="ftr" sz="quarter" idx="11"/>
+          </p:nvPr>
+        </p:nvSpPr>
+        <p:spPr/>
+        <p:txBody>
+          <a:bodyPr/>
+          <a:lstStyle/>
+          <a:p>
+            <a:r>
+              <a:rPr lang="fr-FR" smtClean="0"/>
+              <a:t>Lenka Styfalova</a:t>
+            </a:r>
+            <a:endParaRPr lang="fr-FR"/>
+          </a:p>
+        </p:txBody>
+      </p:sp>
+      <p:pic>
+        <p:nvPicPr>
+          <p:cNvPr id="4098" name="Picture 2"/>
+          <p:cNvPicPr>
+            <a:picLocks noChangeAspect="1" noChangeArrowheads="1"/>
+          </p:cNvPicPr>
+          <p:nvPr/>
+        </p:nvPicPr>
+        <p:blipFill>
+          <a:blip r:embed="rId2" cstate="print"/>
+          <a:srcRect/>
+          <a:stretch>
+            <a:fillRect/>
+          </a:stretch>
+        </p:blipFill>
+        <p:spPr bwMode="auto">
+          <a:xfrm>
+            <a:off x="3571474" y="980728"/>
+            <a:ext cx="5572526" cy="5877272"/>
+          </a:xfrm>
+          <a:prstGeom prst="rect">
+            <a:avLst/>
+          </a:prstGeom>
+          <a:noFill/>
+          <a:ln w="9525">
+            <a:noFill/>
+            <a:miter lim="800000"/>
+            <a:headEnd/>
+            <a:tailEnd/>
+          </a:ln>
+        </p:spPr>
+      </p:pic>
+      <p:pic>
+        <p:nvPicPr>
+          <p:cNvPr id="4099" name="Picture 3"/>
+          <p:cNvPicPr>
+            <a:picLocks noChangeAspect="1" noChangeArrowheads="1"/>
+          </p:cNvPicPr>
+          <p:nvPr/>
+        </p:nvPicPr>
+        <p:blipFill>
+          <a:blip r:embed="rId3" cstate="print"/>
+          <a:srcRect/>
+          <a:stretch>
+            <a:fillRect/>
+          </a:stretch>
+        </p:blipFill>
+        <p:spPr bwMode="auto">
+          <a:xfrm>
+            <a:off x="179512" y="3068960"/>
+            <a:ext cx="3456019" cy="3335660"/>
+          </a:xfrm>
+          <a:prstGeom prst="rect">
+            <a:avLst/>
+          </a:prstGeom>
+          <a:noFill/>
+          <a:ln w="9525">
+            <a:noFill/>
+            <a:miter lim="800000"/>
+            <a:headEnd/>
+            <a:tailEnd/>
+          </a:ln>
+        </p:spPr>
+      </p:pic>
+      <p:sp>
+        <p:nvSpPr>
+          <p:cNvPr id="9" name="TextBox 8"/>
+          <p:cNvSpPr txBox="1"/>
+          <p:nvPr/>
+        </p:nvSpPr>
+        <p:spPr>
+          <a:xfrm>
+            <a:off x="179512" y="1124744"/>
+            <a:ext cx="3456384" cy="1200329"/>
+          </a:xfrm>
+          <a:prstGeom prst="rect">
+            <a:avLst/>
+          </a:prstGeom>
+          <a:noFill/>
+        </p:spPr>
+        <p:txBody>
+          <a:bodyPr wrap="square" rtlCol="0">
+            <a:spAutoFit/>
+          </a:bodyPr>
+          <a:lstStyle/>
+          <a:p>
+            <a:r>
+              <a:rPr lang="fr-FR" dirty="0" smtClean="0"/>
+              <a:t>Nombre de tags par post :</a:t>
+            </a:r>
+          </a:p>
+          <a:p>
+            <a:pPr>
+              <a:buFont typeface="Arial" pitchFamily="34" charset="0"/>
+              <a:buChar char="•"/>
+            </a:pPr>
+            <a:r>
+              <a:rPr lang="fr-FR" dirty="0" smtClean="0"/>
+              <a:t>  min = 1 / max = 5</a:t>
+            </a:r>
+          </a:p>
+          <a:p>
+            <a:pPr>
+              <a:buFont typeface="Arial" pitchFamily="34" charset="0"/>
+              <a:buChar char="•"/>
+            </a:pPr>
+            <a:r>
+              <a:rPr lang="fr-FR" dirty="0" smtClean="0"/>
+              <a:t>  médian = 3</a:t>
+            </a:r>
+          </a:p>
+          <a:p>
+            <a:pPr>
+              <a:buFont typeface="Arial" pitchFamily="34" charset="0"/>
+              <a:buChar char="•"/>
+            </a:pPr>
+            <a:r>
+              <a:rPr lang="fr-FR" dirty="0" smtClean="0"/>
+              <a:t>  moyen = 3</a:t>
+            </a:r>
+            <a:endParaRPr lang="fr-FR" dirty="0"/>
+          </a:p>
+        </p:txBody>
+      </p:sp>
+    </p:spTree>
+  </p:cSld>
+  <p:clrMapOvr>
+    <a:masterClrMapping/>
+  </p:clrMapOvr>
+  <p:timing>
+    <p:tnLst>
+      <p:par>
+        <p:cTn id="1" dur="indefinite" restart="never" nodeType="tmRoot"/>
+      </p:par>
+    </p:tnLst>
+  </p:timing>
+</p:sld>
+</file>
+
+<file path=ppt/slides/slide11.xml><?xml version="1.0" encoding="utf-8"?>
+<p:sld xmlns:a="http://schemas.openxmlformats.org/drawingml/2006/main" xmlns:r="http://schemas.openxmlformats.org/officeDocument/2006/relationships" xmlns:p="http://schemas.openxmlformats.org/presentationml/2006/main">
+  <p:cSld>
+    <p:spTree>
+      <p:nvGrpSpPr>
+        <p:cNvPr id="1" name=""/>
+        <p:cNvGrpSpPr/>
+        <p:nvPr/>
+      </p:nvGrpSpPr>
+      <p:grpSpPr>
+        <a:xfrm>
+          <a:off x="0" y="0"/>
+          <a:ext cx="0" cy="0"/>
+          <a:chOff x="0" y="0"/>
+          <a:chExt cx="0" cy="0"/>
+        </a:xfrm>
+      </p:grpSpPr>
+      <p:sp>
+        <p:nvSpPr>
+          <p:cNvPr id="2" name="Title 1"/>
+          <p:cNvSpPr>
+            <a:spLocks noGrp="1"/>
+          </p:cNvSpPr>
+          <p:nvPr>
+            <p:ph type="title"/>
+          </p:nvPr>
+        </p:nvSpPr>
+        <p:spPr>
+          <a:xfrm>
+            <a:off x="539552" y="0"/>
+            <a:ext cx="7344816" cy="836712"/>
+          </a:xfrm>
+        </p:spPr>
+        <p:txBody>
+          <a:bodyPr>
+            <a:noAutofit/>
+          </a:bodyPr>
+          <a:lstStyle/>
+          <a:p>
+            <a:r>
+              <a:rPr lang="fr-FR" sz="2400" dirty="0" smtClean="0"/>
+              <a:t>4. Exploration</a:t>
+            </a:r>
+            <a:br>
+              <a:rPr lang="fr-FR" sz="2400" dirty="0" smtClean="0"/>
+            </a:br>
+            <a:r>
+              <a:rPr lang="fr-FR" sz="2400" dirty="0" smtClean="0"/>
+              <a:t>Analyse exploratoire - cible</a:t>
+            </a:r>
+            <a:endParaRPr lang="fr-FR" sz="2400" dirty="0"/>
+          </a:p>
+        </p:txBody>
+      </p:sp>
+      <p:sp>
+        <p:nvSpPr>
+          <p:cNvPr id="6" name="Date Placeholder 5"/>
+          <p:cNvSpPr>
+            <a:spLocks noGrp="1"/>
+          </p:cNvSpPr>
+          <p:nvPr>
+            <p:ph type="dt" sz="half" idx="10"/>
+          </p:nvPr>
+        </p:nvSpPr>
+        <p:spPr/>
+        <p:txBody>
+          <a:bodyPr/>
+          <a:lstStyle/>
+          <a:p>
+            <a:fld id="{92BC38EB-913B-4C57-8A7D-C090B83E2669}" type="datetime1">
+              <a:rPr lang="fr-FR" smtClean="0"/>
+              <a:pPr/>
+              <a:t>26/11/2019</a:t>
+            </a:fld>
+            <a:endParaRPr lang="fr-FR"/>
+          </a:p>
+        </p:txBody>
+      </p:sp>
+      <p:sp>
+        <p:nvSpPr>
+          <p:cNvPr id="7" name="Slide Number Placeholder 6"/>
+          <p:cNvSpPr>
+            <a:spLocks noGrp="1"/>
+          </p:cNvSpPr>
+          <p:nvPr>
+            <p:ph type="sldNum" sz="quarter" idx="12"/>
+          </p:nvPr>
+        </p:nvSpPr>
+        <p:spPr/>
+        <p:txBody>
+          <a:bodyPr/>
+          <a:lstStyle/>
+          <a:p>
+            <a:fld id="{07B22C37-5AD6-4D55-AB8D-EDB2AF08F152}" type="slidenum">
+              <a:rPr lang="fr-FR" smtClean="0"/>
+              <a:pPr/>
+              <a:t>11</a:t>
             </a:fld>
             <a:endParaRPr lang="fr-FR"/>
           </a:p>
@@ -7793,7 +12131,7 @@
 </p:sld>
 </file>
 
-<file path=ppt/slides/slide11.xml><?xml version="1.0" encoding="utf-8"?>
+<file path=ppt/slides/slide12.xml><?xml version="1.0" encoding="utf-8"?>
 <p:sld xmlns:a="http://schemas.openxmlformats.org/drawingml/2006/main" xmlns:r="http://schemas.openxmlformats.org/officeDocument/2006/relationships" xmlns:p="http://schemas.openxmlformats.org/presentationml/2006/main">
   <p:cSld>
     <p:spTree>
@@ -7841,11 +12179,7 @@
             </a:br>
             <a:r>
               <a:rPr lang="fr-FR" sz="3200" dirty="0" smtClean="0"/>
-              <a:t>Réduction de </a:t>
-            </a:r>
-            <a:r>
-              <a:rPr lang="fr-FR" sz="3200" dirty="0" smtClean="0"/>
-              <a:t>dimension : ACP</a:t>
+              <a:t>Réduction de dimension : ACP</a:t>
             </a:r>
             <a:endParaRPr lang="fr-FR" sz="3200" dirty="0"/>
           </a:p>
@@ -7869,7 +12203,7 @@
             <a:fld id="{34BB9493-DDA4-47A5-90A8-AADC3D3EA1FB}" type="datetime1">
               <a:rPr lang="fr-FR" smtClean="0"/>
               <a:pPr/>
-              <a:t>24/11/2019</a:t>
+              <a:t>26/11/2019</a:t>
             </a:fld>
             <a:endParaRPr lang="fr-FR"/>
           </a:p>
@@ -7916,7 +12250,7 @@
             <a:fld id="{07B22C37-5AD6-4D55-AB8D-EDB2AF08F152}" type="slidenum">
               <a:rPr lang="fr-FR" smtClean="0"/>
               <a:pPr/>
-              <a:t>11</a:t>
+              <a:t>12</a:t>
             </a:fld>
             <a:endParaRPr lang="fr-FR"/>
           </a:p>
@@ -7994,7 +12328,7 @@
 </p:sld>
 </file>
 
-<file path=ppt/slides/slide12.xml><?xml version="1.0" encoding="utf-8"?>
+<file path=ppt/slides/slide13.xml><?xml version="1.0" encoding="utf-8"?>
 <p:sld xmlns:a="http://schemas.openxmlformats.org/drawingml/2006/main" xmlns:r="http://schemas.openxmlformats.org/officeDocument/2006/relationships" xmlns:p="http://schemas.openxmlformats.org/presentationml/2006/main">
   <p:cSld>
     <p:spTree>
@@ -8042,11 +12376,7 @@
             </a:br>
             <a:r>
               <a:rPr lang="fr-FR" sz="3200" dirty="0" smtClean="0"/>
-              <a:t>Réduction de </a:t>
-            </a:r>
-            <a:r>
-              <a:rPr lang="fr-FR" sz="3200" dirty="0" smtClean="0"/>
-              <a:t>dimension : t-SNE</a:t>
+              <a:t>Réduction de dimension : t-SNE</a:t>
             </a:r>
             <a:endParaRPr lang="fr-FR" sz="3200" dirty="0"/>
           </a:p>
@@ -8070,7 +12400,7 @@
             <a:fld id="{34BB9493-DDA4-47A5-90A8-AADC3D3EA1FB}" type="datetime1">
               <a:rPr lang="fr-FR" smtClean="0"/>
               <a:pPr/>
-              <a:t>24/11/2019</a:t>
+              <a:t>26/11/2019</a:t>
             </a:fld>
             <a:endParaRPr lang="fr-FR"/>
           </a:p>
@@ -8117,7 +12447,7 @@
             <a:fld id="{07B22C37-5AD6-4D55-AB8D-EDB2AF08F152}" type="slidenum">
               <a:rPr lang="fr-FR" smtClean="0"/>
               <a:pPr/>
-              <a:t>12</a:t>
+              <a:t>13</a:t>
             </a:fld>
             <a:endParaRPr lang="fr-FR"/>
           </a:p>
@@ -8195,146 +12525,6 @@
 </p:sld>
 </file>
 
-<file path=ppt/slides/slide13.xml><?xml version="1.0" encoding="utf-8"?>
-<p:sld xmlns:a="http://schemas.openxmlformats.org/drawingml/2006/main" xmlns:r="http://schemas.openxmlformats.org/officeDocument/2006/relationships" xmlns:p="http://schemas.openxmlformats.org/presentationml/2006/main">
-  <p:cSld>
-    <p:spTree>
-      <p:nvGrpSpPr>
-        <p:cNvPr id="1" name=""/>
-        <p:cNvGrpSpPr/>
-        <p:nvPr/>
-      </p:nvGrpSpPr>
-      <p:grpSpPr>
-        <a:xfrm>
-          <a:off x="0" y="0"/>
-          <a:ext cx="0" cy="0"/>
-          <a:chOff x="0" y="0"/>
-          <a:chExt cx="0" cy="0"/>
-        </a:xfrm>
-      </p:grpSpPr>
-      <p:sp>
-        <p:nvSpPr>
-          <p:cNvPr id="2" name="Title 1"/>
-          <p:cNvSpPr>
-            <a:spLocks noGrp="1"/>
-          </p:cNvSpPr>
-          <p:nvPr>
-            <p:ph type="title"/>
-          </p:nvPr>
-        </p:nvSpPr>
-        <p:spPr>
-          <a:xfrm>
-            <a:off x="395536" y="0"/>
-            <a:ext cx="8229600" cy="1143000"/>
-          </a:xfrm>
-        </p:spPr>
-        <p:txBody>
-          <a:bodyPr>
-            <a:noAutofit/>
-          </a:bodyPr>
-          <a:lstStyle/>
-          <a:p>
-            <a:r>
-              <a:rPr lang="fr-FR" sz="3200" dirty="0" smtClean="0"/>
-              <a:t>5. Modélisation non-supervisée</a:t>
-            </a:r>
-            <a:br>
-              <a:rPr lang="fr-FR" sz="3200" dirty="0" smtClean="0"/>
-            </a:br>
-            <a:r>
-              <a:rPr lang="fr-FR" sz="3200" dirty="0" smtClean="0"/>
-              <a:t>Approche basée sur les fréquences</a:t>
-            </a:r>
-            <a:endParaRPr lang="fr-FR" sz="3200" dirty="0"/>
-          </a:p>
-        </p:txBody>
-      </p:sp>
-      <p:sp>
-        <p:nvSpPr>
-          <p:cNvPr id="4" name="Date Placeholder 3"/>
-          <p:cNvSpPr>
-            <a:spLocks noGrp="1"/>
-          </p:cNvSpPr>
-          <p:nvPr>
-            <p:ph type="dt" sz="half" idx="10"/>
-          </p:nvPr>
-        </p:nvSpPr>
-        <p:spPr/>
-        <p:txBody>
-          <a:bodyPr/>
-          <a:lstStyle/>
-          <a:p>
-            <a:fld id="{34BB9493-DDA4-47A5-90A8-AADC3D3EA1FB}" type="datetime1">
-              <a:rPr lang="fr-FR" smtClean="0"/>
-              <a:pPr/>
-              <a:t>24/11/2019</a:t>
-            </a:fld>
-            <a:endParaRPr lang="fr-FR"/>
-          </a:p>
-        </p:txBody>
-      </p:sp>
-      <p:sp>
-        <p:nvSpPr>
-          <p:cNvPr id="5" name="Footer Placeholder 4"/>
-          <p:cNvSpPr>
-            <a:spLocks noGrp="1"/>
-          </p:cNvSpPr>
-          <p:nvPr>
-            <p:ph type="ftr" sz="quarter" idx="11"/>
-          </p:nvPr>
-        </p:nvSpPr>
-        <p:spPr/>
-        <p:txBody>
-          <a:bodyPr/>
-          <a:lstStyle/>
-          <a:p>
-            <a:r>
-              <a:rPr lang="fr-FR" smtClean="0"/>
-              <a:t>Lenka Styfalova</a:t>
-            </a:r>
-            <a:endParaRPr lang="fr-FR"/>
-          </a:p>
-        </p:txBody>
-      </p:sp>
-      <p:sp>
-        <p:nvSpPr>
-          <p:cNvPr id="6" name="Slide Number Placeholder 5"/>
-          <p:cNvSpPr>
-            <a:spLocks noGrp="1"/>
-          </p:cNvSpPr>
-          <p:nvPr>
-            <p:ph type="sldNum" sz="quarter" idx="12"/>
-          </p:nvPr>
-        </p:nvSpPr>
-        <p:spPr/>
-        <p:txBody>
-          <a:bodyPr/>
-          <a:lstStyle/>
-          <a:p>
-            <a:fld id="{07B22C37-5AD6-4D55-AB8D-EDB2AF08F152}" type="slidenum">
-              <a:rPr lang="fr-FR" smtClean="0"/>
-              <a:pPr/>
-              <a:t>13</a:t>
-            </a:fld>
-            <a:endParaRPr lang="fr-FR"/>
-          </a:p>
-        </p:txBody>
-      </p:sp>
-    </p:spTree>
-  </p:cSld>
-  <p:clrMapOvr>
-    <a:masterClrMapping/>
-  </p:clrMapOvr>
-  <p:timing>
-    <p:tnLst>
-      <p:par>
-        <p:cTn id="1" dur="indefinite" restart="never" nodeType="tmRoot"/>
-      </p:par>
-    </p:tnLst>
-  </p:timing>
-</p:sld>
-</file>
-
 <file path=ppt/slides/slide14.xml><?xml version="1.0" encoding="utf-8"?>
 <p:sld xmlns:a="http://schemas.openxmlformats.org/drawingml/2006/main" xmlns:r="http://schemas.openxmlformats.org/officeDocument/2006/relationships" xmlns:p="http://schemas.openxmlformats.org/presentationml/2006/main">
   <p:cSld>
@@ -8383,7 +12573,7 @@
             </a:br>
             <a:r>
               <a:rPr lang="fr-FR" sz="3200" dirty="0" smtClean="0"/>
-              <a:t>Latent Dirichlet Allocation</a:t>
+              <a:t>Approche basée sur les fréquences</a:t>
             </a:r>
             <a:endParaRPr lang="fr-FR" sz="3200" dirty="0"/>
           </a:p>
@@ -8407,7 +12597,7 @@
             <a:fld id="{34BB9493-DDA4-47A5-90A8-AADC3D3EA1FB}" type="datetime1">
               <a:rPr lang="fr-FR" smtClean="0"/>
               <a:pPr/>
-              <a:t>24/11/2019</a:t>
+              <a:t>26/11/2019</a:t>
             </a:fld>
             <a:endParaRPr lang="fr-FR"/>
           </a:p>
@@ -8522,8 +12712,8 @@
               <a:rPr lang="fr-FR" sz="3200" dirty="0" smtClean="0"/>
             </a:br>
             <a:r>
-              <a:rPr lang="fr-FR" sz="3200" dirty="0" err="1" smtClean="0"/>
-              <a:t>Clustering</a:t>
+              <a:rPr lang="fr-FR" sz="3200" dirty="0" smtClean="0"/>
+              <a:t>Latent Dirichlet Allocation</a:t>
             </a:r>
             <a:endParaRPr lang="fr-FR" sz="3200" dirty="0"/>
           </a:p>
@@ -8547,7 +12737,7 @@
             <a:fld id="{34BB9493-DDA4-47A5-90A8-AADC3D3EA1FB}" type="datetime1">
               <a:rPr lang="fr-FR" smtClean="0"/>
               <a:pPr/>
-              <a:t>24/11/2019</a:t>
+              <a:t>26/11/2019</a:t>
             </a:fld>
             <a:endParaRPr lang="fr-FR"/>
           </a:p>
@@ -8656,7 +12846,14 @@
           <a:p>
             <a:r>
               <a:rPr lang="fr-FR" sz="3200" dirty="0" smtClean="0"/>
-              <a:t>6. Modélisation supervisée</a:t>
+              <a:t>5. Modélisation non-supervisée</a:t>
+            </a:r>
+            <a:br>
+              <a:rPr lang="fr-FR" sz="3200" dirty="0" smtClean="0"/>
+            </a:br>
+            <a:r>
+              <a:rPr lang="fr-FR" sz="3200" dirty="0" err="1" smtClean="0"/>
+              <a:t>Clustering</a:t>
             </a:r>
             <a:endParaRPr lang="fr-FR" sz="3200" dirty="0"/>
           </a:p>
@@ -8680,7 +12877,7 @@
             <a:fld id="{34BB9493-DDA4-47A5-90A8-AADC3D3EA1FB}" type="datetime1">
               <a:rPr lang="fr-FR" smtClean="0"/>
               <a:pPr/>
-              <a:t>24/11/2019</a:t>
+              <a:t>26/11/2019</a:t>
             </a:fld>
             <a:endParaRPr lang="fr-FR"/>
           </a:p>
@@ -8775,18 +12972,23 @@
             <p:ph type="title"/>
           </p:nvPr>
         </p:nvSpPr>
-        <p:spPr/>
+        <p:spPr>
+          <a:xfrm>
+            <a:off x="395536" y="0"/>
+            <a:ext cx="8229600" cy="1143000"/>
+          </a:xfrm>
+        </p:spPr>
         <p:txBody>
           <a:bodyPr>
-            <a:normAutofit/>
+            <a:noAutofit/>
           </a:bodyPr>
           <a:lstStyle/>
           <a:p>
             <a:r>
-              <a:rPr lang="fr-FR" dirty="0" smtClean="0"/>
-              <a:t>7. Conclusion</a:t>
-            </a:r>
-            <a:endParaRPr lang="fr-FR" dirty="0"/>
+              <a:rPr lang="fr-FR" sz="3200" dirty="0" smtClean="0"/>
+              <a:t>6. Modélisation supervisée</a:t>
+            </a:r>
+            <a:endParaRPr lang="fr-FR" sz="3200" dirty="0"/>
           </a:p>
         </p:txBody>
       </p:sp>
@@ -8808,7 +13010,7 @@
             <a:fld id="{34BB9493-DDA4-47A5-90A8-AADC3D3EA1FB}" type="datetime1">
               <a:rPr lang="fr-FR" smtClean="0"/>
               <a:pPr/>
-              <a:t>24/11/2019</a:t>
+              <a:t>26/11/2019</a:t>
             </a:fld>
             <a:endParaRPr lang="fr-FR"/>
           </a:p>
@@ -8856,6 +13058,134 @@
               <a:rPr lang="fr-FR" smtClean="0"/>
               <a:pPr/>
               <a:t>17</a:t>
+            </a:fld>
+            <a:endParaRPr lang="fr-FR"/>
+          </a:p>
+        </p:txBody>
+      </p:sp>
+    </p:spTree>
+  </p:cSld>
+  <p:clrMapOvr>
+    <a:masterClrMapping/>
+  </p:clrMapOvr>
+  <p:timing>
+    <p:tnLst>
+      <p:par>
+        <p:cTn id="1" dur="indefinite" restart="never" nodeType="tmRoot"/>
+      </p:par>
+    </p:tnLst>
+  </p:timing>
+</p:sld>
+</file>
+
+<file path=ppt/slides/slide18.xml><?xml version="1.0" encoding="utf-8"?>
+<p:sld xmlns:a="http://schemas.openxmlformats.org/drawingml/2006/main" xmlns:r="http://schemas.openxmlformats.org/officeDocument/2006/relationships" xmlns:p="http://schemas.openxmlformats.org/presentationml/2006/main">
+  <p:cSld>
+    <p:spTree>
+      <p:nvGrpSpPr>
+        <p:cNvPr id="1" name=""/>
+        <p:cNvGrpSpPr/>
+        <p:nvPr/>
+      </p:nvGrpSpPr>
+      <p:grpSpPr>
+        <a:xfrm>
+          <a:off x="0" y="0"/>
+          <a:ext cx="0" cy="0"/>
+          <a:chOff x="0" y="0"/>
+          <a:chExt cx="0" cy="0"/>
+        </a:xfrm>
+      </p:grpSpPr>
+      <p:sp>
+        <p:nvSpPr>
+          <p:cNvPr id="2" name="Title 1"/>
+          <p:cNvSpPr>
+            <a:spLocks noGrp="1"/>
+          </p:cNvSpPr>
+          <p:nvPr>
+            <p:ph type="title"/>
+          </p:nvPr>
+        </p:nvSpPr>
+        <p:spPr/>
+        <p:txBody>
+          <a:bodyPr>
+            <a:normAutofit/>
+          </a:bodyPr>
+          <a:lstStyle/>
+          <a:p>
+            <a:r>
+              <a:rPr lang="fr-FR" dirty="0" smtClean="0"/>
+              <a:t>7. Conclusion</a:t>
+            </a:r>
+            <a:endParaRPr lang="fr-FR" dirty="0"/>
+          </a:p>
+        </p:txBody>
+      </p:sp>
+      <p:sp>
+        <p:nvSpPr>
+          <p:cNvPr id="4" name="Date Placeholder 3"/>
+          <p:cNvSpPr>
+            <a:spLocks noGrp="1"/>
+          </p:cNvSpPr>
+          <p:nvPr>
+            <p:ph type="dt" sz="half" idx="10"/>
+          </p:nvPr>
+        </p:nvSpPr>
+        <p:spPr/>
+        <p:txBody>
+          <a:bodyPr/>
+          <a:lstStyle/>
+          <a:p>
+            <a:fld id="{34BB9493-DDA4-47A5-90A8-AADC3D3EA1FB}" type="datetime1">
+              <a:rPr lang="fr-FR" smtClean="0"/>
+              <a:pPr/>
+              <a:t>26/11/2019</a:t>
+            </a:fld>
+            <a:endParaRPr lang="fr-FR"/>
+          </a:p>
+        </p:txBody>
+      </p:sp>
+      <p:sp>
+        <p:nvSpPr>
+          <p:cNvPr id="5" name="Footer Placeholder 4"/>
+          <p:cNvSpPr>
+            <a:spLocks noGrp="1"/>
+          </p:cNvSpPr>
+          <p:nvPr>
+            <p:ph type="ftr" sz="quarter" idx="11"/>
+          </p:nvPr>
+        </p:nvSpPr>
+        <p:spPr/>
+        <p:txBody>
+          <a:bodyPr/>
+          <a:lstStyle/>
+          <a:p>
+            <a:r>
+              <a:rPr lang="fr-FR" smtClean="0"/>
+              <a:t>Lenka Styfalova</a:t>
+            </a:r>
+            <a:endParaRPr lang="fr-FR"/>
+          </a:p>
+        </p:txBody>
+      </p:sp>
+      <p:sp>
+        <p:nvSpPr>
+          <p:cNvPr id="6" name="Slide Number Placeholder 5"/>
+          <p:cNvSpPr>
+            <a:spLocks noGrp="1"/>
+          </p:cNvSpPr>
+          <p:nvPr>
+            <p:ph type="sldNum" sz="quarter" idx="12"/>
+          </p:nvPr>
+        </p:nvSpPr>
+        <p:spPr/>
+        <p:txBody>
+          <a:bodyPr/>
+          <a:lstStyle/>
+          <a:p>
+            <a:fld id="{07B22C37-5AD6-4D55-AB8D-EDB2AF08F152}" type="slidenum">
+              <a:rPr lang="fr-FR" smtClean="0"/>
+              <a:pPr/>
+              <a:t>18</a:t>
             </a:fld>
             <a:endParaRPr lang="fr-FR" dirty="0"/>
           </a:p>
@@ -8941,7 +13271,7 @@
         <p:spPr/>
         <p:txBody>
           <a:bodyPr>
-            <a:normAutofit fontScale="77500" lnSpcReduction="20000"/>
+            <a:normAutofit fontScale="70000" lnSpcReduction="20000"/>
           </a:bodyPr>
           <a:lstStyle/>
           <a:p>
@@ -8969,8 +13299,13 @@
             </a:pPr>
             <a:r>
               <a:rPr lang="fr-FR" dirty="0" smtClean="0"/>
-              <a:t>Feature engineering</a:t>
-            </a:r>
+              <a:t>Feature </a:t>
+            </a:r>
+            <a:r>
+              <a:rPr lang="fr-FR" dirty="0" smtClean="0"/>
+              <a:t>engineering</a:t>
+            </a:r>
+            <a:endParaRPr lang="fr-FR" dirty="0" smtClean="0"/>
           </a:p>
           <a:p>
             <a:pPr marL="514350" indent="-514350">
@@ -9050,8 +13385,23 @@
             </a:pPr>
             <a:r>
               <a:rPr lang="fr-FR" dirty="0" smtClean="0"/>
-              <a:t>Modélisation supervisée</a:t>
-            </a:r>
+              <a:t>Modélisation </a:t>
+            </a:r>
+            <a:r>
+              <a:rPr lang="fr-FR" dirty="0" smtClean="0"/>
+              <a:t>supervisée</a:t>
+            </a:r>
+          </a:p>
+          <a:p>
+            <a:pPr marL="514350" indent="-514350">
+              <a:buFont typeface="+mj-lt"/>
+              <a:buAutoNum type="arabicPeriod"/>
+            </a:pPr>
+            <a:r>
+              <a:rPr lang="fr-FR" dirty="0" smtClean="0"/>
+              <a:t>Comparaison de modèles</a:t>
+            </a:r>
+            <a:endParaRPr lang="fr-FR" dirty="0" smtClean="0"/>
           </a:p>
           <a:p>
             <a:pPr marL="514350" indent="-514350">
@@ -9083,7 +13433,7 @@
             <a:fld id="{34BB9493-DDA4-47A5-90A8-AADC3D3EA1FB}" type="datetime1">
               <a:rPr lang="fr-FR" smtClean="0"/>
               <a:pPr/>
-              <a:t>24/11/2019</a:t>
+              <a:t>26/11/2019</a:t>
             </a:fld>
             <a:endParaRPr lang="fr-FR" dirty="0"/>
           </a:p>
@@ -9218,6 +13568,7 @@
           </a:bodyPr>
           <a:lstStyle/>
           <a:p>
+            <a:pPr algn="just"/>
             <a:r>
               <a:rPr lang="fr-FR" dirty="0" err="1" smtClean="0"/>
               <a:t>Stack</a:t>
@@ -9236,51 +13587,42 @@
             </a:r>
           </a:p>
           <a:p>
-            <a:pPr>
+            <a:pPr algn="just">
               <a:buNone/>
             </a:pPr>
             <a:endParaRPr lang="fr-FR" dirty="0" smtClean="0"/>
           </a:p>
           <a:p>
+            <a:pPr algn="just"/>
             <a:r>
               <a:rPr lang="fr-FR" dirty="0" smtClean="0"/>
-              <a:t>Les utilisateurs peuvent poser des questions relatives au développement de code, mais souvent il faut mieux chercher dans les questions qui existent déjà : aujourd’hui, la BDD contient 47 millions de questions dont 1,9 millions </a:t>
-            </a:r>
-            <a:r>
-              <a:rPr lang="fr-FR" dirty="0" smtClean="0"/>
-              <a:t>de questions</a:t>
-            </a:r>
-            <a:r>
-              <a:rPr lang="fr-FR" dirty="0" smtClean="0"/>
-              <a:t> qui datent de 2019.</a:t>
-            </a:r>
-          </a:p>
-          <a:p>
-            <a:pPr>
+              <a:t>Les utilisateurs peuvent poser des questions relatives au développement de code, mais souvent il faut mieux chercher dans les questions qui existent déjà : aujourd’hui, la BDD contient 47 millions de questions dont 1,9 millions de questions qui datent de 2019.</a:t>
+            </a:r>
+          </a:p>
+          <a:p>
+            <a:pPr algn="just">
               <a:buNone/>
             </a:pPr>
             <a:endParaRPr lang="fr-FR" dirty="0" smtClean="0"/>
           </a:p>
           <a:p>
+            <a:pPr algn="just"/>
             <a:r>
               <a:rPr lang="fr-FR" dirty="0" smtClean="0"/>
               <a:t>Pour faciliter la classification des questions et la recherche, les utilisateurs sont censés de saisir jusqu’à 5 tags =&gt; mots clés qui caractérisent la question</a:t>
             </a:r>
           </a:p>
           <a:p>
-            <a:pPr>
+            <a:pPr algn="just">
               <a:buNone/>
             </a:pPr>
             <a:endParaRPr lang="fr-FR" dirty="0" smtClean="0"/>
           </a:p>
           <a:p>
+            <a:pPr algn="just"/>
             <a:r>
               <a:rPr lang="fr-FR" dirty="0" smtClean="0"/>
-              <a:t>Les tags sont un texte libre (système d’aide automatique existe, mais pas de restriction)  </a:t>
-            </a:r>
-            <a:r>
-              <a:rPr lang="fr-FR" dirty="0" smtClean="0"/>
-              <a:t> </a:t>
+              <a:t>Les tags sont un texte libre (système d’aide automatique existe, mais pas de restriction)   </a:t>
             </a:r>
             <a:endParaRPr lang="fr-FR" dirty="0"/>
           </a:p>
@@ -9304,7 +13646,7 @@
             <a:fld id="{34BB9493-DDA4-47A5-90A8-AADC3D3EA1FB}" type="datetime1">
               <a:rPr lang="fr-FR" smtClean="0"/>
               <a:pPr/>
-              <a:t>24/11/2019</a:t>
+              <a:t>26/11/2019</a:t>
             </a:fld>
             <a:endParaRPr lang="fr-FR"/>
           </a:p>
@@ -9439,13 +13781,14 @@
           </a:bodyPr>
           <a:lstStyle/>
           <a:p>
+            <a:pPr algn="just"/>
             <a:r>
               <a:rPr lang="fr-FR" dirty="0" smtClean="0"/>
               <a:t>But de projet :</a:t>
             </a:r>
           </a:p>
           <a:p>
-            <a:pPr lvl="1"/>
+            <a:pPr lvl="1" algn="just"/>
             <a:r>
               <a:rPr lang="fr-FR" dirty="0" smtClean="0"/>
               <a:t>Trouver un algorithme de machine </a:t>
@@ -9460,63 +13803,66 @@
             </a:r>
           </a:p>
           <a:p>
-            <a:pPr lvl="1">
+            <a:pPr lvl="1" algn="just">
               <a:buNone/>
             </a:pPr>
             <a:endParaRPr lang="fr-FR" dirty="0"/>
           </a:p>
           <a:p>
+            <a:pPr algn="just"/>
             <a:r>
               <a:rPr lang="fr-FR" dirty="0" smtClean="0"/>
               <a:t>Intérêt de projet :</a:t>
             </a:r>
           </a:p>
           <a:p>
-            <a:pPr lvl="1"/>
+            <a:pPr lvl="1" algn="just"/>
             <a:r>
               <a:rPr lang="fr-FR" dirty="0" smtClean="0"/>
               <a:t>Mieux classifier des questions</a:t>
             </a:r>
           </a:p>
           <a:p>
-            <a:pPr lvl="1"/>
+            <a:pPr lvl="1" algn="just"/>
             <a:r>
               <a:rPr lang="fr-FR" dirty="0" smtClean="0"/>
               <a:t>Proposer des questions déjà existantes plus pertinentes</a:t>
             </a:r>
           </a:p>
           <a:p>
-            <a:pPr lvl="1"/>
+            <a:pPr lvl="1" algn="just"/>
             <a:r>
               <a:rPr lang="fr-FR" dirty="0" smtClean="0"/>
               <a:t>Eviter des questions en doublons</a:t>
             </a:r>
           </a:p>
           <a:p>
-            <a:pPr lvl="1"/>
+            <a:pPr lvl="1" algn="just"/>
             <a:r>
               <a:rPr lang="fr-FR" dirty="0" smtClean="0"/>
               <a:t>Fidéliser les utilisateurs en proposant un fonctionnement simple, rapide et efficace</a:t>
             </a:r>
           </a:p>
           <a:p>
+            <a:pPr algn="just"/>
             <a:endParaRPr lang="fr-FR" dirty="0" smtClean="0"/>
           </a:p>
           <a:p>
+            <a:pPr algn="just"/>
             <a:r>
               <a:rPr lang="fr-FR" dirty="0" smtClean="0"/>
               <a:t>Données :</a:t>
             </a:r>
           </a:p>
           <a:p>
-            <a:pPr lvl="1"/>
+            <a:pPr lvl="1" algn="just"/>
             <a:r>
               <a:rPr lang="fr-FR" dirty="0" smtClean="0"/>
               <a:t>Analyses descriptives + modélisation : 50 000 questions de 2019</a:t>
             </a:r>
           </a:p>
           <a:p>
-            <a:pPr lvl="1"/>
+            <a:pPr lvl="1" algn="just"/>
             <a:r>
               <a:rPr lang="fr-FR" dirty="0" smtClean="0"/>
               <a:t>Création d’un modèle word2vect : 500 000 questions de 2019</a:t>
@@ -9542,7 +13888,7 @@
             <a:fld id="{34BB9493-DDA4-47A5-90A8-AADC3D3EA1FB}" type="datetime1">
               <a:rPr lang="fr-FR" smtClean="0"/>
               <a:pPr/>
-              <a:t>24/11/2019</a:t>
+              <a:t>26/11/2019</a:t>
             </a:fld>
             <a:endParaRPr lang="fr-FR"/>
           </a:p>
@@ -9714,7 +14060,7 @@
             <a:fld id="{CFCE0C3C-9D1F-498B-BCEE-F87C1B541205}" type="datetime1">
               <a:rPr lang="fr-FR" smtClean="0"/>
               <a:pPr/>
-              <a:t>24/11/2019</a:t>
+              <a:t>26/11/2019</a:t>
             </a:fld>
             <a:endParaRPr lang="fr-FR"/>
           </a:p>
@@ -9953,7 +14299,7 @@
             <a:fld id="{CFCE0C3C-9D1F-498B-BCEE-F87C1B541205}" type="datetime1">
               <a:rPr lang="fr-FR" smtClean="0"/>
               <a:pPr/>
-              <a:t>24/11/2019</a:t>
+              <a:t>26/11/2019</a:t>
             </a:fld>
             <a:endParaRPr lang="fr-FR"/>
           </a:p>
@@ -10182,29 +14528,30 @@
             <p:ph type="title"/>
           </p:nvPr>
         </p:nvSpPr>
-        <p:spPr/>
+        <p:spPr>
+          <a:xfrm>
+            <a:off x="467544" y="0"/>
+            <a:ext cx="7920880" cy="908720"/>
+          </a:xfrm>
+        </p:spPr>
         <p:txBody>
           <a:bodyPr>
-            <a:normAutofit fontScale="90000"/>
+            <a:noAutofit/>
           </a:bodyPr>
           <a:lstStyle/>
           <a:p>
             <a:r>
-              <a:rPr lang="fr-FR" dirty="0" smtClean="0"/>
-              <a:t>3. Features </a:t>
-            </a:r>
-            <a:r>
-              <a:rPr lang="fr-FR" dirty="0" smtClean="0"/>
-              <a:t>engineering</a:t>
+              <a:rPr lang="fr-FR" sz="3200" dirty="0" smtClean="0"/>
+              <a:t>3. Features engineering</a:t>
             </a:r>
             <a:br>
-              <a:rPr lang="fr-FR" dirty="0" smtClean="0"/>
+              <a:rPr lang="fr-FR" sz="3200" dirty="0" smtClean="0"/>
             </a:br>
             <a:r>
-              <a:rPr lang="fr-FR" dirty="0" err="1" smtClean="0"/>
+              <a:rPr lang="fr-FR" sz="3200" dirty="0" err="1" smtClean="0"/>
               <a:t>Workflow</a:t>
             </a:r>
-            <a:endParaRPr lang="fr-FR" dirty="0"/>
+            <a:endParaRPr lang="fr-FR" sz="3200" dirty="0"/>
           </a:p>
         </p:txBody>
       </p:sp>
@@ -10261,7 +14608,7 @@
             <a:fld id="{34BB9493-DDA4-47A5-90A8-AADC3D3EA1FB}" type="datetime1">
               <a:rPr lang="fr-FR" smtClean="0"/>
               <a:pPr/>
-              <a:t>24/11/2019</a:t>
+              <a:t>27/11/2019</a:t>
             </a:fld>
             <a:endParaRPr lang="fr-FR"/>
           </a:p>
@@ -10323,7 +14670,7 @@
         <p:spPr>
           <a:xfrm>
             <a:off x="539552" y="1772816"/>
-            <a:ext cx="7992888" cy="3970318"/>
+            <a:ext cx="7992888" cy="923330"/>
           </a:xfrm>
           <a:prstGeom prst="rect">
             <a:avLst/>
@@ -10336,178 +14683,10 @@
           </a:bodyPr>
           <a:lstStyle/>
           <a:p>
-            <a:r>
-              <a:rPr lang="fr-FR" dirty="0" smtClean="0"/>
-              <a:t>Plusieurs façons comment recoder les features :</a:t>
-            </a:r>
-          </a:p>
-          <a:p>
-            <a:endParaRPr lang="fr-FR" dirty="0" smtClean="0"/>
-          </a:p>
-          <a:p>
-            <a:r>
-              <a:rPr lang="fr-FR" dirty="0" smtClean="0"/>
-              <a:t>1. Pour appliquer Bag of </a:t>
-            </a:r>
-            <a:r>
-              <a:rPr lang="fr-FR" dirty="0" err="1" smtClean="0"/>
-              <a:t>words</a:t>
-            </a:r>
-            <a:r>
-              <a:rPr lang="fr-FR" dirty="0" smtClean="0"/>
-              <a:t> et TF-IDF : </a:t>
-            </a:r>
-          </a:p>
-          <a:p>
-            <a:pPr lvl="1">
-              <a:buFont typeface="Arial" pitchFamily="34" charset="0"/>
-              <a:buChar char="•"/>
-            </a:pPr>
-            <a:r>
-              <a:rPr lang="fr-FR" dirty="0" smtClean="0"/>
-              <a:t> </a:t>
-            </a:r>
-            <a:r>
-              <a:rPr lang="fr-FR" dirty="0" smtClean="0"/>
-              <a:t> Titre </a:t>
-            </a:r>
-          </a:p>
-          <a:p>
-            <a:pPr lvl="1">
-              <a:buFont typeface="Arial" pitchFamily="34" charset="0"/>
-              <a:buChar char="•"/>
-            </a:pPr>
-            <a:r>
-              <a:rPr lang="fr-FR" dirty="0" smtClean="0"/>
-              <a:t> </a:t>
-            </a:r>
-            <a:r>
-              <a:rPr lang="fr-FR" dirty="0" smtClean="0"/>
-              <a:t> Titre + corps + </a:t>
-            </a:r>
-            <a:r>
-              <a:rPr lang="fr-FR" dirty="0" err="1" smtClean="0"/>
-              <a:t>bigrams</a:t>
-            </a:r>
-            <a:r>
-              <a:rPr lang="fr-FR" dirty="0" smtClean="0"/>
-              <a:t> titre + </a:t>
-            </a:r>
-            <a:r>
-              <a:rPr lang="fr-FR" dirty="0" err="1" smtClean="0"/>
-              <a:t>bigrams</a:t>
-            </a:r>
-            <a:r>
-              <a:rPr lang="fr-FR" dirty="0" smtClean="0"/>
-              <a:t> corps</a:t>
-            </a:r>
-          </a:p>
-          <a:p>
-            <a:pPr lvl="1">
-              <a:buFont typeface="Arial" pitchFamily="34" charset="0"/>
-              <a:buChar char="•"/>
-            </a:pPr>
-            <a:r>
-              <a:rPr lang="fr-FR" dirty="0" smtClean="0"/>
-              <a:t> </a:t>
-            </a:r>
-            <a:r>
-              <a:rPr lang="fr-FR" dirty="0" smtClean="0"/>
-              <a:t> Titre pondéré (x3) + corps</a:t>
-            </a:r>
-          </a:p>
-          <a:p>
-            <a:pPr lvl="1">
-              <a:buFont typeface="Arial" pitchFamily="34" charset="0"/>
-              <a:buChar char="•"/>
-            </a:pPr>
-            <a:r>
-              <a:rPr lang="fr-FR" dirty="0" smtClean="0"/>
-              <a:t> </a:t>
-            </a:r>
-            <a:r>
-              <a:rPr lang="fr-FR" dirty="0" smtClean="0"/>
-              <a:t> Titre pondéré (x2) </a:t>
-            </a:r>
-            <a:r>
-              <a:rPr lang="fr-FR" dirty="0" smtClean="0"/>
-              <a:t>+ </a:t>
-            </a:r>
-            <a:r>
-              <a:rPr lang="fr-FR" dirty="0" err="1" smtClean="0"/>
-              <a:t>bigrams</a:t>
-            </a:r>
-            <a:r>
-              <a:rPr lang="fr-FR" dirty="0" smtClean="0"/>
-              <a:t> titre pondéré (x2) + corps</a:t>
-            </a:r>
-          </a:p>
-          <a:p>
             <a:pPr lvl="1"/>
             <a:endParaRPr lang="fr-FR" dirty="0" smtClean="0"/>
           </a:p>
           <a:p>
-            <a:r>
-              <a:rPr lang="fr-FR" dirty="0" smtClean="0"/>
-              <a:t>2. </a:t>
-            </a:r>
-            <a:r>
-              <a:rPr lang="fr-FR" dirty="0" smtClean="0"/>
-              <a:t>Pour appliquer </a:t>
-            </a:r>
-            <a:r>
-              <a:rPr lang="fr-FR" dirty="0" smtClean="0"/>
-              <a:t>Word2vect (plus gourmand en calcul) </a:t>
-            </a:r>
-            <a:r>
-              <a:rPr lang="fr-FR" dirty="0" smtClean="0"/>
-              <a:t>: </a:t>
-            </a:r>
-          </a:p>
-          <a:p>
-            <a:pPr lvl="1">
-              <a:buFont typeface="Arial" pitchFamily="34" charset="0"/>
-              <a:buChar char="•"/>
-            </a:pPr>
-            <a:r>
-              <a:rPr lang="fr-FR" dirty="0" smtClean="0"/>
-              <a:t>  Titre </a:t>
-            </a:r>
-          </a:p>
-          <a:p>
-            <a:pPr lvl="1">
-              <a:buFont typeface="Arial" pitchFamily="34" charset="0"/>
-              <a:buChar char="•"/>
-            </a:pPr>
-            <a:r>
-              <a:rPr lang="fr-FR" dirty="0" smtClean="0"/>
-              <a:t>  Titre + </a:t>
-            </a:r>
-            <a:r>
-              <a:rPr lang="fr-FR" dirty="0" smtClean="0"/>
-              <a:t>corps</a:t>
-            </a:r>
-            <a:endParaRPr lang="fr-FR" dirty="0" smtClean="0"/>
-          </a:p>
-          <a:p>
-            <a:pPr lvl="1">
-              <a:buFont typeface="Arial" pitchFamily="34" charset="0"/>
-              <a:buChar char="•"/>
-            </a:pPr>
-            <a:r>
-              <a:rPr lang="fr-FR" dirty="0" smtClean="0"/>
-              <a:t>  Titre pondéré (x3) + </a:t>
-            </a:r>
-            <a:r>
-              <a:rPr lang="fr-FR" dirty="0" smtClean="0"/>
-              <a:t>corps</a:t>
-            </a:r>
-          </a:p>
-          <a:p>
-            <a:pPr>
-              <a:buFont typeface="Arial" pitchFamily="34" charset="0"/>
-              <a:buChar char="•"/>
-            </a:pPr>
             <a:endParaRPr lang="fr-FR" dirty="0" smtClean="0"/>
           </a:p>
           <a:p>
@@ -10515,6 +14694,143 @@
               <a:buFontTx/>
               <a:buChar char="-"/>
             </a:pPr>
+            <a:endParaRPr lang="fr-FR" dirty="0"/>
+          </a:p>
+        </p:txBody>
+      </p:sp>
+      <p:graphicFrame>
+        <p:nvGraphicFramePr>
+          <p:cNvPr id="9" name="Content Placeholder 3"/>
+          <p:cNvGraphicFramePr>
+            <a:graphicFrameLocks/>
+          </p:cNvGraphicFramePr>
+          <p:nvPr/>
+        </p:nvGraphicFramePr>
+        <p:xfrm>
+          <a:off x="1763688" y="980728"/>
+          <a:ext cx="5148064" cy="1656184"/>
+        </p:xfrm>
+        <a:graphic>
+          <a:graphicData uri="http://schemas.openxmlformats.org/drawingml/2006/diagram">
+            <dgm:relIds xmlns:dgm="http://schemas.openxmlformats.org/drawingml/2006/diagram" xmlns:r="http://schemas.openxmlformats.org/officeDocument/2006/relationships" r:dm="rId2" r:lo="rId3" r:qs="rId4" r:cs="rId5"/>
+          </a:graphicData>
+        </a:graphic>
+      </p:graphicFrame>
+      <p:sp>
+        <p:nvSpPr>
+          <p:cNvPr id="10" name="TextBox 9"/>
+          <p:cNvSpPr txBox="1"/>
+          <p:nvPr/>
+        </p:nvSpPr>
+        <p:spPr>
+          <a:xfrm>
+            <a:off x="1043608" y="2852936"/>
+            <a:ext cx="6480720" cy="2308324"/>
+          </a:xfrm>
+          <a:prstGeom prst="rect">
+            <a:avLst/>
+          </a:prstGeom>
+          <a:noFill/>
+        </p:spPr>
+        <p:txBody>
+          <a:bodyPr wrap="square" rtlCol="0">
+            <a:spAutoFit/>
+          </a:bodyPr>
+          <a:lstStyle/>
+          <a:p>
+            <a:r>
+              <a:rPr lang="fr-FR" dirty="0" smtClean="0"/>
+              <a:t>Création d’un corpus de textes peut être fait de plusieurs manières. Les méthodes testées sont les suivantes :  </a:t>
+            </a:r>
+          </a:p>
+          <a:p>
+            <a:endParaRPr lang="fr-FR" dirty="0" smtClean="0"/>
+          </a:p>
+          <a:p>
+            <a:pPr>
+              <a:buFontTx/>
+              <a:buChar char="-"/>
+            </a:pPr>
+            <a:r>
+              <a:rPr lang="fr-FR" dirty="0" smtClean="0"/>
+              <a:t>  Titre uniquement</a:t>
+            </a:r>
+          </a:p>
+          <a:p>
+            <a:pPr>
+              <a:buFontTx/>
+              <a:buChar char="-"/>
+            </a:pPr>
+            <a:r>
+              <a:rPr lang="fr-FR" dirty="0" smtClean="0"/>
+              <a:t> </a:t>
+            </a:r>
+            <a:r>
+              <a:rPr lang="fr-FR" dirty="0" smtClean="0"/>
+              <a:t> Titre + corps</a:t>
+            </a:r>
+          </a:p>
+          <a:p>
+            <a:pPr>
+              <a:buFontTx/>
+              <a:buChar char="-"/>
+            </a:pPr>
+            <a:r>
+              <a:rPr lang="fr-FR" dirty="0" smtClean="0"/>
+              <a:t> </a:t>
+            </a:r>
+            <a:r>
+              <a:rPr lang="fr-FR" dirty="0" smtClean="0"/>
+              <a:t> Titre + corps + </a:t>
+            </a:r>
+            <a:r>
+              <a:rPr lang="fr-FR" dirty="0" err="1" smtClean="0"/>
+              <a:t>bigrams</a:t>
+            </a:r>
+            <a:r>
+              <a:rPr lang="fr-FR" dirty="0" smtClean="0"/>
+              <a:t> de titre + </a:t>
+            </a:r>
+            <a:r>
+              <a:rPr lang="fr-FR" dirty="0" err="1" smtClean="0"/>
+              <a:t>bigrams</a:t>
+            </a:r>
+            <a:r>
+              <a:rPr lang="fr-FR" dirty="0" smtClean="0"/>
+              <a:t> de corps</a:t>
+            </a:r>
+          </a:p>
+          <a:p>
+            <a:pPr>
+              <a:buFontTx/>
+              <a:buChar char="-"/>
+            </a:pPr>
+            <a:r>
+              <a:rPr lang="fr-FR" dirty="0" smtClean="0"/>
+              <a:t>  Titre pondéré + corps</a:t>
+            </a:r>
+          </a:p>
+          <a:p>
+            <a:pPr>
+              <a:buFontTx/>
+              <a:buChar char="-"/>
+            </a:pPr>
+            <a:r>
+              <a:rPr lang="fr-FR" dirty="0" smtClean="0"/>
+              <a:t> </a:t>
+            </a:r>
+            <a:r>
+              <a:rPr lang="fr-FR" dirty="0" smtClean="0"/>
+              <a:t> Titre pondéré + corps + </a:t>
+            </a:r>
+            <a:r>
+              <a:rPr lang="fr-FR" dirty="0" err="1" smtClean="0"/>
+              <a:t>bigrams</a:t>
+            </a:r>
+            <a:r>
+              <a:rPr lang="fr-FR" dirty="0" smtClean="0"/>
+              <a:t> de titre</a:t>
+            </a:r>
             <a:endParaRPr lang="fr-FR" dirty="0"/>
           </a:p>
         </p:txBody>
@@ -10561,40 +14877,66 @@
             <p:ph type="title"/>
           </p:nvPr>
         </p:nvSpPr>
+        <p:spPr/>
+        <p:txBody>
+          <a:bodyPr>
+            <a:normAutofit fontScale="90000"/>
+          </a:bodyPr>
+          <a:lstStyle/>
+          <a:p>
+            <a:r>
+              <a:rPr lang="fr-FR" dirty="0" smtClean="0"/>
+              <a:t>3. Features engineering</a:t>
+            </a:r>
+            <a:br>
+              <a:rPr lang="fr-FR" dirty="0" smtClean="0"/>
+            </a:br>
+            <a:r>
+              <a:rPr lang="fr-FR" dirty="0" err="1" smtClean="0"/>
+              <a:t>Workflow</a:t>
+            </a:r>
+            <a:endParaRPr lang="fr-FR" dirty="0"/>
+          </a:p>
+        </p:txBody>
+      </p:sp>
+      <p:sp>
+        <p:nvSpPr>
+          <p:cNvPr id="3" name="Content Placeholder 2"/>
+          <p:cNvSpPr>
+            <a:spLocks noGrp="1"/>
+          </p:cNvSpPr>
+          <p:nvPr>
+            <p:ph idx="1"/>
+          </p:nvPr>
+        </p:nvSpPr>
         <p:spPr>
           <a:xfrm>
-            <a:off x="539552" y="0"/>
-            <a:ext cx="7776864" cy="980728"/>
+            <a:off x="179512" y="1600200"/>
+            <a:ext cx="8507288" cy="4525963"/>
           </a:xfrm>
         </p:spPr>
         <p:txBody>
           <a:bodyPr>
-            <a:noAutofit/>
+            <a:normAutofit/>
           </a:bodyPr>
           <a:lstStyle/>
           <a:p>
-            <a:r>
-              <a:rPr lang="fr-FR" sz="3200" dirty="0" smtClean="0"/>
-              <a:t>4. Exploration</a:t>
-            </a:r>
-            <a:br>
-              <a:rPr lang="fr-FR" sz="3200" dirty="0" smtClean="0"/>
-            </a:br>
-            <a:r>
-              <a:rPr lang="fr-FR" sz="3200" dirty="0" smtClean="0"/>
-              <a:t>Analyse </a:t>
-            </a:r>
-            <a:r>
-              <a:rPr lang="fr-FR" sz="3200" dirty="0" smtClean="0"/>
-              <a:t>exploratoire - features</a:t>
-            </a:r>
-            <a:endParaRPr lang="fr-FR" sz="3200" dirty="0"/>
+            <a:pPr>
+              <a:buNone/>
+            </a:pPr>
+            <a:endParaRPr lang="fr-FR" dirty="0" smtClean="0"/>
+          </a:p>
+          <a:p>
+            <a:pPr>
+              <a:buNone/>
+            </a:pPr>
+            <a:endParaRPr lang="fr-FR" dirty="0"/>
           </a:p>
         </p:txBody>
       </p:sp>
       <p:sp>
         <p:nvSpPr>
-          <p:cNvPr id="6" name="Date Placeholder 5"/>
+          <p:cNvPr id="4" name="Date Placeholder 3"/>
           <p:cNvSpPr>
             <a:spLocks noGrp="1"/>
           </p:cNvSpPr>
@@ -10607,10 +14949,10 @@
           <a:bodyPr/>
           <a:lstStyle/>
           <a:p>
-            <a:fld id="{92BC38EB-913B-4C57-8A7D-C090B83E2669}" type="datetime1">
+            <a:fld id="{34BB9493-DDA4-47A5-90A8-AADC3D3EA1FB}" type="datetime1">
               <a:rPr lang="fr-FR" smtClean="0"/>
               <a:pPr/>
-              <a:t>24/11/2019</a:t>
+              <a:t>27/11/2019</a:t>
             </a:fld>
             <a:endParaRPr lang="fr-FR"/>
           </a:p>
@@ -10618,7 +14960,30 @@
       </p:sp>
       <p:sp>
         <p:nvSpPr>
-          <p:cNvPr id="7" name="Slide Number Placeholder 6"/>
+          <p:cNvPr id="5" name="Footer Placeholder 4"/>
+          <p:cNvSpPr>
+            <a:spLocks noGrp="1"/>
+          </p:cNvSpPr>
+          <p:nvPr>
+            <p:ph type="ftr" sz="quarter" idx="11"/>
+          </p:nvPr>
+        </p:nvSpPr>
+        <p:spPr/>
+        <p:txBody>
+          <a:bodyPr/>
+          <a:lstStyle/>
+          <a:p>
+            <a:r>
+              <a:rPr lang="fr-FR" smtClean="0"/>
+              <a:t>Lenka Styfalova</a:t>
+            </a:r>
+            <a:endParaRPr lang="fr-FR"/>
+          </a:p>
+        </p:txBody>
+      </p:sp>
+      <p:sp>
+        <p:nvSpPr>
+          <p:cNvPr id="6" name="Slide Number Placeholder 5"/>
           <p:cNvSpPr>
             <a:spLocks noGrp="1"/>
           </p:cNvSpPr>
@@ -10636,43 +15001,20 @@
               <a:pPr/>
               <a:t>8</a:t>
             </a:fld>
-            <a:endParaRPr lang="fr-FR"/>
+            <a:endParaRPr lang="fr-FR" dirty="0"/>
           </a:p>
         </p:txBody>
       </p:sp>
       <p:sp>
         <p:nvSpPr>
-          <p:cNvPr id="8" name="Footer Placeholder 7"/>
-          <p:cNvSpPr>
-            <a:spLocks noGrp="1"/>
-          </p:cNvSpPr>
-          <p:nvPr>
-            <p:ph type="ftr" sz="quarter" idx="11"/>
-          </p:nvPr>
-        </p:nvSpPr>
-        <p:spPr/>
-        <p:txBody>
-          <a:bodyPr/>
-          <a:lstStyle/>
-          <a:p>
-            <a:r>
-              <a:rPr lang="fr-FR" smtClean="0"/>
-              <a:t>Lenka Styfalova</a:t>
-            </a:r>
-            <a:endParaRPr lang="fr-FR"/>
-          </a:p>
-        </p:txBody>
-      </p:sp>
-      <p:sp>
-        <p:nvSpPr>
-          <p:cNvPr id="9" name="TextBox 8"/>
+          <p:cNvPr id="8" name="TextBox 7"/>
           <p:cNvSpPr txBox="1"/>
           <p:nvPr/>
         </p:nvSpPr>
         <p:spPr>
           <a:xfrm>
-            <a:off x="683568" y="1556792"/>
-            <a:ext cx="3240360" cy="1200329"/>
+            <a:off x="539552" y="1772816"/>
+            <a:ext cx="7992888" cy="2862322"/>
           </a:xfrm>
           <a:prstGeom prst="rect">
             <a:avLst/>
@@ -10687,82 +15029,112 @@
           <a:p>
             <a:r>
               <a:rPr lang="fr-FR" dirty="0" smtClean="0"/>
-              <a:t>Nombre de mots par question :</a:t>
-            </a:r>
-          </a:p>
-          <a:p>
-            <a:pPr>
+              <a:t>Plusieurs façons comment recoder les </a:t>
+            </a:r>
+            <a:r>
+              <a:rPr lang="fr-FR" dirty="0" smtClean="0"/>
+              <a:t>features était testé sur l’ensemble de mod</a:t>
+            </a:r>
+            <a:r>
+              <a:rPr lang="fr-FR" dirty="0" smtClean="0"/>
+              <a:t>èles</a:t>
+            </a:r>
+            <a:r>
+              <a:rPr lang="fr-FR" dirty="0" smtClean="0"/>
+              <a:t> :</a:t>
+            </a:r>
+          </a:p>
+          <a:p>
+            <a:endParaRPr lang="fr-FR" dirty="0" smtClean="0"/>
+          </a:p>
+          <a:p>
+            <a:pPr lvl="1">
               <a:buFont typeface="Arial" pitchFamily="34" charset="0"/>
               <a:buChar char="•"/>
             </a:pPr>
             <a:r>
               <a:rPr lang="fr-FR" dirty="0" smtClean="0"/>
-              <a:t>  moyen : 110 </a:t>
-            </a:r>
-          </a:p>
-          <a:p>
-            <a:pPr>
+              <a:t>  </a:t>
+            </a:r>
+            <a:r>
+              <a:rPr lang="fr-FR" dirty="0" smtClean="0"/>
+              <a:t>Titre </a:t>
+            </a:r>
+          </a:p>
+          <a:p>
+            <a:pPr lvl="1">
               <a:buFont typeface="Arial" pitchFamily="34" charset="0"/>
               <a:buChar char="•"/>
             </a:pPr>
             <a:r>
               <a:rPr lang="fr-FR" dirty="0" smtClean="0"/>
-              <a:t> </a:t>
+              <a:t>  Titre + corps + </a:t>
+            </a:r>
+            <a:r>
+              <a:rPr lang="fr-FR" dirty="0" err="1" smtClean="0"/>
+              <a:t>bigrams</a:t>
             </a:r>
             <a:r>
               <a:rPr lang="fr-FR" dirty="0" smtClean="0"/>
-              <a:t> min : 5</a:t>
-            </a:r>
-          </a:p>
-          <a:p>
-            <a:pPr>
+              <a:t> titre + </a:t>
+            </a:r>
+            <a:r>
+              <a:rPr lang="fr-FR" dirty="0" err="1" smtClean="0"/>
+              <a:t>bigrams</a:t>
+            </a:r>
+            <a:r>
+              <a:rPr lang="fr-FR" dirty="0" smtClean="0"/>
+              <a:t> corps</a:t>
+            </a:r>
+          </a:p>
+          <a:p>
+            <a:pPr lvl="1">
               <a:buFont typeface="Arial" pitchFamily="34" charset="0"/>
               <a:buChar char="•"/>
             </a:pPr>
             <a:r>
               <a:rPr lang="fr-FR" dirty="0" smtClean="0"/>
-              <a:t> </a:t>
-            </a:r>
+              <a:t>  Titre pondéré (x3) + corps</a:t>
+            </a:r>
+          </a:p>
+          <a:p>
+            <a:pPr lvl="1">
+              <a:buFont typeface="Arial" pitchFamily="34" charset="0"/>
+              <a:buChar char="•"/>
+            </a:pPr>
             <a:r>
               <a:rPr lang="fr-FR" dirty="0" smtClean="0"/>
-              <a:t> max : 4070</a:t>
-            </a:r>
+              <a:t>  Titre pondéré (x2) + </a:t>
+            </a:r>
+            <a:r>
+              <a:rPr lang="fr-FR" dirty="0" err="1" smtClean="0"/>
+              <a:t>bigrams</a:t>
+            </a:r>
+            <a:r>
+              <a:rPr lang="fr-FR" dirty="0" smtClean="0"/>
+              <a:t> titre pondéré (x2) + </a:t>
+            </a:r>
+            <a:r>
+              <a:rPr lang="fr-FR" dirty="0" smtClean="0"/>
+              <a:t>corps</a:t>
+            </a:r>
+          </a:p>
+          <a:p>
+            <a:pPr lvl="1"/>
             <a:endParaRPr lang="fr-FR" dirty="0" smtClean="0"/>
+          </a:p>
+          <a:p>
+            <a:endParaRPr lang="fr-FR" dirty="0" smtClean="0"/>
+          </a:p>
+          <a:p>
+            <a:pPr>
+              <a:buFontTx/>
+              <a:buChar char="-"/>
+            </a:pPr>
+            <a:endParaRPr lang="fr-FR" dirty="0"/>
           </a:p>
         </p:txBody>
       </p:sp>
-      <p:pic>
-        <p:nvPicPr>
-          <p:cNvPr id="3074" name="Picture 2"/>
-          <p:cNvPicPr>
-            <a:picLocks noChangeAspect="1" noChangeArrowheads="1"/>
-          </p:cNvPicPr>
-          <p:nvPr/>
-        </p:nvPicPr>
-        <p:blipFill>
-          <a:blip r:embed="rId2" cstate="print"/>
-          <a:srcRect/>
-          <a:stretch>
-            <a:fillRect/>
-          </a:stretch>
-        </p:blipFill>
-        <p:spPr bwMode="auto">
-          <a:xfrm>
-            <a:off x="4139952" y="980728"/>
-            <a:ext cx="4490246" cy="5661248"/>
-          </a:xfrm>
-          <a:prstGeom prst="rect">
-            <a:avLst/>
-          </a:prstGeom>
-          <a:noFill/>
-          <a:ln w="9525">
-            <a:noFill/>
-            <a:miter lim="800000"/>
-            <a:headEnd/>
-            <a:tailEnd/>
-          </a:ln>
-        </p:spPr>
-      </p:pic>
     </p:spTree>
   </p:cSld>
   <p:clrMapOvr>
@@ -10808,7 +15180,7 @@
         <p:spPr>
           <a:xfrm>
             <a:off x="539552" y="0"/>
-            <a:ext cx="7560840" cy="908720"/>
+            <a:ext cx="7776864" cy="980728"/>
           </a:xfrm>
         </p:spPr>
         <p:txBody>
@@ -10826,11 +15198,7 @@
             </a:br>
             <a:r>
               <a:rPr lang="fr-FR" sz="3200" dirty="0" smtClean="0"/>
-              <a:t>Analyse </a:t>
-            </a:r>
-            <a:r>
-              <a:rPr lang="fr-FR" sz="3200" dirty="0" smtClean="0"/>
-              <a:t>exploratoire - cible</a:t>
+              <a:t>Analyse exploratoire - features</a:t>
             </a:r>
             <a:endParaRPr lang="fr-FR" sz="3200" dirty="0"/>
           </a:p>
@@ -10854,7 +15222,7 @@
             <a:fld id="{92BC38EB-913B-4C57-8A7D-C090B83E2669}" type="datetime1">
               <a:rPr lang="fr-FR" smtClean="0"/>
               <a:pPr/>
-              <a:t>24/11/2019</a:t>
+              <a:t>26/11/2019</a:t>
             </a:fld>
             <a:endParaRPr lang="fr-FR"/>
           </a:p>
@@ -10907,9 +15275,68 @@
           </a:p>
         </p:txBody>
       </p:sp>
+      <p:sp>
+        <p:nvSpPr>
+          <p:cNvPr id="9" name="TextBox 8"/>
+          <p:cNvSpPr txBox="1"/>
+          <p:nvPr/>
+        </p:nvSpPr>
+        <p:spPr>
+          <a:xfrm>
+            <a:off x="683568" y="1556792"/>
+            <a:ext cx="3240360" cy="1200329"/>
+          </a:xfrm>
+          <a:prstGeom prst="rect">
+            <a:avLst/>
+          </a:prstGeom>
+          <a:noFill/>
+        </p:spPr>
+        <p:txBody>
+          <a:bodyPr wrap="square" rtlCol="0">
+            <a:spAutoFit/>
+          </a:bodyPr>
+          <a:lstStyle/>
+          <a:p>
+            <a:r>
+              <a:rPr lang="fr-FR" dirty="0" smtClean="0"/>
+              <a:t>Nombre de mots par question :</a:t>
+            </a:r>
+          </a:p>
+          <a:p>
+            <a:pPr>
+              <a:buFont typeface="Arial" pitchFamily="34" charset="0"/>
+              <a:buChar char="•"/>
+            </a:pPr>
+            <a:r>
+              <a:rPr lang="fr-FR" dirty="0" smtClean="0"/>
+              <a:t>  moyen : 110 </a:t>
+            </a:r>
+          </a:p>
+          <a:p>
+            <a:pPr>
+              <a:buFont typeface="Arial" pitchFamily="34" charset="0"/>
+              <a:buChar char="•"/>
+            </a:pPr>
+            <a:r>
+              <a:rPr lang="fr-FR" dirty="0" smtClean="0"/>
+              <a:t>  min : 5</a:t>
+            </a:r>
+          </a:p>
+          <a:p>
+            <a:pPr>
+              <a:buFont typeface="Arial" pitchFamily="34" charset="0"/>
+              <a:buChar char="•"/>
+            </a:pPr>
+            <a:r>
+              <a:rPr lang="fr-FR" dirty="0" smtClean="0"/>
+              <a:t>  max : 4070</a:t>
+            </a:r>
+          </a:p>
+        </p:txBody>
+      </p:sp>
       <p:pic>
         <p:nvPicPr>
-          <p:cNvPr id="4098" name="Picture 2"/>
+          <p:cNvPr id="3074" name="Picture 2"/>
           <p:cNvPicPr>
             <a:picLocks noChangeAspect="1" noChangeArrowheads="1"/>
           </p:cNvPicPr>
@@ -10924,8 +15351,8 @@
         </p:blipFill>
         <p:spPr bwMode="auto">
           <a:xfrm>
-            <a:off x="3571474" y="980728"/>
-            <a:ext cx="5572526" cy="5877272"/>
+            <a:off x="4139952" y="980728"/>
+            <a:ext cx="4490246" cy="5661248"/>
           </a:xfrm>
           <a:prstGeom prst="rect">
             <a:avLst/>
@@ -10939,110 +15366,6 @@
           </a:ln>
         </p:spPr>
       </p:pic>
-      <p:pic>
-        <p:nvPicPr>
-          <p:cNvPr id="4099" name="Picture 3"/>
-          <p:cNvPicPr>
-            <a:picLocks noChangeAspect="1" noChangeArrowheads="1"/>
-          </p:cNvPicPr>
-          <p:nvPr/>
-        </p:nvPicPr>
-        <p:blipFill>
-          <a:blip r:embed="rId3" cstate="print"/>
-          <a:srcRect/>
-          <a:stretch>
-            <a:fillRect/>
-          </a:stretch>
-        </p:blipFill>
-        <p:spPr bwMode="auto">
-          <a:xfrm>
-            <a:off x="179512" y="3068960"/>
-            <a:ext cx="3456019" cy="3335660"/>
-          </a:xfrm>
-          <a:prstGeom prst="rect">
-            <a:avLst/>
-          </a:prstGeom>
-          <a:noFill/>
-          <a:ln w="9525">
-            <a:noFill/>
-            <a:miter lim="800000"/>
-            <a:headEnd/>
-            <a:tailEnd/>
-          </a:ln>
-        </p:spPr>
-      </p:pic>
-      <p:sp>
-        <p:nvSpPr>
-          <p:cNvPr id="9" name="TextBox 8"/>
-          <p:cNvSpPr txBox="1"/>
-          <p:nvPr/>
-        </p:nvSpPr>
-        <p:spPr>
-          <a:xfrm>
-            <a:off x="179512" y="1124744"/>
-            <a:ext cx="3456384" cy="1200329"/>
-          </a:xfrm>
-          <a:prstGeom prst="rect">
-            <a:avLst/>
-          </a:prstGeom>
-          <a:noFill/>
-        </p:spPr>
-        <p:txBody>
-          <a:bodyPr wrap="square" rtlCol="0">
-            <a:spAutoFit/>
-          </a:bodyPr>
-          <a:lstStyle/>
-          <a:p>
-            <a:r>
-              <a:rPr lang="fr-FR" dirty="0" smtClean="0"/>
-              <a:t>Nombre de tags par post :</a:t>
-            </a:r>
-          </a:p>
-          <a:p>
-            <a:pPr>
-              <a:buFont typeface="Arial" pitchFamily="34" charset="0"/>
-              <a:buChar char="•"/>
-            </a:pPr>
-            <a:r>
-              <a:rPr lang="fr-FR" dirty="0" smtClean="0"/>
-              <a:t> </a:t>
-            </a:r>
-            <a:r>
-              <a:rPr lang="fr-FR" dirty="0" smtClean="0"/>
-              <a:t> min = 1 / max = 5</a:t>
-            </a:r>
-          </a:p>
-          <a:p>
-            <a:pPr>
-              <a:buFont typeface="Arial" pitchFamily="34" charset="0"/>
-              <a:buChar char="•"/>
-            </a:pPr>
-            <a:r>
-              <a:rPr lang="fr-FR" dirty="0" smtClean="0"/>
-              <a:t> </a:t>
-            </a:r>
-            <a:r>
-              <a:rPr lang="fr-FR" dirty="0" smtClean="0"/>
-              <a:t> médian = 3</a:t>
-            </a:r>
-          </a:p>
-          <a:p>
-            <a:pPr>
-              <a:buFont typeface="Arial" pitchFamily="34" charset="0"/>
-              <a:buChar char="•"/>
-            </a:pPr>
-            <a:r>
-              <a:rPr lang="fr-FR" dirty="0" smtClean="0"/>
-              <a:t> </a:t>
-            </a:r>
-            <a:r>
-              <a:rPr lang="fr-FR" dirty="0" smtClean="0"/>
-              <a:t> moyen = 3</a:t>
-            </a:r>
-            <a:endParaRPr lang="fr-FR" dirty="0"/>
-          </a:p>
-        </p:txBody>
-      </p:sp>
     </p:spTree>
   </p:cSld>
   <p:clrMapOvr>
